--- a/Item-Based-Recommendation_Yuwei Chen.pptx
+++ b/Item-Based-Recommendation_Yuwei Chen.pptx
@@ -2,26 +2,29 @@
 <file path=ppt/presentation.xml><?xml version="1.0" encoding="utf-8"?>
 <p:presentation xmlns:a="http://schemas.openxmlformats.org/drawingml/2006/main" xmlns:r="http://schemas.openxmlformats.org/officeDocument/2006/relationships" xmlns:p="http://schemas.openxmlformats.org/presentationml/2006/main" saveSubsetFonts="1" autoCompressPictures="0">
   <p:sldMasterIdLst>
-    <p:sldMasterId id="2147483648" r:id="rId1"/>
-    <p:sldMasterId id="2147483650" r:id="rId2"/>
+    <p:sldMasterId id="2147483663" r:id="rId1"/>
   </p:sldMasterIdLst>
   <p:notesMasterIdLst>
-    <p:notesMasterId r:id="rId16"/>
+    <p:notesMasterId r:id="rId19"/>
   </p:notesMasterIdLst>
   <p:sldIdLst>
-    <p:sldId id="256" r:id="rId3"/>
-    <p:sldId id="258" r:id="rId4"/>
-    <p:sldId id="257" r:id="rId5"/>
-    <p:sldId id="266" r:id="rId6"/>
-    <p:sldId id="267" r:id="rId7"/>
-    <p:sldId id="259" r:id="rId8"/>
-    <p:sldId id="260" r:id="rId9"/>
-    <p:sldId id="268" r:id="rId10"/>
-    <p:sldId id="269" r:id="rId11"/>
-    <p:sldId id="261" r:id="rId12"/>
-    <p:sldId id="262" r:id="rId13"/>
-    <p:sldId id="263" r:id="rId14"/>
-    <p:sldId id="264" r:id="rId15"/>
+    <p:sldId id="256" r:id="rId2"/>
+    <p:sldId id="258" r:id="rId3"/>
+    <p:sldId id="257" r:id="rId4"/>
+    <p:sldId id="266" r:id="rId5"/>
+    <p:sldId id="267" r:id="rId6"/>
+    <p:sldId id="259" r:id="rId7"/>
+    <p:sldId id="260" r:id="rId8"/>
+    <p:sldId id="268" r:id="rId9"/>
+    <p:sldId id="269" r:id="rId10"/>
+    <p:sldId id="261" r:id="rId11"/>
+    <p:sldId id="262" r:id="rId12"/>
+    <p:sldId id="263" r:id="rId13"/>
+    <p:sldId id="270" r:id="rId14"/>
+    <p:sldId id="271" r:id="rId15"/>
+    <p:sldId id="272" r:id="rId16"/>
+    <p:sldId id="273" r:id="rId17"/>
+    <p:sldId id="274" r:id="rId18"/>
   </p:sldIdLst>
   <p:sldSz cx="14630400" cy="8229600"/>
   <p:notesSz cx="8229600" cy="14630400"/>
@@ -418,90 +421,6 @@
 </p:notes>
 </file>
 
-<file path=ppt/notesSlides/notesSlide11.xml><?xml version="1.0" encoding="utf-8"?>
-<p:notes xmlns:a="http://schemas.openxmlformats.org/drawingml/2006/main" xmlns:r="http://schemas.openxmlformats.org/officeDocument/2006/relationships" xmlns:p="http://schemas.openxmlformats.org/presentationml/2006/main">
-  <p:cSld>
-    <p:spTree>
-      <p:nvGrpSpPr>
-        <p:cNvPr id="1" name=""/>
-        <p:cNvGrpSpPr/>
-        <p:nvPr/>
-      </p:nvGrpSpPr>
-      <p:grpSpPr>
-        <a:xfrm>
-          <a:off x="0" y="0"/>
-          <a:ext cx="0" cy="0"/>
-          <a:chOff x="0" y="0"/>
-          <a:chExt cx="0" cy="0"/>
-        </a:xfrm>
-      </p:grpSpPr>
-      <p:sp>
-        <p:nvSpPr>
-          <p:cNvPr id="2" name="Slide Image Placeholder 1"/>
-          <p:cNvSpPr>
-            <a:spLocks noGrp="1" noRot="1" noChangeAspect="1"/>
-          </p:cNvSpPr>
-          <p:nvPr>
-            <p:ph type="sldImg"/>
-          </p:nvPr>
-        </p:nvSpPr>
-        <p:spPr/>
-      </p:sp>
-      <p:sp>
-        <p:nvSpPr>
-          <p:cNvPr id="3" name="Notes Placeholder 2"/>
-          <p:cNvSpPr>
-            <a:spLocks noGrp="1"/>
-          </p:cNvSpPr>
-          <p:nvPr>
-            <p:ph type="body" idx="1"/>
-          </p:nvPr>
-        </p:nvSpPr>
-        <p:spPr/>
-        <p:txBody>
-          <a:bodyPr/>
-          <a:lstStyle/>
-          <a:p>
-            <a:endParaRPr lang="en-US" dirty="0"/>
-          </a:p>
-        </p:txBody>
-      </p:sp>
-      <p:sp>
-        <p:nvSpPr>
-          <p:cNvPr id="4" name="Slide Number Placeholder 3"/>
-          <p:cNvSpPr>
-            <a:spLocks noGrp="1"/>
-          </p:cNvSpPr>
-          <p:nvPr>
-            <p:ph type="sldNum" sz="quarter" idx="10"/>
-          </p:nvPr>
-        </p:nvSpPr>
-        <p:spPr/>
-        <p:txBody>
-          <a:bodyPr/>
-          <a:lstStyle/>
-          <a:p>
-            <a:fld id="{F7021451-1387-4CA6-816F-3879F97B5CBC}" type="slidenum">
-              <a:rPr lang="en-US"/>
-              <a:t>13</a:t>
-            </a:fld>
-            <a:endParaRPr lang="en-US"/>
-          </a:p>
-        </p:txBody>
-      </p:sp>
-    </p:spTree>
-    <p:extLst>
-      <p:ext uri="{BB962C8B-B14F-4D97-AF65-F5344CB8AC3E}">
-        <p14:creationId xmlns:p14="http://schemas.microsoft.com/office/powerpoint/2010/main" val="1024086991"/>
-      </p:ext>
-    </p:extLst>
-  </p:cSld>
-  <p:clrMapOvr>
-    <a:masterClrMapping/>
-  </p:clrMapOvr>
-</p:notes>
-</file>
-
 <file path=ppt/notesSlides/notesSlide2.xml><?xml version="1.0" encoding="utf-8"?>
 <p:notes xmlns:a="http://schemas.openxmlformats.org/drawingml/2006/main" xmlns:r="http://schemas.openxmlformats.org/officeDocument/2006/relationships" xmlns:p="http://schemas.openxmlformats.org/presentationml/2006/main">
   <p:cSld>
@@ -1175,7 +1094,448 @@
 </file>
 
 <file path=ppt/slideLayouts/slideLayout1.xml><?xml version="1.0" encoding="utf-8"?>
-<p:sldLayout xmlns:a="http://schemas.openxmlformats.org/drawingml/2006/main" xmlns:r="http://schemas.openxmlformats.org/officeDocument/2006/relationships" xmlns:p="http://schemas.openxmlformats.org/presentationml/2006/main" preserve="1">
+<p:sldLayout xmlns:a="http://schemas.openxmlformats.org/drawingml/2006/main" xmlns:r="http://schemas.openxmlformats.org/officeDocument/2006/relationships" xmlns:p="http://schemas.openxmlformats.org/presentationml/2006/main" type="obj" preserve="1">
+  <p:cSld name="標題及內容">
+    <p:spTree>
+      <p:nvGrpSpPr>
+        <p:cNvPr id="1" name=""/>
+        <p:cNvGrpSpPr/>
+        <p:nvPr/>
+      </p:nvGrpSpPr>
+      <p:grpSpPr>
+        <a:xfrm>
+          <a:off x="0" y="0"/>
+          <a:ext cx="0" cy="0"/>
+          <a:chOff x="0" y="0"/>
+          <a:chExt cx="0" cy="0"/>
+        </a:xfrm>
+      </p:grpSpPr>
+      <p:sp>
+        <p:nvSpPr>
+          <p:cNvPr id="2" name="標題 1">
+            <a:extLst>
+              <a:ext uri="{FF2B5EF4-FFF2-40B4-BE49-F238E27FC236}">
+                <a16:creationId xmlns:a16="http://schemas.microsoft.com/office/drawing/2014/main" id="{A5C1C54F-14BE-69DF-C693-4894A3493193}"/>
+              </a:ext>
+            </a:extLst>
+          </p:cNvPr>
+          <p:cNvSpPr>
+            <a:spLocks noGrp="1"/>
+          </p:cNvSpPr>
+          <p:nvPr>
+            <p:ph type="title" hasCustomPrompt="1"/>
+          </p:nvPr>
+        </p:nvSpPr>
+        <p:spPr/>
+        <p:txBody>
+          <a:bodyPr/>
+          <a:lstStyle>
+            <a:lvl1pPr>
+              <a:defRPr b="1"/>
+            </a:lvl1pPr>
+          </a:lstStyle>
+          <a:p>
+            <a:r>
+              <a:rPr lang="en-US" altLang="zh-TW" dirty="0"/>
+              <a:t>Headline</a:t>
+            </a:r>
+            <a:endParaRPr lang="zh-TW" altLang="en-US" dirty="0"/>
+          </a:p>
+        </p:txBody>
+      </p:sp>
+      <p:sp>
+        <p:nvSpPr>
+          <p:cNvPr id="3" name="內容版面配置區 2">
+            <a:extLst>
+              <a:ext uri="{FF2B5EF4-FFF2-40B4-BE49-F238E27FC236}">
+                <a16:creationId xmlns:a16="http://schemas.microsoft.com/office/drawing/2014/main" id="{C1985F89-11BD-B455-7009-78B88DD06E96}"/>
+              </a:ext>
+            </a:extLst>
+          </p:cNvPr>
+          <p:cNvSpPr>
+            <a:spLocks noGrp="1"/>
+          </p:cNvSpPr>
+          <p:nvPr>
+            <p:ph idx="1" hasCustomPrompt="1"/>
+          </p:nvPr>
+        </p:nvSpPr>
+        <p:spPr/>
+        <p:txBody>
+          <a:bodyPr/>
+          <a:lstStyle/>
+          <a:p>
+            <a:pPr lvl="0"/>
+            <a:r>
+              <a:rPr lang="en-US" altLang="zh-TW" dirty="0" err="1"/>
+              <a:t>Conext</a:t>
+            </a:r>
+            <a:endParaRPr lang="zh-TW" altLang="en-US" dirty="0"/>
+          </a:p>
+        </p:txBody>
+      </p:sp>
+      <p:sp>
+        <p:nvSpPr>
+          <p:cNvPr id="4" name="日期版面配置區 3">
+            <a:extLst>
+              <a:ext uri="{FF2B5EF4-FFF2-40B4-BE49-F238E27FC236}">
+                <a16:creationId xmlns:a16="http://schemas.microsoft.com/office/drawing/2014/main" id="{4908BBC4-7633-3C4E-0621-6E7CFBD13E61}"/>
+              </a:ext>
+            </a:extLst>
+          </p:cNvPr>
+          <p:cNvSpPr>
+            <a:spLocks noGrp="1"/>
+          </p:cNvSpPr>
+          <p:nvPr>
+            <p:ph type="dt" sz="half" idx="10"/>
+          </p:nvPr>
+        </p:nvSpPr>
+        <p:spPr/>
+        <p:txBody>
+          <a:bodyPr/>
+          <a:lstStyle/>
+          <a:p>
+            <a:fld id="{125EEE83-047E-4606-89B3-9A2FEDB76F43}" type="datetimeFigureOut">
+              <a:rPr lang="zh-TW" altLang="en-US" smtClean="0"/>
+              <a:t>2023/7/17</a:t>
+            </a:fld>
+            <a:endParaRPr lang="zh-TW" altLang="en-US"/>
+          </a:p>
+        </p:txBody>
+      </p:sp>
+      <p:sp>
+        <p:nvSpPr>
+          <p:cNvPr id="5" name="頁尾版面配置區 4">
+            <a:extLst>
+              <a:ext uri="{FF2B5EF4-FFF2-40B4-BE49-F238E27FC236}">
+                <a16:creationId xmlns:a16="http://schemas.microsoft.com/office/drawing/2014/main" id="{5E81276E-1E8E-77B3-12D0-5D13B714081F}"/>
+              </a:ext>
+            </a:extLst>
+          </p:cNvPr>
+          <p:cNvSpPr>
+            <a:spLocks noGrp="1"/>
+          </p:cNvSpPr>
+          <p:nvPr>
+            <p:ph type="ftr" sz="quarter" idx="11"/>
+          </p:nvPr>
+        </p:nvSpPr>
+        <p:spPr/>
+        <p:txBody>
+          <a:bodyPr/>
+          <a:lstStyle/>
+          <a:p>
+            <a:endParaRPr lang="zh-TW" altLang="en-US"/>
+          </a:p>
+        </p:txBody>
+      </p:sp>
+      <p:sp>
+        <p:nvSpPr>
+          <p:cNvPr id="6" name="投影片編號版面配置區 5">
+            <a:extLst>
+              <a:ext uri="{FF2B5EF4-FFF2-40B4-BE49-F238E27FC236}">
+                <a16:creationId xmlns:a16="http://schemas.microsoft.com/office/drawing/2014/main" id="{24E155F6-38F6-6067-5E94-8BAD596F5250}"/>
+              </a:ext>
+            </a:extLst>
+          </p:cNvPr>
+          <p:cNvSpPr>
+            <a:spLocks noGrp="1"/>
+          </p:cNvSpPr>
+          <p:nvPr>
+            <p:ph type="sldNum" sz="quarter" idx="12"/>
+          </p:nvPr>
+        </p:nvSpPr>
+        <p:spPr/>
+        <p:txBody>
+          <a:bodyPr/>
+          <a:lstStyle/>
+          <a:p>
+            <a:fld id="{62B0F332-3C9A-4C2E-A10F-801FCD0AC800}" type="slidenum">
+              <a:rPr lang="zh-TW" altLang="en-US" smtClean="0"/>
+              <a:t>‹#›</a:t>
+            </a:fld>
+            <a:endParaRPr lang="zh-TW" altLang="en-US"/>
+          </a:p>
+        </p:txBody>
+      </p:sp>
+    </p:spTree>
+    <p:extLst>
+      <p:ext uri="{BB962C8B-B14F-4D97-AF65-F5344CB8AC3E}">
+        <p14:creationId xmlns:p14="http://schemas.microsoft.com/office/powerpoint/2010/main" val="2829463660"/>
+      </p:ext>
+    </p:extLst>
+  </p:cSld>
+  <p:clrMapOvr>
+    <a:masterClrMapping/>
+  </p:clrMapOvr>
+</p:sldLayout>
+</file>
+
+<file path=ppt/slideLayouts/slideLayout2.xml><?xml version="1.0" encoding="utf-8"?>
+<p:sldLayout xmlns:a="http://schemas.openxmlformats.org/drawingml/2006/main" xmlns:r="http://schemas.openxmlformats.org/officeDocument/2006/relationships" xmlns:p="http://schemas.openxmlformats.org/presentationml/2006/main" type="twoObj" preserve="1">
+  <p:cSld name="兩個內容">
+    <p:spTree>
+      <p:nvGrpSpPr>
+        <p:cNvPr id="1" name=""/>
+        <p:cNvGrpSpPr/>
+        <p:nvPr/>
+      </p:nvGrpSpPr>
+      <p:grpSpPr>
+        <a:xfrm>
+          <a:off x="0" y="0"/>
+          <a:ext cx="0" cy="0"/>
+          <a:chOff x="0" y="0"/>
+          <a:chExt cx="0" cy="0"/>
+        </a:xfrm>
+      </p:grpSpPr>
+      <p:sp>
+        <p:nvSpPr>
+          <p:cNvPr id="2" name="標題 1">
+            <a:extLst>
+              <a:ext uri="{FF2B5EF4-FFF2-40B4-BE49-F238E27FC236}">
+                <a16:creationId xmlns:a16="http://schemas.microsoft.com/office/drawing/2014/main" id="{52BCFC7F-9879-0585-6CBF-359296659A63}"/>
+              </a:ext>
+            </a:extLst>
+          </p:cNvPr>
+          <p:cNvSpPr>
+            <a:spLocks noGrp="1"/>
+          </p:cNvSpPr>
+          <p:nvPr>
+            <p:ph type="title"/>
+          </p:nvPr>
+        </p:nvSpPr>
+        <p:spPr/>
+        <p:txBody>
+          <a:bodyPr/>
+          <a:lstStyle/>
+          <a:p>
+            <a:r>
+              <a:rPr lang="zh-TW" altLang="en-US"/>
+              <a:t>按一下以編輯母片標題樣式</a:t>
+            </a:r>
+          </a:p>
+        </p:txBody>
+      </p:sp>
+      <p:sp>
+        <p:nvSpPr>
+          <p:cNvPr id="3" name="內容版面配置區 2">
+            <a:extLst>
+              <a:ext uri="{FF2B5EF4-FFF2-40B4-BE49-F238E27FC236}">
+                <a16:creationId xmlns:a16="http://schemas.microsoft.com/office/drawing/2014/main" id="{BC8FAC14-3B00-E879-6C95-1A303DC3D93B}"/>
+              </a:ext>
+            </a:extLst>
+          </p:cNvPr>
+          <p:cNvSpPr>
+            <a:spLocks noGrp="1"/>
+          </p:cNvSpPr>
+          <p:nvPr>
+            <p:ph sz="half" idx="1"/>
+          </p:nvPr>
+        </p:nvSpPr>
+        <p:spPr>
+          <a:xfrm>
+            <a:off x="1006475" y="2190750"/>
+            <a:ext cx="6232525" cy="5221288"/>
+          </a:xfrm>
+        </p:spPr>
+        <p:txBody>
+          <a:bodyPr/>
+          <a:lstStyle/>
+          <a:p>
+            <a:pPr lvl="0"/>
+            <a:r>
+              <a:rPr lang="zh-TW" altLang="en-US"/>
+              <a:t>按一下以編輯母片文字樣式</a:t>
+            </a:r>
+          </a:p>
+          <a:p>
+            <a:pPr lvl="1"/>
+            <a:r>
+              <a:rPr lang="zh-TW" altLang="en-US"/>
+              <a:t>第二層</a:t>
+            </a:r>
+          </a:p>
+          <a:p>
+            <a:pPr lvl="2"/>
+            <a:r>
+              <a:rPr lang="zh-TW" altLang="en-US"/>
+              <a:t>第三層</a:t>
+            </a:r>
+          </a:p>
+          <a:p>
+            <a:pPr lvl="3"/>
+            <a:r>
+              <a:rPr lang="zh-TW" altLang="en-US"/>
+              <a:t>第四層</a:t>
+            </a:r>
+          </a:p>
+          <a:p>
+            <a:pPr lvl="4"/>
+            <a:r>
+              <a:rPr lang="zh-TW" altLang="en-US"/>
+              <a:t>第五層</a:t>
+            </a:r>
+          </a:p>
+        </p:txBody>
+      </p:sp>
+      <p:sp>
+        <p:nvSpPr>
+          <p:cNvPr id="4" name="內容版面配置區 3">
+            <a:extLst>
+              <a:ext uri="{FF2B5EF4-FFF2-40B4-BE49-F238E27FC236}">
+                <a16:creationId xmlns:a16="http://schemas.microsoft.com/office/drawing/2014/main" id="{1E634577-E866-9E44-D34C-B7194441FECB}"/>
+              </a:ext>
+            </a:extLst>
+          </p:cNvPr>
+          <p:cNvSpPr>
+            <a:spLocks noGrp="1"/>
+          </p:cNvSpPr>
+          <p:nvPr>
+            <p:ph sz="half" idx="2"/>
+          </p:nvPr>
+        </p:nvSpPr>
+        <p:spPr>
+          <a:xfrm>
+            <a:off x="7391400" y="2190750"/>
+            <a:ext cx="6232525" cy="5221288"/>
+          </a:xfrm>
+        </p:spPr>
+        <p:txBody>
+          <a:bodyPr/>
+          <a:lstStyle/>
+          <a:p>
+            <a:pPr lvl="0"/>
+            <a:r>
+              <a:rPr lang="zh-TW" altLang="en-US"/>
+              <a:t>按一下以編輯母片文字樣式</a:t>
+            </a:r>
+          </a:p>
+          <a:p>
+            <a:pPr lvl="1"/>
+            <a:r>
+              <a:rPr lang="zh-TW" altLang="en-US"/>
+              <a:t>第二層</a:t>
+            </a:r>
+          </a:p>
+          <a:p>
+            <a:pPr lvl="2"/>
+            <a:r>
+              <a:rPr lang="zh-TW" altLang="en-US"/>
+              <a:t>第三層</a:t>
+            </a:r>
+          </a:p>
+          <a:p>
+            <a:pPr lvl="3"/>
+            <a:r>
+              <a:rPr lang="zh-TW" altLang="en-US"/>
+              <a:t>第四層</a:t>
+            </a:r>
+          </a:p>
+          <a:p>
+            <a:pPr lvl="4"/>
+            <a:r>
+              <a:rPr lang="zh-TW" altLang="en-US"/>
+              <a:t>第五層</a:t>
+            </a:r>
+          </a:p>
+        </p:txBody>
+      </p:sp>
+      <p:sp>
+        <p:nvSpPr>
+          <p:cNvPr id="5" name="日期版面配置區 4">
+            <a:extLst>
+              <a:ext uri="{FF2B5EF4-FFF2-40B4-BE49-F238E27FC236}">
+                <a16:creationId xmlns:a16="http://schemas.microsoft.com/office/drawing/2014/main" id="{9BBE0009-CF6C-9A03-C394-D85D710AFF57}"/>
+              </a:ext>
+            </a:extLst>
+          </p:cNvPr>
+          <p:cNvSpPr>
+            <a:spLocks noGrp="1"/>
+          </p:cNvSpPr>
+          <p:nvPr>
+            <p:ph type="dt" sz="half" idx="10"/>
+          </p:nvPr>
+        </p:nvSpPr>
+        <p:spPr/>
+        <p:txBody>
+          <a:bodyPr/>
+          <a:lstStyle/>
+          <a:p>
+            <a:fld id="{125EEE83-047E-4606-89B3-9A2FEDB76F43}" type="datetimeFigureOut">
+              <a:rPr lang="zh-TW" altLang="en-US" smtClean="0"/>
+              <a:t>2023/7/17</a:t>
+            </a:fld>
+            <a:endParaRPr lang="zh-TW" altLang="en-US"/>
+          </a:p>
+        </p:txBody>
+      </p:sp>
+      <p:sp>
+        <p:nvSpPr>
+          <p:cNvPr id="6" name="頁尾版面配置區 5">
+            <a:extLst>
+              <a:ext uri="{FF2B5EF4-FFF2-40B4-BE49-F238E27FC236}">
+                <a16:creationId xmlns:a16="http://schemas.microsoft.com/office/drawing/2014/main" id="{B72C4E68-DBE1-ABE4-5AD2-95F0FA664C0D}"/>
+              </a:ext>
+            </a:extLst>
+          </p:cNvPr>
+          <p:cNvSpPr>
+            <a:spLocks noGrp="1"/>
+          </p:cNvSpPr>
+          <p:nvPr>
+            <p:ph type="ftr" sz="quarter" idx="11"/>
+          </p:nvPr>
+        </p:nvSpPr>
+        <p:spPr/>
+        <p:txBody>
+          <a:bodyPr/>
+          <a:lstStyle/>
+          <a:p>
+            <a:endParaRPr lang="zh-TW" altLang="en-US"/>
+          </a:p>
+        </p:txBody>
+      </p:sp>
+      <p:sp>
+        <p:nvSpPr>
+          <p:cNvPr id="7" name="投影片編號版面配置區 6">
+            <a:extLst>
+              <a:ext uri="{FF2B5EF4-FFF2-40B4-BE49-F238E27FC236}">
+                <a16:creationId xmlns:a16="http://schemas.microsoft.com/office/drawing/2014/main" id="{6736DCEA-6C6D-435C-C290-C0E01D78E976}"/>
+              </a:ext>
+            </a:extLst>
+          </p:cNvPr>
+          <p:cNvSpPr>
+            <a:spLocks noGrp="1"/>
+          </p:cNvSpPr>
+          <p:nvPr>
+            <p:ph type="sldNum" sz="quarter" idx="12"/>
+          </p:nvPr>
+        </p:nvSpPr>
+        <p:spPr/>
+        <p:txBody>
+          <a:bodyPr/>
+          <a:lstStyle/>
+          <a:p>
+            <a:fld id="{62B0F332-3C9A-4C2E-A10F-801FCD0AC800}" type="slidenum">
+              <a:rPr lang="zh-TW" altLang="en-US" smtClean="0"/>
+              <a:t>‹#›</a:t>
+            </a:fld>
+            <a:endParaRPr lang="zh-TW" altLang="en-US"/>
+          </a:p>
+        </p:txBody>
+      </p:sp>
+    </p:spTree>
+    <p:extLst>
+      <p:ext uri="{BB962C8B-B14F-4D97-AF65-F5344CB8AC3E}">
+        <p14:creationId xmlns:p14="http://schemas.microsoft.com/office/powerpoint/2010/main" val="2107779852"/>
+      </p:ext>
+    </p:extLst>
+  </p:cSld>
+  <p:clrMapOvr>
+    <a:masterClrMapping/>
+  </p:clrMapOvr>
+</p:sldLayout>
+</file>
+
+<file path=ppt/slideLayouts/slideLayout3.xml><?xml version="1.0" encoding="utf-8"?>
+<p:sldLayout xmlns:a="http://schemas.openxmlformats.org/drawingml/2006/main" xmlns:r="http://schemas.openxmlformats.org/officeDocument/2006/relationships" xmlns:p="http://schemas.openxmlformats.org/presentationml/2006/main">
   <p:cSld name="DEFAULT">
     <p:bg>
       <p:bgRef idx="1001">
@@ -1197,2633 +1557,9 @@
         </a:xfrm>
       </p:grpSpPr>
     </p:spTree>
-  </p:cSld>
-  <p:clrMapOvr>
-    <a:masterClrMapping/>
-  </p:clrMapOvr>
-</p:sldLayout>
-</file>
-
-<file path=ppt/slideLayouts/slideLayout10.xml><?xml version="1.0" encoding="utf-8"?>
-<p:sldLayout xmlns:a="http://schemas.openxmlformats.org/drawingml/2006/main" xmlns:r="http://schemas.openxmlformats.org/officeDocument/2006/relationships" xmlns:p="http://schemas.openxmlformats.org/presentationml/2006/main" type="picTx" preserve="1">
-  <p:cSld name="含輔助字幕的圖片">
-    <p:spTree>
-      <p:nvGrpSpPr>
-        <p:cNvPr id="1" name=""/>
-        <p:cNvGrpSpPr/>
-        <p:nvPr/>
-      </p:nvGrpSpPr>
-      <p:grpSpPr>
-        <a:xfrm>
-          <a:off x="0" y="0"/>
-          <a:ext cx="0" cy="0"/>
-          <a:chOff x="0" y="0"/>
-          <a:chExt cx="0" cy="0"/>
-        </a:xfrm>
-      </p:grpSpPr>
-      <p:sp>
-        <p:nvSpPr>
-          <p:cNvPr id="2" name="標題 1">
-            <a:extLst>
-              <a:ext uri="{FF2B5EF4-FFF2-40B4-BE49-F238E27FC236}">
-                <a16:creationId xmlns:a16="http://schemas.microsoft.com/office/drawing/2014/main" id="{4B789C4F-8641-E58D-95A1-4844BBDB7588}"/>
-              </a:ext>
-            </a:extLst>
-          </p:cNvPr>
-          <p:cNvSpPr>
-            <a:spLocks noGrp="1"/>
-          </p:cNvSpPr>
-          <p:nvPr>
-            <p:ph type="title"/>
-          </p:nvPr>
-        </p:nvSpPr>
-        <p:spPr>
-          <a:xfrm>
-            <a:off x="1008063" y="549275"/>
-            <a:ext cx="4718050" cy="1919288"/>
-          </a:xfrm>
-        </p:spPr>
-        <p:txBody>
-          <a:bodyPr anchor="b"/>
-          <a:lstStyle>
-            <a:lvl1pPr>
-              <a:defRPr sz="3200"/>
-            </a:lvl1pPr>
-          </a:lstStyle>
-          <a:p>
-            <a:r>
-              <a:rPr lang="zh-TW" altLang="en-US"/>
-              <a:t>按一下以編輯母片標題樣式</a:t>
-            </a:r>
-          </a:p>
-        </p:txBody>
-      </p:sp>
-      <p:sp>
-        <p:nvSpPr>
-          <p:cNvPr id="3" name="圖片版面配置區 2">
-            <a:extLst>
-              <a:ext uri="{FF2B5EF4-FFF2-40B4-BE49-F238E27FC236}">
-                <a16:creationId xmlns:a16="http://schemas.microsoft.com/office/drawing/2014/main" id="{E855698D-FD05-B26E-5A30-38311BE6FBA5}"/>
-              </a:ext>
-            </a:extLst>
-          </p:cNvPr>
-          <p:cNvSpPr>
-            <a:spLocks noGrp="1"/>
-          </p:cNvSpPr>
-          <p:nvPr>
-            <p:ph type="pic" idx="1"/>
-          </p:nvPr>
-        </p:nvSpPr>
-        <p:spPr>
-          <a:xfrm>
-            <a:off x="6219825" y="1184275"/>
-            <a:ext cx="7407275" cy="5848350"/>
-          </a:xfrm>
-        </p:spPr>
-        <p:txBody>
-          <a:bodyPr/>
-          <a:lstStyle>
-            <a:lvl1pPr marL="0" indent="0">
-              <a:buNone/>
-              <a:defRPr sz="3200"/>
-            </a:lvl1pPr>
-            <a:lvl2pPr marL="457200" indent="0">
-              <a:buNone/>
-              <a:defRPr sz="2800"/>
-            </a:lvl2pPr>
-            <a:lvl3pPr marL="914400" indent="0">
-              <a:buNone/>
-              <a:defRPr sz="2400"/>
-            </a:lvl3pPr>
-            <a:lvl4pPr marL="1371600" indent="0">
-              <a:buNone/>
-              <a:defRPr sz="2000"/>
-            </a:lvl4pPr>
-            <a:lvl5pPr marL="1828800" indent="0">
-              <a:buNone/>
-              <a:defRPr sz="2000"/>
-            </a:lvl5pPr>
-            <a:lvl6pPr marL="2286000" indent="0">
-              <a:buNone/>
-              <a:defRPr sz="2000"/>
-            </a:lvl6pPr>
-            <a:lvl7pPr marL="2743200" indent="0">
-              <a:buNone/>
-              <a:defRPr sz="2000"/>
-            </a:lvl7pPr>
-            <a:lvl8pPr marL="3200400" indent="0">
-              <a:buNone/>
-              <a:defRPr sz="2000"/>
-            </a:lvl8pPr>
-            <a:lvl9pPr marL="3657600" indent="0">
-              <a:buNone/>
-              <a:defRPr sz="2000"/>
-            </a:lvl9pPr>
-          </a:lstStyle>
-          <a:p>
-            <a:endParaRPr lang="zh-TW" altLang="en-US"/>
-          </a:p>
-        </p:txBody>
-      </p:sp>
-      <p:sp>
-        <p:nvSpPr>
-          <p:cNvPr id="4" name="文字版面配置區 3">
-            <a:extLst>
-              <a:ext uri="{FF2B5EF4-FFF2-40B4-BE49-F238E27FC236}">
-                <a16:creationId xmlns:a16="http://schemas.microsoft.com/office/drawing/2014/main" id="{2A257E08-072C-1EA5-0FA0-7D472859B02C}"/>
-              </a:ext>
-            </a:extLst>
-          </p:cNvPr>
-          <p:cNvSpPr>
-            <a:spLocks noGrp="1"/>
-          </p:cNvSpPr>
-          <p:nvPr>
-            <p:ph type="body" sz="half" idx="2"/>
-          </p:nvPr>
-        </p:nvSpPr>
-        <p:spPr>
-          <a:xfrm>
-            <a:off x="1008063" y="2468563"/>
-            <a:ext cx="4718050" cy="4573587"/>
-          </a:xfrm>
-        </p:spPr>
-        <p:txBody>
-          <a:bodyPr/>
-          <a:lstStyle>
-            <a:lvl1pPr marL="0" indent="0">
-              <a:buNone/>
-              <a:defRPr sz="1600"/>
-            </a:lvl1pPr>
-            <a:lvl2pPr marL="457200" indent="0">
-              <a:buNone/>
-              <a:defRPr sz="1400"/>
-            </a:lvl2pPr>
-            <a:lvl3pPr marL="914400" indent="0">
-              <a:buNone/>
-              <a:defRPr sz="1200"/>
-            </a:lvl3pPr>
-            <a:lvl4pPr marL="1371600" indent="0">
-              <a:buNone/>
-              <a:defRPr sz="1000"/>
-            </a:lvl4pPr>
-            <a:lvl5pPr marL="1828800" indent="0">
-              <a:buNone/>
-              <a:defRPr sz="1000"/>
-            </a:lvl5pPr>
-            <a:lvl6pPr marL="2286000" indent="0">
-              <a:buNone/>
-              <a:defRPr sz="1000"/>
-            </a:lvl6pPr>
-            <a:lvl7pPr marL="2743200" indent="0">
-              <a:buNone/>
-              <a:defRPr sz="1000"/>
-            </a:lvl7pPr>
-            <a:lvl8pPr marL="3200400" indent="0">
-              <a:buNone/>
-              <a:defRPr sz="1000"/>
-            </a:lvl8pPr>
-            <a:lvl9pPr marL="3657600" indent="0">
-              <a:buNone/>
-              <a:defRPr sz="1000"/>
-            </a:lvl9pPr>
-          </a:lstStyle>
-          <a:p>
-            <a:pPr lvl="0"/>
-            <a:r>
-              <a:rPr lang="zh-TW" altLang="en-US"/>
-              <a:t>按一下以編輯母片文字樣式</a:t>
-            </a:r>
-          </a:p>
-        </p:txBody>
-      </p:sp>
-      <p:sp>
-        <p:nvSpPr>
-          <p:cNvPr id="5" name="日期版面配置區 4">
-            <a:extLst>
-              <a:ext uri="{FF2B5EF4-FFF2-40B4-BE49-F238E27FC236}">
-                <a16:creationId xmlns:a16="http://schemas.microsoft.com/office/drawing/2014/main" id="{E9679E15-4894-0A5B-C37D-BB07BD216E65}"/>
-              </a:ext>
-            </a:extLst>
-          </p:cNvPr>
-          <p:cNvSpPr>
-            <a:spLocks noGrp="1"/>
-          </p:cNvSpPr>
-          <p:nvPr>
-            <p:ph type="dt" sz="half" idx="10"/>
-          </p:nvPr>
-        </p:nvSpPr>
-        <p:spPr/>
-        <p:txBody>
-          <a:bodyPr/>
-          <a:lstStyle/>
-          <a:p>
-            <a:fld id="{979C363E-04D9-443F-AC15-3E9A64664600}" type="datetimeFigureOut">
-              <a:rPr lang="zh-TW" altLang="en-US" smtClean="0"/>
-              <a:t>2023/7/10</a:t>
-            </a:fld>
-            <a:endParaRPr lang="zh-TW" altLang="en-US"/>
-          </a:p>
-        </p:txBody>
-      </p:sp>
-      <p:sp>
-        <p:nvSpPr>
-          <p:cNvPr id="6" name="頁尾版面配置區 5">
-            <a:extLst>
-              <a:ext uri="{FF2B5EF4-FFF2-40B4-BE49-F238E27FC236}">
-                <a16:creationId xmlns:a16="http://schemas.microsoft.com/office/drawing/2014/main" id="{569524B3-7051-B839-EA3D-93E30D057B6B}"/>
-              </a:ext>
-            </a:extLst>
-          </p:cNvPr>
-          <p:cNvSpPr>
-            <a:spLocks noGrp="1"/>
-          </p:cNvSpPr>
-          <p:nvPr>
-            <p:ph type="ftr" sz="quarter" idx="11"/>
-          </p:nvPr>
-        </p:nvSpPr>
-        <p:spPr/>
-        <p:txBody>
-          <a:bodyPr/>
-          <a:lstStyle/>
-          <a:p>
-            <a:endParaRPr lang="zh-TW" altLang="en-US"/>
-          </a:p>
-        </p:txBody>
-      </p:sp>
-      <p:sp>
-        <p:nvSpPr>
-          <p:cNvPr id="7" name="投影片編號版面配置區 6">
-            <a:extLst>
-              <a:ext uri="{FF2B5EF4-FFF2-40B4-BE49-F238E27FC236}">
-                <a16:creationId xmlns:a16="http://schemas.microsoft.com/office/drawing/2014/main" id="{7EBD575C-AF9E-CD87-0F45-3320D9CC0AF3}"/>
-              </a:ext>
-            </a:extLst>
-          </p:cNvPr>
-          <p:cNvSpPr>
-            <a:spLocks noGrp="1"/>
-          </p:cNvSpPr>
-          <p:nvPr>
-            <p:ph type="sldNum" sz="quarter" idx="12"/>
-          </p:nvPr>
-        </p:nvSpPr>
-        <p:spPr/>
-        <p:txBody>
-          <a:bodyPr/>
-          <a:lstStyle/>
-          <a:p>
-            <a:fld id="{9CEC2C73-5D39-4162-8540-D000888C8AD0}" type="slidenum">
-              <a:rPr lang="zh-TW" altLang="en-US" smtClean="0"/>
-              <a:t>‹#›</a:t>
-            </a:fld>
-            <a:endParaRPr lang="zh-TW" altLang="en-US"/>
-          </a:p>
-        </p:txBody>
-      </p:sp>
-    </p:spTree>
     <p:extLst>
       <p:ext uri="{BB962C8B-B14F-4D97-AF65-F5344CB8AC3E}">
-        <p14:creationId xmlns:p14="http://schemas.microsoft.com/office/powerpoint/2010/main" val="632977807"/>
-      </p:ext>
-    </p:extLst>
-  </p:cSld>
-  <p:clrMapOvr>
-    <a:masterClrMapping/>
-  </p:clrMapOvr>
-</p:sldLayout>
-</file>
-
-<file path=ppt/slideLayouts/slideLayout11.xml><?xml version="1.0" encoding="utf-8"?>
-<p:sldLayout xmlns:a="http://schemas.openxmlformats.org/drawingml/2006/main" xmlns:r="http://schemas.openxmlformats.org/officeDocument/2006/relationships" xmlns:p="http://schemas.openxmlformats.org/presentationml/2006/main" type="vertTx" preserve="1">
-  <p:cSld name="標題及直排文字">
-    <p:spTree>
-      <p:nvGrpSpPr>
-        <p:cNvPr id="1" name=""/>
-        <p:cNvGrpSpPr/>
-        <p:nvPr/>
-      </p:nvGrpSpPr>
-      <p:grpSpPr>
-        <a:xfrm>
-          <a:off x="0" y="0"/>
-          <a:ext cx="0" cy="0"/>
-          <a:chOff x="0" y="0"/>
-          <a:chExt cx="0" cy="0"/>
-        </a:xfrm>
-      </p:grpSpPr>
-      <p:sp>
-        <p:nvSpPr>
-          <p:cNvPr id="2" name="標題 1">
-            <a:extLst>
-              <a:ext uri="{FF2B5EF4-FFF2-40B4-BE49-F238E27FC236}">
-                <a16:creationId xmlns:a16="http://schemas.microsoft.com/office/drawing/2014/main" id="{6FA4AAD5-292F-32D1-5DD2-2CBA1A77C93A}"/>
-              </a:ext>
-            </a:extLst>
-          </p:cNvPr>
-          <p:cNvSpPr>
-            <a:spLocks noGrp="1"/>
-          </p:cNvSpPr>
-          <p:nvPr>
-            <p:ph type="title"/>
-          </p:nvPr>
-        </p:nvSpPr>
-        <p:spPr/>
-        <p:txBody>
-          <a:bodyPr/>
-          <a:lstStyle/>
-          <a:p>
-            <a:r>
-              <a:rPr lang="zh-TW" altLang="en-US"/>
-              <a:t>按一下以編輯母片標題樣式</a:t>
-            </a:r>
-          </a:p>
-        </p:txBody>
-      </p:sp>
-      <p:sp>
-        <p:nvSpPr>
-          <p:cNvPr id="3" name="直排文字版面配置區 2">
-            <a:extLst>
-              <a:ext uri="{FF2B5EF4-FFF2-40B4-BE49-F238E27FC236}">
-                <a16:creationId xmlns:a16="http://schemas.microsoft.com/office/drawing/2014/main" id="{BAAAA914-A675-082A-F929-B78D41519E4F}"/>
-              </a:ext>
-            </a:extLst>
-          </p:cNvPr>
-          <p:cNvSpPr>
-            <a:spLocks noGrp="1"/>
-          </p:cNvSpPr>
-          <p:nvPr>
-            <p:ph type="body" orient="vert" idx="1"/>
-          </p:nvPr>
-        </p:nvSpPr>
-        <p:spPr/>
-        <p:txBody>
-          <a:bodyPr vert="eaVert"/>
-          <a:lstStyle/>
-          <a:p>
-            <a:pPr lvl="0"/>
-            <a:r>
-              <a:rPr lang="zh-TW" altLang="en-US"/>
-              <a:t>按一下以編輯母片文字樣式</a:t>
-            </a:r>
-          </a:p>
-          <a:p>
-            <a:pPr lvl="1"/>
-            <a:r>
-              <a:rPr lang="zh-TW" altLang="en-US"/>
-              <a:t>第二層</a:t>
-            </a:r>
-          </a:p>
-          <a:p>
-            <a:pPr lvl="2"/>
-            <a:r>
-              <a:rPr lang="zh-TW" altLang="en-US"/>
-              <a:t>第三層</a:t>
-            </a:r>
-          </a:p>
-          <a:p>
-            <a:pPr lvl="3"/>
-            <a:r>
-              <a:rPr lang="zh-TW" altLang="en-US"/>
-              <a:t>第四層</a:t>
-            </a:r>
-          </a:p>
-          <a:p>
-            <a:pPr lvl="4"/>
-            <a:r>
-              <a:rPr lang="zh-TW" altLang="en-US"/>
-              <a:t>第五層</a:t>
-            </a:r>
-          </a:p>
-        </p:txBody>
-      </p:sp>
-      <p:sp>
-        <p:nvSpPr>
-          <p:cNvPr id="4" name="日期版面配置區 3">
-            <a:extLst>
-              <a:ext uri="{FF2B5EF4-FFF2-40B4-BE49-F238E27FC236}">
-                <a16:creationId xmlns:a16="http://schemas.microsoft.com/office/drawing/2014/main" id="{DE6DC560-F86B-A870-29A3-F010BF5423C4}"/>
-              </a:ext>
-            </a:extLst>
-          </p:cNvPr>
-          <p:cNvSpPr>
-            <a:spLocks noGrp="1"/>
-          </p:cNvSpPr>
-          <p:nvPr>
-            <p:ph type="dt" sz="half" idx="10"/>
-          </p:nvPr>
-        </p:nvSpPr>
-        <p:spPr/>
-        <p:txBody>
-          <a:bodyPr/>
-          <a:lstStyle/>
-          <a:p>
-            <a:fld id="{979C363E-04D9-443F-AC15-3E9A64664600}" type="datetimeFigureOut">
-              <a:rPr lang="zh-TW" altLang="en-US" smtClean="0"/>
-              <a:t>2023/7/10</a:t>
-            </a:fld>
-            <a:endParaRPr lang="zh-TW" altLang="en-US"/>
-          </a:p>
-        </p:txBody>
-      </p:sp>
-      <p:sp>
-        <p:nvSpPr>
-          <p:cNvPr id="5" name="頁尾版面配置區 4">
-            <a:extLst>
-              <a:ext uri="{FF2B5EF4-FFF2-40B4-BE49-F238E27FC236}">
-                <a16:creationId xmlns:a16="http://schemas.microsoft.com/office/drawing/2014/main" id="{6159FFC8-7DC7-4318-A48F-2097AA36E50B}"/>
-              </a:ext>
-            </a:extLst>
-          </p:cNvPr>
-          <p:cNvSpPr>
-            <a:spLocks noGrp="1"/>
-          </p:cNvSpPr>
-          <p:nvPr>
-            <p:ph type="ftr" sz="quarter" idx="11"/>
-          </p:nvPr>
-        </p:nvSpPr>
-        <p:spPr/>
-        <p:txBody>
-          <a:bodyPr/>
-          <a:lstStyle/>
-          <a:p>
-            <a:endParaRPr lang="zh-TW" altLang="en-US"/>
-          </a:p>
-        </p:txBody>
-      </p:sp>
-      <p:sp>
-        <p:nvSpPr>
-          <p:cNvPr id="6" name="投影片編號版面配置區 5">
-            <a:extLst>
-              <a:ext uri="{FF2B5EF4-FFF2-40B4-BE49-F238E27FC236}">
-                <a16:creationId xmlns:a16="http://schemas.microsoft.com/office/drawing/2014/main" id="{D894F98E-7E85-2E86-639A-0043AC0FFAC5}"/>
-              </a:ext>
-            </a:extLst>
-          </p:cNvPr>
-          <p:cNvSpPr>
-            <a:spLocks noGrp="1"/>
-          </p:cNvSpPr>
-          <p:nvPr>
-            <p:ph type="sldNum" sz="quarter" idx="12"/>
-          </p:nvPr>
-        </p:nvSpPr>
-        <p:spPr/>
-        <p:txBody>
-          <a:bodyPr/>
-          <a:lstStyle/>
-          <a:p>
-            <a:fld id="{9CEC2C73-5D39-4162-8540-D000888C8AD0}" type="slidenum">
-              <a:rPr lang="zh-TW" altLang="en-US" smtClean="0"/>
-              <a:t>‹#›</a:t>
-            </a:fld>
-            <a:endParaRPr lang="zh-TW" altLang="en-US"/>
-          </a:p>
-        </p:txBody>
-      </p:sp>
-    </p:spTree>
-    <p:extLst>
-      <p:ext uri="{BB962C8B-B14F-4D97-AF65-F5344CB8AC3E}">
-        <p14:creationId xmlns:p14="http://schemas.microsoft.com/office/powerpoint/2010/main" val="979052575"/>
-      </p:ext>
-    </p:extLst>
-  </p:cSld>
-  <p:clrMapOvr>
-    <a:masterClrMapping/>
-  </p:clrMapOvr>
-</p:sldLayout>
-</file>
-
-<file path=ppt/slideLayouts/slideLayout12.xml><?xml version="1.0" encoding="utf-8"?>
-<p:sldLayout xmlns:a="http://schemas.openxmlformats.org/drawingml/2006/main" xmlns:r="http://schemas.openxmlformats.org/officeDocument/2006/relationships" xmlns:p="http://schemas.openxmlformats.org/presentationml/2006/main" type="vertTitleAndTx" preserve="1">
-  <p:cSld name="直排標題及文字">
-    <p:spTree>
-      <p:nvGrpSpPr>
-        <p:cNvPr id="1" name=""/>
-        <p:cNvGrpSpPr/>
-        <p:nvPr/>
-      </p:nvGrpSpPr>
-      <p:grpSpPr>
-        <a:xfrm>
-          <a:off x="0" y="0"/>
-          <a:ext cx="0" cy="0"/>
-          <a:chOff x="0" y="0"/>
-          <a:chExt cx="0" cy="0"/>
-        </a:xfrm>
-      </p:grpSpPr>
-      <p:sp>
-        <p:nvSpPr>
-          <p:cNvPr id="2" name="直排標題 1">
-            <a:extLst>
-              <a:ext uri="{FF2B5EF4-FFF2-40B4-BE49-F238E27FC236}">
-                <a16:creationId xmlns:a16="http://schemas.microsoft.com/office/drawing/2014/main" id="{6807309A-7266-AB5E-C83D-5FBB662A22E7}"/>
-              </a:ext>
-            </a:extLst>
-          </p:cNvPr>
-          <p:cNvSpPr>
-            <a:spLocks noGrp="1"/>
-          </p:cNvSpPr>
-          <p:nvPr>
-            <p:ph type="title" orient="vert"/>
-          </p:nvPr>
-        </p:nvSpPr>
-        <p:spPr>
-          <a:xfrm>
-            <a:off x="10469563" y="438150"/>
-            <a:ext cx="3154362" cy="6973888"/>
-          </a:xfrm>
-        </p:spPr>
-        <p:txBody>
-          <a:bodyPr vert="eaVert"/>
-          <a:lstStyle/>
-          <a:p>
-            <a:r>
-              <a:rPr lang="zh-TW" altLang="en-US"/>
-              <a:t>按一下以編輯母片標題樣式</a:t>
-            </a:r>
-          </a:p>
-        </p:txBody>
-      </p:sp>
-      <p:sp>
-        <p:nvSpPr>
-          <p:cNvPr id="3" name="直排文字版面配置區 2">
-            <a:extLst>
-              <a:ext uri="{FF2B5EF4-FFF2-40B4-BE49-F238E27FC236}">
-                <a16:creationId xmlns:a16="http://schemas.microsoft.com/office/drawing/2014/main" id="{E07B0758-7C1F-23D3-E147-CEFC7DD40FC0}"/>
-              </a:ext>
-            </a:extLst>
-          </p:cNvPr>
-          <p:cNvSpPr>
-            <a:spLocks noGrp="1"/>
-          </p:cNvSpPr>
-          <p:nvPr>
-            <p:ph type="body" orient="vert" idx="1"/>
-          </p:nvPr>
-        </p:nvSpPr>
-        <p:spPr>
-          <a:xfrm>
-            <a:off x="1006475" y="438150"/>
-            <a:ext cx="9310688" cy="6973888"/>
-          </a:xfrm>
-        </p:spPr>
-        <p:txBody>
-          <a:bodyPr vert="eaVert"/>
-          <a:lstStyle/>
-          <a:p>
-            <a:pPr lvl="0"/>
-            <a:r>
-              <a:rPr lang="zh-TW" altLang="en-US"/>
-              <a:t>按一下以編輯母片文字樣式</a:t>
-            </a:r>
-          </a:p>
-          <a:p>
-            <a:pPr lvl="1"/>
-            <a:r>
-              <a:rPr lang="zh-TW" altLang="en-US"/>
-              <a:t>第二層</a:t>
-            </a:r>
-          </a:p>
-          <a:p>
-            <a:pPr lvl="2"/>
-            <a:r>
-              <a:rPr lang="zh-TW" altLang="en-US"/>
-              <a:t>第三層</a:t>
-            </a:r>
-          </a:p>
-          <a:p>
-            <a:pPr lvl="3"/>
-            <a:r>
-              <a:rPr lang="zh-TW" altLang="en-US"/>
-              <a:t>第四層</a:t>
-            </a:r>
-          </a:p>
-          <a:p>
-            <a:pPr lvl="4"/>
-            <a:r>
-              <a:rPr lang="zh-TW" altLang="en-US"/>
-              <a:t>第五層</a:t>
-            </a:r>
-          </a:p>
-        </p:txBody>
-      </p:sp>
-      <p:sp>
-        <p:nvSpPr>
-          <p:cNvPr id="4" name="日期版面配置區 3">
-            <a:extLst>
-              <a:ext uri="{FF2B5EF4-FFF2-40B4-BE49-F238E27FC236}">
-                <a16:creationId xmlns:a16="http://schemas.microsoft.com/office/drawing/2014/main" id="{D6936228-B25F-20BC-31FB-B39E9DE63300}"/>
-              </a:ext>
-            </a:extLst>
-          </p:cNvPr>
-          <p:cNvSpPr>
-            <a:spLocks noGrp="1"/>
-          </p:cNvSpPr>
-          <p:nvPr>
-            <p:ph type="dt" sz="half" idx="10"/>
-          </p:nvPr>
-        </p:nvSpPr>
-        <p:spPr/>
-        <p:txBody>
-          <a:bodyPr/>
-          <a:lstStyle/>
-          <a:p>
-            <a:fld id="{979C363E-04D9-443F-AC15-3E9A64664600}" type="datetimeFigureOut">
-              <a:rPr lang="zh-TW" altLang="en-US" smtClean="0"/>
-              <a:t>2023/7/10</a:t>
-            </a:fld>
-            <a:endParaRPr lang="zh-TW" altLang="en-US"/>
-          </a:p>
-        </p:txBody>
-      </p:sp>
-      <p:sp>
-        <p:nvSpPr>
-          <p:cNvPr id="5" name="頁尾版面配置區 4">
-            <a:extLst>
-              <a:ext uri="{FF2B5EF4-FFF2-40B4-BE49-F238E27FC236}">
-                <a16:creationId xmlns:a16="http://schemas.microsoft.com/office/drawing/2014/main" id="{0865BF4D-8BA5-2A62-58A2-BABC4BEED9EF}"/>
-              </a:ext>
-            </a:extLst>
-          </p:cNvPr>
-          <p:cNvSpPr>
-            <a:spLocks noGrp="1"/>
-          </p:cNvSpPr>
-          <p:nvPr>
-            <p:ph type="ftr" sz="quarter" idx="11"/>
-          </p:nvPr>
-        </p:nvSpPr>
-        <p:spPr/>
-        <p:txBody>
-          <a:bodyPr/>
-          <a:lstStyle/>
-          <a:p>
-            <a:endParaRPr lang="zh-TW" altLang="en-US"/>
-          </a:p>
-        </p:txBody>
-      </p:sp>
-      <p:sp>
-        <p:nvSpPr>
-          <p:cNvPr id="6" name="投影片編號版面配置區 5">
-            <a:extLst>
-              <a:ext uri="{FF2B5EF4-FFF2-40B4-BE49-F238E27FC236}">
-                <a16:creationId xmlns:a16="http://schemas.microsoft.com/office/drawing/2014/main" id="{532AEC8F-5203-86FA-3DBB-2B1C20DAE420}"/>
-              </a:ext>
-            </a:extLst>
-          </p:cNvPr>
-          <p:cNvSpPr>
-            <a:spLocks noGrp="1"/>
-          </p:cNvSpPr>
-          <p:nvPr>
-            <p:ph type="sldNum" sz="quarter" idx="12"/>
-          </p:nvPr>
-        </p:nvSpPr>
-        <p:spPr/>
-        <p:txBody>
-          <a:bodyPr/>
-          <a:lstStyle/>
-          <a:p>
-            <a:fld id="{9CEC2C73-5D39-4162-8540-D000888C8AD0}" type="slidenum">
-              <a:rPr lang="zh-TW" altLang="en-US" smtClean="0"/>
-              <a:t>‹#›</a:t>
-            </a:fld>
-            <a:endParaRPr lang="zh-TW" altLang="en-US"/>
-          </a:p>
-        </p:txBody>
-      </p:sp>
-    </p:spTree>
-    <p:extLst>
-      <p:ext uri="{BB962C8B-B14F-4D97-AF65-F5344CB8AC3E}">
-        <p14:creationId xmlns:p14="http://schemas.microsoft.com/office/powerpoint/2010/main" val="218058052"/>
-      </p:ext>
-    </p:extLst>
-  </p:cSld>
-  <p:clrMapOvr>
-    <a:masterClrMapping/>
-  </p:clrMapOvr>
-</p:sldLayout>
-</file>
-
-<file path=ppt/slideLayouts/slideLayout2.xml><?xml version="1.0" encoding="utf-8"?>
-<p:sldLayout xmlns:a="http://schemas.openxmlformats.org/drawingml/2006/main" xmlns:r="http://schemas.openxmlformats.org/officeDocument/2006/relationships" xmlns:p="http://schemas.openxmlformats.org/presentationml/2006/main" type="title" preserve="1">
-  <p:cSld name="標題投影片">
-    <p:spTree>
-      <p:nvGrpSpPr>
-        <p:cNvPr id="1" name=""/>
-        <p:cNvGrpSpPr/>
-        <p:nvPr/>
-      </p:nvGrpSpPr>
-      <p:grpSpPr>
-        <a:xfrm>
-          <a:off x="0" y="0"/>
-          <a:ext cx="0" cy="0"/>
-          <a:chOff x="0" y="0"/>
-          <a:chExt cx="0" cy="0"/>
-        </a:xfrm>
-      </p:grpSpPr>
-      <p:sp>
-        <p:nvSpPr>
-          <p:cNvPr id="2" name="標題 1">
-            <a:extLst>
-              <a:ext uri="{FF2B5EF4-FFF2-40B4-BE49-F238E27FC236}">
-                <a16:creationId xmlns:a16="http://schemas.microsoft.com/office/drawing/2014/main" id="{6781E782-D379-7450-BBDA-2097998E9BC8}"/>
-              </a:ext>
-            </a:extLst>
-          </p:cNvPr>
-          <p:cNvSpPr>
-            <a:spLocks noGrp="1"/>
-          </p:cNvSpPr>
-          <p:nvPr>
-            <p:ph type="ctrTitle"/>
-          </p:nvPr>
-        </p:nvSpPr>
-        <p:spPr>
-          <a:xfrm>
-            <a:off x="1828800" y="1346200"/>
-            <a:ext cx="10972800" cy="2865438"/>
-          </a:xfrm>
-        </p:spPr>
-        <p:txBody>
-          <a:bodyPr anchor="b"/>
-          <a:lstStyle>
-            <a:lvl1pPr algn="ctr">
-              <a:defRPr sz="6000"/>
-            </a:lvl1pPr>
-          </a:lstStyle>
-          <a:p>
-            <a:r>
-              <a:rPr lang="zh-TW" altLang="en-US"/>
-              <a:t>按一下以編輯母片標題樣式</a:t>
-            </a:r>
-          </a:p>
-        </p:txBody>
-      </p:sp>
-      <p:sp>
-        <p:nvSpPr>
-          <p:cNvPr id="3" name="副標題 2">
-            <a:extLst>
-              <a:ext uri="{FF2B5EF4-FFF2-40B4-BE49-F238E27FC236}">
-                <a16:creationId xmlns:a16="http://schemas.microsoft.com/office/drawing/2014/main" id="{A4EAD3FA-95A6-36D4-4084-CE8F2F22AAEA}"/>
-              </a:ext>
-            </a:extLst>
-          </p:cNvPr>
-          <p:cNvSpPr>
-            <a:spLocks noGrp="1"/>
-          </p:cNvSpPr>
-          <p:nvPr>
-            <p:ph type="subTitle" idx="1"/>
-          </p:nvPr>
-        </p:nvSpPr>
-        <p:spPr>
-          <a:xfrm>
-            <a:off x="1828800" y="4322763"/>
-            <a:ext cx="10972800" cy="1985962"/>
-          </a:xfrm>
-        </p:spPr>
-        <p:txBody>
-          <a:bodyPr/>
-          <a:lstStyle>
-            <a:lvl1pPr marL="0" indent="0" algn="ctr">
-              <a:buNone/>
-              <a:defRPr sz="2400"/>
-            </a:lvl1pPr>
-            <a:lvl2pPr marL="457200" indent="0" algn="ctr">
-              <a:buNone/>
-              <a:defRPr sz="2000"/>
-            </a:lvl2pPr>
-            <a:lvl3pPr marL="914400" indent="0" algn="ctr">
-              <a:buNone/>
-              <a:defRPr sz="1800"/>
-            </a:lvl3pPr>
-            <a:lvl4pPr marL="1371600" indent="0" algn="ctr">
-              <a:buNone/>
-              <a:defRPr sz="1600"/>
-            </a:lvl4pPr>
-            <a:lvl5pPr marL="1828800" indent="0" algn="ctr">
-              <a:buNone/>
-              <a:defRPr sz="1600"/>
-            </a:lvl5pPr>
-            <a:lvl6pPr marL="2286000" indent="0" algn="ctr">
-              <a:buNone/>
-              <a:defRPr sz="1600"/>
-            </a:lvl6pPr>
-            <a:lvl7pPr marL="2743200" indent="0" algn="ctr">
-              <a:buNone/>
-              <a:defRPr sz="1600"/>
-            </a:lvl7pPr>
-            <a:lvl8pPr marL="3200400" indent="0" algn="ctr">
-              <a:buNone/>
-              <a:defRPr sz="1600"/>
-            </a:lvl8pPr>
-            <a:lvl9pPr marL="3657600" indent="0" algn="ctr">
-              <a:buNone/>
-              <a:defRPr sz="1600"/>
-            </a:lvl9pPr>
-          </a:lstStyle>
-          <a:p>
-            <a:r>
-              <a:rPr lang="zh-TW" altLang="en-US"/>
-              <a:t>按一下以編輯母片子標題樣式</a:t>
-            </a:r>
-          </a:p>
-        </p:txBody>
-      </p:sp>
-      <p:sp>
-        <p:nvSpPr>
-          <p:cNvPr id="4" name="日期版面配置區 3">
-            <a:extLst>
-              <a:ext uri="{FF2B5EF4-FFF2-40B4-BE49-F238E27FC236}">
-                <a16:creationId xmlns:a16="http://schemas.microsoft.com/office/drawing/2014/main" id="{314B7604-D708-3D9B-CEBA-CD3F63545BAD}"/>
-              </a:ext>
-            </a:extLst>
-          </p:cNvPr>
-          <p:cNvSpPr>
-            <a:spLocks noGrp="1"/>
-          </p:cNvSpPr>
-          <p:nvPr>
-            <p:ph type="dt" sz="half" idx="10"/>
-          </p:nvPr>
-        </p:nvSpPr>
-        <p:spPr/>
-        <p:txBody>
-          <a:bodyPr/>
-          <a:lstStyle/>
-          <a:p>
-            <a:fld id="{979C363E-04D9-443F-AC15-3E9A64664600}" type="datetimeFigureOut">
-              <a:rPr lang="zh-TW" altLang="en-US" smtClean="0"/>
-              <a:t>2023/7/10</a:t>
-            </a:fld>
-            <a:endParaRPr lang="zh-TW" altLang="en-US"/>
-          </a:p>
-        </p:txBody>
-      </p:sp>
-      <p:sp>
-        <p:nvSpPr>
-          <p:cNvPr id="5" name="頁尾版面配置區 4">
-            <a:extLst>
-              <a:ext uri="{FF2B5EF4-FFF2-40B4-BE49-F238E27FC236}">
-                <a16:creationId xmlns:a16="http://schemas.microsoft.com/office/drawing/2014/main" id="{16F825B8-1BF2-0FCA-6758-B5AD04E0B825}"/>
-              </a:ext>
-            </a:extLst>
-          </p:cNvPr>
-          <p:cNvSpPr>
-            <a:spLocks noGrp="1"/>
-          </p:cNvSpPr>
-          <p:nvPr>
-            <p:ph type="ftr" sz="quarter" idx="11"/>
-          </p:nvPr>
-        </p:nvSpPr>
-        <p:spPr/>
-        <p:txBody>
-          <a:bodyPr/>
-          <a:lstStyle/>
-          <a:p>
-            <a:endParaRPr lang="zh-TW" altLang="en-US"/>
-          </a:p>
-        </p:txBody>
-      </p:sp>
-      <p:sp>
-        <p:nvSpPr>
-          <p:cNvPr id="6" name="投影片編號版面配置區 5">
-            <a:extLst>
-              <a:ext uri="{FF2B5EF4-FFF2-40B4-BE49-F238E27FC236}">
-                <a16:creationId xmlns:a16="http://schemas.microsoft.com/office/drawing/2014/main" id="{EB09E18A-D7BB-220C-2618-E37269673A5B}"/>
-              </a:ext>
-            </a:extLst>
-          </p:cNvPr>
-          <p:cNvSpPr>
-            <a:spLocks noGrp="1"/>
-          </p:cNvSpPr>
-          <p:nvPr>
-            <p:ph type="sldNum" sz="quarter" idx="12"/>
-          </p:nvPr>
-        </p:nvSpPr>
-        <p:spPr/>
-        <p:txBody>
-          <a:bodyPr/>
-          <a:lstStyle/>
-          <a:p>
-            <a:fld id="{9CEC2C73-5D39-4162-8540-D000888C8AD0}" type="slidenum">
-              <a:rPr lang="zh-TW" altLang="en-US" smtClean="0"/>
-              <a:t>‹#›</a:t>
-            </a:fld>
-            <a:endParaRPr lang="zh-TW" altLang="en-US"/>
-          </a:p>
-        </p:txBody>
-      </p:sp>
-    </p:spTree>
-    <p:extLst>
-      <p:ext uri="{BB962C8B-B14F-4D97-AF65-F5344CB8AC3E}">
-        <p14:creationId xmlns:p14="http://schemas.microsoft.com/office/powerpoint/2010/main" val="2254695193"/>
-      </p:ext>
-    </p:extLst>
-  </p:cSld>
-  <p:clrMapOvr>
-    <a:masterClrMapping/>
-  </p:clrMapOvr>
-</p:sldLayout>
-</file>
-
-<file path=ppt/slideLayouts/slideLayout3.xml><?xml version="1.0" encoding="utf-8"?>
-<p:sldLayout xmlns:a="http://schemas.openxmlformats.org/drawingml/2006/main" xmlns:r="http://schemas.openxmlformats.org/officeDocument/2006/relationships" xmlns:p="http://schemas.openxmlformats.org/presentationml/2006/main" type="obj" preserve="1">
-  <p:cSld name="標題及內容">
-    <p:spTree>
-      <p:nvGrpSpPr>
-        <p:cNvPr id="1" name=""/>
-        <p:cNvGrpSpPr/>
-        <p:nvPr/>
-      </p:nvGrpSpPr>
-      <p:grpSpPr>
-        <a:xfrm>
-          <a:off x="0" y="0"/>
-          <a:ext cx="0" cy="0"/>
-          <a:chOff x="0" y="0"/>
-          <a:chExt cx="0" cy="0"/>
-        </a:xfrm>
-      </p:grpSpPr>
-      <p:sp>
-        <p:nvSpPr>
-          <p:cNvPr id="2" name="標題 1">
-            <a:extLst>
-              <a:ext uri="{FF2B5EF4-FFF2-40B4-BE49-F238E27FC236}">
-                <a16:creationId xmlns:a16="http://schemas.microsoft.com/office/drawing/2014/main" id="{D5CD4CF7-6560-566E-5520-8B68FB945515}"/>
-              </a:ext>
-            </a:extLst>
-          </p:cNvPr>
-          <p:cNvSpPr>
-            <a:spLocks noGrp="1"/>
-          </p:cNvSpPr>
-          <p:nvPr>
-            <p:ph type="title"/>
-          </p:nvPr>
-        </p:nvSpPr>
-        <p:spPr/>
-        <p:txBody>
-          <a:bodyPr/>
-          <a:lstStyle/>
-          <a:p>
-            <a:r>
-              <a:rPr lang="zh-TW" altLang="en-US"/>
-              <a:t>按一下以編輯母片標題樣式</a:t>
-            </a:r>
-          </a:p>
-        </p:txBody>
-      </p:sp>
-      <p:sp>
-        <p:nvSpPr>
-          <p:cNvPr id="3" name="內容版面配置區 2">
-            <a:extLst>
-              <a:ext uri="{FF2B5EF4-FFF2-40B4-BE49-F238E27FC236}">
-                <a16:creationId xmlns:a16="http://schemas.microsoft.com/office/drawing/2014/main" id="{EE63D3ED-3AC3-C22D-137D-C3F73819FCFE}"/>
-              </a:ext>
-            </a:extLst>
-          </p:cNvPr>
-          <p:cNvSpPr>
-            <a:spLocks noGrp="1"/>
-          </p:cNvSpPr>
-          <p:nvPr>
-            <p:ph idx="1"/>
-          </p:nvPr>
-        </p:nvSpPr>
-        <p:spPr/>
-        <p:txBody>
-          <a:bodyPr/>
-          <a:lstStyle/>
-          <a:p>
-            <a:pPr lvl="0"/>
-            <a:r>
-              <a:rPr lang="zh-TW" altLang="en-US"/>
-              <a:t>按一下以編輯母片文字樣式</a:t>
-            </a:r>
-          </a:p>
-          <a:p>
-            <a:pPr lvl="1"/>
-            <a:r>
-              <a:rPr lang="zh-TW" altLang="en-US"/>
-              <a:t>第二層</a:t>
-            </a:r>
-          </a:p>
-          <a:p>
-            <a:pPr lvl="2"/>
-            <a:r>
-              <a:rPr lang="zh-TW" altLang="en-US"/>
-              <a:t>第三層</a:t>
-            </a:r>
-          </a:p>
-          <a:p>
-            <a:pPr lvl="3"/>
-            <a:r>
-              <a:rPr lang="zh-TW" altLang="en-US"/>
-              <a:t>第四層</a:t>
-            </a:r>
-          </a:p>
-          <a:p>
-            <a:pPr lvl="4"/>
-            <a:r>
-              <a:rPr lang="zh-TW" altLang="en-US"/>
-              <a:t>第五層</a:t>
-            </a:r>
-          </a:p>
-        </p:txBody>
-      </p:sp>
-      <p:sp>
-        <p:nvSpPr>
-          <p:cNvPr id="4" name="日期版面配置區 3">
-            <a:extLst>
-              <a:ext uri="{FF2B5EF4-FFF2-40B4-BE49-F238E27FC236}">
-                <a16:creationId xmlns:a16="http://schemas.microsoft.com/office/drawing/2014/main" id="{F200D0A3-EEB0-75AE-BD2E-5F6D49C34F5E}"/>
-              </a:ext>
-            </a:extLst>
-          </p:cNvPr>
-          <p:cNvSpPr>
-            <a:spLocks noGrp="1"/>
-          </p:cNvSpPr>
-          <p:nvPr>
-            <p:ph type="dt" sz="half" idx="10"/>
-          </p:nvPr>
-        </p:nvSpPr>
-        <p:spPr/>
-        <p:txBody>
-          <a:bodyPr/>
-          <a:lstStyle/>
-          <a:p>
-            <a:fld id="{979C363E-04D9-443F-AC15-3E9A64664600}" type="datetimeFigureOut">
-              <a:rPr lang="zh-TW" altLang="en-US" smtClean="0"/>
-              <a:t>2023/7/10</a:t>
-            </a:fld>
-            <a:endParaRPr lang="zh-TW" altLang="en-US"/>
-          </a:p>
-        </p:txBody>
-      </p:sp>
-      <p:sp>
-        <p:nvSpPr>
-          <p:cNvPr id="5" name="頁尾版面配置區 4">
-            <a:extLst>
-              <a:ext uri="{FF2B5EF4-FFF2-40B4-BE49-F238E27FC236}">
-                <a16:creationId xmlns:a16="http://schemas.microsoft.com/office/drawing/2014/main" id="{B3067B76-7417-AAEF-40B4-DD7ED1E9DBA9}"/>
-              </a:ext>
-            </a:extLst>
-          </p:cNvPr>
-          <p:cNvSpPr>
-            <a:spLocks noGrp="1"/>
-          </p:cNvSpPr>
-          <p:nvPr>
-            <p:ph type="ftr" sz="quarter" idx="11"/>
-          </p:nvPr>
-        </p:nvSpPr>
-        <p:spPr/>
-        <p:txBody>
-          <a:bodyPr/>
-          <a:lstStyle/>
-          <a:p>
-            <a:endParaRPr lang="zh-TW" altLang="en-US"/>
-          </a:p>
-        </p:txBody>
-      </p:sp>
-      <p:sp>
-        <p:nvSpPr>
-          <p:cNvPr id="6" name="投影片編號版面配置區 5">
-            <a:extLst>
-              <a:ext uri="{FF2B5EF4-FFF2-40B4-BE49-F238E27FC236}">
-                <a16:creationId xmlns:a16="http://schemas.microsoft.com/office/drawing/2014/main" id="{9CDF4A73-DCAF-DC91-E52F-FED6053EA81B}"/>
-              </a:ext>
-            </a:extLst>
-          </p:cNvPr>
-          <p:cNvSpPr>
-            <a:spLocks noGrp="1"/>
-          </p:cNvSpPr>
-          <p:nvPr>
-            <p:ph type="sldNum" sz="quarter" idx="12"/>
-          </p:nvPr>
-        </p:nvSpPr>
-        <p:spPr/>
-        <p:txBody>
-          <a:bodyPr/>
-          <a:lstStyle/>
-          <a:p>
-            <a:fld id="{9CEC2C73-5D39-4162-8540-D000888C8AD0}" type="slidenum">
-              <a:rPr lang="zh-TW" altLang="en-US" smtClean="0"/>
-              <a:t>‹#›</a:t>
-            </a:fld>
-            <a:endParaRPr lang="zh-TW" altLang="en-US"/>
-          </a:p>
-        </p:txBody>
-      </p:sp>
-    </p:spTree>
-    <p:extLst>
-      <p:ext uri="{BB962C8B-B14F-4D97-AF65-F5344CB8AC3E}">
-        <p14:creationId xmlns:p14="http://schemas.microsoft.com/office/powerpoint/2010/main" val="3366245374"/>
-      </p:ext>
-    </p:extLst>
-  </p:cSld>
-  <p:clrMapOvr>
-    <a:masterClrMapping/>
-  </p:clrMapOvr>
-</p:sldLayout>
-</file>
-
-<file path=ppt/slideLayouts/slideLayout4.xml><?xml version="1.0" encoding="utf-8"?>
-<p:sldLayout xmlns:a="http://schemas.openxmlformats.org/drawingml/2006/main" xmlns:r="http://schemas.openxmlformats.org/officeDocument/2006/relationships" xmlns:p="http://schemas.openxmlformats.org/presentationml/2006/main" type="secHead" preserve="1">
-  <p:cSld name="章節標題">
-    <p:spTree>
-      <p:nvGrpSpPr>
-        <p:cNvPr id="1" name=""/>
-        <p:cNvGrpSpPr/>
-        <p:nvPr/>
-      </p:nvGrpSpPr>
-      <p:grpSpPr>
-        <a:xfrm>
-          <a:off x="0" y="0"/>
-          <a:ext cx="0" cy="0"/>
-          <a:chOff x="0" y="0"/>
-          <a:chExt cx="0" cy="0"/>
-        </a:xfrm>
-      </p:grpSpPr>
-      <p:sp>
-        <p:nvSpPr>
-          <p:cNvPr id="2" name="標題 1">
-            <a:extLst>
-              <a:ext uri="{FF2B5EF4-FFF2-40B4-BE49-F238E27FC236}">
-                <a16:creationId xmlns:a16="http://schemas.microsoft.com/office/drawing/2014/main" id="{EDA5CFC0-C2CE-7A79-0181-981CFB7F95BE}"/>
-              </a:ext>
-            </a:extLst>
-          </p:cNvPr>
-          <p:cNvSpPr>
-            <a:spLocks noGrp="1"/>
-          </p:cNvSpPr>
-          <p:nvPr>
-            <p:ph type="title"/>
-          </p:nvPr>
-        </p:nvSpPr>
-        <p:spPr>
-          <a:xfrm>
-            <a:off x="998538" y="2051050"/>
-            <a:ext cx="12619037" cy="3424238"/>
-          </a:xfrm>
-        </p:spPr>
-        <p:txBody>
-          <a:bodyPr anchor="b"/>
-          <a:lstStyle>
-            <a:lvl1pPr>
-              <a:defRPr sz="6000"/>
-            </a:lvl1pPr>
-          </a:lstStyle>
-          <a:p>
-            <a:r>
-              <a:rPr lang="zh-TW" altLang="en-US"/>
-              <a:t>按一下以編輯母片標題樣式</a:t>
-            </a:r>
-          </a:p>
-        </p:txBody>
-      </p:sp>
-      <p:sp>
-        <p:nvSpPr>
-          <p:cNvPr id="3" name="文字版面配置區 2">
-            <a:extLst>
-              <a:ext uri="{FF2B5EF4-FFF2-40B4-BE49-F238E27FC236}">
-                <a16:creationId xmlns:a16="http://schemas.microsoft.com/office/drawing/2014/main" id="{C46A386C-4B20-F6AD-DF35-7B86CB4D792D}"/>
-              </a:ext>
-            </a:extLst>
-          </p:cNvPr>
-          <p:cNvSpPr>
-            <a:spLocks noGrp="1"/>
-          </p:cNvSpPr>
-          <p:nvPr>
-            <p:ph type="body" idx="1"/>
-          </p:nvPr>
-        </p:nvSpPr>
-        <p:spPr>
-          <a:xfrm>
-            <a:off x="998538" y="5507038"/>
-            <a:ext cx="12619037" cy="1800225"/>
-          </a:xfrm>
-        </p:spPr>
-        <p:txBody>
-          <a:bodyPr/>
-          <a:lstStyle>
-            <a:lvl1pPr marL="0" indent="0">
-              <a:buNone/>
-              <a:defRPr sz="2400">
-                <a:solidFill>
-                  <a:schemeClr val="tx1">
-                    <a:tint val="75000"/>
-                  </a:schemeClr>
-                </a:solidFill>
-              </a:defRPr>
-            </a:lvl1pPr>
-            <a:lvl2pPr marL="457200" indent="0">
-              <a:buNone/>
-              <a:defRPr sz="2000">
-                <a:solidFill>
-                  <a:schemeClr val="tx1">
-                    <a:tint val="75000"/>
-                  </a:schemeClr>
-                </a:solidFill>
-              </a:defRPr>
-            </a:lvl2pPr>
-            <a:lvl3pPr marL="914400" indent="0">
-              <a:buNone/>
-              <a:defRPr sz="1800">
-                <a:solidFill>
-                  <a:schemeClr val="tx1">
-                    <a:tint val="75000"/>
-                  </a:schemeClr>
-                </a:solidFill>
-              </a:defRPr>
-            </a:lvl3pPr>
-            <a:lvl4pPr marL="1371600" indent="0">
-              <a:buNone/>
-              <a:defRPr sz="1600">
-                <a:solidFill>
-                  <a:schemeClr val="tx1">
-                    <a:tint val="75000"/>
-                  </a:schemeClr>
-                </a:solidFill>
-              </a:defRPr>
-            </a:lvl4pPr>
-            <a:lvl5pPr marL="1828800" indent="0">
-              <a:buNone/>
-              <a:defRPr sz="1600">
-                <a:solidFill>
-                  <a:schemeClr val="tx1">
-                    <a:tint val="75000"/>
-                  </a:schemeClr>
-                </a:solidFill>
-              </a:defRPr>
-            </a:lvl5pPr>
-            <a:lvl6pPr marL="2286000" indent="0">
-              <a:buNone/>
-              <a:defRPr sz="1600">
-                <a:solidFill>
-                  <a:schemeClr val="tx1">
-                    <a:tint val="75000"/>
-                  </a:schemeClr>
-                </a:solidFill>
-              </a:defRPr>
-            </a:lvl6pPr>
-            <a:lvl7pPr marL="2743200" indent="0">
-              <a:buNone/>
-              <a:defRPr sz="1600">
-                <a:solidFill>
-                  <a:schemeClr val="tx1">
-                    <a:tint val="75000"/>
-                  </a:schemeClr>
-                </a:solidFill>
-              </a:defRPr>
-            </a:lvl7pPr>
-            <a:lvl8pPr marL="3200400" indent="0">
-              <a:buNone/>
-              <a:defRPr sz="1600">
-                <a:solidFill>
-                  <a:schemeClr val="tx1">
-                    <a:tint val="75000"/>
-                  </a:schemeClr>
-                </a:solidFill>
-              </a:defRPr>
-            </a:lvl8pPr>
-            <a:lvl9pPr marL="3657600" indent="0">
-              <a:buNone/>
-              <a:defRPr sz="1600">
-                <a:solidFill>
-                  <a:schemeClr val="tx1">
-                    <a:tint val="75000"/>
-                  </a:schemeClr>
-                </a:solidFill>
-              </a:defRPr>
-            </a:lvl9pPr>
-          </a:lstStyle>
-          <a:p>
-            <a:pPr lvl="0"/>
-            <a:r>
-              <a:rPr lang="zh-TW" altLang="en-US"/>
-              <a:t>按一下以編輯母片文字樣式</a:t>
-            </a:r>
-          </a:p>
-        </p:txBody>
-      </p:sp>
-      <p:sp>
-        <p:nvSpPr>
-          <p:cNvPr id="4" name="日期版面配置區 3">
-            <a:extLst>
-              <a:ext uri="{FF2B5EF4-FFF2-40B4-BE49-F238E27FC236}">
-                <a16:creationId xmlns:a16="http://schemas.microsoft.com/office/drawing/2014/main" id="{6DAD57D7-524E-2BB8-0155-B65181233763}"/>
-              </a:ext>
-            </a:extLst>
-          </p:cNvPr>
-          <p:cNvSpPr>
-            <a:spLocks noGrp="1"/>
-          </p:cNvSpPr>
-          <p:nvPr>
-            <p:ph type="dt" sz="half" idx="10"/>
-          </p:nvPr>
-        </p:nvSpPr>
-        <p:spPr/>
-        <p:txBody>
-          <a:bodyPr/>
-          <a:lstStyle/>
-          <a:p>
-            <a:fld id="{979C363E-04D9-443F-AC15-3E9A64664600}" type="datetimeFigureOut">
-              <a:rPr lang="zh-TW" altLang="en-US" smtClean="0"/>
-              <a:t>2023/7/10</a:t>
-            </a:fld>
-            <a:endParaRPr lang="zh-TW" altLang="en-US"/>
-          </a:p>
-        </p:txBody>
-      </p:sp>
-      <p:sp>
-        <p:nvSpPr>
-          <p:cNvPr id="5" name="頁尾版面配置區 4">
-            <a:extLst>
-              <a:ext uri="{FF2B5EF4-FFF2-40B4-BE49-F238E27FC236}">
-                <a16:creationId xmlns:a16="http://schemas.microsoft.com/office/drawing/2014/main" id="{05864245-7241-F789-C88B-BF30C20DE983}"/>
-              </a:ext>
-            </a:extLst>
-          </p:cNvPr>
-          <p:cNvSpPr>
-            <a:spLocks noGrp="1"/>
-          </p:cNvSpPr>
-          <p:nvPr>
-            <p:ph type="ftr" sz="quarter" idx="11"/>
-          </p:nvPr>
-        </p:nvSpPr>
-        <p:spPr/>
-        <p:txBody>
-          <a:bodyPr/>
-          <a:lstStyle/>
-          <a:p>
-            <a:endParaRPr lang="zh-TW" altLang="en-US"/>
-          </a:p>
-        </p:txBody>
-      </p:sp>
-      <p:sp>
-        <p:nvSpPr>
-          <p:cNvPr id="6" name="投影片編號版面配置區 5">
-            <a:extLst>
-              <a:ext uri="{FF2B5EF4-FFF2-40B4-BE49-F238E27FC236}">
-                <a16:creationId xmlns:a16="http://schemas.microsoft.com/office/drawing/2014/main" id="{737C504C-390A-49F0-E1F9-76AF2FB71417}"/>
-              </a:ext>
-            </a:extLst>
-          </p:cNvPr>
-          <p:cNvSpPr>
-            <a:spLocks noGrp="1"/>
-          </p:cNvSpPr>
-          <p:nvPr>
-            <p:ph type="sldNum" sz="quarter" idx="12"/>
-          </p:nvPr>
-        </p:nvSpPr>
-        <p:spPr/>
-        <p:txBody>
-          <a:bodyPr/>
-          <a:lstStyle/>
-          <a:p>
-            <a:fld id="{9CEC2C73-5D39-4162-8540-D000888C8AD0}" type="slidenum">
-              <a:rPr lang="zh-TW" altLang="en-US" smtClean="0"/>
-              <a:t>‹#›</a:t>
-            </a:fld>
-            <a:endParaRPr lang="zh-TW" altLang="en-US"/>
-          </a:p>
-        </p:txBody>
-      </p:sp>
-    </p:spTree>
-    <p:extLst>
-      <p:ext uri="{BB962C8B-B14F-4D97-AF65-F5344CB8AC3E}">
-        <p14:creationId xmlns:p14="http://schemas.microsoft.com/office/powerpoint/2010/main" val="1441675582"/>
-      </p:ext>
-    </p:extLst>
-  </p:cSld>
-  <p:clrMapOvr>
-    <a:masterClrMapping/>
-  </p:clrMapOvr>
-</p:sldLayout>
-</file>
-
-<file path=ppt/slideLayouts/slideLayout5.xml><?xml version="1.0" encoding="utf-8"?>
-<p:sldLayout xmlns:a="http://schemas.openxmlformats.org/drawingml/2006/main" xmlns:r="http://schemas.openxmlformats.org/officeDocument/2006/relationships" xmlns:p="http://schemas.openxmlformats.org/presentationml/2006/main" type="twoObj" preserve="1">
-  <p:cSld name="兩個內容">
-    <p:spTree>
-      <p:nvGrpSpPr>
-        <p:cNvPr id="1" name=""/>
-        <p:cNvGrpSpPr/>
-        <p:nvPr/>
-      </p:nvGrpSpPr>
-      <p:grpSpPr>
-        <a:xfrm>
-          <a:off x="0" y="0"/>
-          <a:ext cx="0" cy="0"/>
-          <a:chOff x="0" y="0"/>
-          <a:chExt cx="0" cy="0"/>
-        </a:xfrm>
-      </p:grpSpPr>
-      <p:sp>
-        <p:nvSpPr>
-          <p:cNvPr id="2" name="標題 1">
-            <a:extLst>
-              <a:ext uri="{FF2B5EF4-FFF2-40B4-BE49-F238E27FC236}">
-                <a16:creationId xmlns:a16="http://schemas.microsoft.com/office/drawing/2014/main" id="{1B85053F-6DFE-3B31-C558-5B1D3F26B1A8}"/>
-              </a:ext>
-            </a:extLst>
-          </p:cNvPr>
-          <p:cNvSpPr>
-            <a:spLocks noGrp="1"/>
-          </p:cNvSpPr>
-          <p:nvPr>
-            <p:ph type="title"/>
-          </p:nvPr>
-        </p:nvSpPr>
-        <p:spPr/>
-        <p:txBody>
-          <a:bodyPr/>
-          <a:lstStyle/>
-          <a:p>
-            <a:r>
-              <a:rPr lang="zh-TW" altLang="en-US"/>
-              <a:t>按一下以編輯母片標題樣式</a:t>
-            </a:r>
-          </a:p>
-        </p:txBody>
-      </p:sp>
-      <p:sp>
-        <p:nvSpPr>
-          <p:cNvPr id="3" name="內容版面配置區 2">
-            <a:extLst>
-              <a:ext uri="{FF2B5EF4-FFF2-40B4-BE49-F238E27FC236}">
-                <a16:creationId xmlns:a16="http://schemas.microsoft.com/office/drawing/2014/main" id="{CBA09F2C-6D86-4EF2-4181-6EB7D2527F04}"/>
-              </a:ext>
-            </a:extLst>
-          </p:cNvPr>
-          <p:cNvSpPr>
-            <a:spLocks noGrp="1"/>
-          </p:cNvSpPr>
-          <p:nvPr>
-            <p:ph sz="half" idx="1"/>
-          </p:nvPr>
-        </p:nvSpPr>
-        <p:spPr>
-          <a:xfrm>
-            <a:off x="1006475" y="2190750"/>
-            <a:ext cx="6232525" cy="5221288"/>
-          </a:xfrm>
-        </p:spPr>
-        <p:txBody>
-          <a:bodyPr/>
-          <a:lstStyle/>
-          <a:p>
-            <a:pPr lvl="0"/>
-            <a:r>
-              <a:rPr lang="zh-TW" altLang="en-US"/>
-              <a:t>按一下以編輯母片文字樣式</a:t>
-            </a:r>
-          </a:p>
-          <a:p>
-            <a:pPr lvl="1"/>
-            <a:r>
-              <a:rPr lang="zh-TW" altLang="en-US"/>
-              <a:t>第二層</a:t>
-            </a:r>
-          </a:p>
-          <a:p>
-            <a:pPr lvl="2"/>
-            <a:r>
-              <a:rPr lang="zh-TW" altLang="en-US"/>
-              <a:t>第三層</a:t>
-            </a:r>
-          </a:p>
-          <a:p>
-            <a:pPr lvl="3"/>
-            <a:r>
-              <a:rPr lang="zh-TW" altLang="en-US"/>
-              <a:t>第四層</a:t>
-            </a:r>
-          </a:p>
-          <a:p>
-            <a:pPr lvl="4"/>
-            <a:r>
-              <a:rPr lang="zh-TW" altLang="en-US"/>
-              <a:t>第五層</a:t>
-            </a:r>
-          </a:p>
-        </p:txBody>
-      </p:sp>
-      <p:sp>
-        <p:nvSpPr>
-          <p:cNvPr id="4" name="內容版面配置區 3">
-            <a:extLst>
-              <a:ext uri="{FF2B5EF4-FFF2-40B4-BE49-F238E27FC236}">
-                <a16:creationId xmlns:a16="http://schemas.microsoft.com/office/drawing/2014/main" id="{B6166E68-A64F-8DEB-911E-96B3D98FF0C5}"/>
-              </a:ext>
-            </a:extLst>
-          </p:cNvPr>
-          <p:cNvSpPr>
-            <a:spLocks noGrp="1"/>
-          </p:cNvSpPr>
-          <p:nvPr>
-            <p:ph sz="half" idx="2"/>
-          </p:nvPr>
-        </p:nvSpPr>
-        <p:spPr>
-          <a:xfrm>
-            <a:off x="7391400" y="2190750"/>
-            <a:ext cx="6232525" cy="5221288"/>
-          </a:xfrm>
-        </p:spPr>
-        <p:txBody>
-          <a:bodyPr/>
-          <a:lstStyle/>
-          <a:p>
-            <a:pPr lvl="0"/>
-            <a:r>
-              <a:rPr lang="zh-TW" altLang="en-US"/>
-              <a:t>按一下以編輯母片文字樣式</a:t>
-            </a:r>
-          </a:p>
-          <a:p>
-            <a:pPr lvl="1"/>
-            <a:r>
-              <a:rPr lang="zh-TW" altLang="en-US"/>
-              <a:t>第二層</a:t>
-            </a:r>
-          </a:p>
-          <a:p>
-            <a:pPr lvl="2"/>
-            <a:r>
-              <a:rPr lang="zh-TW" altLang="en-US"/>
-              <a:t>第三層</a:t>
-            </a:r>
-          </a:p>
-          <a:p>
-            <a:pPr lvl="3"/>
-            <a:r>
-              <a:rPr lang="zh-TW" altLang="en-US"/>
-              <a:t>第四層</a:t>
-            </a:r>
-          </a:p>
-          <a:p>
-            <a:pPr lvl="4"/>
-            <a:r>
-              <a:rPr lang="zh-TW" altLang="en-US"/>
-              <a:t>第五層</a:t>
-            </a:r>
-          </a:p>
-        </p:txBody>
-      </p:sp>
-      <p:sp>
-        <p:nvSpPr>
-          <p:cNvPr id="5" name="日期版面配置區 4">
-            <a:extLst>
-              <a:ext uri="{FF2B5EF4-FFF2-40B4-BE49-F238E27FC236}">
-                <a16:creationId xmlns:a16="http://schemas.microsoft.com/office/drawing/2014/main" id="{CE7D97FF-B8E0-8DCF-B886-1A4A965EE44B}"/>
-              </a:ext>
-            </a:extLst>
-          </p:cNvPr>
-          <p:cNvSpPr>
-            <a:spLocks noGrp="1"/>
-          </p:cNvSpPr>
-          <p:nvPr>
-            <p:ph type="dt" sz="half" idx="10"/>
-          </p:nvPr>
-        </p:nvSpPr>
-        <p:spPr/>
-        <p:txBody>
-          <a:bodyPr/>
-          <a:lstStyle/>
-          <a:p>
-            <a:fld id="{979C363E-04D9-443F-AC15-3E9A64664600}" type="datetimeFigureOut">
-              <a:rPr lang="zh-TW" altLang="en-US" smtClean="0"/>
-              <a:t>2023/7/10</a:t>
-            </a:fld>
-            <a:endParaRPr lang="zh-TW" altLang="en-US"/>
-          </a:p>
-        </p:txBody>
-      </p:sp>
-      <p:sp>
-        <p:nvSpPr>
-          <p:cNvPr id="6" name="頁尾版面配置區 5">
-            <a:extLst>
-              <a:ext uri="{FF2B5EF4-FFF2-40B4-BE49-F238E27FC236}">
-                <a16:creationId xmlns:a16="http://schemas.microsoft.com/office/drawing/2014/main" id="{2340DDCC-95E5-FED2-D2D8-C8E4C07DF9DC}"/>
-              </a:ext>
-            </a:extLst>
-          </p:cNvPr>
-          <p:cNvSpPr>
-            <a:spLocks noGrp="1"/>
-          </p:cNvSpPr>
-          <p:nvPr>
-            <p:ph type="ftr" sz="quarter" idx="11"/>
-          </p:nvPr>
-        </p:nvSpPr>
-        <p:spPr/>
-        <p:txBody>
-          <a:bodyPr/>
-          <a:lstStyle/>
-          <a:p>
-            <a:endParaRPr lang="zh-TW" altLang="en-US"/>
-          </a:p>
-        </p:txBody>
-      </p:sp>
-      <p:sp>
-        <p:nvSpPr>
-          <p:cNvPr id="7" name="投影片編號版面配置區 6">
-            <a:extLst>
-              <a:ext uri="{FF2B5EF4-FFF2-40B4-BE49-F238E27FC236}">
-                <a16:creationId xmlns:a16="http://schemas.microsoft.com/office/drawing/2014/main" id="{3FDFF543-F4BD-A441-E4A0-C1C0543B121F}"/>
-              </a:ext>
-            </a:extLst>
-          </p:cNvPr>
-          <p:cNvSpPr>
-            <a:spLocks noGrp="1"/>
-          </p:cNvSpPr>
-          <p:nvPr>
-            <p:ph type="sldNum" sz="quarter" idx="12"/>
-          </p:nvPr>
-        </p:nvSpPr>
-        <p:spPr/>
-        <p:txBody>
-          <a:bodyPr/>
-          <a:lstStyle/>
-          <a:p>
-            <a:fld id="{9CEC2C73-5D39-4162-8540-D000888C8AD0}" type="slidenum">
-              <a:rPr lang="zh-TW" altLang="en-US" smtClean="0"/>
-              <a:t>‹#›</a:t>
-            </a:fld>
-            <a:endParaRPr lang="zh-TW" altLang="en-US"/>
-          </a:p>
-        </p:txBody>
-      </p:sp>
-    </p:spTree>
-    <p:extLst>
-      <p:ext uri="{BB962C8B-B14F-4D97-AF65-F5344CB8AC3E}">
-        <p14:creationId xmlns:p14="http://schemas.microsoft.com/office/powerpoint/2010/main" val="3066385916"/>
-      </p:ext>
-    </p:extLst>
-  </p:cSld>
-  <p:clrMapOvr>
-    <a:masterClrMapping/>
-  </p:clrMapOvr>
-</p:sldLayout>
-</file>
-
-<file path=ppt/slideLayouts/slideLayout6.xml><?xml version="1.0" encoding="utf-8"?>
-<p:sldLayout xmlns:a="http://schemas.openxmlformats.org/drawingml/2006/main" xmlns:r="http://schemas.openxmlformats.org/officeDocument/2006/relationships" xmlns:p="http://schemas.openxmlformats.org/presentationml/2006/main" type="twoTxTwoObj" preserve="1">
-  <p:cSld name="比較">
-    <p:spTree>
-      <p:nvGrpSpPr>
-        <p:cNvPr id="1" name=""/>
-        <p:cNvGrpSpPr/>
-        <p:nvPr/>
-      </p:nvGrpSpPr>
-      <p:grpSpPr>
-        <a:xfrm>
-          <a:off x="0" y="0"/>
-          <a:ext cx="0" cy="0"/>
-          <a:chOff x="0" y="0"/>
-          <a:chExt cx="0" cy="0"/>
-        </a:xfrm>
-      </p:grpSpPr>
-      <p:sp>
-        <p:nvSpPr>
-          <p:cNvPr id="2" name="標題 1">
-            <a:extLst>
-              <a:ext uri="{FF2B5EF4-FFF2-40B4-BE49-F238E27FC236}">
-                <a16:creationId xmlns:a16="http://schemas.microsoft.com/office/drawing/2014/main" id="{C5B8AE61-C4F1-0D93-6D77-0DC2B21C1B86}"/>
-              </a:ext>
-            </a:extLst>
-          </p:cNvPr>
-          <p:cNvSpPr>
-            <a:spLocks noGrp="1"/>
-          </p:cNvSpPr>
-          <p:nvPr>
-            <p:ph type="title"/>
-          </p:nvPr>
-        </p:nvSpPr>
-        <p:spPr>
-          <a:xfrm>
-            <a:off x="1008063" y="438150"/>
-            <a:ext cx="12619037" cy="1590675"/>
-          </a:xfrm>
-        </p:spPr>
-        <p:txBody>
-          <a:bodyPr/>
-          <a:lstStyle/>
-          <a:p>
-            <a:r>
-              <a:rPr lang="zh-TW" altLang="en-US"/>
-              <a:t>按一下以編輯母片標題樣式</a:t>
-            </a:r>
-          </a:p>
-        </p:txBody>
-      </p:sp>
-      <p:sp>
-        <p:nvSpPr>
-          <p:cNvPr id="3" name="文字版面配置區 2">
-            <a:extLst>
-              <a:ext uri="{FF2B5EF4-FFF2-40B4-BE49-F238E27FC236}">
-                <a16:creationId xmlns:a16="http://schemas.microsoft.com/office/drawing/2014/main" id="{7FBC1E34-D3A5-8E4B-E1C8-210499E1CA56}"/>
-              </a:ext>
-            </a:extLst>
-          </p:cNvPr>
-          <p:cNvSpPr>
-            <a:spLocks noGrp="1"/>
-          </p:cNvSpPr>
-          <p:nvPr>
-            <p:ph type="body" idx="1"/>
-          </p:nvPr>
-        </p:nvSpPr>
-        <p:spPr>
-          <a:xfrm>
-            <a:off x="1008063" y="2017713"/>
-            <a:ext cx="6189662" cy="989012"/>
-          </a:xfrm>
-        </p:spPr>
-        <p:txBody>
-          <a:bodyPr anchor="b"/>
-          <a:lstStyle>
-            <a:lvl1pPr marL="0" indent="0">
-              <a:buNone/>
-              <a:defRPr sz="2400" b="1"/>
-            </a:lvl1pPr>
-            <a:lvl2pPr marL="457200" indent="0">
-              <a:buNone/>
-              <a:defRPr sz="2000" b="1"/>
-            </a:lvl2pPr>
-            <a:lvl3pPr marL="914400" indent="0">
-              <a:buNone/>
-              <a:defRPr sz="1800" b="1"/>
-            </a:lvl3pPr>
-            <a:lvl4pPr marL="1371600" indent="0">
-              <a:buNone/>
-              <a:defRPr sz="1600" b="1"/>
-            </a:lvl4pPr>
-            <a:lvl5pPr marL="1828800" indent="0">
-              <a:buNone/>
-              <a:defRPr sz="1600" b="1"/>
-            </a:lvl5pPr>
-            <a:lvl6pPr marL="2286000" indent="0">
-              <a:buNone/>
-              <a:defRPr sz="1600" b="1"/>
-            </a:lvl6pPr>
-            <a:lvl7pPr marL="2743200" indent="0">
-              <a:buNone/>
-              <a:defRPr sz="1600" b="1"/>
-            </a:lvl7pPr>
-            <a:lvl8pPr marL="3200400" indent="0">
-              <a:buNone/>
-              <a:defRPr sz="1600" b="1"/>
-            </a:lvl8pPr>
-            <a:lvl9pPr marL="3657600" indent="0">
-              <a:buNone/>
-              <a:defRPr sz="1600" b="1"/>
-            </a:lvl9pPr>
-          </a:lstStyle>
-          <a:p>
-            <a:pPr lvl="0"/>
-            <a:r>
-              <a:rPr lang="zh-TW" altLang="en-US"/>
-              <a:t>按一下以編輯母片文字樣式</a:t>
-            </a:r>
-          </a:p>
-        </p:txBody>
-      </p:sp>
-      <p:sp>
-        <p:nvSpPr>
-          <p:cNvPr id="4" name="內容版面配置區 3">
-            <a:extLst>
-              <a:ext uri="{FF2B5EF4-FFF2-40B4-BE49-F238E27FC236}">
-                <a16:creationId xmlns:a16="http://schemas.microsoft.com/office/drawing/2014/main" id="{B1ECC969-32B9-CB57-0A2C-08CC9A224532}"/>
-              </a:ext>
-            </a:extLst>
-          </p:cNvPr>
-          <p:cNvSpPr>
-            <a:spLocks noGrp="1"/>
-          </p:cNvSpPr>
-          <p:nvPr>
-            <p:ph sz="half" idx="2"/>
-          </p:nvPr>
-        </p:nvSpPr>
-        <p:spPr>
-          <a:xfrm>
-            <a:off x="1008063" y="3006725"/>
-            <a:ext cx="6189662" cy="4421188"/>
-          </a:xfrm>
-        </p:spPr>
-        <p:txBody>
-          <a:bodyPr/>
-          <a:lstStyle/>
-          <a:p>
-            <a:pPr lvl="0"/>
-            <a:r>
-              <a:rPr lang="zh-TW" altLang="en-US"/>
-              <a:t>按一下以編輯母片文字樣式</a:t>
-            </a:r>
-          </a:p>
-          <a:p>
-            <a:pPr lvl="1"/>
-            <a:r>
-              <a:rPr lang="zh-TW" altLang="en-US"/>
-              <a:t>第二層</a:t>
-            </a:r>
-          </a:p>
-          <a:p>
-            <a:pPr lvl="2"/>
-            <a:r>
-              <a:rPr lang="zh-TW" altLang="en-US"/>
-              <a:t>第三層</a:t>
-            </a:r>
-          </a:p>
-          <a:p>
-            <a:pPr lvl="3"/>
-            <a:r>
-              <a:rPr lang="zh-TW" altLang="en-US"/>
-              <a:t>第四層</a:t>
-            </a:r>
-          </a:p>
-          <a:p>
-            <a:pPr lvl="4"/>
-            <a:r>
-              <a:rPr lang="zh-TW" altLang="en-US"/>
-              <a:t>第五層</a:t>
-            </a:r>
-          </a:p>
-        </p:txBody>
-      </p:sp>
-      <p:sp>
-        <p:nvSpPr>
-          <p:cNvPr id="5" name="文字版面配置區 4">
-            <a:extLst>
-              <a:ext uri="{FF2B5EF4-FFF2-40B4-BE49-F238E27FC236}">
-                <a16:creationId xmlns:a16="http://schemas.microsoft.com/office/drawing/2014/main" id="{B185FDFC-1616-0FA0-A19F-264D569AB910}"/>
-              </a:ext>
-            </a:extLst>
-          </p:cNvPr>
-          <p:cNvSpPr>
-            <a:spLocks noGrp="1"/>
-          </p:cNvSpPr>
-          <p:nvPr>
-            <p:ph type="body" sz="quarter" idx="3"/>
-          </p:nvPr>
-        </p:nvSpPr>
-        <p:spPr>
-          <a:xfrm>
-            <a:off x="7407275" y="2017713"/>
-            <a:ext cx="6219825" cy="989012"/>
-          </a:xfrm>
-        </p:spPr>
-        <p:txBody>
-          <a:bodyPr anchor="b"/>
-          <a:lstStyle>
-            <a:lvl1pPr marL="0" indent="0">
-              <a:buNone/>
-              <a:defRPr sz="2400" b="1"/>
-            </a:lvl1pPr>
-            <a:lvl2pPr marL="457200" indent="0">
-              <a:buNone/>
-              <a:defRPr sz="2000" b="1"/>
-            </a:lvl2pPr>
-            <a:lvl3pPr marL="914400" indent="0">
-              <a:buNone/>
-              <a:defRPr sz="1800" b="1"/>
-            </a:lvl3pPr>
-            <a:lvl4pPr marL="1371600" indent="0">
-              <a:buNone/>
-              <a:defRPr sz="1600" b="1"/>
-            </a:lvl4pPr>
-            <a:lvl5pPr marL="1828800" indent="0">
-              <a:buNone/>
-              <a:defRPr sz="1600" b="1"/>
-            </a:lvl5pPr>
-            <a:lvl6pPr marL="2286000" indent="0">
-              <a:buNone/>
-              <a:defRPr sz="1600" b="1"/>
-            </a:lvl6pPr>
-            <a:lvl7pPr marL="2743200" indent="0">
-              <a:buNone/>
-              <a:defRPr sz="1600" b="1"/>
-            </a:lvl7pPr>
-            <a:lvl8pPr marL="3200400" indent="0">
-              <a:buNone/>
-              <a:defRPr sz="1600" b="1"/>
-            </a:lvl8pPr>
-            <a:lvl9pPr marL="3657600" indent="0">
-              <a:buNone/>
-              <a:defRPr sz="1600" b="1"/>
-            </a:lvl9pPr>
-          </a:lstStyle>
-          <a:p>
-            <a:pPr lvl="0"/>
-            <a:r>
-              <a:rPr lang="zh-TW" altLang="en-US"/>
-              <a:t>按一下以編輯母片文字樣式</a:t>
-            </a:r>
-          </a:p>
-        </p:txBody>
-      </p:sp>
-      <p:sp>
-        <p:nvSpPr>
-          <p:cNvPr id="6" name="內容版面配置區 5">
-            <a:extLst>
-              <a:ext uri="{FF2B5EF4-FFF2-40B4-BE49-F238E27FC236}">
-                <a16:creationId xmlns:a16="http://schemas.microsoft.com/office/drawing/2014/main" id="{F49BAEFC-2B00-79D1-AB81-15CB687BBB6A}"/>
-              </a:ext>
-            </a:extLst>
-          </p:cNvPr>
-          <p:cNvSpPr>
-            <a:spLocks noGrp="1"/>
-          </p:cNvSpPr>
-          <p:nvPr>
-            <p:ph sz="quarter" idx="4"/>
-          </p:nvPr>
-        </p:nvSpPr>
-        <p:spPr>
-          <a:xfrm>
-            <a:off x="7407275" y="3006725"/>
-            <a:ext cx="6219825" cy="4421188"/>
-          </a:xfrm>
-        </p:spPr>
-        <p:txBody>
-          <a:bodyPr/>
-          <a:lstStyle/>
-          <a:p>
-            <a:pPr lvl="0"/>
-            <a:r>
-              <a:rPr lang="zh-TW" altLang="en-US"/>
-              <a:t>按一下以編輯母片文字樣式</a:t>
-            </a:r>
-          </a:p>
-          <a:p>
-            <a:pPr lvl="1"/>
-            <a:r>
-              <a:rPr lang="zh-TW" altLang="en-US"/>
-              <a:t>第二層</a:t>
-            </a:r>
-          </a:p>
-          <a:p>
-            <a:pPr lvl="2"/>
-            <a:r>
-              <a:rPr lang="zh-TW" altLang="en-US"/>
-              <a:t>第三層</a:t>
-            </a:r>
-          </a:p>
-          <a:p>
-            <a:pPr lvl="3"/>
-            <a:r>
-              <a:rPr lang="zh-TW" altLang="en-US"/>
-              <a:t>第四層</a:t>
-            </a:r>
-          </a:p>
-          <a:p>
-            <a:pPr lvl="4"/>
-            <a:r>
-              <a:rPr lang="zh-TW" altLang="en-US"/>
-              <a:t>第五層</a:t>
-            </a:r>
-          </a:p>
-        </p:txBody>
-      </p:sp>
-      <p:sp>
-        <p:nvSpPr>
-          <p:cNvPr id="7" name="日期版面配置區 6">
-            <a:extLst>
-              <a:ext uri="{FF2B5EF4-FFF2-40B4-BE49-F238E27FC236}">
-                <a16:creationId xmlns:a16="http://schemas.microsoft.com/office/drawing/2014/main" id="{5C87B7F0-E77C-AA30-688E-DC79F8EB5F7F}"/>
-              </a:ext>
-            </a:extLst>
-          </p:cNvPr>
-          <p:cNvSpPr>
-            <a:spLocks noGrp="1"/>
-          </p:cNvSpPr>
-          <p:nvPr>
-            <p:ph type="dt" sz="half" idx="10"/>
-          </p:nvPr>
-        </p:nvSpPr>
-        <p:spPr/>
-        <p:txBody>
-          <a:bodyPr/>
-          <a:lstStyle/>
-          <a:p>
-            <a:fld id="{979C363E-04D9-443F-AC15-3E9A64664600}" type="datetimeFigureOut">
-              <a:rPr lang="zh-TW" altLang="en-US" smtClean="0"/>
-              <a:t>2023/7/10</a:t>
-            </a:fld>
-            <a:endParaRPr lang="zh-TW" altLang="en-US"/>
-          </a:p>
-        </p:txBody>
-      </p:sp>
-      <p:sp>
-        <p:nvSpPr>
-          <p:cNvPr id="8" name="頁尾版面配置區 7">
-            <a:extLst>
-              <a:ext uri="{FF2B5EF4-FFF2-40B4-BE49-F238E27FC236}">
-                <a16:creationId xmlns:a16="http://schemas.microsoft.com/office/drawing/2014/main" id="{87A821F1-F344-0235-3541-9E718D7CAB60}"/>
-              </a:ext>
-            </a:extLst>
-          </p:cNvPr>
-          <p:cNvSpPr>
-            <a:spLocks noGrp="1"/>
-          </p:cNvSpPr>
-          <p:nvPr>
-            <p:ph type="ftr" sz="quarter" idx="11"/>
-          </p:nvPr>
-        </p:nvSpPr>
-        <p:spPr/>
-        <p:txBody>
-          <a:bodyPr/>
-          <a:lstStyle/>
-          <a:p>
-            <a:endParaRPr lang="zh-TW" altLang="en-US"/>
-          </a:p>
-        </p:txBody>
-      </p:sp>
-      <p:sp>
-        <p:nvSpPr>
-          <p:cNvPr id="9" name="投影片編號版面配置區 8">
-            <a:extLst>
-              <a:ext uri="{FF2B5EF4-FFF2-40B4-BE49-F238E27FC236}">
-                <a16:creationId xmlns:a16="http://schemas.microsoft.com/office/drawing/2014/main" id="{7087E2AF-28F9-D9EB-A986-244B17B129CA}"/>
-              </a:ext>
-            </a:extLst>
-          </p:cNvPr>
-          <p:cNvSpPr>
-            <a:spLocks noGrp="1"/>
-          </p:cNvSpPr>
-          <p:nvPr>
-            <p:ph type="sldNum" sz="quarter" idx="12"/>
-          </p:nvPr>
-        </p:nvSpPr>
-        <p:spPr/>
-        <p:txBody>
-          <a:bodyPr/>
-          <a:lstStyle/>
-          <a:p>
-            <a:fld id="{9CEC2C73-5D39-4162-8540-D000888C8AD0}" type="slidenum">
-              <a:rPr lang="zh-TW" altLang="en-US" smtClean="0"/>
-              <a:t>‹#›</a:t>
-            </a:fld>
-            <a:endParaRPr lang="zh-TW" altLang="en-US"/>
-          </a:p>
-        </p:txBody>
-      </p:sp>
-    </p:spTree>
-    <p:extLst>
-      <p:ext uri="{BB962C8B-B14F-4D97-AF65-F5344CB8AC3E}">
-        <p14:creationId xmlns:p14="http://schemas.microsoft.com/office/powerpoint/2010/main" val="2035485990"/>
-      </p:ext>
-    </p:extLst>
-  </p:cSld>
-  <p:clrMapOvr>
-    <a:masterClrMapping/>
-  </p:clrMapOvr>
-</p:sldLayout>
-</file>
-
-<file path=ppt/slideLayouts/slideLayout7.xml><?xml version="1.0" encoding="utf-8"?>
-<p:sldLayout xmlns:a="http://schemas.openxmlformats.org/drawingml/2006/main" xmlns:r="http://schemas.openxmlformats.org/officeDocument/2006/relationships" xmlns:p="http://schemas.openxmlformats.org/presentationml/2006/main" type="titleOnly" preserve="1">
-  <p:cSld name="只有標題">
-    <p:spTree>
-      <p:nvGrpSpPr>
-        <p:cNvPr id="1" name=""/>
-        <p:cNvGrpSpPr/>
-        <p:nvPr/>
-      </p:nvGrpSpPr>
-      <p:grpSpPr>
-        <a:xfrm>
-          <a:off x="0" y="0"/>
-          <a:ext cx="0" cy="0"/>
-          <a:chOff x="0" y="0"/>
-          <a:chExt cx="0" cy="0"/>
-        </a:xfrm>
-      </p:grpSpPr>
-      <p:sp>
-        <p:nvSpPr>
-          <p:cNvPr id="2" name="標題 1">
-            <a:extLst>
-              <a:ext uri="{FF2B5EF4-FFF2-40B4-BE49-F238E27FC236}">
-                <a16:creationId xmlns:a16="http://schemas.microsoft.com/office/drawing/2014/main" id="{6A8E05A8-8C8D-99F9-8089-60EA52A6C5E1}"/>
-              </a:ext>
-            </a:extLst>
-          </p:cNvPr>
-          <p:cNvSpPr>
-            <a:spLocks noGrp="1"/>
-          </p:cNvSpPr>
-          <p:nvPr>
-            <p:ph type="title"/>
-          </p:nvPr>
-        </p:nvSpPr>
-        <p:spPr/>
-        <p:txBody>
-          <a:bodyPr/>
-          <a:lstStyle/>
-          <a:p>
-            <a:r>
-              <a:rPr lang="zh-TW" altLang="en-US"/>
-              <a:t>按一下以編輯母片標題樣式</a:t>
-            </a:r>
-          </a:p>
-        </p:txBody>
-      </p:sp>
-      <p:sp>
-        <p:nvSpPr>
-          <p:cNvPr id="3" name="日期版面配置區 2">
-            <a:extLst>
-              <a:ext uri="{FF2B5EF4-FFF2-40B4-BE49-F238E27FC236}">
-                <a16:creationId xmlns:a16="http://schemas.microsoft.com/office/drawing/2014/main" id="{61D68A29-A8F8-4469-FCE2-5FF6EA9455F0}"/>
-              </a:ext>
-            </a:extLst>
-          </p:cNvPr>
-          <p:cNvSpPr>
-            <a:spLocks noGrp="1"/>
-          </p:cNvSpPr>
-          <p:nvPr>
-            <p:ph type="dt" sz="half" idx="10"/>
-          </p:nvPr>
-        </p:nvSpPr>
-        <p:spPr/>
-        <p:txBody>
-          <a:bodyPr/>
-          <a:lstStyle/>
-          <a:p>
-            <a:fld id="{979C363E-04D9-443F-AC15-3E9A64664600}" type="datetimeFigureOut">
-              <a:rPr lang="zh-TW" altLang="en-US" smtClean="0"/>
-              <a:t>2023/7/10</a:t>
-            </a:fld>
-            <a:endParaRPr lang="zh-TW" altLang="en-US"/>
-          </a:p>
-        </p:txBody>
-      </p:sp>
-      <p:sp>
-        <p:nvSpPr>
-          <p:cNvPr id="4" name="頁尾版面配置區 3">
-            <a:extLst>
-              <a:ext uri="{FF2B5EF4-FFF2-40B4-BE49-F238E27FC236}">
-                <a16:creationId xmlns:a16="http://schemas.microsoft.com/office/drawing/2014/main" id="{0520C9DB-4863-F06A-F7DE-FEDF574EF7E9}"/>
-              </a:ext>
-            </a:extLst>
-          </p:cNvPr>
-          <p:cNvSpPr>
-            <a:spLocks noGrp="1"/>
-          </p:cNvSpPr>
-          <p:nvPr>
-            <p:ph type="ftr" sz="quarter" idx="11"/>
-          </p:nvPr>
-        </p:nvSpPr>
-        <p:spPr/>
-        <p:txBody>
-          <a:bodyPr/>
-          <a:lstStyle/>
-          <a:p>
-            <a:endParaRPr lang="zh-TW" altLang="en-US"/>
-          </a:p>
-        </p:txBody>
-      </p:sp>
-      <p:sp>
-        <p:nvSpPr>
-          <p:cNvPr id="5" name="投影片編號版面配置區 4">
-            <a:extLst>
-              <a:ext uri="{FF2B5EF4-FFF2-40B4-BE49-F238E27FC236}">
-                <a16:creationId xmlns:a16="http://schemas.microsoft.com/office/drawing/2014/main" id="{C8CB33C8-47E7-7E1E-BDC8-ADDDBE163479}"/>
-              </a:ext>
-            </a:extLst>
-          </p:cNvPr>
-          <p:cNvSpPr>
-            <a:spLocks noGrp="1"/>
-          </p:cNvSpPr>
-          <p:nvPr>
-            <p:ph type="sldNum" sz="quarter" idx="12"/>
-          </p:nvPr>
-        </p:nvSpPr>
-        <p:spPr/>
-        <p:txBody>
-          <a:bodyPr/>
-          <a:lstStyle/>
-          <a:p>
-            <a:fld id="{9CEC2C73-5D39-4162-8540-D000888C8AD0}" type="slidenum">
-              <a:rPr lang="zh-TW" altLang="en-US" smtClean="0"/>
-              <a:t>‹#›</a:t>
-            </a:fld>
-            <a:endParaRPr lang="zh-TW" altLang="en-US"/>
-          </a:p>
-        </p:txBody>
-      </p:sp>
-    </p:spTree>
-    <p:extLst>
-      <p:ext uri="{BB962C8B-B14F-4D97-AF65-F5344CB8AC3E}">
-        <p14:creationId xmlns:p14="http://schemas.microsoft.com/office/powerpoint/2010/main" val="792660868"/>
-      </p:ext>
-    </p:extLst>
-  </p:cSld>
-  <p:clrMapOvr>
-    <a:masterClrMapping/>
-  </p:clrMapOvr>
-</p:sldLayout>
-</file>
-
-<file path=ppt/slideLayouts/slideLayout8.xml><?xml version="1.0" encoding="utf-8"?>
-<p:sldLayout xmlns:a="http://schemas.openxmlformats.org/drawingml/2006/main" xmlns:r="http://schemas.openxmlformats.org/officeDocument/2006/relationships" xmlns:p="http://schemas.openxmlformats.org/presentationml/2006/main" type="blank" preserve="1">
-  <p:cSld name="空白">
-    <p:spTree>
-      <p:nvGrpSpPr>
-        <p:cNvPr id="1" name=""/>
-        <p:cNvGrpSpPr/>
-        <p:nvPr/>
-      </p:nvGrpSpPr>
-      <p:grpSpPr>
-        <a:xfrm>
-          <a:off x="0" y="0"/>
-          <a:ext cx="0" cy="0"/>
-          <a:chOff x="0" y="0"/>
-          <a:chExt cx="0" cy="0"/>
-        </a:xfrm>
-      </p:grpSpPr>
-      <p:sp>
-        <p:nvSpPr>
-          <p:cNvPr id="2" name="日期版面配置區 1">
-            <a:extLst>
-              <a:ext uri="{FF2B5EF4-FFF2-40B4-BE49-F238E27FC236}">
-                <a16:creationId xmlns:a16="http://schemas.microsoft.com/office/drawing/2014/main" id="{6F164D21-70CE-9B10-98C2-7FE54F7C845B}"/>
-              </a:ext>
-            </a:extLst>
-          </p:cNvPr>
-          <p:cNvSpPr>
-            <a:spLocks noGrp="1"/>
-          </p:cNvSpPr>
-          <p:nvPr>
-            <p:ph type="dt" sz="half" idx="10"/>
-          </p:nvPr>
-        </p:nvSpPr>
-        <p:spPr/>
-        <p:txBody>
-          <a:bodyPr/>
-          <a:lstStyle/>
-          <a:p>
-            <a:fld id="{979C363E-04D9-443F-AC15-3E9A64664600}" type="datetimeFigureOut">
-              <a:rPr lang="zh-TW" altLang="en-US" smtClean="0"/>
-              <a:t>2023/7/10</a:t>
-            </a:fld>
-            <a:endParaRPr lang="zh-TW" altLang="en-US"/>
-          </a:p>
-        </p:txBody>
-      </p:sp>
-      <p:sp>
-        <p:nvSpPr>
-          <p:cNvPr id="3" name="頁尾版面配置區 2">
-            <a:extLst>
-              <a:ext uri="{FF2B5EF4-FFF2-40B4-BE49-F238E27FC236}">
-                <a16:creationId xmlns:a16="http://schemas.microsoft.com/office/drawing/2014/main" id="{82C5641A-F311-5B86-0C7B-E2B3EBEDFFE9}"/>
-              </a:ext>
-            </a:extLst>
-          </p:cNvPr>
-          <p:cNvSpPr>
-            <a:spLocks noGrp="1"/>
-          </p:cNvSpPr>
-          <p:nvPr>
-            <p:ph type="ftr" sz="quarter" idx="11"/>
-          </p:nvPr>
-        </p:nvSpPr>
-        <p:spPr/>
-        <p:txBody>
-          <a:bodyPr/>
-          <a:lstStyle/>
-          <a:p>
-            <a:endParaRPr lang="zh-TW" altLang="en-US"/>
-          </a:p>
-        </p:txBody>
-      </p:sp>
-      <p:sp>
-        <p:nvSpPr>
-          <p:cNvPr id="4" name="投影片編號版面配置區 3">
-            <a:extLst>
-              <a:ext uri="{FF2B5EF4-FFF2-40B4-BE49-F238E27FC236}">
-                <a16:creationId xmlns:a16="http://schemas.microsoft.com/office/drawing/2014/main" id="{E98646B3-D8FA-37C5-BA12-F806CDC593C8}"/>
-              </a:ext>
-            </a:extLst>
-          </p:cNvPr>
-          <p:cNvSpPr>
-            <a:spLocks noGrp="1"/>
-          </p:cNvSpPr>
-          <p:nvPr>
-            <p:ph type="sldNum" sz="quarter" idx="12"/>
-          </p:nvPr>
-        </p:nvSpPr>
-        <p:spPr/>
-        <p:txBody>
-          <a:bodyPr/>
-          <a:lstStyle/>
-          <a:p>
-            <a:fld id="{9CEC2C73-5D39-4162-8540-D000888C8AD0}" type="slidenum">
-              <a:rPr lang="zh-TW" altLang="en-US" smtClean="0"/>
-              <a:t>‹#›</a:t>
-            </a:fld>
-            <a:endParaRPr lang="zh-TW" altLang="en-US"/>
-          </a:p>
-        </p:txBody>
-      </p:sp>
-    </p:spTree>
-    <p:extLst>
-      <p:ext uri="{BB962C8B-B14F-4D97-AF65-F5344CB8AC3E}">
-        <p14:creationId xmlns:p14="http://schemas.microsoft.com/office/powerpoint/2010/main" val="1790321100"/>
-      </p:ext>
-    </p:extLst>
-  </p:cSld>
-  <p:clrMapOvr>
-    <a:masterClrMapping/>
-  </p:clrMapOvr>
-</p:sldLayout>
-</file>
-
-<file path=ppt/slideLayouts/slideLayout9.xml><?xml version="1.0" encoding="utf-8"?>
-<p:sldLayout xmlns:a="http://schemas.openxmlformats.org/drawingml/2006/main" xmlns:r="http://schemas.openxmlformats.org/officeDocument/2006/relationships" xmlns:p="http://schemas.openxmlformats.org/presentationml/2006/main" type="objTx" preserve="1">
-  <p:cSld name="含輔助字幕的內容">
-    <p:spTree>
-      <p:nvGrpSpPr>
-        <p:cNvPr id="1" name=""/>
-        <p:cNvGrpSpPr/>
-        <p:nvPr/>
-      </p:nvGrpSpPr>
-      <p:grpSpPr>
-        <a:xfrm>
-          <a:off x="0" y="0"/>
-          <a:ext cx="0" cy="0"/>
-          <a:chOff x="0" y="0"/>
-          <a:chExt cx="0" cy="0"/>
-        </a:xfrm>
-      </p:grpSpPr>
-      <p:sp>
-        <p:nvSpPr>
-          <p:cNvPr id="2" name="標題 1">
-            <a:extLst>
-              <a:ext uri="{FF2B5EF4-FFF2-40B4-BE49-F238E27FC236}">
-                <a16:creationId xmlns:a16="http://schemas.microsoft.com/office/drawing/2014/main" id="{AD73B6BB-A4C8-EC4E-A20F-4E771411167C}"/>
-              </a:ext>
-            </a:extLst>
-          </p:cNvPr>
-          <p:cNvSpPr>
-            <a:spLocks noGrp="1"/>
-          </p:cNvSpPr>
-          <p:nvPr>
-            <p:ph type="title"/>
-          </p:nvPr>
-        </p:nvSpPr>
-        <p:spPr>
-          <a:xfrm>
-            <a:off x="1008063" y="549275"/>
-            <a:ext cx="4718050" cy="1919288"/>
-          </a:xfrm>
-        </p:spPr>
-        <p:txBody>
-          <a:bodyPr anchor="b"/>
-          <a:lstStyle>
-            <a:lvl1pPr>
-              <a:defRPr sz="3200"/>
-            </a:lvl1pPr>
-          </a:lstStyle>
-          <a:p>
-            <a:r>
-              <a:rPr lang="zh-TW" altLang="en-US"/>
-              <a:t>按一下以編輯母片標題樣式</a:t>
-            </a:r>
-          </a:p>
-        </p:txBody>
-      </p:sp>
-      <p:sp>
-        <p:nvSpPr>
-          <p:cNvPr id="3" name="內容版面配置區 2">
-            <a:extLst>
-              <a:ext uri="{FF2B5EF4-FFF2-40B4-BE49-F238E27FC236}">
-                <a16:creationId xmlns:a16="http://schemas.microsoft.com/office/drawing/2014/main" id="{C9C7AED6-2B6B-B194-CEE3-B38E36A78172}"/>
-              </a:ext>
-            </a:extLst>
-          </p:cNvPr>
-          <p:cNvSpPr>
-            <a:spLocks noGrp="1"/>
-          </p:cNvSpPr>
-          <p:nvPr>
-            <p:ph idx="1"/>
-          </p:nvPr>
-        </p:nvSpPr>
-        <p:spPr>
-          <a:xfrm>
-            <a:off x="6219825" y="1184275"/>
-            <a:ext cx="7407275" cy="5848350"/>
-          </a:xfrm>
-        </p:spPr>
-        <p:txBody>
-          <a:bodyPr/>
-          <a:lstStyle>
-            <a:lvl1pPr>
-              <a:defRPr sz="3200"/>
-            </a:lvl1pPr>
-            <a:lvl2pPr>
-              <a:defRPr sz="2800"/>
-            </a:lvl2pPr>
-            <a:lvl3pPr>
-              <a:defRPr sz="2400"/>
-            </a:lvl3pPr>
-            <a:lvl4pPr>
-              <a:defRPr sz="2000"/>
-            </a:lvl4pPr>
-            <a:lvl5pPr>
-              <a:defRPr sz="2000"/>
-            </a:lvl5pPr>
-            <a:lvl6pPr>
-              <a:defRPr sz="2000"/>
-            </a:lvl6pPr>
-            <a:lvl7pPr>
-              <a:defRPr sz="2000"/>
-            </a:lvl7pPr>
-            <a:lvl8pPr>
-              <a:defRPr sz="2000"/>
-            </a:lvl8pPr>
-            <a:lvl9pPr>
-              <a:defRPr sz="2000"/>
-            </a:lvl9pPr>
-          </a:lstStyle>
-          <a:p>
-            <a:pPr lvl="0"/>
-            <a:r>
-              <a:rPr lang="zh-TW" altLang="en-US"/>
-              <a:t>按一下以編輯母片文字樣式</a:t>
-            </a:r>
-          </a:p>
-          <a:p>
-            <a:pPr lvl="1"/>
-            <a:r>
-              <a:rPr lang="zh-TW" altLang="en-US"/>
-              <a:t>第二層</a:t>
-            </a:r>
-          </a:p>
-          <a:p>
-            <a:pPr lvl="2"/>
-            <a:r>
-              <a:rPr lang="zh-TW" altLang="en-US"/>
-              <a:t>第三層</a:t>
-            </a:r>
-          </a:p>
-          <a:p>
-            <a:pPr lvl="3"/>
-            <a:r>
-              <a:rPr lang="zh-TW" altLang="en-US"/>
-              <a:t>第四層</a:t>
-            </a:r>
-          </a:p>
-          <a:p>
-            <a:pPr lvl="4"/>
-            <a:r>
-              <a:rPr lang="zh-TW" altLang="en-US"/>
-              <a:t>第五層</a:t>
-            </a:r>
-          </a:p>
-        </p:txBody>
-      </p:sp>
-      <p:sp>
-        <p:nvSpPr>
-          <p:cNvPr id="4" name="文字版面配置區 3">
-            <a:extLst>
-              <a:ext uri="{FF2B5EF4-FFF2-40B4-BE49-F238E27FC236}">
-                <a16:creationId xmlns:a16="http://schemas.microsoft.com/office/drawing/2014/main" id="{A71AC446-E023-23F5-C50E-49974D095453}"/>
-              </a:ext>
-            </a:extLst>
-          </p:cNvPr>
-          <p:cNvSpPr>
-            <a:spLocks noGrp="1"/>
-          </p:cNvSpPr>
-          <p:nvPr>
-            <p:ph type="body" sz="half" idx="2"/>
-          </p:nvPr>
-        </p:nvSpPr>
-        <p:spPr>
-          <a:xfrm>
-            <a:off x="1008063" y="2468563"/>
-            <a:ext cx="4718050" cy="4573587"/>
-          </a:xfrm>
-        </p:spPr>
-        <p:txBody>
-          <a:bodyPr/>
-          <a:lstStyle>
-            <a:lvl1pPr marL="0" indent="0">
-              <a:buNone/>
-              <a:defRPr sz="1600"/>
-            </a:lvl1pPr>
-            <a:lvl2pPr marL="457200" indent="0">
-              <a:buNone/>
-              <a:defRPr sz="1400"/>
-            </a:lvl2pPr>
-            <a:lvl3pPr marL="914400" indent="0">
-              <a:buNone/>
-              <a:defRPr sz="1200"/>
-            </a:lvl3pPr>
-            <a:lvl4pPr marL="1371600" indent="0">
-              <a:buNone/>
-              <a:defRPr sz="1000"/>
-            </a:lvl4pPr>
-            <a:lvl5pPr marL="1828800" indent="0">
-              <a:buNone/>
-              <a:defRPr sz="1000"/>
-            </a:lvl5pPr>
-            <a:lvl6pPr marL="2286000" indent="0">
-              <a:buNone/>
-              <a:defRPr sz="1000"/>
-            </a:lvl6pPr>
-            <a:lvl7pPr marL="2743200" indent="0">
-              <a:buNone/>
-              <a:defRPr sz="1000"/>
-            </a:lvl7pPr>
-            <a:lvl8pPr marL="3200400" indent="0">
-              <a:buNone/>
-              <a:defRPr sz="1000"/>
-            </a:lvl8pPr>
-            <a:lvl9pPr marL="3657600" indent="0">
-              <a:buNone/>
-              <a:defRPr sz="1000"/>
-            </a:lvl9pPr>
-          </a:lstStyle>
-          <a:p>
-            <a:pPr lvl="0"/>
-            <a:r>
-              <a:rPr lang="zh-TW" altLang="en-US"/>
-              <a:t>按一下以編輯母片文字樣式</a:t>
-            </a:r>
-          </a:p>
-        </p:txBody>
-      </p:sp>
-      <p:sp>
-        <p:nvSpPr>
-          <p:cNvPr id="5" name="日期版面配置區 4">
-            <a:extLst>
-              <a:ext uri="{FF2B5EF4-FFF2-40B4-BE49-F238E27FC236}">
-                <a16:creationId xmlns:a16="http://schemas.microsoft.com/office/drawing/2014/main" id="{7E7F566D-C301-1B7E-E172-3C4882EABDA1}"/>
-              </a:ext>
-            </a:extLst>
-          </p:cNvPr>
-          <p:cNvSpPr>
-            <a:spLocks noGrp="1"/>
-          </p:cNvSpPr>
-          <p:nvPr>
-            <p:ph type="dt" sz="half" idx="10"/>
-          </p:nvPr>
-        </p:nvSpPr>
-        <p:spPr/>
-        <p:txBody>
-          <a:bodyPr/>
-          <a:lstStyle/>
-          <a:p>
-            <a:fld id="{979C363E-04D9-443F-AC15-3E9A64664600}" type="datetimeFigureOut">
-              <a:rPr lang="zh-TW" altLang="en-US" smtClean="0"/>
-              <a:t>2023/7/10</a:t>
-            </a:fld>
-            <a:endParaRPr lang="zh-TW" altLang="en-US"/>
-          </a:p>
-        </p:txBody>
-      </p:sp>
-      <p:sp>
-        <p:nvSpPr>
-          <p:cNvPr id="6" name="頁尾版面配置區 5">
-            <a:extLst>
-              <a:ext uri="{FF2B5EF4-FFF2-40B4-BE49-F238E27FC236}">
-                <a16:creationId xmlns:a16="http://schemas.microsoft.com/office/drawing/2014/main" id="{8AF0CAF8-A785-3655-9501-6CEFE0C59FC5}"/>
-              </a:ext>
-            </a:extLst>
-          </p:cNvPr>
-          <p:cNvSpPr>
-            <a:spLocks noGrp="1"/>
-          </p:cNvSpPr>
-          <p:nvPr>
-            <p:ph type="ftr" sz="quarter" idx="11"/>
-          </p:nvPr>
-        </p:nvSpPr>
-        <p:spPr/>
-        <p:txBody>
-          <a:bodyPr/>
-          <a:lstStyle/>
-          <a:p>
-            <a:endParaRPr lang="zh-TW" altLang="en-US"/>
-          </a:p>
-        </p:txBody>
-      </p:sp>
-      <p:sp>
-        <p:nvSpPr>
-          <p:cNvPr id="7" name="投影片編號版面配置區 6">
-            <a:extLst>
-              <a:ext uri="{FF2B5EF4-FFF2-40B4-BE49-F238E27FC236}">
-                <a16:creationId xmlns:a16="http://schemas.microsoft.com/office/drawing/2014/main" id="{47384360-247F-FFE2-718D-EDB2A1E7C357}"/>
-              </a:ext>
-            </a:extLst>
-          </p:cNvPr>
-          <p:cNvSpPr>
-            <a:spLocks noGrp="1"/>
-          </p:cNvSpPr>
-          <p:nvPr>
-            <p:ph type="sldNum" sz="quarter" idx="12"/>
-          </p:nvPr>
-        </p:nvSpPr>
-        <p:spPr/>
-        <p:txBody>
-          <a:bodyPr/>
-          <a:lstStyle/>
-          <a:p>
-            <a:fld id="{9CEC2C73-5D39-4162-8540-D000888C8AD0}" type="slidenum">
-              <a:rPr lang="zh-TW" altLang="en-US" smtClean="0"/>
-              <a:t>‹#›</a:t>
-            </a:fld>
-            <a:endParaRPr lang="zh-TW" altLang="en-US"/>
-          </a:p>
-        </p:txBody>
-      </p:sp>
-    </p:spTree>
-    <p:extLst>
-      <p:ext uri="{BB962C8B-B14F-4D97-AF65-F5344CB8AC3E}">
-        <p14:creationId xmlns:p14="http://schemas.microsoft.com/office/powerpoint/2010/main" val="4133200939"/>
+        <p14:creationId xmlns:p14="http://schemas.microsoft.com/office/powerpoint/2010/main" val="2922216144"/>
       </p:ext>
     </p:extLst>
   </p:cSld>
@@ -3834,288 +1570,6 @@
 </file>
 
 <file path=ppt/slideMasters/slideMaster1.xml><?xml version="1.0" encoding="utf-8"?>
-<p:sldMaster xmlns:a="http://schemas.openxmlformats.org/drawingml/2006/main" xmlns:r="http://schemas.openxmlformats.org/officeDocument/2006/relationships" xmlns:p="http://schemas.openxmlformats.org/presentationml/2006/main">
-  <p:cSld>
-    <p:bg>
-      <p:bgRef idx="1001">
-        <a:schemeClr val="bg1"/>
-      </p:bgRef>
-    </p:bg>
-    <p:spTree>
-      <p:nvGrpSpPr>
-        <p:cNvPr id="1" name=""/>
-        <p:cNvGrpSpPr/>
-        <p:nvPr/>
-      </p:nvGrpSpPr>
-      <p:grpSpPr>
-        <a:xfrm>
-          <a:off x="0" y="0"/>
-          <a:ext cx="0" cy="0"/>
-          <a:chOff x="0" y="0"/>
-          <a:chExt cx="0" cy="0"/>
-        </a:xfrm>
-      </p:grpSpPr>
-    </p:spTree>
-  </p:cSld>
-  <p:clrMap bg1="lt1" tx1="dk1" bg2="lt2" tx2="dk2" accent1="accent1" accent2="accent2" accent3="accent3" accent4="accent4" accent5="accent5" accent6="accent6" hlink="hlink" folHlink="folHlink"/>
-  <p:sldLayoutIdLst>
-    <p:sldLayoutId id="2147483649" r:id="rId1"/>
-  </p:sldLayoutIdLst>
-  <p:hf sldNum="0" hdr="0" ftr="0" dt="0"/>
-  <p:txStyles>
-    <p:titleStyle>
-      <a:lvl1pPr algn="ctr" defTabSz="914400" rtl="0" eaLnBrk="1" latinLnBrk="0" hangingPunct="1">
-        <a:spcBef>
-          <a:spcPct val="0"/>
-        </a:spcBef>
-        <a:buNone/>
-        <a:defRPr sz="4400" kern="1200">
-          <a:solidFill>
-            <a:schemeClr val="tx1"/>
-          </a:solidFill>
-          <a:latin typeface="+mj-lt"/>
-          <a:ea typeface="+mj-ea"/>
-          <a:cs typeface="+mj-cs"/>
-        </a:defRPr>
-      </a:lvl1pPr>
-    </p:titleStyle>
-    <p:bodyStyle>
-      <a:lvl1pPr marL="342900" indent="-342900" algn="l" defTabSz="914400" rtl="0" eaLnBrk="1" latinLnBrk="0" hangingPunct="1">
-        <a:spcBef>
-          <a:spcPct val="20000"/>
-        </a:spcBef>
-        <a:buFont typeface="Arial" pitchFamily="34" charset="0"/>
-        <a:buChar char="•"/>
-        <a:defRPr sz="3200" kern="1200">
-          <a:solidFill>
-            <a:schemeClr val="tx1"/>
-          </a:solidFill>
-          <a:latin typeface="+mn-lt"/>
-          <a:ea typeface="+mn-ea"/>
-          <a:cs typeface="+mn-cs"/>
-        </a:defRPr>
-      </a:lvl1pPr>
-      <a:lvl2pPr marL="742950" indent="-285750" algn="l" defTabSz="914400" rtl="0" eaLnBrk="1" latinLnBrk="0" hangingPunct="1">
-        <a:spcBef>
-          <a:spcPct val="20000"/>
-        </a:spcBef>
-        <a:buFont typeface="Arial" pitchFamily="34" charset="0"/>
-        <a:buChar char="–"/>
-        <a:defRPr sz="2800" kern="1200">
-          <a:solidFill>
-            <a:schemeClr val="tx1"/>
-          </a:solidFill>
-          <a:latin typeface="+mn-lt"/>
-          <a:ea typeface="+mn-ea"/>
-          <a:cs typeface="+mn-cs"/>
-        </a:defRPr>
-      </a:lvl2pPr>
-      <a:lvl3pPr marL="1143000" indent="-228600" algn="l" defTabSz="914400" rtl="0" eaLnBrk="1" latinLnBrk="0" hangingPunct="1">
-        <a:spcBef>
-          <a:spcPct val="20000"/>
-        </a:spcBef>
-        <a:buFont typeface="Arial" pitchFamily="34" charset="0"/>
-        <a:buChar char="•"/>
-        <a:defRPr sz="2400" kern="1200">
-          <a:solidFill>
-            <a:schemeClr val="tx1"/>
-          </a:solidFill>
-          <a:latin typeface="+mn-lt"/>
-          <a:ea typeface="+mn-ea"/>
-          <a:cs typeface="+mn-cs"/>
-        </a:defRPr>
-      </a:lvl3pPr>
-      <a:lvl4pPr marL="1600200" indent="-228600" algn="l" defTabSz="914400" rtl="0" eaLnBrk="1" latinLnBrk="0" hangingPunct="1">
-        <a:spcBef>
-          <a:spcPct val="20000"/>
-        </a:spcBef>
-        <a:buFont typeface="Arial" pitchFamily="34" charset="0"/>
-        <a:buChar char="–"/>
-        <a:defRPr sz="2000" kern="1200">
-          <a:solidFill>
-            <a:schemeClr val="tx1"/>
-          </a:solidFill>
-          <a:latin typeface="+mn-lt"/>
-          <a:ea typeface="+mn-ea"/>
-          <a:cs typeface="+mn-cs"/>
-        </a:defRPr>
-      </a:lvl4pPr>
-      <a:lvl5pPr marL="2057400" indent="-228600" algn="l" defTabSz="914400" rtl="0" eaLnBrk="1" latinLnBrk="0" hangingPunct="1">
-        <a:spcBef>
-          <a:spcPct val="20000"/>
-        </a:spcBef>
-        <a:buFont typeface="Arial" pitchFamily="34" charset="0"/>
-        <a:buChar char="»"/>
-        <a:defRPr sz="2000" kern="1200">
-          <a:solidFill>
-            <a:schemeClr val="tx1"/>
-          </a:solidFill>
-          <a:latin typeface="+mn-lt"/>
-          <a:ea typeface="+mn-ea"/>
-          <a:cs typeface="+mn-cs"/>
-        </a:defRPr>
-      </a:lvl5pPr>
-      <a:lvl6pPr marL="2514600" indent="-228600" algn="l" defTabSz="914400" rtl="0" eaLnBrk="1" latinLnBrk="0" hangingPunct="1">
-        <a:spcBef>
-          <a:spcPct val="20000"/>
-        </a:spcBef>
-        <a:buFont typeface="Arial" pitchFamily="34" charset="0"/>
-        <a:buChar char="•"/>
-        <a:defRPr sz="2000" kern="1200">
-          <a:solidFill>
-            <a:schemeClr val="tx1"/>
-          </a:solidFill>
-          <a:latin typeface="+mn-lt"/>
-          <a:ea typeface="+mn-ea"/>
-          <a:cs typeface="+mn-cs"/>
-        </a:defRPr>
-      </a:lvl6pPr>
-      <a:lvl7pPr marL="2971800" indent="-228600" algn="l" defTabSz="914400" rtl="0" eaLnBrk="1" latinLnBrk="0" hangingPunct="1">
-        <a:spcBef>
-          <a:spcPct val="20000"/>
-        </a:spcBef>
-        <a:buFont typeface="Arial" pitchFamily="34" charset="0"/>
-        <a:buChar char="•"/>
-        <a:defRPr sz="2000" kern="1200">
-          <a:solidFill>
-            <a:schemeClr val="tx1"/>
-          </a:solidFill>
-          <a:latin typeface="+mn-lt"/>
-          <a:ea typeface="+mn-ea"/>
-          <a:cs typeface="+mn-cs"/>
-        </a:defRPr>
-      </a:lvl7pPr>
-      <a:lvl8pPr marL="3429000" indent="-228600" algn="l" defTabSz="914400" rtl="0" eaLnBrk="1" latinLnBrk="0" hangingPunct="1">
-        <a:spcBef>
-          <a:spcPct val="20000"/>
-        </a:spcBef>
-        <a:buFont typeface="Arial" pitchFamily="34" charset="0"/>
-        <a:buChar char="•"/>
-        <a:defRPr sz="2000" kern="1200">
-          <a:solidFill>
-            <a:schemeClr val="tx1"/>
-          </a:solidFill>
-          <a:latin typeface="+mn-lt"/>
-          <a:ea typeface="+mn-ea"/>
-          <a:cs typeface="+mn-cs"/>
-        </a:defRPr>
-      </a:lvl8pPr>
-      <a:lvl9pPr marL="3886200" indent="-228600" algn="l" defTabSz="914400" rtl="0" eaLnBrk="1" latinLnBrk="0" hangingPunct="1">
-        <a:spcBef>
-          <a:spcPct val="20000"/>
-        </a:spcBef>
-        <a:buFont typeface="Arial" pitchFamily="34" charset="0"/>
-        <a:buChar char="•"/>
-        <a:defRPr sz="2000" kern="1200">
-          <a:solidFill>
-            <a:schemeClr val="tx1"/>
-          </a:solidFill>
-          <a:latin typeface="+mn-lt"/>
-          <a:ea typeface="+mn-ea"/>
-          <a:cs typeface="+mn-cs"/>
-        </a:defRPr>
-      </a:lvl9pPr>
-    </p:bodyStyle>
-    <p:otherStyle>
-      <a:defPPr>
-        <a:defRPr lang="en-US"/>
-      </a:defPPr>
-      <a:lvl1pPr marL="0" algn="l" defTabSz="914400" rtl="0" eaLnBrk="1" latinLnBrk="0" hangingPunct="1">
-        <a:defRPr sz="1800" kern="1200">
-          <a:solidFill>
-            <a:schemeClr val="tx1"/>
-          </a:solidFill>
-          <a:latin typeface="+mn-lt"/>
-          <a:ea typeface="+mn-ea"/>
-          <a:cs typeface="+mn-cs"/>
-        </a:defRPr>
-      </a:lvl1pPr>
-      <a:lvl2pPr marL="457200" algn="l" defTabSz="914400" rtl="0" eaLnBrk="1" latinLnBrk="0" hangingPunct="1">
-        <a:defRPr sz="1800" kern="1200">
-          <a:solidFill>
-            <a:schemeClr val="tx1"/>
-          </a:solidFill>
-          <a:latin typeface="+mn-lt"/>
-          <a:ea typeface="+mn-ea"/>
-          <a:cs typeface="+mn-cs"/>
-        </a:defRPr>
-      </a:lvl2pPr>
-      <a:lvl3pPr marL="914400" algn="l" defTabSz="914400" rtl="0" eaLnBrk="1" latinLnBrk="0" hangingPunct="1">
-        <a:defRPr sz="1800" kern="1200">
-          <a:solidFill>
-            <a:schemeClr val="tx1"/>
-          </a:solidFill>
-          <a:latin typeface="+mn-lt"/>
-          <a:ea typeface="+mn-ea"/>
-          <a:cs typeface="+mn-cs"/>
-        </a:defRPr>
-      </a:lvl3pPr>
-      <a:lvl4pPr marL="1371600" algn="l" defTabSz="914400" rtl="0" eaLnBrk="1" latinLnBrk="0" hangingPunct="1">
-        <a:defRPr sz="1800" kern="1200">
-          <a:solidFill>
-            <a:schemeClr val="tx1"/>
-          </a:solidFill>
-          <a:latin typeface="+mn-lt"/>
-          <a:ea typeface="+mn-ea"/>
-          <a:cs typeface="+mn-cs"/>
-        </a:defRPr>
-      </a:lvl4pPr>
-      <a:lvl5pPr marL="1828800" algn="l" defTabSz="914400" rtl="0" eaLnBrk="1" latinLnBrk="0" hangingPunct="1">
-        <a:defRPr sz="1800" kern="1200">
-          <a:solidFill>
-            <a:schemeClr val="tx1"/>
-          </a:solidFill>
-          <a:latin typeface="+mn-lt"/>
-          <a:ea typeface="+mn-ea"/>
-          <a:cs typeface="+mn-cs"/>
-        </a:defRPr>
-      </a:lvl5pPr>
-      <a:lvl6pPr marL="2286000" algn="l" defTabSz="914400" rtl="0" eaLnBrk="1" latinLnBrk="0" hangingPunct="1">
-        <a:defRPr sz="1800" kern="1200">
-          <a:solidFill>
-            <a:schemeClr val="tx1"/>
-          </a:solidFill>
-          <a:latin typeface="+mn-lt"/>
-          <a:ea typeface="+mn-ea"/>
-          <a:cs typeface="+mn-cs"/>
-        </a:defRPr>
-      </a:lvl6pPr>
-      <a:lvl7pPr marL="2743200" algn="l" defTabSz="914400" rtl="0" eaLnBrk="1" latinLnBrk="0" hangingPunct="1">
-        <a:defRPr sz="1800" kern="1200">
-          <a:solidFill>
-            <a:schemeClr val="tx1"/>
-          </a:solidFill>
-          <a:latin typeface="+mn-lt"/>
-          <a:ea typeface="+mn-ea"/>
-          <a:cs typeface="+mn-cs"/>
-        </a:defRPr>
-      </a:lvl7pPr>
-      <a:lvl8pPr marL="3200400" algn="l" defTabSz="914400" rtl="0" eaLnBrk="1" latinLnBrk="0" hangingPunct="1">
-        <a:defRPr sz="1800" kern="1200">
-          <a:solidFill>
-            <a:schemeClr val="tx1"/>
-          </a:solidFill>
-          <a:latin typeface="+mn-lt"/>
-          <a:ea typeface="+mn-ea"/>
-          <a:cs typeface="+mn-cs"/>
-        </a:defRPr>
-      </a:lvl8pPr>
-      <a:lvl9pPr marL="3657600" algn="l" defTabSz="914400" rtl="0" eaLnBrk="1" latinLnBrk="0" hangingPunct="1">
-        <a:defRPr sz="1800" kern="1200">
-          <a:solidFill>
-            <a:schemeClr val="tx1"/>
-          </a:solidFill>
-          <a:latin typeface="+mn-lt"/>
-          <a:ea typeface="+mn-ea"/>
-          <a:cs typeface="+mn-cs"/>
-        </a:defRPr>
-      </a:lvl9pPr>
-    </p:otherStyle>
-  </p:txStyles>
-</p:sldMaster>
-</file>
-
-<file path=ppt/slideMasters/slideMaster2.xml><?xml version="1.0" encoding="utf-8"?>
 <p:sldMaster xmlns:a="http://schemas.openxmlformats.org/drawingml/2006/main" xmlns:r="http://schemas.openxmlformats.org/officeDocument/2006/relationships" xmlns:p="http://schemas.openxmlformats.org/presentationml/2006/main" preserve="1">
   <p:cSld>
     <p:bg>
@@ -4142,7 +1596,7 @@
           <p:cNvPr id="2" name="標題版面配置區 1">
             <a:extLst>
               <a:ext uri="{FF2B5EF4-FFF2-40B4-BE49-F238E27FC236}">
-                <a16:creationId xmlns:a16="http://schemas.microsoft.com/office/drawing/2014/main" id="{65056C2A-4D6D-5DDF-B936-37D7F564F411}"/>
+                <a16:creationId xmlns:a16="http://schemas.microsoft.com/office/drawing/2014/main" id="{C6DCEB98-038B-FB0D-CC50-F60819EC1FAF}"/>
               </a:ext>
             </a:extLst>
           </p:cNvPr>
@@ -4169,9 +1623,10 @@
           <a:lstStyle/>
           <a:p>
             <a:r>
-              <a:rPr lang="zh-TW" altLang="en-US"/>
-              <a:t>按一下以編輯母片標題樣式</a:t>
-            </a:r>
+              <a:rPr lang="en-US" altLang="zh-TW" dirty="0"/>
+              <a:t>Headline</a:t>
+            </a:r>
+            <a:endParaRPr lang="zh-TW" altLang="en-US" dirty="0"/>
           </a:p>
         </p:txBody>
       </p:sp>
@@ -4180,7 +1635,7 @@
           <p:cNvPr id="3" name="文字版面配置區 2">
             <a:extLst>
               <a:ext uri="{FF2B5EF4-FFF2-40B4-BE49-F238E27FC236}">
-                <a16:creationId xmlns:a16="http://schemas.microsoft.com/office/drawing/2014/main" id="{080DE5D1-AD03-CE2D-F2E8-53E35D1FC5D6}"/>
+                <a16:creationId xmlns:a16="http://schemas.microsoft.com/office/drawing/2014/main" id="{7D651A96-214C-E5A7-A942-C7A94FCB6235}"/>
               </a:ext>
             </a:extLst>
           </p:cNvPr>
@@ -4208,37 +1663,10 @@
           <a:p>
             <a:pPr lvl="0"/>
             <a:r>
-              <a:rPr lang="zh-TW" altLang="en-US"/>
-              <a:t>按一下以編輯母片文字樣式</a:t>
-            </a:r>
-          </a:p>
-          <a:p>
-            <a:pPr lvl="1"/>
-            <a:r>
-              <a:rPr lang="zh-TW" altLang="en-US"/>
-              <a:t>第二層</a:t>
-            </a:r>
-          </a:p>
-          <a:p>
-            <a:pPr lvl="2"/>
-            <a:r>
-              <a:rPr lang="zh-TW" altLang="en-US"/>
-              <a:t>第三層</a:t>
-            </a:r>
-          </a:p>
-          <a:p>
-            <a:pPr lvl="3"/>
-            <a:r>
-              <a:rPr lang="zh-TW" altLang="en-US"/>
-              <a:t>第四層</a:t>
-            </a:r>
-          </a:p>
-          <a:p>
-            <a:pPr lvl="4"/>
-            <a:r>
-              <a:rPr lang="zh-TW" altLang="en-US"/>
-              <a:t>第五層</a:t>
-            </a:r>
+              <a:rPr lang="en-US" altLang="zh-TW" dirty="0" err="1"/>
+              <a:t>Conext</a:t>
+            </a:r>
+            <a:endParaRPr lang="zh-TW" altLang="en-US" dirty="0"/>
           </a:p>
         </p:txBody>
       </p:sp>
@@ -4247,7 +1675,7 @@
           <p:cNvPr id="4" name="日期版面配置區 3">
             <a:extLst>
               <a:ext uri="{FF2B5EF4-FFF2-40B4-BE49-F238E27FC236}">
-                <a16:creationId xmlns:a16="http://schemas.microsoft.com/office/drawing/2014/main" id="{F7DAC3D0-366D-F72E-B997-A80ABBDC932C}"/>
+                <a16:creationId xmlns:a16="http://schemas.microsoft.com/office/drawing/2014/main" id="{4EC691E1-9688-93A6-453A-CD1F5554D198}"/>
               </a:ext>
             </a:extLst>
           </p:cNvPr>
@@ -4281,9 +1709,9 @@
             </a:lvl1pPr>
           </a:lstStyle>
           <a:p>
-            <a:fld id="{979C363E-04D9-443F-AC15-3E9A64664600}" type="datetimeFigureOut">
+            <a:fld id="{125EEE83-047E-4606-89B3-9A2FEDB76F43}" type="datetimeFigureOut">
               <a:rPr lang="zh-TW" altLang="en-US" smtClean="0"/>
-              <a:t>2023/7/10</a:t>
+              <a:t>2023/7/17</a:t>
             </a:fld>
             <a:endParaRPr lang="zh-TW" altLang="en-US"/>
           </a:p>
@@ -4294,7 +1722,7 @@
           <p:cNvPr id="5" name="頁尾版面配置區 4">
             <a:extLst>
               <a:ext uri="{FF2B5EF4-FFF2-40B4-BE49-F238E27FC236}">
-                <a16:creationId xmlns:a16="http://schemas.microsoft.com/office/drawing/2014/main" id="{83B8B0F8-2877-5853-0D03-22376D6B3773}"/>
+                <a16:creationId xmlns:a16="http://schemas.microsoft.com/office/drawing/2014/main" id="{EFB8A7C7-2AF8-B000-E3A7-9A38094CA1B0}"/>
               </a:ext>
             </a:extLst>
           </p:cNvPr>
@@ -4337,7 +1765,7 @@
           <p:cNvPr id="6" name="投影片編號版面配置區 5">
             <a:extLst>
               <a:ext uri="{FF2B5EF4-FFF2-40B4-BE49-F238E27FC236}">
-                <a16:creationId xmlns:a16="http://schemas.microsoft.com/office/drawing/2014/main" id="{276E8834-50BB-D757-33A9-C4260075F0EC}"/>
+                <a16:creationId xmlns:a16="http://schemas.microsoft.com/office/drawing/2014/main" id="{72EC0820-2731-92F6-DFAC-99E98928971C}"/>
               </a:ext>
             </a:extLst>
           </p:cNvPr>
@@ -4371,7 +1799,7 @@
             </a:lvl1pPr>
           </a:lstStyle>
           <a:p>
-            <a:fld id="{9CEC2C73-5D39-4162-8540-D000888C8AD0}" type="slidenum">
+            <a:fld id="{62B0F332-3C9A-4C2E-A10F-801FCD0AC800}" type="slidenum">
               <a:rPr lang="zh-TW" altLang="en-US" smtClean="0"/>
               <a:t>‹#›</a:t>
             </a:fld>
@@ -4382,23 +1810,15 @@
     </p:spTree>
     <p:extLst>
       <p:ext uri="{BB962C8B-B14F-4D97-AF65-F5344CB8AC3E}">
-        <p14:creationId xmlns:p14="http://schemas.microsoft.com/office/powerpoint/2010/main" val="684916787"/>
+        <p14:creationId xmlns:p14="http://schemas.microsoft.com/office/powerpoint/2010/main" val="256702622"/>
       </p:ext>
     </p:extLst>
   </p:cSld>
   <p:clrMap bg1="lt1" tx1="dk1" bg2="lt2" tx2="dk2" accent1="accent1" accent2="accent2" accent3="accent3" accent4="accent4" accent5="accent5" accent6="accent6" hlink="hlink" folHlink="folHlink"/>
   <p:sldLayoutIdLst>
-    <p:sldLayoutId id="2147483651" r:id="rId1"/>
-    <p:sldLayoutId id="2147483652" r:id="rId2"/>
-    <p:sldLayoutId id="2147483653" r:id="rId3"/>
-    <p:sldLayoutId id="2147483654" r:id="rId4"/>
-    <p:sldLayoutId id="2147483655" r:id="rId5"/>
-    <p:sldLayoutId id="2147483656" r:id="rId6"/>
-    <p:sldLayoutId id="2147483657" r:id="rId7"/>
-    <p:sldLayoutId id="2147483658" r:id="rId8"/>
-    <p:sldLayoutId id="2147483659" r:id="rId9"/>
-    <p:sldLayoutId id="2147483660" r:id="rId10"/>
-    <p:sldLayoutId id="2147483661" r:id="rId11"/>
+    <p:sldLayoutId id="2147483665" r:id="rId1"/>
+    <p:sldLayoutId id="2147483667" r:id="rId2"/>
+    <p:sldLayoutId id="2147483668" r:id="rId3"/>
   </p:sldLayoutIdLst>
   <p:txStyles>
     <p:titleStyle>
@@ -4410,11 +1830,11 @@
           <a:spcPct val="0"/>
         </a:spcBef>
         <a:buNone/>
-        <a:defRPr sz="4400" kern="1200">
+        <a:defRPr sz="5000" b="1" kern="1200">
           <a:solidFill>
             <a:schemeClr val="tx1"/>
           </a:solidFill>
-          <a:latin typeface="+mj-lt"/>
+          <a:latin typeface="+mn-lt"/>
           <a:ea typeface="+mj-ea"/>
           <a:cs typeface="+mj-cs"/>
         </a:defRPr>
@@ -5406,7 +2826,6 @@
                 <a:solidFill>
                   <a:srgbClr val="272525"/>
                 </a:solidFill>
-                <a:latin typeface="Inter" pitchFamily="34" charset="0"/>
                 <a:ea typeface="Inter" pitchFamily="34" charset="-122"/>
                 <a:cs typeface="Inter" pitchFamily="34" charset="-120"/>
               </a:rPr>
@@ -5424,7 +2843,6 @@
               <a:solidFill>
                 <a:srgbClr val="272525"/>
               </a:solidFill>
-              <a:latin typeface="Inter" pitchFamily="34" charset="0"/>
               <a:ea typeface="Inter" pitchFamily="34" charset="-122"/>
               <a:cs typeface="Inter" pitchFamily="34" charset="-120"/>
             </a:endParaRPr>
@@ -5442,7 +2860,6 @@
                 <a:solidFill>
                   <a:srgbClr val="272525"/>
                 </a:solidFill>
-                <a:latin typeface="Inter" pitchFamily="34" charset="0"/>
                 <a:ea typeface="Inter" pitchFamily="34" charset="-122"/>
                 <a:cs typeface="Inter" pitchFamily="34" charset="-120"/>
               </a:rPr>
@@ -5453,7 +2870,6 @@
                 <a:solidFill>
                   <a:srgbClr val="272525"/>
                 </a:solidFill>
-                <a:latin typeface="Inter" pitchFamily="34" charset="0"/>
                 <a:ea typeface="Inter" pitchFamily="34" charset="-122"/>
                 <a:cs typeface="Inter" pitchFamily="34" charset="-120"/>
               </a:rPr>
@@ -5464,7 +2880,6 @@
                 <a:solidFill>
                   <a:srgbClr val="272525"/>
                 </a:solidFill>
-                <a:latin typeface="Inter" pitchFamily="34" charset="0"/>
                 <a:ea typeface="Inter" pitchFamily="34" charset="-122"/>
                 <a:cs typeface="Inter" pitchFamily="34" charset="-120"/>
               </a:rPr>
@@ -5483,7 +2898,6 @@
               <a:solidFill>
                 <a:srgbClr val="272525"/>
               </a:solidFill>
-              <a:latin typeface="Inter" pitchFamily="34" charset="0"/>
               <a:ea typeface="Inter" pitchFamily="34" charset="-122"/>
               <a:cs typeface="Inter" pitchFamily="34" charset="-120"/>
             </a:endParaRPr>
@@ -5557,7 +2971,7 @@
 
 <file path=ppt/slides/slide13.xml><?xml version="1.0" encoding="utf-8"?>
 <p:sld xmlns:a="http://schemas.openxmlformats.org/drawingml/2006/main" xmlns:r="http://schemas.openxmlformats.org/officeDocument/2006/relationships" xmlns:p="http://schemas.openxmlformats.org/presentationml/2006/main">
-  <p:cSld name="Slide 9">
+  <p:cSld>
     <p:spTree>
       <p:nvGrpSpPr>
         <p:cNvPr id="1" name=""/>
@@ -5574,23 +2988,3550 @@
       </p:grpSpPr>
       <p:sp>
         <p:nvSpPr>
-          <p:cNvPr id="4" name="Text 2"/>
+          <p:cNvPr id="2" name="標題 1">
+            <a:extLst>
+              <a:ext uri="{FF2B5EF4-FFF2-40B4-BE49-F238E27FC236}">
+                <a16:creationId xmlns:a16="http://schemas.microsoft.com/office/drawing/2014/main" id="{6392DA7F-C786-8426-E623-D67C45F1313D}"/>
+              </a:ext>
+            </a:extLst>
+          </p:cNvPr>
+          <p:cNvSpPr>
+            <a:spLocks noGrp="1"/>
+          </p:cNvSpPr>
+          <p:nvPr>
+            <p:ph type="title"/>
+          </p:nvPr>
+        </p:nvSpPr>
+        <p:spPr/>
+        <p:txBody>
+          <a:bodyPr>
+            <a:normAutofit/>
+          </a:bodyPr>
+          <a:lstStyle/>
+          <a:p>
+            <a:r>
+              <a:rPr lang="en-US" altLang="zh-TW" sz="5000" b="1" dirty="0">
+                <a:latin typeface="+mn-lt"/>
+              </a:rPr>
+              <a:t>Flask API</a:t>
+            </a:r>
+            <a:endParaRPr lang="zh-TW" altLang="en-US" sz="5000" b="1" dirty="0">
+              <a:latin typeface="+mn-lt"/>
+            </a:endParaRPr>
+          </a:p>
+        </p:txBody>
+      </p:sp>
+      <p:sp>
+        <p:nvSpPr>
+          <p:cNvPr id="3" name="內容版面配置區 2">
+            <a:extLst>
+              <a:ext uri="{FF2B5EF4-FFF2-40B4-BE49-F238E27FC236}">
+                <a16:creationId xmlns:a16="http://schemas.microsoft.com/office/drawing/2014/main" id="{474BF304-EC9F-C1D0-7870-41322F06FF8C}"/>
+              </a:ext>
+            </a:extLst>
+          </p:cNvPr>
+          <p:cNvSpPr>
+            <a:spLocks noGrp="1"/>
+          </p:cNvSpPr>
+          <p:nvPr>
+            <p:ph idx="1"/>
+          </p:nvPr>
+        </p:nvSpPr>
+        <p:spPr>
+          <a:xfrm>
+            <a:off x="1284266" y="2726319"/>
+            <a:ext cx="12617450" cy="3081519"/>
+          </a:xfrm>
+        </p:spPr>
+        <p:txBody>
+          <a:bodyPr/>
+          <a:lstStyle/>
+          <a:p>
+            <a:pPr>
+              <a:lnSpc>
+                <a:spcPct val="150000"/>
+              </a:lnSpc>
+            </a:pPr>
+            <a:r>
+              <a:rPr lang="en-US" altLang="zh-TW" dirty="0">
+                <a:latin typeface="Consolas" panose="020B0609020204030204" pitchFamily="49" charset="0"/>
+              </a:rPr>
+              <a:t>@app.route('/', methods = ['GET'])</a:t>
+            </a:r>
+          </a:p>
+          <a:p>
+            <a:pPr>
+              <a:lnSpc>
+                <a:spcPct val="150000"/>
+              </a:lnSpc>
+            </a:pPr>
+            <a:r>
+              <a:rPr lang="en-US" altLang="zh-TW" b="0" dirty="0">
+                <a:effectLst/>
+                <a:latin typeface="Consolas" panose="020B0609020204030204" pitchFamily="49" charset="0"/>
+              </a:rPr>
+              <a:t>@app.route('/recommend_by_id', methods=['POST'])</a:t>
+            </a:r>
+          </a:p>
+          <a:p>
+            <a:pPr>
+              <a:lnSpc>
+                <a:spcPct val="150000"/>
+              </a:lnSpc>
+            </a:pPr>
+            <a:r>
+              <a:rPr lang="en-US" altLang="zh-TW" b="0" dirty="0">
+                <a:effectLst/>
+                <a:latin typeface="Consolas" panose="020B0609020204030204" pitchFamily="49" charset="0"/>
+              </a:rPr>
+              <a:t>@app.route('/recommend_by_keywords', methods=['POST'])</a:t>
+            </a:r>
+          </a:p>
+        </p:txBody>
+      </p:sp>
+    </p:spTree>
+    <p:extLst>
+      <p:ext uri="{BB962C8B-B14F-4D97-AF65-F5344CB8AC3E}">
+        <p14:creationId xmlns:p14="http://schemas.microsoft.com/office/powerpoint/2010/main" val="3631169751"/>
+      </p:ext>
+    </p:extLst>
+  </p:cSld>
+  <p:clrMapOvr>
+    <a:masterClrMapping/>
+  </p:clrMapOvr>
+</p:sld>
+</file>
+
+<file path=ppt/slides/slide14.xml><?xml version="1.0" encoding="utf-8"?>
+<p:sld xmlns:a="http://schemas.openxmlformats.org/drawingml/2006/main" xmlns:r="http://schemas.openxmlformats.org/officeDocument/2006/relationships" xmlns:p="http://schemas.openxmlformats.org/presentationml/2006/main">
+  <p:cSld>
+    <p:spTree>
+      <p:nvGrpSpPr>
+        <p:cNvPr id="1" name=""/>
+        <p:cNvGrpSpPr/>
+        <p:nvPr/>
+      </p:nvGrpSpPr>
+      <p:grpSpPr>
+        <a:xfrm>
+          <a:off x="0" y="0"/>
+          <a:ext cx="0" cy="0"/>
+          <a:chOff x="0" y="0"/>
+          <a:chExt cx="0" cy="0"/>
+        </a:xfrm>
+      </p:grpSpPr>
+      <p:sp>
+        <p:nvSpPr>
+          <p:cNvPr id="2" name="標題 1">
+            <a:extLst>
+              <a:ext uri="{FF2B5EF4-FFF2-40B4-BE49-F238E27FC236}">
+                <a16:creationId xmlns:a16="http://schemas.microsoft.com/office/drawing/2014/main" id="{C4BF280B-8A2F-F2F3-EDE3-2658C714B95B}"/>
+              </a:ext>
+            </a:extLst>
+          </p:cNvPr>
+          <p:cNvSpPr>
+            <a:spLocks noGrp="1"/>
+          </p:cNvSpPr>
+          <p:nvPr>
+            <p:ph type="title"/>
+          </p:nvPr>
+        </p:nvSpPr>
+        <p:spPr/>
+        <p:txBody>
+          <a:bodyPr/>
+          <a:lstStyle/>
+          <a:p>
+            <a:r>
+              <a:rPr lang="en-US" altLang="zh-TW" dirty="0" err="1">
+                <a:latin typeface="+mj-lt"/>
+              </a:rPr>
+              <a:t>R</a:t>
+            </a:r>
+            <a:r>
+              <a:rPr lang="en-US" altLang="zh-TW" dirty="0" err="1">
+                <a:effectLst/>
+                <a:latin typeface="+mj-lt"/>
+              </a:rPr>
+              <a:t>ecommend_by_keywords</a:t>
+            </a:r>
+            <a:r>
+              <a:rPr lang="en-US" altLang="zh-TW" dirty="0">
+                <a:effectLst/>
+                <a:latin typeface="+mj-lt"/>
+              </a:rPr>
+              <a:t>()</a:t>
+            </a:r>
+            <a:endParaRPr lang="zh-TW" altLang="en-US" dirty="0">
+              <a:latin typeface="+mj-lt"/>
+            </a:endParaRPr>
+          </a:p>
+        </p:txBody>
+      </p:sp>
+      <p:sp>
+        <p:nvSpPr>
+          <p:cNvPr id="4" name="矩形 3">
+            <a:extLst>
+              <a:ext uri="{FF2B5EF4-FFF2-40B4-BE49-F238E27FC236}">
+                <a16:creationId xmlns:a16="http://schemas.microsoft.com/office/drawing/2014/main" id="{E9086F40-7CA4-D30C-230B-6B8DB768C1D1}"/>
+              </a:ext>
+            </a:extLst>
+          </p:cNvPr>
           <p:cNvSpPr/>
           <p:nvPr/>
         </p:nvSpPr>
         <p:spPr>
           <a:xfrm>
-            <a:off x="6203852" y="1241654"/>
-            <a:ext cx="4443889" cy="716804"/>
+            <a:off x="1077902" y="3173870"/>
+            <a:ext cx="1446837" cy="478904"/>
+          </a:xfrm>
+          <a:prstGeom prst="rect">
+            <a:avLst/>
+          </a:prstGeom>
+          <a:ln>
+            <a:solidFill>
+              <a:schemeClr val="tx1"/>
+            </a:solidFill>
+          </a:ln>
+        </p:spPr>
+        <p:style>
+          <a:lnRef idx="2">
+            <a:schemeClr val="accent6"/>
+          </a:lnRef>
+          <a:fillRef idx="1">
+            <a:schemeClr val="lt1"/>
+          </a:fillRef>
+          <a:effectRef idx="0">
+            <a:schemeClr val="accent6"/>
+          </a:effectRef>
+          <a:fontRef idx="minor">
+            <a:schemeClr val="dk1"/>
+          </a:fontRef>
+        </p:style>
+        <p:txBody>
+          <a:bodyPr rtlCol="0" anchor="ctr"/>
+          <a:lstStyle/>
+          <a:p>
+            <a:pPr algn="ctr"/>
+            <a:r>
+              <a:rPr lang="en-US" altLang="zh-TW" sz="2400" dirty="0">
+                <a:ln w="0"/>
+                <a:solidFill>
+                  <a:schemeClr val="tx1"/>
+                </a:solidFill>
+                <a:effectLst>
+                  <a:outerShdw blurRad="38100" dist="19050" dir="2700000" algn="tl" rotWithShape="0">
+                    <a:schemeClr val="dk1">
+                      <a:alpha val="40000"/>
+                    </a:schemeClr>
+                  </a:outerShdw>
+                </a:effectLst>
+              </a:rPr>
+              <a:t>Tape</a:t>
+            </a:r>
+            <a:endParaRPr lang="zh-TW" altLang="en-US" sz="2400" dirty="0">
+              <a:ln w="0"/>
+              <a:solidFill>
+                <a:schemeClr val="tx1"/>
+              </a:solidFill>
+              <a:effectLst>
+                <a:outerShdw blurRad="38100" dist="19050" dir="2700000" algn="tl" rotWithShape="0">
+                  <a:schemeClr val="dk1">
+                    <a:alpha val="40000"/>
+                  </a:schemeClr>
+                </a:outerShdw>
+              </a:effectLst>
+            </a:endParaRPr>
+          </a:p>
+        </p:txBody>
+      </p:sp>
+      <p:cxnSp>
+        <p:nvCxnSpPr>
+          <p:cNvPr id="13" name="直線單箭頭接點 12">
+            <a:extLst>
+              <a:ext uri="{FF2B5EF4-FFF2-40B4-BE49-F238E27FC236}">
+                <a16:creationId xmlns:a16="http://schemas.microsoft.com/office/drawing/2014/main" id="{981CEF09-2455-A4A9-17E5-C9AF7578D07E}"/>
+              </a:ext>
+            </a:extLst>
+          </p:cNvPr>
+          <p:cNvCxnSpPr>
+            <a:cxnSpLocks/>
+            <a:stCxn id="4" idx="3"/>
+          </p:cNvCxnSpPr>
+          <p:nvPr/>
+        </p:nvCxnSpPr>
+        <p:spPr>
+          <a:xfrm flipV="1">
+            <a:off x="2524739" y="3413321"/>
+            <a:ext cx="1041722" cy="1"/>
+          </a:xfrm>
+          <a:prstGeom prst="straightConnector1">
+            <a:avLst/>
+          </a:prstGeom>
+          <a:ln w="38100">
+            <a:tailEnd type="triangle"/>
+          </a:ln>
+        </p:spPr>
+        <p:style>
+          <a:lnRef idx="3">
+            <a:schemeClr val="dk1"/>
+          </a:lnRef>
+          <a:fillRef idx="0">
+            <a:schemeClr val="dk1"/>
+          </a:fillRef>
+          <a:effectRef idx="2">
+            <a:schemeClr val="dk1"/>
+          </a:effectRef>
+          <a:fontRef idx="minor">
+            <a:schemeClr val="tx1"/>
+          </a:fontRef>
+        </p:style>
+      </p:cxnSp>
+      <p:grpSp>
+        <p:nvGrpSpPr>
+          <p:cNvPr id="14" name="群組 13">
+            <a:extLst>
+              <a:ext uri="{FF2B5EF4-FFF2-40B4-BE49-F238E27FC236}">
+                <a16:creationId xmlns:a16="http://schemas.microsoft.com/office/drawing/2014/main" id="{D165945C-5075-AD3D-CB7A-132B3D21D639}"/>
+              </a:ext>
+            </a:extLst>
+          </p:cNvPr>
+          <p:cNvGrpSpPr/>
+          <p:nvPr/>
+        </p:nvGrpSpPr>
+        <p:grpSpPr>
+          <a:xfrm>
+            <a:off x="3590340" y="3198351"/>
+            <a:ext cx="6759616" cy="478903"/>
+            <a:chOff x="2095018" y="3925746"/>
+            <a:chExt cx="10139424" cy="844952"/>
+          </a:xfrm>
+        </p:grpSpPr>
+        <p:grpSp>
+          <p:nvGrpSpPr>
+            <p:cNvPr id="15" name="群組 14">
+              <a:extLst>
+                <a:ext uri="{FF2B5EF4-FFF2-40B4-BE49-F238E27FC236}">
+                  <a16:creationId xmlns:a16="http://schemas.microsoft.com/office/drawing/2014/main" id="{ED85E643-D72E-FC87-CBB3-D5D9978EDF7D}"/>
+                </a:ext>
+              </a:extLst>
+            </p:cNvPr>
+            <p:cNvGrpSpPr/>
+            <p:nvPr/>
+          </p:nvGrpSpPr>
+          <p:grpSpPr>
+            <a:xfrm>
+              <a:off x="2095018" y="3925746"/>
+              <a:ext cx="2534856" cy="844952"/>
+              <a:chOff x="1122744" y="3240911"/>
+              <a:chExt cx="2534856" cy="844952"/>
+            </a:xfrm>
+          </p:grpSpPr>
+          <p:sp>
+            <p:nvSpPr>
+              <p:cNvPr id="28" name="矩形 27">
+                <a:extLst>
+                  <a:ext uri="{FF2B5EF4-FFF2-40B4-BE49-F238E27FC236}">
+                    <a16:creationId xmlns:a16="http://schemas.microsoft.com/office/drawing/2014/main" id="{6A5B87F5-F066-790A-01B2-E2B80C67872C}"/>
+                  </a:ext>
+                </a:extLst>
+              </p:cNvPr>
+              <p:cNvSpPr/>
+              <p:nvPr/>
+            </p:nvSpPr>
+            <p:spPr>
+              <a:xfrm>
+                <a:off x="1122744" y="3240911"/>
+                <a:ext cx="844952" cy="844952"/>
+              </a:xfrm>
+              <a:prstGeom prst="rect">
+                <a:avLst/>
+              </a:prstGeom>
+              <a:ln/>
+            </p:spPr>
+            <p:style>
+              <a:lnRef idx="2">
+                <a:schemeClr val="dk1"/>
+              </a:lnRef>
+              <a:fillRef idx="1">
+                <a:schemeClr val="lt1"/>
+              </a:fillRef>
+              <a:effectRef idx="0">
+                <a:schemeClr val="dk1"/>
+              </a:effectRef>
+              <a:fontRef idx="minor">
+                <a:schemeClr val="dk1"/>
+              </a:fontRef>
+            </p:style>
+            <p:txBody>
+              <a:bodyPr rtlCol="0" anchor="ctr"/>
+              <a:lstStyle/>
+              <a:p>
+                <a:pPr algn="ctr"/>
+                <a:r>
+                  <a:rPr lang="en-US" altLang="zh-TW" sz="1600" dirty="0"/>
+                  <a:t>0</a:t>
+                </a:r>
+                <a:endParaRPr lang="zh-TW" altLang="en-US" sz="1600" dirty="0"/>
+              </a:p>
+            </p:txBody>
+          </p:sp>
+          <p:sp>
+            <p:nvSpPr>
+              <p:cNvPr id="29" name="矩形 28">
+                <a:extLst>
+                  <a:ext uri="{FF2B5EF4-FFF2-40B4-BE49-F238E27FC236}">
+                    <a16:creationId xmlns:a16="http://schemas.microsoft.com/office/drawing/2014/main" id="{53D7005A-FDF6-8503-1E50-361C7E62D34B}"/>
+                  </a:ext>
+                </a:extLst>
+              </p:cNvPr>
+              <p:cNvSpPr/>
+              <p:nvPr/>
+            </p:nvSpPr>
+            <p:spPr>
+              <a:xfrm>
+                <a:off x="1967696" y="3240911"/>
+                <a:ext cx="844952" cy="844952"/>
+              </a:xfrm>
+              <a:prstGeom prst="rect">
+                <a:avLst/>
+              </a:prstGeom>
+              <a:ln/>
+            </p:spPr>
+            <p:style>
+              <a:lnRef idx="2">
+                <a:schemeClr val="dk1"/>
+              </a:lnRef>
+              <a:fillRef idx="1">
+                <a:schemeClr val="lt1"/>
+              </a:fillRef>
+              <a:effectRef idx="0">
+                <a:schemeClr val="dk1"/>
+              </a:effectRef>
+              <a:fontRef idx="minor">
+                <a:schemeClr val="dk1"/>
+              </a:fontRef>
+            </p:style>
+            <p:txBody>
+              <a:bodyPr rtlCol="0" anchor="ctr"/>
+              <a:lstStyle/>
+              <a:p>
+                <a:pPr algn="ctr"/>
+                <a:r>
+                  <a:rPr lang="en-US" altLang="zh-TW" sz="1600" dirty="0"/>
+                  <a:t>0.22</a:t>
+                </a:r>
+                <a:endParaRPr lang="zh-TW" altLang="en-US" sz="1600" dirty="0"/>
+              </a:p>
+            </p:txBody>
+          </p:sp>
+          <p:sp>
+            <p:nvSpPr>
+              <p:cNvPr id="30" name="矩形 29">
+                <a:extLst>
+                  <a:ext uri="{FF2B5EF4-FFF2-40B4-BE49-F238E27FC236}">
+                    <a16:creationId xmlns:a16="http://schemas.microsoft.com/office/drawing/2014/main" id="{BAC22898-8122-847A-5CA7-C0AF3348AFFF}"/>
+                  </a:ext>
+                </a:extLst>
+              </p:cNvPr>
+              <p:cNvSpPr/>
+              <p:nvPr/>
+            </p:nvSpPr>
+            <p:spPr>
+              <a:xfrm>
+                <a:off x="2812648" y="3240911"/>
+                <a:ext cx="844952" cy="844952"/>
+              </a:xfrm>
+              <a:prstGeom prst="rect">
+                <a:avLst/>
+              </a:prstGeom>
+              <a:ln/>
+            </p:spPr>
+            <p:style>
+              <a:lnRef idx="2">
+                <a:schemeClr val="dk1"/>
+              </a:lnRef>
+              <a:fillRef idx="1">
+                <a:schemeClr val="lt1"/>
+              </a:fillRef>
+              <a:effectRef idx="0">
+                <a:schemeClr val="dk1"/>
+              </a:effectRef>
+              <a:fontRef idx="minor">
+                <a:schemeClr val="dk1"/>
+              </a:fontRef>
+            </p:style>
+            <p:txBody>
+              <a:bodyPr rtlCol="0" anchor="ctr"/>
+              <a:lstStyle/>
+              <a:p>
+                <a:pPr algn="ctr"/>
+                <a:r>
+                  <a:rPr lang="en-US" altLang="zh-TW" sz="1600" dirty="0"/>
+                  <a:t>0</a:t>
+                </a:r>
+                <a:endParaRPr lang="zh-TW" altLang="en-US" sz="1600" dirty="0"/>
+              </a:p>
+            </p:txBody>
+          </p:sp>
+        </p:grpSp>
+        <p:grpSp>
+          <p:nvGrpSpPr>
+            <p:cNvPr id="16" name="群組 15">
+              <a:extLst>
+                <a:ext uri="{FF2B5EF4-FFF2-40B4-BE49-F238E27FC236}">
+                  <a16:creationId xmlns:a16="http://schemas.microsoft.com/office/drawing/2014/main" id="{3AF63E26-164A-5AEE-85E6-A45DBC65212F}"/>
+                </a:ext>
+              </a:extLst>
+            </p:cNvPr>
+            <p:cNvGrpSpPr/>
+            <p:nvPr/>
+          </p:nvGrpSpPr>
+          <p:grpSpPr>
+            <a:xfrm>
+              <a:off x="4629874" y="3925746"/>
+              <a:ext cx="2534856" cy="844952"/>
+              <a:chOff x="1122744" y="3240911"/>
+              <a:chExt cx="2534856" cy="844952"/>
+            </a:xfrm>
+          </p:grpSpPr>
+          <p:sp>
+            <p:nvSpPr>
+              <p:cNvPr id="25" name="矩形 24">
+                <a:extLst>
+                  <a:ext uri="{FF2B5EF4-FFF2-40B4-BE49-F238E27FC236}">
+                    <a16:creationId xmlns:a16="http://schemas.microsoft.com/office/drawing/2014/main" id="{332000EE-B9DD-C596-76A6-D420D78A22FD}"/>
+                  </a:ext>
+                </a:extLst>
+              </p:cNvPr>
+              <p:cNvSpPr/>
+              <p:nvPr/>
+            </p:nvSpPr>
+            <p:spPr>
+              <a:xfrm>
+                <a:off x="1122744" y="3240911"/>
+                <a:ext cx="844952" cy="844952"/>
+              </a:xfrm>
+              <a:prstGeom prst="rect">
+                <a:avLst/>
+              </a:prstGeom>
+              <a:ln/>
+            </p:spPr>
+            <p:style>
+              <a:lnRef idx="2">
+                <a:schemeClr val="dk1"/>
+              </a:lnRef>
+              <a:fillRef idx="1">
+                <a:schemeClr val="lt1"/>
+              </a:fillRef>
+              <a:effectRef idx="0">
+                <a:schemeClr val="dk1"/>
+              </a:effectRef>
+              <a:fontRef idx="minor">
+                <a:schemeClr val="dk1"/>
+              </a:fontRef>
+            </p:style>
+            <p:txBody>
+              <a:bodyPr rtlCol="0" anchor="ctr"/>
+              <a:lstStyle/>
+              <a:p>
+                <a:pPr algn="ctr"/>
+                <a:r>
+                  <a:rPr lang="en-US" altLang="zh-TW" sz="1600" dirty="0"/>
+                  <a:t>0.01</a:t>
+                </a:r>
+                <a:endParaRPr lang="zh-TW" altLang="en-US" sz="1600" dirty="0"/>
+              </a:p>
+            </p:txBody>
+          </p:sp>
+          <p:sp>
+            <p:nvSpPr>
+              <p:cNvPr id="26" name="矩形 25">
+                <a:extLst>
+                  <a:ext uri="{FF2B5EF4-FFF2-40B4-BE49-F238E27FC236}">
+                    <a16:creationId xmlns:a16="http://schemas.microsoft.com/office/drawing/2014/main" id="{282A8456-44E1-BF10-638A-D3B9480A68BE}"/>
+                  </a:ext>
+                </a:extLst>
+              </p:cNvPr>
+              <p:cNvSpPr/>
+              <p:nvPr/>
+            </p:nvSpPr>
+            <p:spPr>
+              <a:xfrm>
+                <a:off x="1967696" y="3240911"/>
+                <a:ext cx="844952" cy="844952"/>
+              </a:xfrm>
+              <a:prstGeom prst="rect">
+                <a:avLst/>
+              </a:prstGeom>
+              <a:ln/>
+            </p:spPr>
+            <p:style>
+              <a:lnRef idx="2">
+                <a:schemeClr val="dk1"/>
+              </a:lnRef>
+              <a:fillRef idx="1">
+                <a:schemeClr val="lt1"/>
+              </a:fillRef>
+              <a:effectRef idx="0">
+                <a:schemeClr val="dk1"/>
+              </a:effectRef>
+              <a:fontRef idx="minor">
+                <a:schemeClr val="dk1"/>
+              </a:fontRef>
+            </p:style>
+            <p:txBody>
+              <a:bodyPr rtlCol="0" anchor="ctr"/>
+              <a:lstStyle/>
+              <a:p>
+                <a:pPr algn="ctr"/>
+                <a:r>
+                  <a:rPr lang="en-US" altLang="zh-TW" sz="1600" dirty="0"/>
+                  <a:t>0</a:t>
+                </a:r>
+                <a:endParaRPr lang="zh-TW" altLang="en-US" sz="1600" dirty="0"/>
+              </a:p>
+            </p:txBody>
+          </p:sp>
+          <p:sp>
+            <p:nvSpPr>
+              <p:cNvPr id="27" name="矩形 26">
+                <a:extLst>
+                  <a:ext uri="{FF2B5EF4-FFF2-40B4-BE49-F238E27FC236}">
+                    <a16:creationId xmlns:a16="http://schemas.microsoft.com/office/drawing/2014/main" id="{C63B4D49-7288-313E-398B-1C6984F80B4B}"/>
+                  </a:ext>
+                </a:extLst>
+              </p:cNvPr>
+              <p:cNvSpPr/>
+              <p:nvPr/>
+            </p:nvSpPr>
+            <p:spPr>
+              <a:xfrm>
+                <a:off x="2812648" y="3240911"/>
+                <a:ext cx="844952" cy="844952"/>
+              </a:xfrm>
+              <a:prstGeom prst="rect">
+                <a:avLst/>
+              </a:prstGeom>
+              <a:ln/>
+            </p:spPr>
+            <p:style>
+              <a:lnRef idx="2">
+                <a:schemeClr val="dk1"/>
+              </a:lnRef>
+              <a:fillRef idx="1">
+                <a:schemeClr val="lt1"/>
+              </a:fillRef>
+              <a:effectRef idx="0">
+                <a:schemeClr val="dk1"/>
+              </a:effectRef>
+              <a:fontRef idx="minor">
+                <a:schemeClr val="dk1"/>
+              </a:fontRef>
+            </p:style>
+            <p:txBody>
+              <a:bodyPr rtlCol="0" anchor="ctr"/>
+              <a:lstStyle/>
+              <a:p>
+                <a:pPr algn="ctr"/>
+                <a:r>
+                  <a:rPr lang="en-US" altLang="zh-TW" sz="1600" dirty="0"/>
+                  <a:t>0.02</a:t>
+                </a:r>
+                <a:endParaRPr lang="zh-TW" altLang="en-US" sz="1600" dirty="0"/>
+              </a:p>
+            </p:txBody>
+          </p:sp>
+        </p:grpSp>
+        <p:grpSp>
+          <p:nvGrpSpPr>
+            <p:cNvPr id="17" name="群組 16">
+              <a:extLst>
+                <a:ext uri="{FF2B5EF4-FFF2-40B4-BE49-F238E27FC236}">
+                  <a16:creationId xmlns:a16="http://schemas.microsoft.com/office/drawing/2014/main" id="{5ACB70E7-70B2-4BC4-3E8E-04B31BD4CDF7}"/>
+                </a:ext>
+              </a:extLst>
+            </p:cNvPr>
+            <p:cNvGrpSpPr/>
+            <p:nvPr/>
+          </p:nvGrpSpPr>
+          <p:grpSpPr>
+            <a:xfrm>
+              <a:off x="9699586" y="3925746"/>
+              <a:ext cx="2534856" cy="844952"/>
+              <a:chOff x="1122744" y="3240911"/>
+              <a:chExt cx="2534856" cy="844952"/>
+            </a:xfrm>
+          </p:grpSpPr>
+          <p:sp>
+            <p:nvSpPr>
+              <p:cNvPr id="22" name="矩形 21">
+                <a:extLst>
+                  <a:ext uri="{FF2B5EF4-FFF2-40B4-BE49-F238E27FC236}">
+                    <a16:creationId xmlns:a16="http://schemas.microsoft.com/office/drawing/2014/main" id="{84F38152-03C1-1FEB-26DB-BA54275338BC}"/>
+                  </a:ext>
+                </a:extLst>
+              </p:cNvPr>
+              <p:cNvSpPr/>
+              <p:nvPr/>
+            </p:nvSpPr>
+            <p:spPr>
+              <a:xfrm>
+                <a:off x="1122744" y="3240911"/>
+                <a:ext cx="844952" cy="844952"/>
+              </a:xfrm>
+              <a:prstGeom prst="rect">
+                <a:avLst/>
+              </a:prstGeom>
+              <a:ln/>
+            </p:spPr>
+            <p:style>
+              <a:lnRef idx="2">
+                <a:schemeClr val="dk1"/>
+              </a:lnRef>
+              <a:fillRef idx="1">
+                <a:schemeClr val="lt1"/>
+              </a:fillRef>
+              <a:effectRef idx="0">
+                <a:schemeClr val="dk1"/>
+              </a:effectRef>
+              <a:fontRef idx="minor">
+                <a:schemeClr val="dk1"/>
+              </a:fontRef>
+            </p:style>
+            <p:txBody>
+              <a:bodyPr rtlCol="0" anchor="ctr"/>
+              <a:lstStyle/>
+              <a:p>
+                <a:pPr algn="ctr"/>
+                <a:r>
+                  <a:rPr lang="en-US" altLang="zh-TW" sz="1600" dirty="0"/>
+                  <a:t>0.36</a:t>
+                </a:r>
+                <a:endParaRPr lang="zh-TW" altLang="en-US" sz="1600" dirty="0"/>
+              </a:p>
+            </p:txBody>
+          </p:sp>
+          <p:sp>
+            <p:nvSpPr>
+              <p:cNvPr id="23" name="矩形 22">
+                <a:extLst>
+                  <a:ext uri="{FF2B5EF4-FFF2-40B4-BE49-F238E27FC236}">
+                    <a16:creationId xmlns:a16="http://schemas.microsoft.com/office/drawing/2014/main" id="{72D035D0-96F3-448A-89B2-939ED32657DF}"/>
+                  </a:ext>
+                </a:extLst>
+              </p:cNvPr>
+              <p:cNvSpPr/>
+              <p:nvPr/>
+            </p:nvSpPr>
+            <p:spPr>
+              <a:xfrm>
+                <a:off x="1967696" y="3240911"/>
+                <a:ext cx="844952" cy="844952"/>
+              </a:xfrm>
+              <a:prstGeom prst="rect">
+                <a:avLst/>
+              </a:prstGeom>
+              <a:ln/>
+            </p:spPr>
+            <p:style>
+              <a:lnRef idx="2">
+                <a:schemeClr val="dk1"/>
+              </a:lnRef>
+              <a:fillRef idx="1">
+                <a:schemeClr val="lt1"/>
+              </a:fillRef>
+              <a:effectRef idx="0">
+                <a:schemeClr val="dk1"/>
+              </a:effectRef>
+              <a:fontRef idx="minor">
+                <a:schemeClr val="dk1"/>
+              </a:fontRef>
+            </p:style>
+            <p:txBody>
+              <a:bodyPr rtlCol="0" anchor="ctr"/>
+              <a:lstStyle/>
+              <a:p>
+                <a:pPr algn="ctr"/>
+                <a:r>
+                  <a:rPr lang="en-US" altLang="zh-TW" sz="1600" dirty="0"/>
+                  <a:t>0.01</a:t>
+                </a:r>
+                <a:endParaRPr lang="zh-TW" altLang="en-US" sz="1600" dirty="0"/>
+              </a:p>
+            </p:txBody>
+          </p:sp>
+          <p:sp>
+            <p:nvSpPr>
+              <p:cNvPr id="24" name="矩形 23">
+                <a:extLst>
+                  <a:ext uri="{FF2B5EF4-FFF2-40B4-BE49-F238E27FC236}">
+                    <a16:creationId xmlns:a16="http://schemas.microsoft.com/office/drawing/2014/main" id="{67D942A2-CBEA-41F4-700C-7337D2671855}"/>
+                  </a:ext>
+                </a:extLst>
+              </p:cNvPr>
+              <p:cNvSpPr/>
+              <p:nvPr/>
+            </p:nvSpPr>
+            <p:spPr>
+              <a:xfrm>
+                <a:off x="2812648" y="3240911"/>
+                <a:ext cx="844952" cy="844952"/>
+              </a:xfrm>
+              <a:prstGeom prst="rect">
+                <a:avLst/>
+              </a:prstGeom>
+              <a:ln/>
+            </p:spPr>
+            <p:style>
+              <a:lnRef idx="2">
+                <a:schemeClr val="dk1"/>
+              </a:lnRef>
+              <a:fillRef idx="1">
+                <a:schemeClr val="lt1"/>
+              </a:fillRef>
+              <a:effectRef idx="0">
+                <a:schemeClr val="dk1"/>
+              </a:effectRef>
+              <a:fontRef idx="minor">
+                <a:schemeClr val="dk1"/>
+              </a:fontRef>
+            </p:style>
+            <p:txBody>
+              <a:bodyPr rtlCol="0" anchor="ctr"/>
+              <a:lstStyle/>
+              <a:p>
+                <a:pPr algn="ctr"/>
+                <a:r>
+                  <a:rPr lang="en-US" altLang="zh-TW" sz="1600" dirty="0"/>
+                  <a:t>0.04</a:t>
+                </a:r>
+                <a:endParaRPr lang="zh-TW" altLang="en-US" sz="1600" dirty="0"/>
+              </a:p>
+            </p:txBody>
+          </p:sp>
+        </p:grpSp>
+        <p:grpSp>
+          <p:nvGrpSpPr>
+            <p:cNvPr id="18" name="群組 17">
+              <a:extLst>
+                <a:ext uri="{FF2B5EF4-FFF2-40B4-BE49-F238E27FC236}">
+                  <a16:creationId xmlns:a16="http://schemas.microsoft.com/office/drawing/2014/main" id="{130313C3-2295-05C3-9727-19073F9C6315}"/>
+                </a:ext>
+              </a:extLst>
+            </p:cNvPr>
+            <p:cNvGrpSpPr/>
+            <p:nvPr/>
+          </p:nvGrpSpPr>
+          <p:grpSpPr>
+            <a:xfrm>
+              <a:off x="7164730" y="3925746"/>
+              <a:ext cx="2534856" cy="844952"/>
+              <a:chOff x="1122744" y="3240911"/>
+              <a:chExt cx="2534856" cy="844952"/>
+            </a:xfrm>
+          </p:grpSpPr>
+          <p:sp>
+            <p:nvSpPr>
+              <p:cNvPr id="19" name="矩形 18">
+                <a:extLst>
+                  <a:ext uri="{FF2B5EF4-FFF2-40B4-BE49-F238E27FC236}">
+                    <a16:creationId xmlns:a16="http://schemas.microsoft.com/office/drawing/2014/main" id="{F86F8AEC-1D51-847C-320D-66F628D00DFB}"/>
+                  </a:ext>
+                </a:extLst>
+              </p:cNvPr>
+              <p:cNvSpPr/>
+              <p:nvPr/>
+            </p:nvSpPr>
+            <p:spPr>
+              <a:xfrm>
+                <a:off x="1122744" y="3240911"/>
+                <a:ext cx="844952" cy="844952"/>
+              </a:xfrm>
+              <a:prstGeom prst="rect">
+                <a:avLst/>
+              </a:prstGeom>
+              <a:ln/>
+            </p:spPr>
+            <p:style>
+              <a:lnRef idx="2">
+                <a:schemeClr val="dk1"/>
+              </a:lnRef>
+              <a:fillRef idx="1">
+                <a:schemeClr val="lt1"/>
+              </a:fillRef>
+              <a:effectRef idx="0">
+                <a:schemeClr val="dk1"/>
+              </a:effectRef>
+              <a:fontRef idx="minor">
+                <a:schemeClr val="dk1"/>
+              </a:fontRef>
+            </p:style>
+            <p:txBody>
+              <a:bodyPr rtlCol="0" anchor="ctr"/>
+              <a:lstStyle/>
+              <a:p>
+                <a:pPr algn="ctr"/>
+                <a:r>
+                  <a:rPr lang="en-US" altLang="zh-TW" sz="1600" dirty="0"/>
+                  <a:t>0.03</a:t>
+                </a:r>
+                <a:endParaRPr lang="zh-TW" altLang="en-US" sz="1600" dirty="0"/>
+              </a:p>
+            </p:txBody>
+          </p:sp>
+          <p:sp>
+            <p:nvSpPr>
+              <p:cNvPr id="20" name="矩形 19">
+                <a:extLst>
+                  <a:ext uri="{FF2B5EF4-FFF2-40B4-BE49-F238E27FC236}">
+                    <a16:creationId xmlns:a16="http://schemas.microsoft.com/office/drawing/2014/main" id="{29E5826C-F668-6BEE-A723-4EA075496838}"/>
+                  </a:ext>
+                </a:extLst>
+              </p:cNvPr>
+              <p:cNvSpPr/>
+              <p:nvPr/>
+            </p:nvSpPr>
+            <p:spPr>
+              <a:xfrm>
+                <a:off x="1967696" y="3240911"/>
+                <a:ext cx="844952" cy="844952"/>
+              </a:xfrm>
+              <a:prstGeom prst="rect">
+                <a:avLst/>
+              </a:prstGeom>
+              <a:ln/>
+            </p:spPr>
+            <p:style>
+              <a:lnRef idx="2">
+                <a:schemeClr val="dk1"/>
+              </a:lnRef>
+              <a:fillRef idx="1">
+                <a:schemeClr val="lt1"/>
+              </a:fillRef>
+              <a:effectRef idx="0">
+                <a:schemeClr val="dk1"/>
+              </a:effectRef>
+              <a:fontRef idx="minor">
+                <a:schemeClr val="dk1"/>
+              </a:fontRef>
+            </p:style>
+            <p:txBody>
+              <a:bodyPr rtlCol="0" anchor="ctr"/>
+              <a:lstStyle/>
+              <a:p>
+                <a:pPr algn="ctr"/>
+                <a:r>
+                  <a:rPr lang="en-US" altLang="zh-TW" sz="1600" dirty="0"/>
+                  <a:t>0.11</a:t>
+                </a:r>
+                <a:endParaRPr lang="zh-TW" altLang="en-US" sz="1600" dirty="0"/>
+              </a:p>
+            </p:txBody>
+          </p:sp>
+          <p:sp>
+            <p:nvSpPr>
+              <p:cNvPr id="21" name="矩形 20">
+                <a:extLst>
+                  <a:ext uri="{FF2B5EF4-FFF2-40B4-BE49-F238E27FC236}">
+                    <a16:creationId xmlns:a16="http://schemas.microsoft.com/office/drawing/2014/main" id="{5CFF8BC7-A5AD-FF9F-E373-DF5A8C05EDB4}"/>
+                  </a:ext>
+                </a:extLst>
+              </p:cNvPr>
+              <p:cNvSpPr/>
+              <p:nvPr/>
+            </p:nvSpPr>
+            <p:spPr>
+              <a:xfrm>
+                <a:off x="2812648" y="3240911"/>
+                <a:ext cx="844952" cy="844952"/>
+              </a:xfrm>
+              <a:prstGeom prst="rect">
+                <a:avLst/>
+              </a:prstGeom>
+              <a:ln/>
+            </p:spPr>
+            <p:style>
+              <a:lnRef idx="2">
+                <a:schemeClr val="dk1"/>
+              </a:lnRef>
+              <a:fillRef idx="1">
+                <a:schemeClr val="lt1"/>
+              </a:fillRef>
+              <a:effectRef idx="0">
+                <a:schemeClr val="dk1"/>
+              </a:effectRef>
+              <a:fontRef idx="minor">
+                <a:schemeClr val="dk1"/>
+              </a:fontRef>
+            </p:style>
+            <p:txBody>
+              <a:bodyPr rtlCol="0" anchor="ctr"/>
+              <a:lstStyle/>
+              <a:p>
+                <a:pPr algn="ctr"/>
+                <a:r>
+                  <a:rPr lang="en-US" altLang="zh-TW" sz="1600" dirty="0"/>
+                  <a:t>0.25</a:t>
+                </a:r>
+                <a:endParaRPr lang="zh-TW" altLang="en-US" sz="1600" dirty="0"/>
+              </a:p>
+            </p:txBody>
+          </p:sp>
+        </p:grpSp>
+      </p:grpSp>
+      <p:sp>
+        <p:nvSpPr>
+          <p:cNvPr id="33" name="文字方塊 32">
+            <a:extLst>
+              <a:ext uri="{FF2B5EF4-FFF2-40B4-BE49-F238E27FC236}">
+                <a16:creationId xmlns:a16="http://schemas.microsoft.com/office/drawing/2014/main" id="{A4653A83-A3ED-3480-5B3A-D9FF2F6C14D5}"/>
+              </a:ext>
+            </a:extLst>
+          </p:cNvPr>
+          <p:cNvSpPr txBox="1"/>
+          <p:nvPr/>
+        </p:nvSpPr>
+        <p:spPr>
+          <a:xfrm>
+            <a:off x="2625625" y="2893486"/>
+            <a:ext cx="924829" cy="400110"/>
           </a:xfrm>
           <a:prstGeom prst="rect">
             <a:avLst/>
           </a:prstGeom>
           <a:noFill/>
-          <a:ln/>
         </p:spPr>
         <p:txBody>
-          <a:bodyPr wrap="none" rtlCol="0" anchor="t"/>
+          <a:bodyPr wrap="square" rtlCol="0">
+            <a:spAutoFit/>
+          </a:bodyPr>
+          <a:lstStyle/>
+          <a:p>
+            <a:r>
+              <a:rPr lang="en-US" altLang="zh-TW" sz="2000" dirty="0"/>
+              <a:t>SBERT</a:t>
+            </a:r>
+            <a:endParaRPr lang="zh-TW" altLang="en-US" sz="2000" dirty="0"/>
+          </a:p>
+        </p:txBody>
+      </p:sp>
+      <p:grpSp>
+        <p:nvGrpSpPr>
+          <p:cNvPr id="34" name="群組 33">
+            <a:extLst>
+              <a:ext uri="{FF2B5EF4-FFF2-40B4-BE49-F238E27FC236}">
+                <a16:creationId xmlns:a16="http://schemas.microsoft.com/office/drawing/2014/main" id="{320B8CCC-8B97-E97D-33E6-B1708A0DA630}"/>
+              </a:ext>
+            </a:extLst>
+          </p:cNvPr>
+          <p:cNvGrpSpPr/>
+          <p:nvPr/>
+        </p:nvGrpSpPr>
+        <p:grpSpPr>
+          <a:xfrm>
+            <a:off x="3590340" y="4130023"/>
+            <a:ext cx="6759616" cy="478903"/>
+            <a:chOff x="2095018" y="3925746"/>
+            <a:chExt cx="10139424" cy="844952"/>
+          </a:xfrm>
+        </p:grpSpPr>
+        <p:grpSp>
+          <p:nvGrpSpPr>
+            <p:cNvPr id="35" name="群組 34">
+              <a:extLst>
+                <a:ext uri="{FF2B5EF4-FFF2-40B4-BE49-F238E27FC236}">
+                  <a16:creationId xmlns:a16="http://schemas.microsoft.com/office/drawing/2014/main" id="{EE5307CC-05A9-F297-6706-E1F2DE0C3A5C}"/>
+                </a:ext>
+              </a:extLst>
+            </p:cNvPr>
+            <p:cNvGrpSpPr/>
+            <p:nvPr/>
+          </p:nvGrpSpPr>
+          <p:grpSpPr>
+            <a:xfrm>
+              <a:off x="2095018" y="3925746"/>
+              <a:ext cx="2534856" cy="844952"/>
+              <a:chOff x="1122744" y="3240911"/>
+              <a:chExt cx="2534856" cy="844952"/>
+            </a:xfrm>
+          </p:grpSpPr>
+          <p:sp>
+            <p:nvSpPr>
+              <p:cNvPr id="48" name="矩形 47">
+                <a:extLst>
+                  <a:ext uri="{FF2B5EF4-FFF2-40B4-BE49-F238E27FC236}">
+                    <a16:creationId xmlns:a16="http://schemas.microsoft.com/office/drawing/2014/main" id="{EA19A25A-7987-D509-B1FF-1BAD7B10D23F}"/>
+                  </a:ext>
+                </a:extLst>
+              </p:cNvPr>
+              <p:cNvSpPr/>
+              <p:nvPr/>
+            </p:nvSpPr>
+            <p:spPr>
+              <a:xfrm>
+                <a:off x="1122744" y="3240911"/>
+                <a:ext cx="844952" cy="844952"/>
+              </a:xfrm>
+              <a:prstGeom prst="rect">
+                <a:avLst/>
+              </a:prstGeom>
+              <a:ln/>
+            </p:spPr>
+            <p:style>
+              <a:lnRef idx="2">
+                <a:schemeClr val="dk1"/>
+              </a:lnRef>
+              <a:fillRef idx="1">
+                <a:schemeClr val="lt1"/>
+              </a:fillRef>
+              <a:effectRef idx="0">
+                <a:schemeClr val="dk1"/>
+              </a:effectRef>
+              <a:fontRef idx="minor">
+                <a:schemeClr val="dk1"/>
+              </a:fontRef>
+            </p:style>
+            <p:txBody>
+              <a:bodyPr rtlCol="0" anchor="ctr"/>
+              <a:lstStyle/>
+              <a:p>
+                <a:pPr algn="ctr"/>
+                <a:r>
+                  <a:rPr lang="en-US" altLang="zh-TW" sz="1600" dirty="0"/>
+                  <a:t>0</a:t>
+                </a:r>
+                <a:endParaRPr lang="zh-TW" altLang="en-US" sz="1600" dirty="0"/>
+              </a:p>
+            </p:txBody>
+          </p:sp>
+          <p:sp>
+            <p:nvSpPr>
+              <p:cNvPr id="49" name="矩形 48">
+                <a:extLst>
+                  <a:ext uri="{FF2B5EF4-FFF2-40B4-BE49-F238E27FC236}">
+                    <a16:creationId xmlns:a16="http://schemas.microsoft.com/office/drawing/2014/main" id="{7384C697-F0AB-B2FB-6B00-8DE2AFDDE6E0}"/>
+                  </a:ext>
+                </a:extLst>
+              </p:cNvPr>
+              <p:cNvSpPr/>
+              <p:nvPr/>
+            </p:nvSpPr>
+            <p:spPr>
+              <a:xfrm>
+                <a:off x="1967696" y="3240911"/>
+                <a:ext cx="844952" cy="844952"/>
+              </a:xfrm>
+              <a:prstGeom prst="rect">
+                <a:avLst/>
+              </a:prstGeom>
+              <a:ln/>
+            </p:spPr>
+            <p:style>
+              <a:lnRef idx="2">
+                <a:schemeClr val="dk1"/>
+              </a:lnRef>
+              <a:fillRef idx="1">
+                <a:schemeClr val="lt1"/>
+              </a:fillRef>
+              <a:effectRef idx="0">
+                <a:schemeClr val="dk1"/>
+              </a:effectRef>
+              <a:fontRef idx="minor">
+                <a:schemeClr val="dk1"/>
+              </a:fontRef>
+            </p:style>
+            <p:txBody>
+              <a:bodyPr rtlCol="0" anchor="ctr"/>
+              <a:lstStyle/>
+              <a:p>
+                <a:pPr algn="ctr"/>
+                <a:r>
+                  <a:rPr lang="en-US" altLang="zh-TW" sz="1600" dirty="0"/>
+                  <a:t>0.01</a:t>
+                </a:r>
+                <a:endParaRPr lang="zh-TW" altLang="en-US" sz="1600" dirty="0"/>
+              </a:p>
+            </p:txBody>
+          </p:sp>
+          <p:sp>
+            <p:nvSpPr>
+              <p:cNvPr id="50" name="矩形 49">
+                <a:extLst>
+                  <a:ext uri="{FF2B5EF4-FFF2-40B4-BE49-F238E27FC236}">
+                    <a16:creationId xmlns:a16="http://schemas.microsoft.com/office/drawing/2014/main" id="{EDD3B997-C39A-C3EC-5ECF-23A926D5132F}"/>
+                  </a:ext>
+                </a:extLst>
+              </p:cNvPr>
+              <p:cNvSpPr/>
+              <p:nvPr/>
+            </p:nvSpPr>
+            <p:spPr>
+              <a:xfrm>
+                <a:off x="2812648" y="3240911"/>
+                <a:ext cx="844952" cy="844952"/>
+              </a:xfrm>
+              <a:prstGeom prst="rect">
+                <a:avLst/>
+              </a:prstGeom>
+              <a:ln/>
+            </p:spPr>
+            <p:style>
+              <a:lnRef idx="2">
+                <a:schemeClr val="dk1"/>
+              </a:lnRef>
+              <a:fillRef idx="1">
+                <a:schemeClr val="lt1"/>
+              </a:fillRef>
+              <a:effectRef idx="0">
+                <a:schemeClr val="dk1"/>
+              </a:effectRef>
+              <a:fontRef idx="minor">
+                <a:schemeClr val="dk1"/>
+              </a:fontRef>
+            </p:style>
+            <p:txBody>
+              <a:bodyPr rtlCol="0" anchor="ctr"/>
+              <a:lstStyle/>
+              <a:p>
+                <a:pPr algn="ctr"/>
+                <a:r>
+                  <a:rPr lang="en-US" altLang="zh-TW" sz="1600" dirty="0"/>
+                  <a:t>0</a:t>
+                </a:r>
+                <a:endParaRPr lang="zh-TW" altLang="en-US" sz="1600" dirty="0"/>
+              </a:p>
+            </p:txBody>
+          </p:sp>
+        </p:grpSp>
+        <p:grpSp>
+          <p:nvGrpSpPr>
+            <p:cNvPr id="36" name="群組 35">
+              <a:extLst>
+                <a:ext uri="{FF2B5EF4-FFF2-40B4-BE49-F238E27FC236}">
+                  <a16:creationId xmlns:a16="http://schemas.microsoft.com/office/drawing/2014/main" id="{2642A850-DA82-A1FB-1D0D-8C2681D60EFF}"/>
+                </a:ext>
+              </a:extLst>
+            </p:cNvPr>
+            <p:cNvGrpSpPr/>
+            <p:nvPr/>
+          </p:nvGrpSpPr>
+          <p:grpSpPr>
+            <a:xfrm>
+              <a:off x="4629874" y="3925746"/>
+              <a:ext cx="2534856" cy="844952"/>
+              <a:chOff x="1122744" y="3240911"/>
+              <a:chExt cx="2534856" cy="844952"/>
+            </a:xfrm>
+          </p:grpSpPr>
+          <p:sp>
+            <p:nvSpPr>
+              <p:cNvPr id="45" name="矩形 44">
+                <a:extLst>
+                  <a:ext uri="{FF2B5EF4-FFF2-40B4-BE49-F238E27FC236}">
+                    <a16:creationId xmlns:a16="http://schemas.microsoft.com/office/drawing/2014/main" id="{20C0FF39-37F0-5B6E-713B-F727C0E70003}"/>
+                  </a:ext>
+                </a:extLst>
+              </p:cNvPr>
+              <p:cNvSpPr/>
+              <p:nvPr/>
+            </p:nvSpPr>
+            <p:spPr>
+              <a:xfrm>
+                <a:off x="1122744" y="3240911"/>
+                <a:ext cx="844952" cy="844952"/>
+              </a:xfrm>
+              <a:prstGeom prst="rect">
+                <a:avLst/>
+              </a:prstGeom>
+              <a:ln/>
+            </p:spPr>
+            <p:style>
+              <a:lnRef idx="2">
+                <a:schemeClr val="dk1"/>
+              </a:lnRef>
+              <a:fillRef idx="1">
+                <a:schemeClr val="lt1"/>
+              </a:fillRef>
+              <a:effectRef idx="0">
+                <a:schemeClr val="dk1"/>
+              </a:effectRef>
+              <a:fontRef idx="minor">
+                <a:schemeClr val="dk1"/>
+              </a:fontRef>
+            </p:style>
+            <p:txBody>
+              <a:bodyPr rtlCol="0" anchor="ctr"/>
+              <a:lstStyle/>
+              <a:p>
+                <a:pPr algn="ctr"/>
+                <a:r>
+                  <a:rPr lang="en-US" altLang="zh-TW" sz="1600" dirty="0"/>
+                  <a:t>0.34</a:t>
+                </a:r>
+                <a:endParaRPr lang="zh-TW" altLang="en-US" sz="1600" dirty="0"/>
+              </a:p>
+            </p:txBody>
+          </p:sp>
+          <p:sp>
+            <p:nvSpPr>
+              <p:cNvPr id="46" name="矩形 45">
+                <a:extLst>
+                  <a:ext uri="{FF2B5EF4-FFF2-40B4-BE49-F238E27FC236}">
+                    <a16:creationId xmlns:a16="http://schemas.microsoft.com/office/drawing/2014/main" id="{439512E1-CC36-FEFC-96B2-4BBF36142AF1}"/>
+                  </a:ext>
+                </a:extLst>
+              </p:cNvPr>
+              <p:cNvSpPr/>
+              <p:nvPr/>
+            </p:nvSpPr>
+            <p:spPr>
+              <a:xfrm>
+                <a:off x="1967696" y="3240911"/>
+                <a:ext cx="844952" cy="844952"/>
+              </a:xfrm>
+              <a:prstGeom prst="rect">
+                <a:avLst/>
+              </a:prstGeom>
+              <a:ln/>
+            </p:spPr>
+            <p:style>
+              <a:lnRef idx="2">
+                <a:schemeClr val="dk1"/>
+              </a:lnRef>
+              <a:fillRef idx="1">
+                <a:schemeClr val="lt1"/>
+              </a:fillRef>
+              <a:effectRef idx="0">
+                <a:schemeClr val="dk1"/>
+              </a:effectRef>
+              <a:fontRef idx="minor">
+                <a:schemeClr val="dk1"/>
+              </a:fontRef>
+            </p:style>
+            <p:txBody>
+              <a:bodyPr rtlCol="0" anchor="ctr"/>
+              <a:lstStyle/>
+              <a:p>
+                <a:pPr algn="ctr"/>
+                <a:r>
+                  <a:rPr lang="en-US" altLang="zh-TW" sz="1600" dirty="0"/>
+                  <a:t>0</a:t>
+                </a:r>
+                <a:endParaRPr lang="zh-TW" altLang="en-US" sz="1600" dirty="0"/>
+              </a:p>
+            </p:txBody>
+          </p:sp>
+          <p:sp>
+            <p:nvSpPr>
+              <p:cNvPr id="47" name="矩形 46">
+                <a:extLst>
+                  <a:ext uri="{FF2B5EF4-FFF2-40B4-BE49-F238E27FC236}">
+                    <a16:creationId xmlns:a16="http://schemas.microsoft.com/office/drawing/2014/main" id="{13459F8D-B174-E572-E4EE-F810E7C3E9E3}"/>
+                  </a:ext>
+                </a:extLst>
+              </p:cNvPr>
+              <p:cNvSpPr/>
+              <p:nvPr/>
+            </p:nvSpPr>
+            <p:spPr>
+              <a:xfrm>
+                <a:off x="2812648" y="3240911"/>
+                <a:ext cx="844952" cy="844952"/>
+              </a:xfrm>
+              <a:prstGeom prst="rect">
+                <a:avLst/>
+              </a:prstGeom>
+              <a:ln/>
+            </p:spPr>
+            <p:style>
+              <a:lnRef idx="2">
+                <a:schemeClr val="dk1"/>
+              </a:lnRef>
+              <a:fillRef idx="1">
+                <a:schemeClr val="lt1"/>
+              </a:fillRef>
+              <a:effectRef idx="0">
+                <a:schemeClr val="dk1"/>
+              </a:effectRef>
+              <a:fontRef idx="minor">
+                <a:schemeClr val="dk1"/>
+              </a:fontRef>
+            </p:style>
+            <p:txBody>
+              <a:bodyPr rtlCol="0" anchor="ctr"/>
+              <a:lstStyle/>
+              <a:p>
+                <a:pPr algn="ctr"/>
+                <a:r>
+                  <a:rPr lang="en-US" altLang="zh-TW" sz="1600" dirty="0"/>
+                  <a:t>0.05</a:t>
+                </a:r>
+                <a:endParaRPr lang="zh-TW" altLang="en-US" sz="1600" dirty="0"/>
+              </a:p>
+            </p:txBody>
+          </p:sp>
+        </p:grpSp>
+        <p:grpSp>
+          <p:nvGrpSpPr>
+            <p:cNvPr id="37" name="群組 36">
+              <a:extLst>
+                <a:ext uri="{FF2B5EF4-FFF2-40B4-BE49-F238E27FC236}">
+                  <a16:creationId xmlns:a16="http://schemas.microsoft.com/office/drawing/2014/main" id="{1316F0F8-6A06-0CED-7FA1-C02B346BE8EC}"/>
+                </a:ext>
+              </a:extLst>
+            </p:cNvPr>
+            <p:cNvGrpSpPr/>
+            <p:nvPr/>
+          </p:nvGrpSpPr>
+          <p:grpSpPr>
+            <a:xfrm>
+              <a:off x="9699586" y="3925746"/>
+              <a:ext cx="2534856" cy="844952"/>
+              <a:chOff x="1122744" y="3240911"/>
+              <a:chExt cx="2534856" cy="844952"/>
+            </a:xfrm>
+          </p:grpSpPr>
+          <p:sp>
+            <p:nvSpPr>
+              <p:cNvPr id="42" name="矩形 41">
+                <a:extLst>
+                  <a:ext uri="{FF2B5EF4-FFF2-40B4-BE49-F238E27FC236}">
+                    <a16:creationId xmlns:a16="http://schemas.microsoft.com/office/drawing/2014/main" id="{9D239480-A6BF-D316-D8A9-B8BB14942D1D}"/>
+                  </a:ext>
+                </a:extLst>
+              </p:cNvPr>
+              <p:cNvSpPr/>
+              <p:nvPr/>
+            </p:nvSpPr>
+            <p:spPr>
+              <a:xfrm>
+                <a:off x="1122744" y="3240911"/>
+                <a:ext cx="844952" cy="844952"/>
+              </a:xfrm>
+              <a:prstGeom prst="rect">
+                <a:avLst/>
+              </a:prstGeom>
+              <a:ln/>
+            </p:spPr>
+            <p:style>
+              <a:lnRef idx="2">
+                <a:schemeClr val="dk1"/>
+              </a:lnRef>
+              <a:fillRef idx="1">
+                <a:schemeClr val="lt1"/>
+              </a:fillRef>
+              <a:effectRef idx="0">
+                <a:schemeClr val="dk1"/>
+              </a:effectRef>
+              <a:fontRef idx="minor">
+                <a:schemeClr val="dk1"/>
+              </a:fontRef>
+            </p:style>
+            <p:txBody>
+              <a:bodyPr rtlCol="0" anchor="ctr"/>
+              <a:lstStyle/>
+              <a:p>
+                <a:pPr algn="ctr"/>
+                <a:r>
+                  <a:rPr lang="en-US" altLang="zh-TW" sz="1600" dirty="0"/>
+                  <a:t>0.76</a:t>
+                </a:r>
+                <a:endParaRPr lang="zh-TW" altLang="en-US" sz="1600" dirty="0"/>
+              </a:p>
+            </p:txBody>
+          </p:sp>
+          <p:sp>
+            <p:nvSpPr>
+              <p:cNvPr id="43" name="矩形 42">
+                <a:extLst>
+                  <a:ext uri="{FF2B5EF4-FFF2-40B4-BE49-F238E27FC236}">
+                    <a16:creationId xmlns:a16="http://schemas.microsoft.com/office/drawing/2014/main" id="{6A13CDB5-0479-D49E-9111-403B76F9C771}"/>
+                  </a:ext>
+                </a:extLst>
+              </p:cNvPr>
+              <p:cNvSpPr/>
+              <p:nvPr/>
+            </p:nvSpPr>
+            <p:spPr>
+              <a:xfrm>
+                <a:off x="1967696" y="3240911"/>
+                <a:ext cx="844952" cy="844952"/>
+              </a:xfrm>
+              <a:prstGeom prst="rect">
+                <a:avLst/>
+              </a:prstGeom>
+              <a:ln/>
+            </p:spPr>
+            <p:style>
+              <a:lnRef idx="2">
+                <a:schemeClr val="dk1"/>
+              </a:lnRef>
+              <a:fillRef idx="1">
+                <a:schemeClr val="lt1"/>
+              </a:fillRef>
+              <a:effectRef idx="0">
+                <a:schemeClr val="dk1"/>
+              </a:effectRef>
+              <a:fontRef idx="minor">
+                <a:schemeClr val="dk1"/>
+              </a:fontRef>
+            </p:style>
+            <p:txBody>
+              <a:bodyPr rtlCol="0" anchor="ctr"/>
+              <a:lstStyle/>
+              <a:p>
+                <a:pPr algn="ctr"/>
+                <a:r>
+                  <a:rPr lang="en-US" altLang="zh-TW" sz="1600" dirty="0"/>
+                  <a:t>0.01</a:t>
+                </a:r>
+                <a:endParaRPr lang="zh-TW" altLang="en-US" sz="1600" dirty="0"/>
+              </a:p>
+            </p:txBody>
+          </p:sp>
+          <p:sp>
+            <p:nvSpPr>
+              <p:cNvPr id="44" name="矩形 43">
+                <a:extLst>
+                  <a:ext uri="{FF2B5EF4-FFF2-40B4-BE49-F238E27FC236}">
+                    <a16:creationId xmlns:a16="http://schemas.microsoft.com/office/drawing/2014/main" id="{5F7D3AE7-11C9-9927-6D55-8505FD104B5D}"/>
+                  </a:ext>
+                </a:extLst>
+              </p:cNvPr>
+              <p:cNvSpPr/>
+              <p:nvPr/>
+            </p:nvSpPr>
+            <p:spPr>
+              <a:xfrm>
+                <a:off x="2812648" y="3240911"/>
+                <a:ext cx="844952" cy="844952"/>
+              </a:xfrm>
+              <a:prstGeom prst="rect">
+                <a:avLst/>
+              </a:prstGeom>
+              <a:ln/>
+            </p:spPr>
+            <p:style>
+              <a:lnRef idx="2">
+                <a:schemeClr val="dk1"/>
+              </a:lnRef>
+              <a:fillRef idx="1">
+                <a:schemeClr val="lt1"/>
+              </a:fillRef>
+              <a:effectRef idx="0">
+                <a:schemeClr val="dk1"/>
+              </a:effectRef>
+              <a:fontRef idx="minor">
+                <a:schemeClr val="dk1"/>
+              </a:fontRef>
+            </p:style>
+            <p:txBody>
+              <a:bodyPr rtlCol="0" anchor="ctr"/>
+              <a:lstStyle/>
+              <a:p>
+                <a:pPr algn="ctr"/>
+                <a:r>
+                  <a:rPr lang="en-US" altLang="zh-TW" sz="1600" dirty="0"/>
+                  <a:t>0.04</a:t>
+                </a:r>
+                <a:endParaRPr lang="zh-TW" altLang="en-US" sz="1600" dirty="0"/>
+              </a:p>
+            </p:txBody>
+          </p:sp>
+        </p:grpSp>
+        <p:grpSp>
+          <p:nvGrpSpPr>
+            <p:cNvPr id="38" name="群組 37">
+              <a:extLst>
+                <a:ext uri="{FF2B5EF4-FFF2-40B4-BE49-F238E27FC236}">
+                  <a16:creationId xmlns:a16="http://schemas.microsoft.com/office/drawing/2014/main" id="{978D8D84-F031-1575-A2A3-E3FFCA289E11}"/>
+                </a:ext>
+              </a:extLst>
+            </p:cNvPr>
+            <p:cNvGrpSpPr/>
+            <p:nvPr/>
+          </p:nvGrpSpPr>
+          <p:grpSpPr>
+            <a:xfrm>
+              <a:off x="7164730" y="3925746"/>
+              <a:ext cx="2534856" cy="844952"/>
+              <a:chOff x="1122744" y="3240911"/>
+              <a:chExt cx="2534856" cy="844952"/>
+            </a:xfrm>
+          </p:grpSpPr>
+          <p:sp>
+            <p:nvSpPr>
+              <p:cNvPr id="39" name="矩形 38">
+                <a:extLst>
+                  <a:ext uri="{FF2B5EF4-FFF2-40B4-BE49-F238E27FC236}">
+                    <a16:creationId xmlns:a16="http://schemas.microsoft.com/office/drawing/2014/main" id="{4B5921ED-1965-9DB4-5D3B-4F3E5260A50A}"/>
+                  </a:ext>
+                </a:extLst>
+              </p:cNvPr>
+              <p:cNvSpPr/>
+              <p:nvPr/>
+            </p:nvSpPr>
+            <p:spPr>
+              <a:xfrm>
+                <a:off x="1122744" y="3240911"/>
+                <a:ext cx="844952" cy="844952"/>
+              </a:xfrm>
+              <a:prstGeom prst="rect">
+                <a:avLst/>
+              </a:prstGeom>
+              <a:ln/>
+            </p:spPr>
+            <p:style>
+              <a:lnRef idx="2">
+                <a:schemeClr val="dk1"/>
+              </a:lnRef>
+              <a:fillRef idx="1">
+                <a:schemeClr val="lt1"/>
+              </a:fillRef>
+              <a:effectRef idx="0">
+                <a:schemeClr val="dk1"/>
+              </a:effectRef>
+              <a:fontRef idx="minor">
+                <a:schemeClr val="dk1"/>
+              </a:fontRef>
+            </p:style>
+            <p:txBody>
+              <a:bodyPr rtlCol="0" anchor="ctr"/>
+              <a:lstStyle/>
+              <a:p>
+                <a:pPr algn="ctr"/>
+                <a:r>
+                  <a:rPr lang="en-US" altLang="zh-TW" sz="1600" dirty="0"/>
+                  <a:t>0.03</a:t>
+                </a:r>
+                <a:endParaRPr lang="zh-TW" altLang="en-US" sz="1600" dirty="0"/>
+              </a:p>
+            </p:txBody>
+          </p:sp>
+          <p:sp>
+            <p:nvSpPr>
+              <p:cNvPr id="40" name="矩形 39">
+                <a:extLst>
+                  <a:ext uri="{FF2B5EF4-FFF2-40B4-BE49-F238E27FC236}">
+                    <a16:creationId xmlns:a16="http://schemas.microsoft.com/office/drawing/2014/main" id="{676902BC-4C81-8FBD-3AA3-9F8F6933D63C}"/>
+                  </a:ext>
+                </a:extLst>
+              </p:cNvPr>
+              <p:cNvSpPr/>
+              <p:nvPr/>
+            </p:nvSpPr>
+            <p:spPr>
+              <a:xfrm>
+                <a:off x="1967696" y="3240911"/>
+                <a:ext cx="844952" cy="844952"/>
+              </a:xfrm>
+              <a:prstGeom prst="rect">
+                <a:avLst/>
+              </a:prstGeom>
+              <a:ln/>
+            </p:spPr>
+            <p:style>
+              <a:lnRef idx="2">
+                <a:schemeClr val="dk1"/>
+              </a:lnRef>
+              <a:fillRef idx="1">
+                <a:schemeClr val="lt1"/>
+              </a:fillRef>
+              <a:effectRef idx="0">
+                <a:schemeClr val="dk1"/>
+              </a:effectRef>
+              <a:fontRef idx="minor">
+                <a:schemeClr val="dk1"/>
+              </a:fontRef>
+            </p:style>
+            <p:txBody>
+              <a:bodyPr rtlCol="0" anchor="ctr"/>
+              <a:lstStyle/>
+              <a:p>
+                <a:pPr algn="ctr"/>
+                <a:r>
+                  <a:rPr lang="en-US" altLang="zh-TW" sz="1600" dirty="0"/>
+                  <a:t>0.11</a:t>
+                </a:r>
+                <a:endParaRPr lang="zh-TW" altLang="en-US" sz="1600" dirty="0"/>
+              </a:p>
+            </p:txBody>
+          </p:sp>
+          <p:sp>
+            <p:nvSpPr>
+              <p:cNvPr id="41" name="矩形 40">
+                <a:extLst>
+                  <a:ext uri="{FF2B5EF4-FFF2-40B4-BE49-F238E27FC236}">
+                    <a16:creationId xmlns:a16="http://schemas.microsoft.com/office/drawing/2014/main" id="{756492DD-D2E0-43E3-04E8-C7CE9C6EE1FB}"/>
+                  </a:ext>
+                </a:extLst>
+              </p:cNvPr>
+              <p:cNvSpPr/>
+              <p:nvPr/>
+            </p:nvSpPr>
+            <p:spPr>
+              <a:xfrm>
+                <a:off x="2812648" y="3240911"/>
+                <a:ext cx="844952" cy="844952"/>
+              </a:xfrm>
+              <a:prstGeom prst="rect">
+                <a:avLst/>
+              </a:prstGeom>
+              <a:ln/>
+            </p:spPr>
+            <p:style>
+              <a:lnRef idx="2">
+                <a:schemeClr val="dk1"/>
+              </a:lnRef>
+              <a:fillRef idx="1">
+                <a:schemeClr val="lt1"/>
+              </a:fillRef>
+              <a:effectRef idx="0">
+                <a:schemeClr val="dk1"/>
+              </a:effectRef>
+              <a:fontRef idx="minor">
+                <a:schemeClr val="dk1"/>
+              </a:fontRef>
+            </p:style>
+            <p:txBody>
+              <a:bodyPr rtlCol="0" anchor="ctr"/>
+              <a:lstStyle/>
+              <a:p>
+                <a:pPr algn="ctr"/>
+                <a:r>
+                  <a:rPr lang="en-US" altLang="zh-TW" sz="1600" dirty="0"/>
+                  <a:t>0.25</a:t>
+                </a:r>
+                <a:endParaRPr lang="zh-TW" altLang="en-US" sz="1600" dirty="0"/>
+              </a:p>
+            </p:txBody>
+          </p:sp>
+        </p:grpSp>
+      </p:grpSp>
+      <p:grpSp>
+        <p:nvGrpSpPr>
+          <p:cNvPr id="51" name="群組 50">
+            <a:extLst>
+              <a:ext uri="{FF2B5EF4-FFF2-40B4-BE49-F238E27FC236}">
+                <a16:creationId xmlns:a16="http://schemas.microsoft.com/office/drawing/2014/main" id="{F5CFC60A-BCF2-EF98-C09D-0B462696EE50}"/>
+              </a:ext>
+            </a:extLst>
+          </p:cNvPr>
+          <p:cNvGrpSpPr/>
+          <p:nvPr/>
+        </p:nvGrpSpPr>
+        <p:grpSpPr>
+          <a:xfrm>
+            <a:off x="3590340" y="4970403"/>
+            <a:ext cx="6759616" cy="478903"/>
+            <a:chOff x="2095018" y="3925746"/>
+            <a:chExt cx="10139424" cy="844952"/>
+          </a:xfrm>
+        </p:grpSpPr>
+        <p:grpSp>
+          <p:nvGrpSpPr>
+            <p:cNvPr id="52" name="群組 51">
+              <a:extLst>
+                <a:ext uri="{FF2B5EF4-FFF2-40B4-BE49-F238E27FC236}">
+                  <a16:creationId xmlns:a16="http://schemas.microsoft.com/office/drawing/2014/main" id="{4E60EB59-2D45-F01B-5F4F-A86B024B7E42}"/>
+                </a:ext>
+              </a:extLst>
+            </p:cNvPr>
+            <p:cNvGrpSpPr/>
+            <p:nvPr/>
+          </p:nvGrpSpPr>
+          <p:grpSpPr>
+            <a:xfrm>
+              <a:off x="2095018" y="3925746"/>
+              <a:ext cx="2534856" cy="844952"/>
+              <a:chOff x="1122744" y="3240911"/>
+              <a:chExt cx="2534856" cy="844952"/>
+            </a:xfrm>
+          </p:grpSpPr>
+          <p:sp>
+            <p:nvSpPr>
+              <p:cNvPr id="65" name="矩形 64">
+                <a:extLst>
+                  <a:ext uri="{FF2B5EF4-FFF2-40B4-BE49-F238E27FC236}">
+                    <a16:creationId xmlns:a16="http://schemas.microsoft.com/office/drawing/2014/main" id="{AF2609E9-1373-A462-3DDC-E4F713BDBAA0}"/>
+                  </a:ext>
+                </a:extLst>
+              </p:cNvPr>
+              <p:cNvSpPr/>
+              <p:nvPr/>
+            </p:nvSpPr>
+            <p:spPr>
+              <a:xfrm>
+                <a:off x="1122744" y="3240911"/>
+                <a:ext cx="844952" cy="844952"/>
+              </a:xfrm>
+              <a:prstGeom prst="rect">
+                <a:avLst/>
+              </a:prstGeom>
+              <a:ln/>
+            </p:spPr>
+            <p:style>
+              <a:lnRef idx="2">
+                <a:schemeClr val="dk1"/>
+              </a:lnRef>
+              <a:fillRef idx="1">
+                <a:schemeClr val="lt1"/>
+              </a:fillRef>
+              <a:effectRef idx="0">
+                <a:schemeClr val="dk1"/>
+              </a:effectRef>
+              <a:fontRef idx="minor">
+                <a:schemeClr val="dk1"/>
+              </a:fontRef>
+            </p:style>
+            <p:txBody>
+              <a:bodyPr rtlCol="0" anchor="ctr"/>
+              <a:lstStyle/>
+              <a:p>
+                <a:pPr algn="ctr"/>
+                <a:r>
+                  <a:rPr lang="en-US" altLang="zh-TW" sz="1600" dirty="0"/>
+                  <a:t>0</a:t>
+                </a:r>
+                <a:endParaRPr lang="zh-TW" altLang="en-US" sz="1600" dirty="0"/>
+              </a:p>
+            </p:txBody>
+          </p:sp>
+          <p:sp>
+            <p:nvSpPr>
+              <p:cNvPr id="66" name="矩形 65">
+                <a:extLst>
+                  <a:ext uri="{FF2B5EF4-FFF2-40B4-BE49-F238E27FC236}">
+                    <a16:creationId xmlns:a16="http://schemas.microsoft.com/office/drawing/2014/main" id="{49679D0B-DBA2-71E5-3A5F-45541B477DE2}"/>
+                  </a:ext>
+                </a:extLst>
+              </p:cNvPr>
+              <p:cNvSpPr/>
+              <p:nvPr/>
+            </p:nvSpPr>
+            <p:spPr>
+              <a:xfrm>
+                <a:off x="1967696" y="3240911"/>
+                <a:ext cx="844952" cy="844952"/>
+              </a:xfrm>
+              <a:prstGeom prst="rect">
+                <a:avLst/>
+              </a:prstGeom>
+              <a:ln/>
+            </p:spPr>
+            <p:style>
+              <a:lnRef idx="2">
+                <a:schemeClr val="dk1"/>
+              </a:lnRef>
+              <a:fillRef idx="1">
+                <a:schemeClr val="lt1"/>
+              </a:fillRef>
+              <a:effectRef idx="0">
+                <a:schemeClr val="dk1"/>
+              </a:effectRef>
+              <a:fontRef idx="minor">
+                <a:schemeClr val="dk1"/>
+              </a:fontRef>
+            </p:style>
+            <p:txBody>
+              <a:bodyPr rtlCol="0" anchor="ctr"/>
+              <a:lstStyle/>
+              <a:p>
+                <a:pPr algn="ctr"/>
+                <a:r>
+                  <a:rPr lang="en-US" altLang="zh-TW" sz="1600" dirty="0"/>
+                  <a:t>0.01</a:t>
+                </a:r>
+                <a:endParaRPr lang="zh-TW" altLang="en-US" sz="1600" dirty="0"/>
+              </a:p>
+            </p:txBody>
+          </p:sp>
+          <p:sp>
+            <p:nvSpPr>
+              <p:cNvPr id="67" name="矩形 66">
+                <a:extLst>
+                  <a:ext uri="{FF2B5EF4-FFF2-40B4-BE49-F238E27FC236}">
+                    <a16:creationId xmlns:a16="http://schemas.microsoft.com/office/drawing/2014/main" id="{1F5982B9-F2B9-D084-69C3-14AD36729EA9}"/>
+                  </a:ext>
+                </a:extLst>
+              </p:cNvPr>
+              <p:cNvSpPr/>
+              <p:nvPr/>
+            </p:nvSpPr>
+            <p:spPr>
+              <a:xfrm>
+                <a:off x="2812648" y="3240911"/>
+                <a:ext cx="844952" cy="844952"/>
+              </a:xfrm>
+              <a:prstGeom prst="rect">
+                <a:avLst/>
+              </a:prstGeom>
+              <a:ln/>
+            </p:spPr>
+            <p:style>
+              <a:lnRef idx="2">
+                <a:schemeClr val="dk1"/>
+              </a:lnRef>
+              <a:fillRef idx="1">
+                <a:schemeClr val="lt1"/>
+              </a:fillRef>
+              <a:effectRef idx="0">
+                <a:schemeClr val="dk1"/>
+              </a:effectRef>
+              <a:fontRef idx="minor">
+                <a:schemeClr val="dk1"/>
+              </a:fontRef>
+            </p:style>
+            <p:txBody>
+              <a:bodyPr rtlCol="0" anchor="ctr"/>
+              <a:lstStyle/>
+              <a:p>
+                <a:pPr algn="ctr"/>
+                <a:r>
+                  <a:rPr lang="en-US" altLang="zh-TW" sz="1600" dirty="0"/>
+                  <a:t>0</a:t>
+                </a:r>
+                <a:endParaRPr lang="zh-TW" altLang="en-US" sz="1600" dirty="0"/>
+              </a:p>
+            </p:txBody>
+          </p:sp>
+        </p:grpSp>
+        <p:grpSp>
+          <p:nvGrpSpPr>
+            <p:cNvPr id="53" name="群組 52">
+              <a:extLst>
+                <a:ext uri="{FF2B5EF4-FFF2-40B4-BE49-F238E27FC236}">
+                  <a16:creationId xmlns:a16="http://schemas.microsoft.com/office/drawing/2014/main" id="{4913D636-AC23-8DB6-49C0-E947114BD156}"/>
+                </a:ext>
+              </a:extLst>
+            </p:cNvPr>
+            <p:cNvGrpSpPr/>
+            <p:nvPr/>
+          </p:nvGrpSpPr>
+          <p:grpSpPr>
+            <a:xfrm>
+              <a:off x="4629874" y="3925746"/>
+              <a:ext cx="2534856" cy="844952"/>
+              <a:chOff x="1122744" y="3240911"/>
+              <a:chExt cx="2534856" cy="844952"/>
+            </a:xfrm>
+          </p:grpSpPr>
+          <p:sp>
+            <p:nvSpPr>
+              <p:cNvPr id="62" name="矩形 61">
+                <a:extLst>
+                  <a:ext uri="{FF2B5EF4-FFF2-40B4-BE49-F238E27FC236}">
+                    <a16:creationId xmlns:a16="http://schemas.microsoft.com/office/drawing/2014/main" id="{5ADD3E8B-C4C9-ABB8-F3AD-30EC615522AF}"/>
+                  </a:ext>
+                </a:extLst>
+              </p:cNvPr>
+              <p:cNvSpPr/>
+              <p:nvPr/>
+            </p:nvSpPr>
+            <p:spPr>
+              <a:xfrm>
+                <a:off x="1122744" y="3240911"/>
+                <a:ext cx="844952" cy="844952"/>
+              </a:xfrm>
+              <a:prstGeom prst="rect">
+                <a:avLst/>
+              </a:prstGeom>
+              <a:ln/>
+            </p:spPr>
+            <p:style>
+              <a:lnRef idx="2">
+                <a:schemeClr val="dk1"/>
+              </a:lnRef>
+              <a:fillRef idx="1">
+                <a:schemeClr val="lt1"/>
+              </a:fillRef>
+              <a:effectRef idx="0">
+                <a:schemeClr val="dk1"/>
+              </a:effectRef>
+              <a:fontRef idx="minor">
+                <a:schemeClr val="dk1"/>
+              </a:fontRef>
+            </p:style>
+            <p:txBody>
+              <a:bodyPr rtlCol="0" anchor="ctr"/>
+              <a:lstStyle/>
+              <a:p>
+                <a:pPr algn="ctr"/>
+                <a:r>
+                  <a:rPr lang="en-US" altLang="zh-TW" sz="1600" dirty="0"/>
+                  <a:t>0.04</a:t>
+                </a:r>
+                <a:endParaRPr lang="zh-TW" altLang="en-US" sz="1600" dirty="0"/>
+              </a:p>
+            </p:txBody>
+          </p:sp>
+          <p:sp>
+            <p:nvSpPr>
+              <p:cNvPr id="63" name="矩形 62">
+                <a:extLst>
+                  <a:ext uri="{FF2B5EF4-FFF2-40B4-BE49-F238E27FC236}">
+                    <a16:creationId xmlns:a16="http://schemas.microsoft.com/office/drawing/2014/main" id="{012B6EDF-628D-C817-35C3-1FAB2741ED55}"/>
+                  </a:ext>
+                </a:extLst>
+              </p:cNvPr>
+              <p:cNvSpPr/>
+              <p:nvPr/>
+            </p:nvSpPr>
+            <p:spPr>
+              <a:xfrm>
+                <a:off x="1967696" y="3240911"/>
+                <a:ext cx="844952" cy="844952"/>
+              </a:xfrm>
+              <a:prstGeom prst="rect">
+                <a:avLst/>
+              </a:prstGeom>
+              <a:ln/>
+            </p:spPr>
+            <p:style>
+              <a:lnRef idx="2">
+                <a:schemeClr val="dk1"/>
+              </a:lnRef>
+              <a:fillRef idx="1">
+                <a:schemeClr val="lt1"/>
+              </a:fillRef>
+              <a:effectRef idx="0">
+                <a:schemeClr val="dk1"/>
+              </a:effectRef>
+              <a:fontRef idx="minor">
+                <a:schemeClr val="dk1"/>
+              </a:fontRef>
+            </p:style>
+            <p:txBody>
+              <a:bodyPr rtlCol="0" anchor="ctr"/>
+              <a:lstStyle/>
+              <a:p>
+                <a:pPr algn="ctr"/>
+                <a:r>
+                  <a:rPr lang="en-US" altLang="zh-TW" sz="1600" dirty="0"/>
+                  <a:t>0</a:t>
+                </a:r>
+                <a:endParaRPr lang="zh-TW" altLang="en-US" sz="1600" dirty="0"/>
+              </a:p>
+            </p:txBody>
+          </p:sp>
+          <p:sp>
+            <p:nvSpPr>
+              <p:cNvPr id="64" name="矩形 63">
+                <a:extLst>
+                  <a:ext uri="{FF2B5EF4-FFF2-40B4-BE49-F238E27FC236}">
+                    <a16:creationId xmlns:a16="http://schemas.microsoft.com/office/drawing/2014/main" id="{93F4EB7F-E56F-84CF-0306-67F1044C1649}"/>
+                  </a:ext>
+                </a:extLst>
+              </p:cNvPr>
+              <p:cNvSpPr/>
+              <p:nvPr/>
+            </p:nvSpPr>
+            <p:spPr>
+              <a:xfrm>
+                <a:off x="2812648" y="3240911"/>
+                <a:ext cx="844952" cy="844952"/>
+              </a:xfrm>
+              <a:prstGeom prst="rect">
+                <a:avLst/>
+              </a:prstGeom>
+              <a:ln/>
+            </p:spPr>
+            <p:style>
+              <a:lnRef idx="2">
+                <a:schemeClr val="dk1"/>
+              </a:lnRef>
+              <a:fillRef idx="1">
+                <a:schemeClr val="lt1"/>
+              </a:fillRef>
+              <a:effectRef idx="0">
+                <a:schemeClr val="dk1"/>
+              </a:effectRef>
+              <a:fontRef idx="minor">
+                <a:schemeClr val="dk1"/>
+              </a:fontRef>
+            </p:style>
+            <p:txBody>
+              <a:bodyPr rtlCol="0" anchor="ctr"/>
+              <a:lstStyle/>
+              <a:p>
+                <a:pPr algn="ctr"/>
+                <a:r>
+                  <a:rPr lang="en-US" altLang="zh-TW" sz="1600" dirty="0"/>
+                  <a:t>0.02</a:t>
+                </a:r>
+                <a:endParaRPr lang="zh-TW" altLang="en-US" sz="1600" dirty="0"/>
+              </a:p>
+            </p:txBody>
+          </p:sp>
+        </p:grpSp>
+        <p:grpSp>
+          <p:nvGrpSpPr>
+            <p:cNvPr id="54" name="群組 53">
+              <a:extLst>
+                <a:ext uri="{FF2B5EF4-FFF2-40B4-BE49-F238E27FC236}">
+                  <a16:creationId xmlns:a16="http://schemas.microsoft.com/office/drawing/2014/main" id="{2A1264E6-404E-CF85-3F19-9615ED5C1BB9}"/>
+                </a:ext>
+              </a:extLst>
+            </p:cNvPr>
+            <p:cNvGrpSpPr/>
+            <p:nvPr/>
+          </p:nvGrpSpPr>
+          <p:grpSpPr>
+            <a:xfrm>
+              <a:off x="9699586" y="3925746"/>
+              <a:ext cx="2534856" cy="844952"/>
+              <a:chOff x="1122744" y="3240911"/>
+              <a:chExt cx="2534856" cy="844952"/>
+            </a:xfrm>
+          </p:grpSpPr>
+          <p:sp>
+            <p:nvSpPr>
+              <p:cNvPr id="59" name="矩形 58">
+                <a:extLst>
+                  <a:ext uri="{FF2B5EF4-FFF2-40B4-BE49-F238E27FC236}">
+                    <a16:creationId xmlns:a16="http://schemas.microsoft.com/office/drawing/2014/main" id="{95D5783F-C733-5A26-C2CF-84495ECF7828}"/>
+                  </a:ext>
+                </a:extLst>
+              </p:cNvPr>
+              <p:cNvSpPr/>
+              <p:nvPr/>
+            </p:nvSpPr>
+            <p:spPr>
+              <a:xfrm>
+                <a:off x="1122744" y="3240911"/>
+                <a:ext cx="844952" cy="844952"/>
+              </a:xfrm>
+              <a:prstGeom prst="rect">
+                <a:avLst/>
+              </a:prstGeom>
+              <a:ln/>
+            </p:spPr>
+            <p:style>
+              <a:lnRef idx="2">
+                <a:schemeClr val="dk1"/>
+              </a:lnRef>
+              <a:fillRef idx="1">
+                <a:schemeClr val="lt1"/>
+              </a:fillRef>
+              <a:effectRef idx="0">
+                <a:schemeClr val="dk1"/>
+              </a:effectRef>
+              <a:fontRef idx="minor">
+                <a:schemeClr val="dk1"/>
+              </a:fontRef>
+            </p:style>
+            <p:txBody>
+              <a:bodyPr rtlCol="0" anchor="ctr"/>
+              <a:lstStyle/>
+              <a:p>
+                <a:pPr algn="ctr"/>
+                <a:r>
+                  <a:rPr lang="en-US" altLang="zh-TW" sz="1600" dirty="0"/>
+                  <a:t>0.86</a:t>
+                </a:r>
+                <a:endParaRPr lang="zh-TW" altLang="en-US" sz="1600" dirty="0"/>
+              </a:p>
+            </p:txBody>
+          </p:sp>
+          <p:sp>
+            <p:nvSpPr>
+              <p:cNvPr id="60" name="矩形 59">
+                <a:extLst>
+                  <a:ext uri="{FF2B5EF4-FFF2-40B4-BE49-F238E27FC236}">
+                    <a16:creationId xmlns:a16="http://schemas.microsoft.com/office/drawing/2014/main" id="{04461206-976D-C258-6292-C4563FEBCE19}"/>
+                  </a:ext>
+                </a:extLst>
+              </p:cNvPr>
+              <p:cNvSpPr/>
+              <p:nvPr/>
+            </p:nvSpPr>
+            <p:spPr>
+              <a:xfrm>
+                <a:off x="1967696" y="3240911"/>
+                <a:ext cx="844952" cy="844952"/>
+              </a:xfrm>
+              <a:prstGeom prst="rect">
+                <a:avLst/>
+              </a:prstGeom>
+              <a:ln/>
+            </p:spPr>
+            <p:style>
+              <a:lnRef idx="2">
+                <a:schemeClr val="dk1"/>
+              </a:lnRef>
+              <a:fillRef idx="1">
+                <a:schemeClr val="lt1"/>
+              </a:fillRef>
+              <a:effectRef idx="0">
+                <a:schemeClr val="dk1"/>
+              </a:effectRef>
+              <a:fontRef idx="minor">
+                <a:schemeClr val="dk1"/>
+              </a:fontRef>
+            </p:style>
+            <p:txBody>
+              <a:bodyPr rtlCol="0" anchor="ctr"/>
+              <a:lstStyle/>
+              <a:p>
+                <a:pPr algn="ctr"/>
+                <a:r>
+                  <a:rPr lang="en-US" altLang="zh-TW" sz="1600" dirty="0"/>
+                  <a:t>0.01</a:t>
+                </a:r>
+                <a:endParaRPr lang="zh-TW" altLang="en-US" sz="1600" dirty="0"/>
+              </a:p>
+            </p:txBody>
+          </p:sp>
+          <p:sp>
+            <p:nvSpPr>
+              <p:cNvPr id="61" name="矩形 60">
+                <a:extLst>
+                  <a:ext uri="{FF2B5EF4-FFF2-40B4-BE49-F238E27FC236}">
+                    <a16:creationId xmlns:a16="http://schemas.microsoft.com/office/drawing/2014/main" id="{F3616BF4-02D6-3E2B-97FE-EFF49E9EF0C3}"/>
+                  </a:ext>
+                </a:extLst>
+              </p:cNvPr>
+              <p:cNvSpPr/>
+              <p:nvPr/>
+            </p:nvSpPr>
+            <p:spPr>
+              <a:xfrm>
+                <a:off x="2812648" y="3240911"/>
+                <a:ext cx="844952" cy="844952"/>
+              </a:xfrm>
+              <a:prstGeom prst="rect">
+                <a:avLst/>
+              </a:prstGeom>
+              <a:ln/>
+            </p:spPr>
+            <p:style>
+              <a:lnRef idx="2">
+                <a:schemeClr val="dk1"/>
+              </a:lnRef>
+              <a:fillRef idx="1">
+                <a:schemeClr val="lt1"/>
+              </a:fillRef>
+              <a:effectRef idx="0">
+                <a:schemeClr val="dk1"/>
+              </a:effectRef>
+              <a:fontRef idx="minor">
+                <a:schemeClr val="dk1"/>
+              </a:fontRef>
+            </p:style>
+            <p:txBody>
+              <a:bodyPr rtlCol="0" anchor="ctr"/>
+              <a:lstStyle/>
+              <a:p>
+                <a:pPr algn="ctr"/>
+                <a:r>
+                  <a:rPr lang="en-US" altLang="zh-TW" sz="1600" dirty="0"/>
+                  <a:t>0.02</a:t>
+                </a:r>
+                <a:endParaRPr lang="zh-TW" altLang="en-US" sz="1600" dirty="0"/>
+              </a:p>
+            </p:txBody>
+          </p:sp>
+        </p:grpSp>
+        <p:grpSp>
+          <p:nvGrpSpPr>
+            <p:cNvPr id="55" name="群組 54">
+              <a:extLst>
+                <a:ext uri="{FF2B5EF4-FFF2-40B4-BE49-F238E27FC236}">
+                  <a16:creationId xmlns:a16="http://schemas.microsoft.com/office/drawing/2014/main" id="{7646102E-A8FB-0E83-E6A9-D11BF607DFCF}"/>
+                </a:ext>
+              </a:extLst>
+            </p:cNvPr>
+            <p:cNvGrpSpPr/>
+            <p:nvPr/>
+          </p:nvGrpSpPr>
+          <p:grpSpPr>
+            <a:xfrm>
+              <a:off x="7164730" y="3925746"/>
+              <a:ext cx="2534856" cy="844952"/>
+              <a:chOff x="1122744" y="3240911"/>
+              <a:chExt cx="2534856" cy="844952"/>
+            </a:xfrm>
+          </p:grpSpPr>
+          <p:sp>
+            <p:nvSpPr>
+              <p:cNvPr id="56" name="矩形 55">
+                <a:extLst>
+                  <a:ext uri="{FF2B5EF4-FFF2-40B4-BE49-F238E27FC236}">
+                    <a16:creationId xmlns:a16="http://schemas.microsoft.com/office/drawing/2014/main" id="{FAE524FB-35B9-EBCD-DA2E-6D61E30A2536}"/>
+                  </a:ext>
+                </a:extLst>
+              </p:cNvPr>
+              <p:cNvSpPr/>
+              <p:nvPr/>
+            </p:nvSpPr>
+            <p:spPr>
+              <a:xfrm>
+                <a:off x="1122744" y="3240911"/>
+                <a:ext cx="844952" cy="844952"/>
+              </a:xfrm>
+              <a:prstGeom prst="rect">
+                <a:avLst/>
+              </a:prstGeom>
+              <a:ln/>
+            </p:spPr>
+            <p:style>
+              <a:lnRef idx="2">
+                <a:schemeClr val="dk1"/>
+              </a:lnRef>
+              <a:fillRef idx="1">
+                <a:schemeClr val="lt1"/>
+              </a:fillRef>
+              <a:effectRef idx="0">
+                <a:schemeClr val="dk1"/>
+              </a:effectRef>
+              <a:fontRef idx="minor">
+                <a:schemeClr val="dk1"/>
+              </a:fontRef>
+            </p:style>
+            <p:txBody>
+              <a:bodyPr rtlCol="0" anchor="ctr"/>
+              <a:lstStyle/>
+              <a:p>
+                <a:pPr algn="ctr"/>
+                <a:r>
+                  <a:rPr lang="en-US" altLang="zh-TW" sz="1600" dirty="0"/>
+                  <a:t>0.03</a:t>
+                </a:r>
+                <a:endParaRPr lang="zh-TW" altLang="en-US" sz="1600" dirty="0"/>
+              </a:p>
+            </p:txBody>
+          </p:sp>
+          <p:sp>
+            <p:nvSpPr>
+              <p:cNvPr id="57" name="矩形 56">
+                <a:extLst>
+                  <a:ext uri="{FF2B5EF4-FFF2-40B4-BE49-F238E27FC236}">
+                    <a16:creationId xmlns:a16="http://schemas.microsoft.com/office/drawing/2014/main" id="{DFA0FEC6-018E-7E90-C812-D8D90F6A54A3}"/>
+                  </a:ext>
+                </a:extLst>
+              </p:cNvPr>
+              <p:cNvSpPr/>
+              <p:nvPr/>
+            </p:nvSpPr>
+            <p:spPr>
+              <a:xfrm>
+                <a:off x="1967696" y="3240911"/>
+                <a:ext cx="844952" cy="844952"/>
+              </a:xfrm>
+              <a:prstGeom prst="rect">
+                <a:avLst/>
+              </a:prstGeom>
+              <a:ln/>
+            </p:spPr>
+            <p:style>
+              <a:lnRef idx="2">
+                <a:schemeClr val="dk1"/>
+              </a:lnRef>
+              <a:fillRef idx="1">
+                <a:schemeClr val="lt1"/>
+              </a:fillRef>
+              <a:effectRef idx="0">
+                <a:schemeClr val="dk1"/>
+              </a:effectRef>
+              <a:fontRef idx="minor">
+                <a:schemeClr val="dk1"/>
+              </a:fontRef>
+            </p:style>
+            <p:txBody>
+              <a:bodyPr rtlCol="0" anchor="ctr"/>
+              <a:lstStyle/>
+              <a:p>
+                <a:pPr algn="ctr"/>
+                <a:r>
+                  <a:rPr lang="en-US" altLang="zh-TW" sz="1600" dirty="0"/>
+                  <a:t>0.51</a:t>
+                </a:r>
+                <a:endParaRPr lang="zh-TW" altLang="en-US" sz="1600" dirty="0"/>
+              </a:p>
+            </p:txBody>
+          </p:sp>
+          <p:sp>
+            <p:nvSpPr>
+              <p:cNvPr id="58" name="矩形 57">
+                <a:extLst>
+                  <a:ext uri="{FF2B5EF4-FFF2-40B4-BE49-F238E27FC236}">
+                    <a16:creationId xmlns:a16="http://schemas.microsoft.com/office/drawing/2014/main" id="{61E31515-5F6D-2051-7D7B-B2EB791B7E98}"/>
+                  </a:ext>
+                </a:extLst>
+              </p:cNvPr>
+              <p:cNvSpPr/>
+              <p:nvPr/>
+            </p:nvSpPr>
+            <p:spPr>
+              <a:xfrm>
+                <a:off x="2812648" y="3240911"/>
+                <a:ext cx="844952" cy="844952"/>
+              </a:xfrm>
+              <a:prstGeom prst="rect">
+                <a:avLst/>
+              </a:prstGeom>
+              <a:ln/>
+            </p:spPr>
+            <p:style>
+              <a:lnRef idx="2">
+                <a:schemeClr val="dk1"/>
+              </a:lnRef>
+              <a:fillRef idx="1">
+                <a:schemeClr val="lt1"/>
+              </a:fillRef>
+              <a:effectRef idx="0">
+                <a:schemeClr val="dk1"/>
+              </a:effectRef>
+              <a:fontRef idx="minor">
+                <a:schemeClr val="dk1"/>
+              </a:fontRef>
+            </p:style>
+            <p:txBody>
+              <a:bodyPr rtlCol="0" anchor="ctr"/>
+              <a:lstStyle/>
+              <a:p>
+                <a:pPr algn="ctr"/>
+                <a:r>
+                  <a:rPr lang="en-US" altLang="zh-TW" sz="1600" dirty="0"/>
+                  <a:t>0</a:t>
+                </a:r>
+                <a:endParaRPr lang="zh-TW" altLang="en-US" sz="1600" dirty="0"/>
+              </a:p>
+            </p:txBody>
+          </p:sp>
+        </p:grpSp>
+      </p:grpSp>
+      <p:grpSp>
+        <p:nvGrpSpPr>
+          <p:cNvPr id="68" name="群組 67">
+            <a:extLst>
+              <a:ext uri="{FF2B5EF4-FFF2-40B4-BE49-F238E27FC236}">
+                <a16:creationId xmlns:a16="http://schemas.microsoft.com/office/drawing/2014/main" id="{B5F6F14A-4AF5-43AA-ACEE-276617C2659A}"/>
+              </a:ext>
+            </a:extLst>
+          </p:cNvPr>
+          <p:cNvGrpSpPr/>
+          <p:nvPr/>
+        </p:nvGrpSpPr>
+        <p:grpSpPr>
+          <a:xfrm>
+            <a:off x="3590340" y="5854692"/>
+            <a:ext cx="6759616" cy="478903"/>
+            <a:chOff x="2095018" y="3925746"/>
+            <a:chExt cx="10139424" cy="844952"/>
+          </a:xfrm>
+        </p:grpSpPr>
+        <p:grpSp>
+          <p:nvGrpSpPr>
+            <p:cNvPr id="69" name="群組 68">
+              <a:extLst>
+                <a:ext uri="{FF2B5EF4-FFF2-40B4-BE49-F238E27FC236}">
+                  <a16:creationId xmlns:a16="http://schemas.microsoft.com/office/drawing/2014/main" id="{B889B4F7-A9E1-6C6C-5083-DB96048BD67E}"/>
+                </a:ext>
+              </a:extLst>
+            </p:cNvPr>
+            <p:cNvGrpSpPr/>
+            <p:nvPr/>
+          </p:nvGrpSpPr>
+          <p:grpSpPr>
+            <a:xfrm>
+              <a:off x="2095018" y="3925746"/>
+              <a:ext cx="2534856" cy="844952"/>
+              <a:chOff x="1122744" y="3240911"/>
+              <a:chExt cx="2534856" cy="844952"/>
+            </a:xfrm>
+          </p:grpSpPr>
+          <p:sp>
+            <p:nvSpPr>
+              <p:cNvPr id="82" name="矩形 81">
+                <a:extLst>
+                  <a:ext uri="{FF2B5EF4-FFF2-40B4-BE49-F238E27FC236}">
+                    <a16:creationId xmlns:a16="http://schemas.microsoft.com/office/drawing/2014/main" id="{98F96486-F530-2C3F-79DD-640BC964D42D}"/>
+                  </a:ext>
+                </a:extLst>
+              </p:cNvPr>
+              <p:cNvSpPr/>
+              <p:nvPr/>
+            </p:nvSpPr>
+            <p:spPr>
+              <a:xfrm>
+                <a:off x="1122744" y="3240911"/>
+                <a:ext cx="844952" cy="844952"/>
+              </a:xfrm>
+              <a:prstGeom prst="rect">
+                <a:avLst/>
+              </a:prstGeom>
+              <a:ln/>
+            </p:spPr>
+            <p:style>
+              <a:lnRef idx="2">
+                <a:schemeClr val="dk1"/>
+              </a:lnRef>
+              <a:fillRef idx="1">
+                <a:schemeClr val="lt1"/>
+              </a:fillRef>
+              <a:effectRef idx="0">
+                <a:schemeClr val="dk1"/>
+              </a:effectRef>
+              <a:fontRef idx="minor">
+                <a:schemeClr val="dk1"/>
+              </a:fontRef>
+            </p:style>
+            <p:txBody>
+              <a:bodyPr rtlCol="0" anchor="ctr"/>
+              <a:lstStyle/>
+              <a:p>
+                <a:pPr algn="ctr"/>
+                <a:r>
+                  <a:rPr lang="en-US" altLang="zh-TW" sz="1600" dirty="0"/>
+                  <a:t>0</a:t>
+                </a:r>
+                <a:endParaRPr lang="zh-TW" altLang="en-US" sz="1600" dirty="0"/>
+              </a:p>
+            </p:txBody>
+          </p:sp>
+          <p:sp>
+            <p:nvSpPr>
+              <p:cNvPr id="83" name="矩形 82">
+                <a:extLst>
+                  <a:ext uri="{FF2B5EF4-FFF2-40B4-BE49-F238E27FC236}">
+                    <a16:creationId xmlns:a16="http://schemas.microsoft.com/office/drawing/2014/main" id="{0BEB1F0B-8242-0405-0EF3-6A459ADBF726}"/>
+                  </a:ext>
+                </a:extLst>
+              </p:cNvPr>
+              <p:cNvSpPr/>
+              <p:nvPr/>
+            </p:nvSpPr>
+            <p:spPr>
+              <a:xfrm>
+                <a:off x="1967696" y="3240911"/>
+                <a:ext cx="844952" cy="844952"/>
+              </a:xfrm>
+              <a:prstGeom prst="rect">
+                <a:avLst/>
+              </a:prstGeom>
+              <a:ln/>
+            </p:spPr>
+            <p:style>
+              <a:lnRef idx="2">
+                <a:schemeClr val="dk1"/>
+              </a:lnRef>
+              <a:fillRef idx="1">
+                <a:schemeClr val="lt1"/>
+              </a:fillRef>
+              <a:effectRef idx="0">
+                <a:schemeClr val="dk1"/>
+              </a:effectRef>
+              <a:fontRef idx="minor">
+                <a:schemeClr val="dk1"/>
+              </a:fontRef>
+            </p:style>
+            <p:txBody>
+              <a:bodyPr rtlCol="0" anchor="ctr"/>
+              <a:lstStyle/>
+              <a:p>
+                <a:pPr algn="ctr"/>
+                <a:r>
+                  <a:rPr lang="en-US" altLang="zh-TW" sz="1600" dirty="0"/>
+                  <a:t>0.03</a:t>
+                </a:r>
+                <a:endParaRPr lang="zh-TW" altLang="en-US" sz="1600" dirty="0"/>
+              </a:p>
+            </p:txBody>
+          </p:sp>
+          <p:sp>
+            <p:nvSpPr>
+              <p:cNvPr id="84" name="矩形 83">
+                <a:extLst>
+                  <a:ext uri="{FF2B5EF4-FFF2-40B4-BE49-F238E27FC236}">
+                    <a16:creationId xmlns:a16="http://schemas.microsoft.com/office/drawing/2014/main" id="{D6BCED6F-9810-0A31-7810-14C527173971}"/>
+                  </a:ext>
+                </a:extLst>
+              </p:cNvPr>
+              <p:cNvSpPr/>
+              <p:nvPr/>
+            </p:nvSpPr>
+            <p:spPr>
+              <a:xfrm>
+                <a:off x="2812648" y="3240911"/>
+                <a:ext cx="844952" cy="844952"/>
+              </a:xfrm>
+              <a:prstGeom prst="rect">
+                <a:avLst/>
+              </a:prstGeom>
+              <a:ln/>
+            </p:spPr>
+            <p:style>
+              <a:lnRef idx="2">
+                <a:schemeClr val="dk1"/>
+              </a:lnRef>
+              <a:fillRef idx="1">
+                <a:schemeClr val="lt1"/>
+              </a:fillRef>
+              <a:effectRef idx="0">
+                <a:schemeClr val="dk1"/>
+              </a:effectRef>
+              <a:fontRef idx="minor">
+                <a:schemeClr val="dk1"/>
+              </a:fontRef>
+            </p:style>
+            <p:txBody>
+              <a:bodyPr rtlCol="0" anchor="ctr"/>
+              <a:lstStyle/>
+              <a:p>
+                <a:pPr algn="ctr"/>
+                <a:r>
+                  <a:rPr lang="en-US" altLang="zh-TW" sz="1600" dirty="0"/>
+                  <a:t>0.07</a:t>
+                </a:r>
+                <a:endParaRPr lang="zh-TW" altLang="en-US" sz="1600" dirty="0"/>
+              </a:p>
+            </p:txBody>
+          </p:sp>
+        </p:grpSp>
+        <p:grpSp>
+          <p:nvGrpSpPr>
+            <p:cNvPr id="70" name="群組 69">
+              <a:extLst>
+                <a:ext uri="{FF2B5EF4-FFF2-40B4-BE49-F238E27FC236}">
+                  <a16:creationId xmlns:a16="http://schemas.microsoft.com/office/drawing/2014/main" id="{3DE7C8C6-04A8-6F0D-7BB5-557097FAFF51}"/>
+                </a:ext>
+              </a:extLst>
+            </p:cNvPr>
+            <p:cNvGrpSpPr/>
+            <p:nvPr/>
+          </p:nvGrpSpPr>
+          <p:grpSpPr>
+            <a:xfrm>
+              <a:off x="4629874" y="3925746"/>
+              <a:ext cx="2534856" cy="844952"/>
+              <a:chOff x="1122744" y="3240911"/>
+              <a:chExt cx="2534856" cy="844952"/>
+            </a:xfrm>
+          </p:grpSpPr>
+          <p:sp>
+            <p:nvSpPr>
+              <p:cNvPr id="79" name="矩形 78">
+                <a:extLst>
+                  <a:ext uri="{FF2B5EF4-FFF2-40B4-BE49-F238E27FC236}">
+                    <a16:creationId xmlns:a16="http://schemas.microsoft.com/office/drawing/2014/main" id="{67426614-CE2A-4087-ADD5-F4A6E7FF4995}"/>
+                  </a:ext>
+                </a:extLst>
+              </p:cNvPr>
+              <p:cNvSpPr/>
+              <p:nvPr/>
+            </p:nvSpPr>
+            <p:spPr>
+              <a:xfrm>
+                <a:off x="1122744" y="3240911"/>
+                <a:ext cx="844952" cy="844952"/>
+              </a:xfrm>
+              <a:prstGeom prst="rect">
+                <a:avLst/>
+              </a:prstGeom>
+              <a:ln/>
+            </p:spPr>
+            <p:style>
+              <a:lnRef idx="2">
+                <a:schemeClr val="dk1"/>
+              </a:lnRef>
+              <a:fillRef idx="1">
+                <a:schemeClr val="lt1"/>
+              </a:fillRef>
+              <a:effectRef idx="0">
+                <a:schemeClr val="dk1"/>
+              </a:effectRef>
+              <a:fontRef idx="minor">
+                <a:schemeClr val="dk1"/>
+              </a:fontRef>
+            </p:style>
+            <p:txBody>
+              <a:bodyPr rtlCol="0" anchor="ctr"/>
+              <a:lstStyle/>
+              <a:p>
+                <a:pPr algn="ctr"/>
+                <a:r>
+                  <a:rPr lang="en-US" altLang="zh-TW" sz="1600" dirty="0"/>
+                  <a:t>0</a:t>
+                </a:r>
+                <a:endParaRPr lang="zh-TW" altLang="en-US" sz="1600" dirty="0"/>
+              </a:p>
+            </p:txBody>
+          </p:sp>
+          <p:sp>
+            <p:nvSpPr>
+              <p:cNvPr id="80" name="矩形 79">
+                <a:extLst>
+                  <a:ext uri="{FF2B5EF4-FFF2-40B4-BE49-F238E27FC236}">
+                    <a16:creationId xmlns:a16="http://schemas.microsoft.com/office/drawing/2014/main" id="{F7648F25-E407-8A73-9243-1D30BFF2BDD0}"/>
+                  </a:ext>
+                </a:extLst>
+              </p:cNvPr>
+              <p:cNvSpPr/>
+              <p:nvPr/>
+            </p:nvSpPr>
+            <p:spPr>
+              <a:xfrm>
+                <a:off x="1967696" y="3240911"/>
+                <a:ext cx="844952" cy="844952"/>
+              </a:xfrm>
+              <a:prstGeom prst="rect">
+                <a:avLst/>
+              </a:prstGeom>
+              <a:ln/>
+            </p:spPr>
+            <p:style>
+              <a:lnRef idx="2">
+                <a:schemeClr val="dk1"/>
+              </a:lnRef>
+              <a:fillRef idx="1">
+                <a:schemeClr val="lt1"/>
+              </a:fillRef>
+              <a:effectRef idx="0">
+                <a:schemeClr val="dk1"/>
+              </a:effectRef>
+              <a:fontRef idx="minor">
+                <a:schemeClr val="dk1"/>
+              </a:fontRef>
+            </p:style>
+            <p:txBody>
+              <a:bodyPr rtlCol="0" anchor="ctr"/>
+              <a:lstStyle/>
+              <a:p>
+                <a:pPr algn="ctr"/>
+                <a:r>
+                  <a:rPr lang="en-US" altLang="zh-TW" sz="1600" dirty="0"/>
+                  <a:t>0</a:t>
+                </a:r>
+                <a:endParaRPr lang="zh-TW" altLang="en-US" sz="1600" dirty="0"/>
+              </a:p>
+            </p:txBody>
+          </p:sp>
+          <p:sp>
+            <p:nvSpPr>
+              <p:cNvPr id="81" name="矩形 80">
+                <a:extLst>
+                  <a:ext uri="{FF2B5EF4-FFF2-40B4-BE49-F238E27FC236}">
+                    <a16:creationId xmlns:a16="http://schemas.microsoft.com/office/drawing/2014/main" id="{10C4DAC9-4317-CB68-7299-25448B415881}"/>
+                  </a:ext>
+                </a:extLst>
+              </p:cNvPr>
+              <p:cNvSpPr/>
+              <p:nvPr/>
+            </p:nvSpPr>
+            <p:spPr>
+              <a:xfrm>
+                <a:off x="2812648" y="3240911"/>
+                <a:ext cx="844952" cy="844952"/>
+              </a:xfrm>
+              <a:prstGeom prst="rect">
+                <a:avLst/>
+              </a:prstGeom>
+              <a:ln/>
+            </p:spPr>
+            <p:style>
+              <a:lnRef idx="2">
+                <a:schemeClr val="dk1"/>
+              </a:lnRef>
+              <a:fillRef idx="1">
+                <a:schemeClr val="lt1"/>
+              </a:fillRef>
+              <a:effectRef idx="0">
+                <a:schemeClr val="dk1"/>
+              </a:effectRef>
+              <a:fontRef idx="minor">
+                <a:schemeClr val="dk1"/>
+              </a:fontRef>
+            </p:style>
+            <p:txBody>
+              <a:bodyPr rtlCol="0" anchor="ctr"/>
+              <a:lstStyle/>
+              <a:p>
+                <a:pPr algn="ctr"/>
+                <a:r>
+                  <a:rPr lang="en-US" altLang="zh-TW" sz="1600" dirty="0"/>
+                  <a:t>0.02</a:t>
+                </a:r>
+                <a:endParaRPr lang="zh-TW" altLang="en-US" sz="1600" dirty="0"/>
+              </a:p>
+            </p:txBody>
+          </p:sp>
+        </p:grpSp>
+        <p:grpSp>
+          <p:nvGrpSpPr>
+            <p:cNvPr id="71" name="群組 70">
+              <a:extLst>
+                <a:ext uri="{FF2B5EF4-FFF2-40B4-BE49-F238E27FC236}">
+                  <a16:creationId xmlns:a16="http://schemas.microsoft.com/office/drawing/2014/main" id="{C8FD30E9-2227-F77A-7ED2-C7E79355889F}"/>
+                </a:ext>
+              </a:extLst>
+            </p:cNvPr>
+            <p:cNvGrpSpPr/>
+            <p:nvPr/>
+          </p:nvGrpSpPr>
+          <p:grpSpPr>
+            <a:xfrm>
+              <a:off x="9699586" y="3925746"/>
+              <a:ext cx="2534856" cy="844952"/>
+              <a:chOff x="1122744" y="3240911"/>
+              <a:chExt cx="2534856" cy="844952"/>
+            </a:xfrm>
+          </p:grpSpPr>
+          <p:sp>
+            <p:nvSpPr>
+              <p:cNvPr id="76" name="矩形 75">
+                <a:extLst>
+                  <a:ext uri="{FF2B5EF4-FFF2-40B4-BE49-F238E27FC236}">
+                    <a16:creationId xmlns:a16="http://schemas.microsoft.com/office/drawing/2014/main" id="{E590402D-0A82-9E22-7B60-BC87FAB46EDA}"/>
+                  </a:ext>
+                </a:extLst>
+              </p:cNvPr>
+              <p:cNvSpPr/>
+              <p:nvPr/>
+            </p:nvSpPr>
+            <p:spPr>
+              <a:xfrm>
+                <a:off x="1122744" y="3240911"/>
+                <a:ext cx="844952" cy="844952"/>
+              </a:xfrm>
+              <a:prstGeom prst="rect">
+                <a:avLst/>
+              </a:prstGeom>
+              <a:ln/>
+            </p:spPr>
+            <p:style>
+              <a:lnRef idx="2">
+                <a:schemeClr val="dk1"/>
+              </a:lnRef>
+              <a:fillRef idx="1">
+                <a:schemeClr val="lt1"/>
+              </a:fillRef>
+              <a:effectRef idx="0">
+                <a:schemeClr val="dk1"/>
+              </a:effectRef>
+              <a:fontRef idx="minor">
+                <a:schemeClr val="dk1"/>
+              </a:fontRef>
+            </p:style>
+            <p:txBody>
+              <a:bodyPr rtlCol="0" anchor="ctr"/>
+              <a:lstStyle/>
+              <a:p>
+                <a:pPr algn="ctr"/>
+                <a:r>
+                  <a:rPr lang="en-US" altLang="zh-TW" sz="1600" dirty="0"/>
+                  <a:t>0</a:t>
+                </a:r>
+                <a:endParaRPr lang="zh-TW" altLang="en-US" sz="1600" dirty="0"/>
+              </a:p>
+            </p:txBody>
+          </p:sp>
+          <p:sp>
+            <p:nvSpPr>
+              <p:cNvPr id="77" name="矩形 76">
+                <a:extLst>
+                  <a:ext uri="{FF2B5EF4-FFF2-40B4-BE49-F238E27FC236}">
+                    <a16:creationId xmlns:a16="http://schemas.microsoft.com/office/drawing/2014/main" id="{2DD5252F-5506-1BB6-39CA-F2677049DF14}"/>
+                  </a:ext>
+                </a:extLst>
+              </p:cNvPr>
+              <p:cNvSpPr/>
+              <p:nvPr/>
+            </p:nvSpPr>
+            <p:spPr>
+              <a:xfrm>
+                <a:off x="1967696" y="3240911"/>
+                <a:ext cx="844952" cy="844952"/>
+              </a:xfrm>
+              <a:prstGeom prst="rect">
+                <a:avLst/>
+              </a:prstGeom>
+              <a:ln/>
+            </p:spPr>
+            <p:style>
+              <a:lnRef idx="2">
+                <a:schemeClr val="dk1"/>
+              </a:lnRef>
+              <a:fillRef idx="1">
+                <a:schemeClr val="lt1"/>
+              </a:fillRef>
+              <a:effectRef idx="0">
+                <a:schemeClr val="dk1"/>
+              </a:effectRef>
+              <a:fontRef idx="minor">
+                <a:schemeClr val="dk1"/>
+              </a:fontRef>
+            </p:style>
+            <p:txBody>
+              <a:bodyPr rtlCol="0" anchor="ctr"/>
+              <a:lstStyle/>
+              <a:p>
+                <a:pPr algn="ctr"/>
+                <a:r>
+                  <a:rPr lang="en-US" altLang="zh-TW" sz="1600" dirty="0"/>
+                  <a:t>0.01</a:t>
+                </a:r>
+                <a:endParaRPr lang="zh-TW" altLang="en-US" sz="1600" dirty="0"/>
+              </a:p>
+            </p:txBody>
+          </p:sp>
+          <p:sp>
+            <p:nvSpPr>
+              <p:cNvPr id="78" name="矩形 77">
+                <a:extLst>
+                  <a:ext uri="{FF2B5EF4-FFF2-40B4-BE49-F238E27FC236}">
+                    <a16:creationId xmlns:a16="http://schemas.microsoft.com/office/drawing/2014/main" id="{CC1CEC97-EE49-563A-CC14-1D129C96BCB5}"/>
+                  </a:ext>
+                </a:extLst>
+              </p:cNvPr>
+              <p:cNvSpPr/>
+              <p:nvPr/>
+            </p:nvSpPr>
+            <p:spPr>
+              <a:xfrm>
+                <a:off x="2812648" y="3240911"/>
+                <a:ext cx="844952" cy="844952"/>
+              </a:xfrm>
+              <a:prstGeom prst="rect">
+                <a:avLst/>
+              </a:prstGeom>
+              <a:ln/>
+            </p:spPr>
+            <p:style>
+              <a:lnRef idx="2">
+                <a:schemeClr val="dk1"/>
+              </a:lnRef>
+              <a:fillRef idx="1">
+                <a:schemeClr val="lt1"/>
+              </a:fillRef>
+              <a:effectRef idx="0">
+                <a:schemeClr val="dk1"/>
+              </a:effectRef>
+              <a:fontRef idx="minor">
+                <a:schemeClr val="dk1"/>
+              </a:fontRef>
+            </p:style>
+            <p:txBody>
+              <a:bodyPr rtlCol="0" anchor="ctr"/>
+              <a:lstStyle/>
+              <a:p>
+                <a:pPr algn="ctr"/>
+                <a:r>
+                  <a:rPr lang="en-US" altLang="zh-TW" sz="1600" dirty="0"/>
+                  <a:t>0.04</a:t>
+                </a:r>
+                <a:endParaRPr lang="zh-TW" altLang="en-US" sz="1600" dirty="0"/>
+              </a:p>
+            </p:txBody>
+          </p:sp>
+        </p:grpSp>
+        <p:grpSp>
+          <p:nvGrpSpPr>
+            <p:cNvPr id="72" name="群組 71">
+              <a:extLst>
+                <a:ext uri="{FF2B5EF4-FFF2-40B4-BE49-F238E27FC236}">
+                  <a16:creationId xmlns:a16="http://schemas.microsoft.com/office/drawing/2014/main" id="{FD3AA844-4A84-47AE-21EC-AC70A969649D}"/>
+                </a:ext>
+              </a:extLst>
+            </p:cNvPr>
+            <p:cNvGrpSpPr/>
+            <p:nvPr/>
+          </p:nvGrpSpPr>
+          <p:grpSpPr>
+            <a:xfrm>
+              <a:off x="7164730" y="3925746"/>
+              <a:ext cx="2534856" cy="844952"/>
+              <a:chOff x="1122744" y="3240911"/>
+              <a:chExt cx="2534856" cy="844952"/>
+            </a:xfrm>
+          </p:grpSpPr>
+          <p:sp>
+            <p:nvSpPr>
+              <p:cNvPr id="73" name="矩形 72">
+                <a:extLst>
+                  <a:ext uri="{FF2B5EF4-FFF2-40B4-BE49-F238E27FC236}">
+                    <a16:creationId xmlns:a16="http://schemas.microsoft.com/office/drawing/2014/main" id="{8E219A8D-422F-5E10-9153-885D8EC436C1}"/>
+                  </a:ext>
+                </a:extLst>
+              </p:cNvPr>
+              <p:cNvSpPr/>
+              <p:nvPr/>
+            </p:nvSpPr>
+            <p:spPr>
+              <a:xfrm>
+                <a:off x="1122744" y="3240911"/>
+                <a:ext cx="844952" cy="844952"/>
+              </a:xfrm>
+              <a:prstGeom prst="rect">
+                <a:avLst/>
+              </a:prstGeom>
+              <a:ln/>
+            </p:spPr>
+            <p:style>
+              <a:lnRef idx="2">
+                <a:schemeClr val="dk1"/>
+              </a:lnRef>
+              <a:fillRef idx="1">
+                <a:schemeClr val="lt1"/>
+              </a:fillRef>
+              <a:effectRef idx="0">
+                <a:schemeClr val="dk1"/>
+              </a:effectRef>
+              <a:fontRef idx="minor">
+                <a:schemeClr val="dk1"/>
+              </a:fontRef>
+            </p:style>
+            <p:txBody>
+              <a:bodyPr rtlCol="0" anchor="ctr"/>
+              <a:lstStyle/>
+              <a:p>
+                <a:pPr algn="ctr"/>
+                <a:r>
+                  <a:rPr lang="en-US" altLang="zh-TW" sz="1600" dirty="0"/>
+                  <a:t>0</a:t>
+                </a:r>
+                <a:endParaRPr lang="zh-TW" altLang="en-US" sz="1600" dirty="0"/>
+              </a:p>
+            </p:txBody>
+          </p:sp>
+          <p:sp>
+            <p:nvSpPr>
+              <p:cNvPr id="74" name="矩形 73">
+                <a:extLst>
+                  <a:ext uri="{FF2B5EF4-FFF2-40B4-BE49-F238E27FC236}">
+                    <a16:creationId xmlns:a16="http://schemas.microsoft.com/office/drawing/2014/main" id="{29D295E0-D84C-DBEC-EC7C-53474013A88D}"/>
+                  </a:ext>
+                </a:extLst>
+              </p:cNvPr>
+              <p:cNvSpPr/>
+              <p:nvPr/>
+            </p:nvSpPr>
+            <p:spPr>
+              <a:xfrm>
+                <a:off x="1967696" y="3240911"/>
+                <a:ext cx="844952" cy="844952"/>
+              </a:xfrm>
+              <a:prstGeom prst="rect">
+                <a:avLst/>
+              </a:prstGeom>
+              <a:ln/>
+            </p:spPr>
+            <p:style>
+              <a:lnRef idx="2">
+                <a:schemeClr val="dk1"/>
+              </a:lnRef>
+              <a:fillRef idx="1">
+                <a:schemeClr val="lt1"/>
+              </a:fillRef>
+              <a:effectRef idx="0">
+                <a:schemeClr val="dk1"/>
+              </a:effectRef>
+              <a:fontRef idx="minor">
+                <a:schemeClr val="dk1"/>
+              </a:fontRef>
+            </p:style>
+            <p:txBody>
+              <a:bodyPr rtlCol="0" anchor="ctr"/>
+              <a:lstStyle/>
+              <a:p>
+                <a:pPr algn="ctr"/>
+                <a:r>
+                  <a:rPr lang="en-US" altLang="zh-TW" sz="1600" dirty="0"/>
+                  <a:t>0.11</a:t>
+                </a:r>
+                <a:endParaRPr lang="zh-TW" altLang="en-US" sz="1600" dirty="0"/>
+              </a:p>
+            </p:txBody>
+          </p:sp>
+          <p:sp>
+            <p:nvSpPr>
+              <p:cNvPr id="75" name="矩形 74">
+                <a:extLst>
+                  <a:ext uri="{FF2B5EF4-FFF2-40B4-BE49-F238E27FC236}">
+                    <a16:creationId xmlns:a16="http://schemas.microsoft.com/office/drawing/2014/main" id="{AB555575-FEF9-34EC-18D1-4700CD5A2069}"/>
+                  </a:ext>
+                </a:extLst>
+              </p:cNvPr>
+              <p:cNvSpPr/>
+              <p:nvPr/>
+            </p:nvSpPr>
+            <p:spPr>
+              <a:xfrm>
+                <a:off x="2812648" y="3240911"/>
+                <a:ext cx="844952" cy="844952"/>
+              </a:xfrm>
+              <a:prstGeom prst="rect">
+                <a:avLst/>
+              </a:prstGeom>
+              <a:ln/>
+            </p:spPr>
+            <p:style>
+              <a:lnRef idx="2">
+                <a:schemeClr val="dk1"/>
+              </a:lnRef>
+              <a:fillRef idx="1">
+                <a:schemeClr val="lt1"/>
+              </a:fillRef>
+              <a:effectRef idx="0">
+                <a:schemeClr val="dk1"/>
+              </a:effectRef>
+              <a:fontRef idx="minor">
+                <a:schemeClr val="dk1"/>
+              </a:fontRef>
+            </p:style>
+            <p:txBody>
+              <a:bodyPr rtlCol="0" anchor="ctr"/>
+              <a:lstStyle/>
+              <a:p>
+                <a:pPr algn="ctr"/>
+                <a:r>
+                  <a:rPr lang="en-US" altLang="zh-TW" sz="1600" dirty="0"/>
+                  <a:t>0.25</a:t>
+                </a:r>
+                <a:endParaRPr lang="zh-TW" altLang="en-US" sz="1600" dirty="0"/>
+              </a:p>
+            </p:txBody>
+          </p:sp>
+        </p:grpSp>
+      </p:grpSp>
+      <p:sp>
+        <p:nvSpPr>
+          <p:cNvPr id="103" name="左大括弧 102">
+            <a:extLst>
+              <a:ext uri="{FF2B5EF4-FFF2-40B4-BE49-F238E27FC236}">
+                <a16:creationId xmlns:a16="http://schemas.microsoft.com/office/drawing/2014/main" id="{1623E0E9-51B2-1D2F-862F-17A57F9D9BC7}"/>
+              </a:ext>
+            </a:extLst>
+          </p:cNvPr>
+          <p:cNvSpPr/>
+          <p:nvPr/>
+        </p:nvSpPr>
+        <p:spPr>
+          <a:xfrm>
+            <a:off x="3003160" y="4130023"/>
+            <a:ext cx="563301" cy="2194560"/>
+          </a:xfrm>
+          <a:prstGeom prst="leftBrace">
+            <a:avLst>
+              <a:gd name="adj1" fmla="val 8333"/>
+              <a:gd name="adj2" fmla="val 54641"/>
+            </a:avLst>
+          </a:prstGeom>
+          <a:ln w="12700"/>
+        </p:spPr>
+        <p:style>
+          <a:lnRef idx="1">
+            <a:schemeClr val="dk1"/>
+          </a:lnRef>
+          <a:fillRef idx="0">
+            <a:schemeClr val="dk1"/>
+          </a:fillRef>
+          <a:effectRef idx="0">
+            <a:schemeClr val="dk1"/>
+          </a:effectRef>
+          <a:fontRef idx="minor">
+            <a:schemeClr val="tx1"/>
+          </a:fontRef>
+        </p:style>
+        <p:txBody>
+          <a:bodyPr rtlCol="0" anchor="ctr"/>
+          <a:lstStyle/>
+          <a:p>
+            <a:pPr algn="ctr"/>
+            <a:endParaRPr lang="zh-TW" altLang="en-US" dirty="0"/>
+          </a:p>
+        </p:txBody>
+      </p:sp>
+      <p:sp>
+        <p:nvSpPr>
+          <p:cNvPr id="105" name="文字方塊 104">
+            <a:extLst>
+              <a:ext uri="{FF2B5EF4-FFF2-40B4-BE49-F238E27FC236}">
+                <a16:creationId xmlns:a16="http://schemas.microsoft.com/office/drawing/2014/main" id="{6A195122-DCA0-9BE5-5758-BDA519044130}"/>
+              </a:ext>
+            </a:extLst>
+          </p:cNvPr>
+          <p:cNvSpPr txBox="1"/>
+          <p:nvPr/>
+        </p:nvSpPr>
+        <p:spPr>
+          <a:xfrm>
+            <a:off x="204770" y="5103142"/>
+            <a:ext cx="3391332" cy="400110"/>
+          </a:xfrm>
+          <a:prstGeom prst="rect">
+            <a:avLst/>
+          </a:prstGeom>
+          <a:noFill/>
+        </p:spPr>
+        <p:txBody>
+          <a:bodyPr wrap="square" rtlCol="0">
+            <a:spAutoFit/>
+          </a:bodyPr>
+          <a:lstStyle/>
+          <a:p>
+            <a:r>
+              <a:rPr lang="en-US" altLang="zh-TW" sz="2000" dirty="0"/>
+              <a:t>Other Items Embeddings</a:t>
+            </a:r>
+          </a:p>
+        </p:txBody>
+      </p:sp>
+      <p:sp>
+        <p:nvSpPr>
+          <p:cNvPr id="108" name="右大括弧 107">
+            <a:extLst>
+              <a:ext uri="{FF2B5EF4-FFF2-40B4-BE49-F238E27FC236}">
+                <a16:creationId xmlns:a16="http://schemas.microsoft.com/office/drawing/2014/main" id="{3AFBF622-BE7B-5221-9BC3-FB8A54A076ED}"/>
+              </a:ext>
+            </a:extLst>
+          </p:cNvPr>
+          <p:cNvSpPr/>
+          <p:nvPr/>
+        </p:nvSpPr>
+        <p:spPr>
+          <a:xfrm>
+            <a:off x="10349956" y="3198351"/>
+            <a:ext cx="478785" cy="3126232"/>
+          </a:xfrm>
+          <a:prstGeom prst="rightBrace">
+            <a:avLst/>
+          </a:prstGeom>
+          <a:ln w="12700"/>
+        </p:spPr>
+        <p:style>
+          <a:lnRef idx="1">
+            <a:schemeClr val="dk1"/>
+          </a:lnRef>
+          <a:fillRef idx="0">
+            <a:schemeClr val="dk1"/>
+          </a:fillRef>
+          <a:effectRef idx="0">
+            <a:schemeClr val="dk1"/>
+          </a:effectRef>
+          <a:fontRef idx="minor">
+            <a:schemeClr val="tx1"/>
+          </a:fontRef>
+        </p:style>
+        <p:txBody>
+          <a:bodyPr rtlCol="0" anchor="ctr"/>
+          <a:lstStyle/>
+          <a:p>
+            <a:pPr algn="ctr"/>
+            <a:endParaRPr lang="zh-TW" altLang="en-US"/>
+          </a:p>
+        </p:txBody>
+      </p:sp>
+      <p:sp>
+        <p:nvSpPr>
+          <p:cNvPr id="109" name="文字方塊 108">
+            <a:extLst>
+              <a:ext uri="{FF2B5EF4-FFF2-40B4-BE49-F238E27FC236}">
+                <a16:creationId xmlns:a16="http://schemas.microsoft.com/office/drawing/2014/main" id="{C5388CF9-25F6-4E84-C732-71A65AB65F5A}"/>
+              </a:ext>
+            </a:extLst>
+          </p:cNvPr>
+          <p:cNvSpPr txBox="1"/>
+          <p:nvPr/>
+        </p:nvSpPr>
+        <p:spPr>
+          <a:xfrm>
+            <a:off x="11059503" y="4345049"/>
+            <a:ext cx="3391332" cy="954107"/>
+          </a:xfrm>
+          <a:prstGeom prst="rect">
+            <a:avLst/>
+          </a:prstGeom>
+          <a:noFill/>
+        </p:spPr>
+        <p:txBody>
+          <a:bodyPr wrap="square" rtlCol="0">
+            <a:spAutoFit/>
+          </a:bodyPr>
+          <a:lstStyle/>
+          <a:p>
+            <a:r>
+              <a:rPr lang="en-US" altLang="zh-TW" sz="2800" dirty="0"/>
+              <a:t>Calculate similarity to</a:t>
+            </a:r>
+            <a:br>
+              <a:rPr lang="en-US" altLang="zh-TW" sz="2800" dirty="0"/>
+            </a:br>
+            <a:r>
+              <a:rPr lang="en-US" altLang="zh-TW" sz="2800" dirty="0"/>
+              <a:t>recommend items</a:t>
+            </a:r>
+          </a:p>
+        </p:txBody>
+      </p:sp>
+    </p:spTree>
+    <p:extLst>
+      <p:ext uri="{BB962C8B-B14F-4D97-AF65-F5344CB8AC3E}">
+        <p14:creationId xmlns:p14="http://schemas.microsoft.com/office/powerpoint/2010/main" val="601684081"/>
+      </p:ext>
+    </p:extLst>
+  </p:cSld>
+  <p:clrMapOvr>
+    <a:masterClrMapping/>
+  </p:clrMapOvr>
+</p:sld>
+</file>
+
+<file path=ppt/slides/slide15.xml><?xml version="1.0" encoding="utf-8"?>
+<p:sld xmlns:a="http://schemas.openxmlformats.org/drawingml/2006/main" xmlns:r="http://schemas.openxmlformats.org/officeDocument/2006/relationships" xmlns:p="http://schemas.openxmlformats.org/presentationml/2006/main">
+  <p:cSld>
+    <p:spTree>
+      <p:nvGrpSpPr>
+        <p:cNvPr id="1" name=""/>
+        <p:cNvGrpSpPr/>
+        <p:nvPr/>
+      </p:nvGrpSpPr>
+      <p:grpSpPr>
+        <a:xfrm>
+          <a:off x="0" y="0"/>
+          <a:ext cx="0" cy="0"/>
+          <a:chOff x="0" y="0"/>
+          <a:chExt cx="0" cy="0"/>
+        </a:xfrm>
+      </p:grpSpPr>
+      <p:sp>
+        <p:nvSpPr>
+          <p:cNvPr id="2" name="標題 1">
+            <a:extLst>
+              <a:ext uri="{FF2B5EF4-FFF2-40B4-BE49-F238E27FC236}">
+                <a16:creationId xmlns:a16="http://schemas.microsoft.com/office/drawing/2014/main" id="{55ADFE87-AC2E-9FB6-5C89-C26832A82AD1}"/>
+              </a:ext>
+            </a:extLst>
+          </p:cNvPr>
+          <p:cNvSpPr>
+            <a:spLocks noGrp="1"/>
+          </p:cNvSpPr>
+          <p:nvPr>
+            <p:ph type="title"/>
+          </p:nvPr>
+        </p:nvSpPr>
+        <p:spPr/>
+        <p:txBody>
+          <a:bodyPr/>
+          <a:lstStyle/>
+          <a:p>
+            <a:r>
+              <a:rPr lang="en-US" altLang="zh-TW" sz="5400" dirty="0"/>
+              <a:t>Items Embeddings</a:t>
+            </a:r>
+            <a:endParaRPr lang="zh-TW" altLang="en-US" dirty="0"/>
+          </a:p>
+        </p:txBody>
+      </p:sp>
+      <p:sp>
+        <p:nvSpPr>
+          <p:cNvPr id="4" name="內容版面配置區 3">
+            <a:extLst>
+              <a:ext uri="{FF2B5EF4-FFF2-40B4-BE49-F238E27FC236}">
+                <a16:creationId xmlns:a16="http://schemas.microsoft.com/office/drawing/2014/main" id="{B8E2967F-C286-6772-ABDE-F7E414E1B15B}"/>
+              </a:ext>
+            </a:extLst>
+          </p:cNvPr>
+          <p:cNvSpPr txBox="1">
+            <a:spLocks noGrp="1"/>
+          </p:cNvSpPr>
+          <p:nvPr>
+            <p:ph idx="1"/>
+          </p:nvPr>
+        </p:nvSpPr>
+        <p:spPr>
+          <a:xfrm>
+            <a:off x="1006475" y="2375945"/>
+            <a:ext cx="12617450" cy="4832733"/>
+          </a:xfrm>
+          <a:prstGeom prst="rect">
+            <a:avLst/>
+          </a:prstGeom>
+          <a:noFill/>
+        </p:spPr>
+        <p:txBody>
+          <a:bodyPr wrap="square" rtlCol="0">
+            <a:spAutoFit/>
+          </a:bodyPr>
+          <a:lstStyle/>
+          <a:p>
+            <a:pPr>
+              <a:lnSpc>
+                <a:spcPct val="150000"/>
+              </a:lnSpc>
+            </a:pPr>
+            <a:r>
+              <a:rPr lang="en-US" altLang="zh-TW" sz="3200" dirty="0"/>
+              <a:t>Integrate English and Chinese text embedding by summation directly</a:t>
+            </a:r>
+          </a:p>
+          <a:p>
+            <a:pPr>
+              <a:lnSpc>
+                <a:spcPct val="150000"/>
+              </a:lnSpc>
+            </a:pPr>
+            <a:r>
+              <a:rPr lang="en-US" altLang="zh-TW" sz="3200" dirty="0"/>
+              <a:t>Similar inputs in different languages are mapped close in vector space in SBERT by </a:t>
+            </a:r>
+            <a:r>
+              <a:rPr lang="en-US" altLang="zh-TW" sz="3200" i="1" dirty="0">
+                <a:hlinkClick r:id="rId2"/>
+              </a:rPr>
+              <a:t>Making Monolingual Sentence Embeddings Multilingual using Knowledge Distillation</a:t>
+            </a:r>
+            <a:r>
+              <a:rPr lang="en-US" altLang="zh-TW" sz="3200" dirty="0"/>
+              <a:t> (Nils Reimers, 2020)</a:t>
+            </a:r>
+          </a:p>
+          <a:p>
+            <a:pPr>
+              <a:lnSpc>
+                <a:spcPct val="150000"/>
+              </a:lnSpc>
+            </a:pPr>
+            <a:r>
+              <a:rPr lang="en-US" altLang="zh-TW" sz="3200" dirty="0"/>
+              <a:t>However…..</a:t>
+            </a:r>
+          </a:p>
+          <a:p>
+            <a:pPr>
+              <a:lnSpc>
+                <a:spcPct val="150000"/>
+              </a:lnSpc>
+            </a:pPr>
+            <a:endParaRPr lang="zh-TW" altLang="en-US" sz="3200" dirty="0"/>
+          </a:p>
+        </p:txBody>
+      </p:sp>
+    </p:spTree>
+    <p:extLst>
+      <p:ext uri="{BB962C8B-B14F-4D97-AF65-F5344CB8AC3E}">
+        <p14:creationId xmlns:p14="http://schemas.microsoft.com/office/powerpoint/2010/main" val="1167793188"/>
+      </p:ext>
+    </p:extLst>
+  </p:cSld>
+  <p:clrMapOvr>
+    <a:masterClrMapping/>
+  </p:clrMapOvr>
+</p:sld>
+</file>
+
+<file path=ppt/slides/slide16.xml><?xml version="1.0" encoding="utf-8"?>
+<p:sld xmlns:a="http://schemas.openxmlformats.org/drawingml/2006/main" xmlns:r="http://schemas.openxmlformats.org/officeDocument/2006/relationships" xmlns:p="http://schemas.openxmlformats.org/presentationml/2006/main">
+  <p:cSld>
+    <p:spTree>
+      <p:nvGrpSpPr>
+        <p:cNvPr id="1" name=""/>
+        <p:cNvGrpSpPr/>
+        <p:nvPr/>
+      </p:nvGrpSpPr>
+      <p:grpSpPr>
+        <a:xfrm>
+          <a:off x="0" y="0"/>
+          <a:ext cx="0" cy="0"/>
+          <a:chOff x="0" y="0"/>
+          <a:chExt cx="0" cy="0"/>
+        </a:xfrm>
+      </p:grpSpPr>
+      <p:pic>
+        <p:nvPicPr>
+          <p:cNvPr id="2" name="Picture 2">
+            <a:extLst>
+              <a:ext uri="{FF2B5EF4-FFF2-40B4-BE49-F238E27FC236}">
+                <a16:creationId xmlns:a16="http://schemas.microsoft.com/office/drawing/2014/main" id="{EEF3D72C-121A-0849-7B96-3DC342CD518D}"/>
+              </a:ext>
+            </a:extLst>
+          </p:cNvPr>
+          <p:cNvPicPr>
+            <a:picLocks noChangeAspect="1" noChangeArrowheads="1"/>
+          </p:cNvPicPr>
+          <p:nvPr/>
+        </p:nvPicPr>
+        <p:blipFill>
+          <a:blip r:embed="rId2">
+            <a:extLst>
+              <a:ext uri="{28A0092B-C50C-407E-A947-70E740481C1C}">
+                <a14:useLocalDpi xmlns:a14="http://schemas.microsoft.com/office/drawing/2010/main" val="0"/>
+              </a:ext>
+            </a:extLst>
+          </a:blip>
+          <a:srcRect/>
+          <a:stretch>
+            <a:fillRect/>
+          </a:stretch>
+        </p:blipFill>
+        <p:spPr bwMode="auto">
+          <a:xfrm>
+            <a:off x="1282159" y="107936"/>
+            <a:ext cx="12271796" cy="8121664"/>
+          </a:xfrm>
+          <a:prstGeom prst="rect">
+            <a:avLst/>
+          </a:prstGeom>
+          <a:noFill/>
+          <a:extLst>
+            <a:ext uri="{909E8E84-426E-40DD-AFC4-6F175D3DCCD1}">
+              <a14:hiddenFill xmlns:a14="http://schemas.microsoft.com/office/drawing/2010/main">
+                <a:solidFill>
+                  <a:srgbClr val="FFFFFF"/>
+                </a:solidFill>
+              </a14:hiddenFill>
+            </a:ext>
+          </a:extLst>
+        </p:spPr>
+      </p:pic>
+    </p:spTree>
+    <p:extLst>
+      <p:ext uri="{BB962C8B-B14F-4D97-AF65-F5344CB8AC3E}">
+        <p14:creationId xmlns:p14="http://schemas.microsoft.com/office/powerpoint/2010/main" val="2192524105"/>
+      </p:ext>
+    </p:extLst>
+  </p:cSld>
+  <p:clrMapOvr>
+    <a:masterClrMapping/>
+  </p:clrMapOvr>
+</p:sld>
+</file>
+
+<file path=ppt/slides/slide17.xml><?xml version="1.0" encoding="utf-8"?>
+<p:sld xmlns:a="http://schemas.openxmlformats.org/drawingml/2006/main" xmlns:r="http://schemas.openxmlformats.org/officeDocument/2006/relationships" xmlns:p="http://schemas.openxmlformats.org/presentationml/2006/main">
+  <p:cSld>
+    <p:spTree>
+      <p:nvGrpSpPr>
+        <p:cNvPr id="1" name=""/>
+        <p:cNvGrpSpPr/>
+        <p:nvPr/>
+      </p:nvGrpSpPr>
+      <p:grpSpPr>
+        <a:xfrm>
+          <a:off x="0" y="0"/>
+          <a:ext cx="0" cy="0"/>
+          <a:chOff x="0" y="0"/>
+          <a:chExt cx="0" cy="0"/>
+        </a:xfrm>
+      </p:grpSpPr>
+      <p:sp>
+        <p:nvSpPr>
+          <p:cNvPr id="2" name="標題 1">
+            <a:extLst>
+              <a:ext uri="{FF2B5EF4-FFF2-40B4-BE49-F238E27FC236}">
+                <a16:creationId xmlns:a16="http://schemas.microsoft.com/office/drawing/2014/main" id="{55ADFE87-AC2E-9FB6-5C89-C26832A82AD1}"/>
+              </a:ext>
+            </a:extLst>
+          </p:cNvPr>
+          <p:cNvSpPr>
+            <a:spLocks noGrp="1"/>
+          </p:cNvSpPr>
+          <p:nvPr>
+            <p:ph type="title"/>
+          </p:nvPr>
+        </p:nvSpPr>
+        <p:spPr/>
+        <p:txBody>
+          <a:bodyPr/>
           <a:lstStyle/>
           <a:p>
             <a:pPr marL="0" indent="0">
@@ -5600,128 +6541,82 @@
               <a:buNone/>
             </a:pPr>
             <a:r>
-              <a:rPr lang="en-US" sz="5400" b="1" kern="0" spc="-131" dirty="0">
-                <a:solidFill>
-                  <a:srgbClr val="000000"/>
-                </a:solidFill>
-                <a:ea typeface="Inter" pitchFamily="34" charset="-122"/>
-                <a:cs typeface="Inter" pitchFamily="34" charset="-120"/>
-              </a:rPr>
-              <a:t>Future Direction</a:t>
-            </a:r>
-            <a:endParaRPr lang="en-US" sz="5400" dirty="0"/>
+              <a:rPr lang="en-US" altLang="zh-TW" sz="5400" dirty="0"/>
+              <a:t>Next Week</a:t>
+            </a:r>
           </a:p>
         </p:txBody>
       </p:sp>
       <p:sp>
         <p:nvSpPr>
-          <p:cNvPr id="5" name="Text 3"/>
-          <p:cNvSpPr/>
-          <p:nvPr/>
+          <p:cNvPr id="4" name="內容版面配置區 3">
+            <a:extLst>
+              <a:ext uri="{FF2B5EF4-FFF2-40B4-BE49-F238E27FC236}">
+                <a16:creationId xmlns:a16="http://schemas.microsoft.com/office/drawing/2014/main" id="{B8E2967F-C286-6772-ABDE-F7E414E1B15B}"/>
+              </a:ext>
+            </a:extLst>
+          </p:cNvPr>
+          <p:cNvSpPr txBox="1">
+            <a:spLocks noGrp="1"/>
+          </p:cNvSpPr>
+          <p:nvPr>
+            <p:ph idx="1"/>
+          </p:nvPr>
         </p:nvSpPr>
         <p:spPr>
           <a:xfrm>
-            <a:off x="6512955" y="2767231"/>
-            <a:ext cx="7122200" cy="1190616"/>
+            <a:off x="1006475" y="3232471"/>
+            <a:ext cx="12617450" cy="2488502"/>
           </a:xfrm>
           <a:prstGeom prst="rect">
             <a:avLst/>
           </a:prstGeom>
           <a:noFill/>
-          <a:ln/>
         </p:spPr>
         <p:txBody>
-          <a:bodyPr wrap="square" rtlCol="0" anchor="t"/>
+          <a:bodyPr wrap="square" rtlCol="0">
+            <a:spAutoFit/>
+          </a:bodyPr>
           <a:lstStyle/>
           <a:p>
-            <a:pPr marL="342900" indent="-342900" algn="l">
+            <a:pPr>
               <a:lnSpc>
-                <a:spcPts val="3149"/>
+                <a:spcPct val="150000"/>
               </a:lnSpc>
-              <a:buSzPct val="100000"/>
-              <a:buChar char="•"/>
             </a:pPr>
             <a:r>
-              <a:rPr lang="en-US" sz="2800" kern="0" spc="-35" dirty="0">
-                <a:solidFill>
-                  <a:srgbClr val="272525"/>
-                </a:solidFill>
-                <a:ea typeface="Inter" pitchFamily="34" charset="-122"/>
-                <a:cs typeface="Inter" pitchFamily="34" charset="-120"/>
-              </a:rPr>
-              <a:t>How can the performance and accuracy of the recommendation model be evaluated and measured in the context of the exhibition industry, considering the absence of explicit labels?</a:t>
-            </a:r>
-            <a:endParaRPr lang="en-US" sz="2800" dirty="0"/>
+              <a:rPr lang="en-US" altLang="zh-TW" sz="3200" dirty="0"/>
+              <a:t>Modify Item Embedding to improve accuracy</a:t>
+            </a:r>
+          </a:p>
+          <a:p>
+            <a:pPr>
+              <a:lnSpc>
+                <a:spcPct val="150000"/>
+              </a:lnSpc>
+            </a:pPr>
+            <a:r>
+              <a:rPr lang="en-US" altLang="zh-TW" sz="3200" dirty="0"/>
+              <a:t>Deploy the model</a:t>
+            </a:r>
+          </a:p>
+          <a:p>
+            <a:pPr marL="0" indent="0">
+              <a:lnSpc>
+                <a:spcPct val="150000"/>
+              </a:lnSpc>
+              <a:buNone/>
+            </a:pPr>
+            <a:endParaRPr lang="zh-TW" altLang="en-US" sz="3200" dirty="0"/>
           </a:p>
         </p:txBody>
       </p:sp>
-      <p:sp>
-        <p:nvSpPr>
-          <p:cNvPr id="6" name="Text 4"/>
-          <p:cNvSpPr/>
-          <p:nvPr/>
-        </p:nvSpPr>
-        <p:spPr>
-          <a:xfrm>
-            <a:off x="6512955" y="4843620"/>
-            <a:ext cx="7122200" cy="1190616"/>
-          </a:xfrm>
-          <a:prstGeom prst="rect">
-            <a:avLst/>
-          </a:prstGeom>
-          <a:noFill/>
-          <a:ln/>
-        </p:spPr>
-        <p:txBody>
-          <a:bodyPr wrap="square" rtlCol="0" anchor="t"/>
-          <a:lstStyle/>
-          <a:p>
-            <a:pPr marL="342900" indent="-342900" algn="l">
-              <a:lnSpc>
-                <a:spcPts val="3149"/>
-              </a:lnSpc>
-              <a:buSzPct val="100000"/>
-              <a:buChar char="•"/>
-            </a:pPr>
-            <a:r>
-              <a:rPr lang="en-US" sz="2800" kern="0" spc="-35" dirty="0">
-                <a:solidFill>
-                  <a:srgbClr val="272525"/>
-                </a:solidFill>
-                <a:ea typeface="Inter" pitchFamily="34" charset="-122"/>
-                <a:cs typeface="Inter" pitchFamily="34" charset="-120"/>
-              </a:rPr>
-              <a:t>Overall, the recommendations are generally accurate. However, the model occasionally generates some irrelevant items for specific products.</a:t>
-            </a:r>
-            <a:endParaRPr lang="en-US" sz="2800" dirty="0"/>
-          </a:p>
-        </p:txBody>
-      </p:sp>
-      <p:pic>
-        <p:nvPicPr>
-          <p:cNvPr id="7" name="Image 0" descr="preencoded.png"/>
-          <p:cNvPicPr>
-            <a:picLocks noChangeAspect="1"/>
-          </p:cNvPicPr>
-          <p:nvPr/>
-        </p:nvPicPr>
-        <p:blipFill>
-          <a:blip r:embed="rId3"/>
-          <a:stretch>
-            <a:fillRect/>
-          </a:stretch>
-        </p:blipFill>
-        <p:spPr>
-          <a:xfrm>
-            <a:off x="0" y="0"/>
-            <a:ext cx="5486400" cy="8169088"/>
-          </a:xfrm>
-          <a:prstGeom prst="rect">
-            <a:avLst/>
-          </a:prstGeom>
-        </p:spPr>
-      </p:pic>
     </p:spTree>
+    <p:extLst>
+      <p:ext uri="{BB962C8B-B14F-4D97-AF65-F5344CB8AC3E}">
+        <p14:creationId xmlns:p14="http://schemas.microsoft.com/office/powerpoint/2010/main" val="3245758576"/>
+      </p:ext>
+    </p:extLst>
   </p:cSld>
   <p:clrMapOvr>
     <a:masterClrMapping/>
@@ -5911,7 +6806,7 @@
         </p:nvSpPr>
         <p:spPr>
           <a:xfrm>
-            <a:off x="833199" y="1587252"/>
+            <a:off x="833199" y="1289480"/>
             <a:ext cx="4744522" cy="716804"/>
           </a:xfrm>
           <a:prstGeom prst="rect">
@@ -8466,14 +9361,14 @@
 </file>
 
 <file path=ppt/theme/theme1.xml><?xml version="1.0" encoding="utf-8"?>
-<a:theme xmlns:a="http://schemas.openxmlformats.org/drawingml/2006/main" name="Office Theme">
+<a:theme xmlns:a="http://schemas.openxmlformats.org/drawingml/2006/main" name="1_自訂設計">
   <a:themeElements>
     <a:clrScheme name="Office">
       <a:dk1>
         <a:sysClr val="windowText" lastClr="000000"/>
       </a:dk1>
       <a:lt1>
-        <a:sysClr val="window" lastClr="F5F5F5"/>
+        <a:sysClr val="window" lastClr="FFFFFF"/>
       </a:lt1>
       <a:dk2>
         <a:srgbClr val="44546A"/>
@@ -8506,110 +9401,16 @@
         <a:srgbClr val="954F72"/>
       </a:folHlink>
     </a:clrScheme>
-    <a:fontScheme name="Office">
+    <a:fontScheme name="Calibri">
       <a:majorFont>
-        <a:latin typeface="Calibri Light" panose="020F0302020204030204"/>
-        <a:ea typeface=""/>
+        <a:latin typeface="Calibri"/>
+        <a:ea typeface="標楷體"/>
         <a:cs typeface=""/>
-        <a:font script="Jpan" typeface="游ゴシック Light"/>
-        <a:font script="Hang" typeface="맑은 고딕"/>
-        <a:font script="Hans" typeface="等线 Light"/>
-        <a:font script="Hant" typeface="新細明體"/>
-        <a:font script="Arab" typeface="Times New Roman"/>
-        <a:font script="Hebr" typeface="Times New Roman"/>
-        <a:font script="Thai" typeface="Angsana New"/>
-        <a:font script="Ethi" typeface="Nyala"/>
-        <a:font script="Beng" typeface="Vrinda"/>
-        <a:font script="Gujr" typeface="Shruti"/>
-        <a:font script="Khmr" typeface="MoolBoran"/>
-        <a:font script="Knda" typeface="Tunga"/>
-        <a:font script="Guru" typeface="Raavi"/>
-        <a:font script="Cans" typeface="Euphemia"/>
-        <a:font script="Cher" typeface="Plantagenet Cherokee"/>
-        <a:font script="Yiii" typeface="Microsoft Yi Baiti"/>
-        <a:font script="Tibt" typeface="Microsoft Himalaya"/>
-        <a:font script="Thaa" typeface="MV Boli"/>
-        <a:font script="Deva" typeface="Mangal"/>
-        <a:font script="Telu" typeface="Gautami"/>
-        <a:font script="Taml" typeface="Latha"/>
-        <a:font script="Syrc" typeface="Estrangelo Edessa"/>
-        <a:font script="Orya" typeface="Kalinga"/>
-        <a:font script="Mlym" typeface="Kartika"/>
-        <a:font script="Laoo" typeface="DokChampa"/>
-        <a:font script="Sinh" typeface="Iskoola Pota"/>
-        <a:font script="Mong" typeface="Mongolian Baiti"/>
-        <a:font script="Viet" typeface="Times New Roman"/>
-        <a:font script="Uigh" typeface="Microsoft Uighur"/>
-        <a:font script="Geor" typeface="Sylfaen"/>
-        <a:font script="Armn" typeface="Arial"/>
-        <a:font script="Bugi" typeface="Leelawadee UI"/>
-        <a:font script="Bopo" typeface="Microsoft JhengHei"/>
-        <a:font script="Java" typeface="Javanese Text"/>
-        <a:font script="Lisu" typeface="Segoe UI"/>
-        <a:font script="Mymr" typeface="Myanmar Text"/>
-        <a:font script="Nkoo" typeface="Ebrima"/>
-        <a:font script="Olck" typeface="Nirmala UI"/>
-        <a:font script="Osma" typeface="Ebrima"/>
-        <a:font script="Phag" typeface="Phagspa"/>
-        <a:font script="Syrn" typeface="Estrangelo Edessa"/>
-        <a:font script="Syrj" typeface="Estrangelo Edessa"/>
-        <a:font script="Syre" typeface="Estrangelo Edessa"/>
-        <a:font script="Sora" typeface="Nirmala UI"/>
-        <a:font script="Tale" typeface="Microsoft Tai Le"/>
-        <a:font script="Talu" typeface="Microsoft New Tai Lue"/>
-        <a:font script="Tfng" typeface="Ebrima"/>
       </a:majorFont>
       <a:minorFont>
-        <a:latin typeface="Calibri" panose="020F0502020204030204"/>
-        <a:ea typeface=""/>
+        <a:latin typeface="Calibri"/>
+        <a:ea typeface="標楷體"/>
         <a:cs typeface=""/>
-        <a:font script="Jpan" typeface="游ゴシック"/>
-        <a:font script="Hang" typeface="맑은 고딕"/>
-        <a:font script="Hans" typeface="等线"/>
-        <a:font script="Hant" typeface="新細明體"/>
-        <a:font script="Arab" typeface="Arial"/>
-        <a:font script="Hebr" typeface="Arial"/>
-        <a:font script="Thai" typeface="Cordia New"/>
-        <a:font script="Ethi" typeface="Nyala"/>
-        <a:font script="Beng" typeface="Vrinda"/>
-        <a:font script="Gujr" typeface="Shruti"/>
-        <a:font script="Khmr" typeface="DaunPenh"/>
-        <a:font script="Knda" typeface="Tunga"/>
-        <a:font script="Guru" typeface="Raavi"/>
-        <a:font script="Cans" typeface="Euphemia"/>
-        <a:font script="Cher" typeface="Plantagenet Cherokee"/>
-        <a:font script="Yiii" typeface="Microsoft Yi Baiti"/>
-        <a:font script="Tibt" typeface="Microsoft Himalaya"/>
-        <a:font script="Thaa" typeface="MV Boli"/>
-        <a:font script="Deva" typeface="Mangal"/>
-        <a:font script="Telu" typeface="Gautami"/>
-        <a:font script="Taml" typeface="Latha"/>
-        <a:font script="Syrc" typeface="Estrangelo Edessa"/>
-        <a:font script="Orya" typeface="Kalinga"/>
-        <a:font script="Mlym" typeface="Kartika"/>
-        <a:font script="Laoo" typeface="DokChampa"/>
-        <a:font script="Sinh" typeface="Iskoola Pota"/>
-        <a:font script="Mong" typeface="Mongolian Baiti"/>
-        <a:font script="Viet" typeface="Arial"/>
-        <a:font script="Uigh" typeface="Microsoft Uighur"/>
-        <a:font script="Geor" typeface="Sylfaen"/>
-        <a:font script="Armn" typeface="Arial"/>
-        <a:font script="Bugi" typeface="Leelawadee UI"/>
-        <a:font script="Bopo" typeface="Microsoft JhengHei"/>
-        <a:font script="Java" typeface="Javanese Text"/>
-        <a:font script="Lisu" typeface="Segoe UI"/>
-        <a:font script="Mymr" typeface="Myanmar Text"/>
-        <a:font script="Nkoo" typeface="Ebrima"/>
-        <a:font script="Olck" typeface="Nirmala UI"/>
-        <a:font script="Osma" typeface="Ebrima"/>
-        <a:font script="Phag" typeface="Phagspa"/>
-        <a:font script="Syrn" typeface="Estrangelo Edessa"/>
-        <a:font script="Syrj" typeface="Estrangelo Edessa"/>
-        <a:font script="Syre" typeface="Estrangelo Edessa"/>
-        <a:font script="Sora" typeface="Nirmala UI"/>
-        <a:font script="Tale" typeface="Microsoft Tai Le"/>
-        <a:font script="Talu" typeface="Microsoft New Tai Lue"/>
-        <a:font script="Tfng" typeface="Ebrima"/>
       </a:minorFont>
     </a:fontScheme>
     <a:fmtScheme name="Office">
@@ -8761,301 +9562,6 @@
 </file>
 
 <file path=ppt/theme/theme2.xml><?xml version="1.0" encoding="utf-8"?>
-<a:theme xmlns:a="http://schemas.openxmlformats.org/drawingml/2006/main" name="自訂設計">
-  <a:themeElements>
-    <a:clrScheme name="Office">
-      <a:dk1>
-        <a:sysClr val="windowText" lastClr="000000"/>
-      </a:dk1>
-      <a:lt1>
-        <a:sysClr val="window" lastClr="F5F5F5"/>
-      </a:lt1>
-      <a:dk2>
-        <a:srgbClr val="44546A"/>
-      </a:dk2>
-      <a:lt2>
-        <a:srgbClr val="E7E6E6"/>
-      </a:lt2>
-      <a:accent1>
-        <a:srgbClr val="4472C4"/>
-      </a:accent1>
-      <a:accent2>
-        <a:srgbClr val="ED7D31"/>
-      </a:accent2>
-      <a:accent3>
-        <a:srgbClr val="A5A5A5"/>
-      </a:accent3>
-      <a:accent4>
-        <a:srgbClr val="FFC000"/>
-      </a:accent4>
-      <a:accent5>
-        <a:srgbClr val="5B9BD5"/>
-      </a:accent5>
-      <a:accent6>
-        <a:srgbClr val="70AD47"/>
-      </a:accent6>
-      <a:hlink>
-        <a:srgbClr val="0563C1"/>
-      </a:hlink>
-      <a:folHlink>
-        <a:srgbClr val="954F72"/>
-      </a:folHlink>
-    </a:clrScheme>
-    <a:fontScheme name="Office">
-      <a:majorFont>
-        <a:latin typeface="Calibri Light" panose="020F0302020204030204"/>
-        <a:ea typeface=""/>
-        <a:cs typeface=""/>
-        <a:font script="Jpan" typeface="游ゴシック Light"/>
-        <a:font script="Hang" typeface="맑은 고딕"/>
-        <a:font script="Hans" typeface="等线 Light"/>
-        <a:font script="Hant" typeface="新細明體"/>
-        <a:font script="Arab" typeface="Times New Roman"/>
-        <a:font script="Hebr" typeface="Times New Roman"/>
-        <a:font script="Thai" typeface="Angsana New"/>
-        <a:font script="Ethi" typeface="Nyala"/>
-        <a:font script="Beng" typeface="Vrinda"/>
-        <a:font script="Gujr" typeface="Shruti"/>
-        <a:font script="Khmr" typeface="MoolBoran"/>
-        <a:font script="Knda" typeface="Tunga"/>
-        <a:font script="Guru" typeface="Raavi"/>
-        <a:font script="Cans" typeface="Euphemia"/>
-        <a:font script="Cher" typeface="Plantagenet Cherokee"/>
-        <a:font script="Yiii" typeface="Microsoft Yi Baiti"/>
-        <a:font script="Tibt" typeface="Microsoft Himalaya"/>
-        <a:font script="Thaa" typeface="MV Boli"/>
-        <a:font script="Deva" typeface="Mangal"/>
-        <a:font script="Telu" typeface="Gautami"/>
-        <a:font script="Taml" typeface="Latha"/>
-        <a:font script="Syrc" typeface="Estrangelo Edessa"/>
-        <a:font script="Orya" typeface="Kalinga"/>
-        <a:font script="Mlym" typeface="Kartika"/>
-        <a:font script="Laoo" typeface="DokChampa"/>
-        <a:font script="Sinh" typeface="Iskoola Pota"/>
-        <a:font script="Mong" typeface="Mongolian Baiti"/>
-        <a:font script="Viet" typeface="Times New Roman"/>
-        <a:font script="Uigh" typeface="Microsoft Uighur"/>
-        <a:font script="Geor" typeface="Sylfaen"/>
-        <a:font script="Armn" typeface="Arial"/>
-        <a:font script="Bugi" typeface="Leelawadee UI"/>
-        <a:font script="Bopo" typeface="Microsoft JhengHei"/>
-        <a:font script="Java" typeface="Javanese Text"/>
-        <a:font script="Lisu" typeface="Segoe UI"/>
-        <a:font script="Mymr" typeface="Myanmar Text"/>
-        <a:font script="Nkoo" typeface="Ebrima"/>
-        <a:font script="Olck" typeface="Nirmala UI"/>
-        <a:font script="Osma" typeface="Ebrima"/>
-        <a:font script="Phag" typeface="Phagspa"/>
-        <a:font script="Syrn" typeface="Estrangelo Edessa"/>
-        <a:font script="Syrj" typeface="Estrangelo Edessa"/>
-        <a:font script="Syre" typeface="Estrangelo Edessa"/>
-        <a:font script="Sora" typeface="Nirmala UI"/>
-        <a:font script="Tale" typeface="Microsoft Tai Le"/>
-        <a:font script="Talu" typeface="Microsoft New Tai Lue"/>
-        <a:font script="Tfng" typeface="Ebrima"/>
-      </a:majorFont>
-      <a:minorFont>
-        <a:latin typeface="Calibri" panose="020F0502020204030204"/>
-        <a:ea typeface=""/>
-        <a:cs typeface=""/>
-        <a:font script="Jpan" typeface="游ゴシック"/>
-        <a:font script="Hang" typeface="맑은 고딕"/>
-        <a:font script="Hans" typeface="等线"/>
-        <a:font script="Hant" typeface="新細明體"/>
-        <a:font script="Arab" typeface="Arial"/>
-        <a:font script="Hebr" typeface="Arial"/>
-        <a:font script="Thai" typeface="Cordia New"/>
-        <a:font script="Ethi" typeface="Nyala"/>
-        <a:font script="Beng" typeface="Vrinda"/>
-        <a:font script="Gujr" typeface="Shruti"/>
-        <a:font script="Khmr" typeface="DaunPenh"/>
-        <a:font script="Knda" typeface="Tunga"/>
-        <a:font script="Guru" typeface="Raavi"/>
-        <a:font script="Cans" typeface="Euphemia"/>
-        <a:font script="Cher" typeface="Plantagenet Cherokee"/>
-        <a:font script="Yiii" typeface="Microsoft Yi Baiti"/>
-        <a:font script="Tibt" typeface="Microsoft Himalaya"/>
-        <a:font script="Thaa" typeface="MV Boli"/>
-        <a:font script="Deva" typeface="Mangal"/>
-        <a:font script="Telu" typeface="Gautami"/>
-        <a:font script="Taml" typeface="Latha"/>
-        <a:font script="Syrc" typeface="Estrangelo Edessa"/>
-        <a:font script="Orya" typeface="Kalinga"/>
-        <a:font script="Mlym" typeface="Kartika"/>
-        <a:font script="Laoo" typeface="DokChampa"/>
-        <a:font script="Sinh" typeface="Iskoola Pota"/>
-        <a:font script="Mong" typeface="Mongolian Baiti"/>
-        <a:font script="Viet" typeface="Arial"/>
-        <a:font script="Uigh" typeface="Microsoft Uighur"/>
-        <a:font script="Geor" typeface="Sylfaen"/>
-        <a:font script="Armn" typeface="Arial"/>
-        <a:font script="Bugi" typeface="Leelawadee UI"/>
-        <a:font script="Bopo" typeface="Microsoft JhengHei"/>
-        <a:font script="Java" typeface="Javanese Text"/>
-        <a:font script="Lisu" typeface="Segoe UI"/>
-        <a:font script="Mymr" typeface="Myanmar Text"/>
-        <a:font script="Nkoo" typeface="Ebrima"/>
-        <a:font script="Olck" typeface="Nirmala UI"/>
-        <a:font script="Osma" typeface="Ebrima"/>
-        <a:font script="Phag" typeface="Phagspa"/>
-        <a:font script="Syrn" typeface="Estrangelo Edessa"/>
-        <a:font script="Syrj" typeface="Estrangelo Edessa"/>
-        <a:font script="Syre" typeface="Estrangelo Edessa"/>
-        <a:font script="Sora" typeface="Nirmala UI"/>
-        <a:font script="Tale" typeface="Microsoft Tai Le"/>
-        <a:font script="Talu" typeface="Microsoft New Tai Lue"/>
-        <a:font script="Tfng" typeface="Ebrima"/>
-      </a:minorFont>
-    </a:fontScheme>
-    <a:fmtScheme name="Office">
-      <a:fillStyleLst>
-        <a:solidFill>
-          <a:schemeClr val="phClr"/>
-        </a:solidFill>
-        <a:gradFill rotWithShape="1">
-          <a:gsLst>
-            <a:gs pos="0">
-              <a:schemeClr val="phClr">
-                <a:lumMod val="110000"/>
-                <a:satMod val="105000"/>
-                <a:tint val="67000"/>
-              </a:schemeClr>
-            </a:gs>
-            <a:gs pos="50000">
-              <a:schemeClr val="phClr">
-                <a:lumMod val="105000"/>
-                <a:satMod val="103000"/>
-                <a:tint val="73000"/>
-              </a:schemeClr>
-            </a:gs>
-            <a:gs pos="100000">
-              <a:schemeClr val="phClr">
-                <a:lumMod val="105000"/>
-                <a:satMod val="109000"/>
-                <a:tint val="81000"/>
-              </a:schemeClr>
-            </a:gs>
-          </a:gsLst>
-          <a:lin ang="5400000" scaled="0"/>
-        </a:gradFill>
-        <a:gradFill rotWithShape="1">
-          <a:gsLst>
-            <a:gs pos="0">
-              <a:schemeClr val="phClr">
-                <a:satMod val="103000"/>
-                <a:lumMod val="102000"/>
-                <a:tint val="94000"/>
-              </a:schemeClr>
-            </a:gs>
-            <a:gs pos="50000">
-              <a:schemeClr val="phClr">
-                <a:satMod val="110000"/>
-                <a:lumMod val="100000"/>
-                <a:shade val="100000"/>
-              </a:schemeClr>
-            </a:gs>
-            <a:gs pos="100000">
-              <a:schemeClr val="phClr">
-                <a:lumMod val="99000"/>
-                <a:satMod val="120000"/>
-                <a:shade val="78000"/>
-              </a:schemeClr>
-            </a:gs>
-          </a:gsLst>
-          <a:lin ang="5400000" scaled="0"/>
-        </a:gradFill>
-      </a:fillStyleLst>
-      <a:lnStyleLst>
-        <a:ln w="6350" cap="flat" cmpd="sng" algn="ctr">
-          <a:solidFill>
-            <a:schemeClr val="phClr"/>
-          </a:solidFill>
-          <a:prstDash val="solid"/>
-          <a:miter lim="800000"/>
-        </a:ln>
-        <a:ln w="12700" cap="flat" cmpd="sng" algn="ctr">
-          <a:solidFill>
-            <a:schemeClr val="phClr"/>
-          </a:solidFill>
-          <a:prstDash val="solid"/>
-          <a:miter lim="800000"/>
-        </a:ln>
-        <a:ln w="19050" cap="flat" cmpd="sng" algn="ctr">
-          <a:solidFill>
-            <a:schemeClr val="phClr"/>
-          </a:solidFill>
-          <a:prstDash val="solid"/>
-          <a:miter lim="800000"/>
-        </a:ln>
-      </a:lnStyleLst>
-      <a:effectStyleLst>
-        <a:effectStyle>
-          <a:effectLst/>
-        </a:effectStyle>
-        <a:effectStyle>
-          <a:effectLst/>
-        </a:effectStyle>
-        <a:effectStyle>
-          <a:effectLst>
-            <a:outerShdw blurRad="57150" dist="19050" dir="5400000" algn="ctr" rotWithShape="0">
-              <a:srgbClr val="000000">
-                <a:alpha val="63000"/>
-              </a:srgbClr>
-            </a:outerShdw>
-          </a:effectLst>
-        </a:effectStyle>
-      </a:effectStyleLst>
-      <a:bgFillStyleLst>
-        <a:solidFill>
-          <a:schemeClr val="phClr"/>
-        </a:solidFill>
-        <a:solidFill>
-          <a:schemeClr val="phClr">
-            <a:tint val="95000"/>
-            <a:satMod val="170000"/>
-          </a:schemeClr>
-        </a:solidFill>
-        <a:gradFill rotWithShape="1">
-          <a:gsLst>
-            <a:gs pos="0">
-              <a:schemeClr val="phClr">
-                <a:tint val="93000"/>
-                <a:satMod val="150000"/>
-                <a:shade val="98000"/>
-                <a:lumMod val="102000"/>
-              </a:schemeClr>
-            </a:gs>
-            <a:gs pos="50000">
-              <a:schemeClr val="phClr">
-                <a:tint val="98000"/>
-                <a:satMod val="130000"/>
-                <a:shade val="90000"/>
-                <a:lumMod val="103000"/>
-              </a:schemeClr>
-            </a:gs>
-            <a:gs pos="100000">
-              <a:schemeClr val="phClr">
-                <a:shade val="63000"/>
-                <a:satMod val="120000"/>
-              </a:schemeClr>
-            </a:gs>
-          </a:gsLst>
-          <a:lin ang="5400000" scaled="0"/>
-        </a:gradFill>
-      </a:bgFillStyleLst>
-    </a:fmtScheme>
-  </a:themeElements>
-  <a:objectDefaults/>
-  <a:extraClrSchemeLst/>
-  <a:extLst>
-    <a:ext uri="{05A4C25C-085E-4340-85A3-A5531E510DB2}">
-      <thm15:themeFamily xmlns:thm15="http://schemas.microsoft.com/office/thememl/2012/main" name="Office Theme" id="{62F939B6-93AF-4DB8-9C6B-D6C7DFDC589F}" vid="{4A3C46E8-61CC-4603-A589-7422A47A8E4A}"/>
-    </a:ext>
-  </a:extLst>
-</a:theme>
-</file>
-
-<file path=ppt/theme/theme3.xml><?xml version="1.0" encoding="utf-8"?>
 <a:theme xmlns:a="http://schemas.openxmlformats.org/drawingml/2006/main" name="Office 佈景主題">
   <a:themeElements>
     <a:clrScheme name="Office">
@@ -9063,7 +9569,7 @@
         <a:sysClr val="windowText" lastClr="000000"/>
       </a:dk1>
       <a:lt1>
-        <a:sysClr val="window" lastClr="F5F5F5"/>
+        <a:sysClr val="window" lastClr="FFFFFF"/>
       </a:lt1>
       <a:dk2>
         <a:srgbClr val="44546A"/>

--- a/Item-Based-Recommendation_Yuwei Chen.pptx
+++ b/Item-Based-Recommendation_Yuwei Chen.pptx
@@ -5,7 +5,7 @@
     <p:sldMasterId id="2147483663" r:id="rId1"/>
   </p:sldMasterIdLst>
   <p:notesMasterIdLst>
-    <p:notesMasterId r:id="rId19"/>
+    <p:notesMasterId r:id="rId22"/>
   </p:notesMasterIdLst>
   <p:sldIdLst>
     <p:sldId id="256" r:id="rId2"/>
@@ -24,7 +24,10 @@
     <p:sldId id="271" r:id="rId15"/>
     <p:sldId id="272" r:id="rId16"/>
     <p:sldId id="273" r:id="rId17"/>
-    <p:sldId id="274" r:id="rId18"/>
+    <p:sldId id="275" r:id="rId18"/>
+    <p:sldId id="276" r:id="rId19"/>
+    <p:sldId id="278" r:id="rId20"/>
+    <p:sldId id="277" r:id="rId21"/>
   </p:sldIdLst>
   <p:sldSz cx="14630400" cy="8229600"/>
   <p:notesSz cx="8229600" cy="14630400"/>
@@ -1162,7 +1165,14 @@
         <p:spPr/>
         <p:txBody>
           <a:bodyPr/>
-          <a:lstStyle/>
+          <a:lstStyle>
+            <a:lvl1pPr>
+              <a:lnSpc>
+                <a:spcPct val="150000"/>
+              </a:lnSpc>
+              <a:defRPr/>
+            </a:lvl1pPr>
+          </a:lstStyle>
           <a:p>
             <a:pPr lvl="0"/>
             <a:r>
@@ -1196,7 +1206,7 @@
           <a:p>
             <a:fld id="{125EEE83-047E-4606-89B3-9A2FEDB76F43}" type="datetimeFigureOut">
               <a:rPr lang="zh-TW" altLang="en-US" smtClean="0"/>
-              <a:t>2023/7/17</a:t>
+              <a:t>2023/7/21</a:t>
             </a:fld>
             <a:endParaRPr lang="zh-TW" altLang="en-US"/>
           </a:p>
@@ -1461,7 +1471,7 @@
           <a:p>
             <a:fld id="{125EEE83-047E-4606-89B3-9A2FEDB76F43}" type="datetimeFigureOut">
               <a:rPr lang="zh-TW" altLang="en-US" smtClean="0"/>
-              <a:t>2023/7/17</a:t>
+              <a:t>2023/7/21</a:t>
             </a:fld>
             <a:endParaRPr lang="zh-TW" altLang="en-US"/>
           </a:p>
@@ -1711,7 +1721,7 @@
           <a:p>
             <a:fld id="{125EEE83-047E-4606-89B3-9A2FEDB76F43}" type="datetimeFigureOut">
               <a:rPr lang="zh-TW" altLang="en-US" smtClean="0"/>
-              <a:t>2023/7/17</a:t>
+              <a:t>2023/7/21</a:t>
             </a:fld>
             <a:endParaRPr lang="zh-TW" altLang="en-US"/>
           </a:p>
@@ -2308,7 +2318,29 @@
                 <a:ea typeface="Inter" pitchFamily="34" charset="-122"/>
                 <a:cs typeface="Inter" pitchFamily="34" charset="-120"/>
               </a:rPr>
-              <a:t>by Yuwei Chen</a:t>
+              <a:t>by </a:t>
+            </a:r>
+            <a:r>
+              <a:rPr lang="en-US" sz="2187" b="1" kern="0" spc="-35" dirty="0">
+                <a:solidFill>
+                  <a:srgbClr val="272525"/>
+                </a:solidFill>
+                <a:latin typeface="Arial" panose="020B0604020202020204" pitchFamily="34" charset="0"/>
+                <a:ea typeface="Inter" pitchFamily="34" charset="-122"/>
+                <a:cs typeface="Arial" panose="020B0604020202020204" pitchFamily="34" charset="0"/>
+              </a:rPr>
+              <a:t>Yuwei</a:t>
+            </a:r>
+            <a:r>
+              <a:rPr lang="en-US" sz="2187" b="1" kern="0" spc="-35" dirty="0">
+                <a:solidFill>
+                  <a:srgbClr val="272525"/>
+                </a:solidFill>
+                <a:latin typeface="Inter" pitchFamily="34" charset="0"/>
+                <a:ea typeface="Inter" pitchFamily="34" charset="-122"/>
+                <a:cs typeface="Inter" pitchFamily="34" charset="-120"/>
+              </a:rPr>
+              <a:t> Chen</a:t>
             </a:r>
             <a:endParaRPr lang="en-US" sz="2187" dirty="0"/>
           </a:p>
@@ -6515,48 +6547,14 @@
       </p:grpSpPr>
       <p:sp>
         <p:nvSpPr>
-          <p:cNvPr id="2" name="標題 1">
+          <p:cNvPr id="3" name="內容版面配置區 2">
             <a:extLst>
               <a:ext uri="{FF2B5EF4-FFF2-40B4-BE49-F238E27FC236}">
-                <a16:creationId xmlns:a16="http://schemas.microsoft.com/office/drawing/2014/main" id="{55ADFE87-AC2E-9FB6-5C89-C26832A82AD1}"/>
+                <a16:creationId xmlns:a16="http://schemas.microsoft.com/office/drawing/2014/main" id="{8DC3D07C-7FAA-86B9-725F-A894C312BE31}"/>
               </a:ext>
             </a:extLst>
           </p:cNvPr>
           <p:cNvSpPr>
-            <a:spLocks noGrp="1"/>
-          </p:cNvSpPr>
-          <p:nvPr>
-            <p:ph type="title"/>
-          </p:nvPr>
-        </p:nvSpPr>
-        <p:spPr/>
-        <p:txBody>
-          <a:bodyPr/>
-          <a:lstStyle/>
-          <a:p>
-            <a:pPr marL="0" indent="0">
-              <a:lnSpc>
-                <a:spcPts val="5686"/>
-              </a:lnSpc>
-              <a:buNone/>
-            </a:pPr>
-            <a:r>
-              <a:rPr lang="en-US" altLang="zh-TW" sz="5400" dirty="0"/>
-              <a:t>Next Week</a:t>
-            </a:r>
-          </a:p>
-        </p:txBody>
-      </p:sp>
-      <p:sp>
-        <p:nvSpPr>
-          <p:cNvPr id="4" name="內容版面配置區 3">
-            <a:extLst>
-              <a:ext uri="{FF2B5EF4-FFF2-40B4-BE49-F238E27FC236}">
-                <a16:creationId xmlns:a16="http://schemas.microsoft.com/office/drawing/2014/main" id="{B8E2967F-C286-6772-ABDE-F7E414E1B15B}"/>
-              </a:ext>
-            </a:extLst>
-          </p:cNvPr>
-          <p:cNvSpPr txBox="1">
             <a:spLocks noGrp="1"/>
           </p:cNvSpPr>
           <p:nvPr>
@@ -6565,56 +6563,264 @@
         </p:nvSpPr>
         <p:spPr>
           <a:xfrm>
-            <a:off x="1006475" y="3232471"/>
-            <a:ext cx="12617450" cy="2488502"/>
+            <a:off x="1006475" y="2190750"/>
+            <a:ext cx="12617450" cy="5973536"/>
+          </a:xfrm>
+        </p:spPr>
+        <p:txBody>
+          <a:bodyPr>
+            <a:noAutofit/>
+          </a:bodyPr>
+          <a:lstStyle/>
+          <a:p>
+            <a:pPr>
+              <a:lnSpc>
+                <a:spcPct val="160000"/>
+              </a:lnSpc>
+            </a:pPr>
+            <a:r>
+              <a:rPr lang="en-US" altLang="zh-TW" dirty="0"/>
+              <a:t>Advanced Search Capabilities: offers powerful search functionality, enabling complex searches using keywords and Boolean operators.</a:t>
+            </a:r>
+          </a:p>
+          <a:p>
+            <a:pPr>
+              <a:lnSpc>
+                <a:spcPct val="160000"/>
+              </a:lnSpc>
+            </a:pPr>
+            <a:r>
+              <a:rPr lang="en-US" altLang="zh-TW" dirty="0"/>
+              <a:t>NoSQL Data Store: a NoSQL database that stores data in a flexible JSON-like</a:t>
+            </a:r>
+          </a:p>
+          <a:p>
+            <a:pPr>
+              <a:lnSpc>
+                <a:spcPct val="160000"/>
+              </a:lnSpc>
+            </a:pPr>
+            <a:r>
+              <a:rPr lang="en-US" altLang="zh-TW" dirty="0"/>
+              <a:t>Extensive RESTful API: easy to work with and integrate into various applications.</a:t>
+            </a:r>
+          </a:p>
+        </p:txBody>
+      </p:sp>
+      <p:pic>
+        <p:nvPicPr>
+          <p:cNvPr id="4" name="圖片 3">
+            <a:extLst>
+              <a:ext uri="{FF2B5EF4-FFF2-40B4-BE49-F238E27FC236}">
+                <a16:creationId xmlns:a16="http://schemas.microsoft.com/office/drawing/2014/main" id="{D6FEAB3E-CCFA-A259-F99E-EBF359F2B91F}"/>
+              </a:ext>
+            </a:extLst>
+          </p:cNvPr>
+          <p:cNvPicPr>
+            <a:picLocks noChangeAspect="1"/>
+          </p:cNvPicPr>
+          <p:nvPr/>
+        </p:nvPicPr>
+        <p:blipFill>
+          <a:blip r:embed="rId2"/>
+          <a:stretch>
+            <a:fillRect/>
+          </a:stretch>
+        </p:blipFill>
+        <p:spPr>
+          <a:xfrm>
+            <a:off x="166254" y="65314"/>
+            <a:ext cx="5143481" cy="2381003"/>
           </a:xfrm>
           <a:prstGeom prst="rect">
             <a:avLst/>
           </a:prstGeom>
-          <a:noFill/>
         </p:spPr>
-        <p:txBody>
-          <a:bodyPr wrap="square" rtlCol="0">
-            <a:spAutoFit/>
-          </a:bodyPr>
-          <a:lstStyle/>
-          <a:p>
-            <a:pPr>
-              <a:lnSpc>
-                <a:spcPct val="150000"/>
-              </a:lnSpc>
-            </a:pPr>
-            <a:r>
-              <a:rPr lang="en-US" altLang="zh-TW" sz="3200" dirty="0"/>
-              <a:t>Modify Item Embedding to improve accuracy</a:t>
-            </a:r>
-          </a:p>
-          <a:p>
-            <a:pPr>
-              <a:lnSpc>
-                <a:spcPct val="150000"/>
-              </a:lnSpc>
-            </a:pPr>
-            <a:r>
-              <a:rPr lang="en-US" altLang="zh-TW" sz="3200" dirty="0"/>
-              <a:t>Deploy the model</a:t>
-            </a:r>
-          </a:p>
-          <a:p>
-            <a:pPr marL="0" indent="0">
-              <a:lnSpc>
-                <a:spcPct val="150000"/>
-              </a:lnSpc>
-              <a:buNone/>
-            </a:pPr>
-            <a:endParaRPr lang="zh-TW" altLang="en-US" sz="3200" dirty="0"/>
-          </a:p>
-        </p:txBody>
-      </p:sp>
+      </p:pic>
     </p:spTree>
     <p:extLst>
       <p:ext uri="{BB962C8B-B14F-4D97-AF65-F5344CB8AC3E}">
-        <p14:creationId xmlns:p14="http://schemas.microsoft.com/office/powerpoint/2010/main" val="3245758576"/>
+        <p14:creationId xmlns:p14="http://schemas.microsoft.com/office/powerpoint/2010/main" val="4056942438"/>
+      </p:ext>
+    </p:extLst>
+  </p:cSld>
+  <p:clrMapOvr>
+    <a:masterClrMapping/>
+  </p:clrMapOvr>
+</p:sld>
+</file>
+
+<file path=ppt/slides/slide18.xml><?xml version="1.0" encoding="utf-8"?>
+<p:sld xmlns:a="http://schemas.openxmlformats.org/drawingml/2006/main" xmlns:r="http://schemas.openxmlformats.org/officeDocument/2006/relationships" xmlns:p="http://schemas.openxmlformats.org/presentationml/2006/main">
+  <p:cSld>
+    <p:spTree>
+      <p:nvGrpSpPr>
+        <p:cNvPr id="1" name=""/>
+        <p:cNvGrpSpPr/>
+        <p:nvPr/>
+      </p:nvGrpSpPr>
+      <p:grpSpPr>
+        <a:xfrm>
+          <a:off x="0" y="0"/>
+          <a:ext cx="0" cy="0"/>
+          <a:chOff x="0" y="0"/>
+          <a:chExt cx="0" cy="0"/>
+        </a:xfrm>
+      </p:grpSpPr>
+      <p:pic>
+        <p:nvPicPr>
+          <p:cNvPr id="7" name="圖片 6">
+            <a:extLst>
+              <a:ext uri="{FF2B5EF4-FFF2-40B4-BE49-F238E27FC236}">
+                <a16:creationId xmlns:a16="http://schemas.microsoft.com/office/drawing/2014/main" id="{DB652D7A-0E0D-9A6F-A427-9D108BCA224E}"/>
+              </a:ext>
+            </a:extLst>
+          </p:cNvPr>
+          <p:cNvPicPr>
+            <a:picLocks noChangeAspect="1"/>
+          </p:cNvPicPr>
+          <p:nvPr/>
+        </p:nvPicPr>
+        <p:blipFill>
+          <a:blip r:embed="rId2"/>
+          <a:stretch>
+            <a:fillRect/>
+          </a:stretch>
+        </p:blipFill>
+        <p:spPr>
+          <a:xfrm>
+            <a:off x="433031" y="779494"/>
+            <a:ext cx="14016895" cy="6863115"/>
+          </a:xfrm>
+          <a:prstGeom prst="rect">
+            <a:avLst/>
+          </a:prstGeom>
+        </p:spPr>
+      </p:pic>
+    </p:spTree>
+    <p:extLst>
+      <p:ext uri="{BB962C8B-B14F-4D97-AF65-F5344CB8AC3E}">
+        <p14:creationId xmlns:p14="http://schemas.microsoft.com/office/powerpoint/2010/main" val="3678355366"/>
+      </p:ext>
+    </p:extLst>
+  </p:cSld>
+  <p:clrMapOvr>
+    <a:masterClrMapping/>
+  </p:clrMapOvr>
+</p:sld>
+</file>
+
+<file path=ppt/slides/slide19.xml><?xml version="1.0" encoding="utf-8"?>
+<p:sld xmlns:a="http://schemas.openxmlformats.org/drawingml/2006/main" xmlns:r="http://schemas.openxmlformats.org/officeDocument/2006/relationships" xmlns:p="http://schemas.openxmlformats.org/presentationml/2006/main">
+  <p:cSld>
+    <p:spTree>
+      <p:nvGrpSpPr>
+        <p:cNvPr id="1" name=""/>
+        <p:cNvGrpSpPr/>
+        <p:nvPr/>
+      </p:nvGrpSpPr>
+      <p:grpSpPr>
+        <a:xfrm>
+          <a:off x="0" y="0"/>
+          <a:ext cx="0" cy="0"/>
+          <a:chOff x="0" y="0"/>
+          <a:chExt cx="0" cy="0"/>
+        </a:xfrm>
+      </p:grpSpPr>
+      <p:pic>
+        <p:nvPicPr>
+          <p:cNvPr id="6" name="圖片 5">
+            <a:extLst>
+              <a:ext uri="{FF2B5EF4-FFF2-40B4-BE49-F238E27FC236}">
+                <a16:creationId xmlns:a16="http://schemas.microsoft.com/office/drawing/2014/main" id="{A86F002E-2256-85AA-6D57-0A840EE7FF4D}"/>
+              </a:ext>
+            </a:extLst>
+          </p:cNvPr>
+          <p:cNvPicPr>
+            <a:picLocks noChangeAspect="1"/>
+          </p:cNvPicPr>
+          <p:nvPr/>
+        </p:nvPicPr>
+        <p:blipFill>
+          <a:blip r:embed="rId2"/>
+          <a:stretch>
+            <a:fillRect/>
+          </a:stretch>
+        </p:blipFill>
+        <p:spPr>
+          <a:xfrm>
+            <a:off x="770021" y="1338498"/>
+            <a:ext cx="12560969" cy="1212742"/>
+          </a:xfrm>
+          <a:prstGeom prst="rect">
+            <a:avLst/>
+          </a:prstGeom>
+        </p:spPr>
+      </p:pic>
+      <p:pic>
+        <p:nvPicPr>
+          <p:cNvPr id="8" name="圖片 7">
+            <a:extLst>
+              <a:ext uri="{FF2B5EF4-FFF2-40B4-BE49-F238E27FC236}">
+                <a16:creationId xmlns:a16="http://schemas.microsoft.com/office/drawing/2014/main" id="{E105A8F2-732F-32F9-59C6-21C88DBE114C}"/>
+              </a:ext>
+            </a:extLst>
+          </p:cNvPr>
+          <p:cNvPicPr>
+            <a:picLocks noChangeAspect="1"/>
+          </p:cNvPicPr>
+          <p:nvPr/>
+        </p:nvPicPr>
+        <p:blipFill>
+          <a:blip r:embed="rId3"/>
+          <a:stretch>
+            <a:fillRect/>
+          </a:stretch>
+        </p:blipFill>
+        <p:spPr>
+          <a:xfrm>
+            <a:off x="880159" y="3433921"/>
+            <a:ext cx="13049071" cy="1361758"/>
+          </a:xfrm>
+          <a:prstGeom prst="rect">
+            <a:avLst/>
+          </a:prstGeom>
+        </p:spPr>
+      </p:pic>
+      <p:pic>
+        <p:nvPicPr>
+          <p:cNvPr id="10" name="圖片 9">
+            <a:extLst>
+              <a:ext uri="{FF2B5EF4-FFF2-40B4-BE49-F238E27FC236}">
+                <a16:creationId xmlns:a16="http://schemas.microsoft.com/office/drawing/2014/main" id="{12BAB533-E4B2-41FD-1674-AA1EC24F72E8}"/>
+              </a:ext>
+            </a:extLst>
+          </p:cNvPr>
+          <p:cNvPicPr>
+            <a:picLocks noChangeAspect="1"/>
+          </p:cNvPicPr>
+          <p:nvPr/>
+        </p:nvPicPr>
+        <p:blipFill>
+          <a:blip r:embed="rId4"/>
+          <a:stretch>
+            <a:fillRect/>
+          </a:stretch>
+        </p:blipFill>
+        <p:spPr>
+          <a:xfrm>
+            <a:off x="880159" y="5529344"/>
+            <a:ext cx="12392280" cy="1212742"/>
+          </a:xfrm>
+          <a:prstGeom prst="rect">
+            <a:avLst/>
+          </a:prstGeom>
+        </p:spPr>
+      </p:pic>
+    </p:spTree>
+    <p:extLst>
+      <p:ext uri="{BB962C8B-B14F-4D97-AF65-F5344CB8AC3E}">
+        <p14:creationId xmlns:p14="http://schemas.microsoft.com/office/powerpoint/2010/main" val="2503183736"/>
       </p:ext>
     </p:extLst>
   </p:cSld>
@@ -6774,6 +6980,1856 @@
         </p:txBody>
       </p:sp>
     </p:spTree>
+  </p:cSld>
+  <p:clrMapOvr>
+    <a:masterClrMapping/>
+  </p:clrMapOvr>
+</p:sld>
+</file>
+
+<file path=ppt/slides/slide20.xml><?xml version="1.0" encoding="utf-8"?>
+<p:sld xmlns:a="http://schemas.openxmlformats.org/drawingml/2006/main" xmlns:r="http://schemas.openxmlformats.org/officeDocument/2006/relationships" xmlns:p="http://schemas.openxmlformats.org/presentationml/2006/main">
+  <p:cSld>
+    <p:spTree>
+      <p:nvGrpSpPr>
+        <p:cNvPr id="1" name=""/>
+        <p:cNvGrpSpPr/>
+        <p:nvPr/>
+      </p:nvGrpSpPr>
+      <p:grpSpPr>
+        <a:xfrm>
+          <a:off x="0" y="0"/>
+          <a:ext cx="0" cy="0"/>
+          <a:chOff x="0" y="0"/>
+          <a:chExt cx="0" cy="0"/>
+        </a:xfrm>
+      </p:grpSpPr>
+      <p:grpSp>
+        <p:nvGrpSpPr>
+          <p:cNvPr id="4" name="群組 3">
+            <a:extLst>
+              <a:ext uri="{FF2B5EF4-FFF2-40B4-BE49-F238E27FC236}">
+                <a16:creationId xmlns:a16="http://schemas.microsoft.com/office/drawing/2014/main" id="{57B3F632-DD13-7830-F8B4-F95234B295E9}"/>
+              </a:ext>
+            </a:extLst>
+          </p:cNvPr>
+          <p:cNvGrpSpPr/>
+          <p:nvPr/>
+        </p:nvGrpSpPr>
+        <p:grpSpPr>
+          <a:xfrm>
+            <a:off x="2083447" y="4973176"/>
+            <a:ext cx="10139424" cy="844952"/>
+            <a:chOff x="2095018" y="3925746"/>
+            <a:chExt cx="10139424" cy="844952"/>
+          </a:xfrm>
+        </p:grpSpPr>
+        <p:grpSp>
+          <p:nvGrpSpPr>
+            <p:cNvPr id="5" name="群組 4">
+              <a:extLst>
+                <a:ext uri="{FF2B5EF4-FFF2-40B4-BE49-F238E27FC236}">
+                  <a16:creationId xmlns:a16="http://schemas.microsoft.com/office/drawing/2014/main" id="{6390282E-7BFC-8434-4C77-701E1688CB05}"/>
+                </a:ext>
+              </a:extLst>
+            </p:cNvPr>
+            <p:cNvGrpSpPr/>
+            <p:nvPr/>
+          </p:nvGrpSpPr>
+          <p:grpSpPr>
+            <a:xfrm>
+              <a:off x="2095018" y="3925746"/>
+              <a:ext cx="2534856" cy="844952"/>
+              <a:chOff x="1122744" y="3240911"/>
+              <a:chExt cx="2534856" cy="844952"/>
+            </a:xfrm>
+          </p:grpSpPr>
+          <p:sp>
+            <p:nvSpPr>
+              <p:cNvPr id="18" name="矩形 17">
+                <a:extLst>
+                  <a:ext uri="{FF2B5EF4-FFF2-40B4-BE49-F238E27FC236}">
+                    <a16:creationId xmlns:a16="http://schemas.microsoft.com/office/drawing/2014/main" id="{3F6D3F45-AA18-CF1B-224E-1F5D11D332D4}"/>
+                  </a:ext>
+                </a:extLst>
+              </p:cNvPr>
+              <p:cNvSpPr/>
+              <p:nvPr/>
+            </p:nvSpPr>
+            <p:spPr>
+              <a:xfrm>
+                <a:off x="1122744" y="3240911"/>
+                <a:ext cx="844952" cy="844952"/>
+              </a:xfrm>
+              <a:prstGeom prst="rect">
+                <a:avLst/>
+              </a:prstGeom>
+              <a:ln/>
+            </p:spPr>
+            <p:style>
+              <a:lnRef idx="2">
+                <a:schemeClr val="dk1"/>
+              </a:lnRef>
+              <a:fillRef idx="1">
+                <a:schemeClr val="lt1"/>
+              </a:fillRef>
+              <a:effectRef idx="0">
+                <a:schemeClr val="dk1"/>
+              </a:effectRef>
+              <a:fontRef idx="minor">
+                <a:schemeClr val="dk1"/>
+              </a:fontRef>
+            </p:style>
+            <p:txBody>
+              <a:bodyPr rtlCol="0" anchor="ctr"/>
+              <a:lstStyle/>
+              <a:p>
+                <a:pPr algn="ctr"/>
+                <a:r>
+                  <a:rPr lang="en-US" altLang="zh-TW" sz="2400" dirty="0"/>
+                  <a:t>0.25</a:t>
+                </a:r>
+                <a:endParaRPr lang="zh-TW" altLang="en-US" sz="2400" dirty="0"/>
+              </a:p>
+            </p:txBody>
+          </p:sp>
+          <p:sp>
+            <p:nvSpPr>
+              <p:cNvPr id="19" name="矩形 18">
+                <a:extLst>
+                  <a:ext uri="{FF2B5EF4-FFF2-40B4-BE49-F238E27FC236}">
+                    <a16:creationId xmlns:a16="http://schemas.microsoft.com/office/drawing/2014/main" id="{0D6512A1-62A3-8A36-23A2-AC9130956827}"/>
+                  </a:ext>
+                </a:extLst>
+              </p:cNvPr>
+              <p:cNvSpPr/>
+              <p:nvPr/>
+            </p:nvSpPr>
+            <p:spPr>
+              <a:xfrm>
+                <a:off x="1967696" y="3240911"/>
+                <a:ext cx="844952" cy="844952"/>
+              </a:xfrm>
+              <a:prstGeom prst="rect">
+                <a:avLst/>
+              </a:prstGeom>
+              <a:ln/>
+            </p:spPr>
+            <p:style>
+              <a:lnRef idx="2">
+                <a:schemeClr val="dk1"/>
+              </a:lnRef>
+              <a:fillRef idx="1">
+                <a:schemeClr val="lt1"/>
+              </a:fillRef>
+              <a:effectRef idx="0">
+                <a:schemeClr val="dk1"/>
+              </a:effectRef>
+              <a:fontRef idx="minor">
+                <a:schemeClr val="dk1"/>
+              </a:fontRef>
+            </p:style>
+            <p:txBody>
+              <a:bodyPr rtlCol="0" anchor="ctr"/>
+              <a:lstStyle/>
+              <a:p>
+                <a:pPr algn="ctr"/>
+                <a:r>
+                  <a:rPr lang="en-US" altLang="zh-TW" sz="2400" dirty="0"/>
+                  <a:t>0.21</a:t>
+                </a:r>
+                <a:endParaRPr lang="zh-TW" altLang="en-US" sz="2400" dirty="0"/>
+              </a:p>
+            </p:txBody>
+          </p:sp>
+          <p:sp>
+            <p:nvSpPr>
+              <p:cNvPr id="20" name="矩形 19">
+                <a:extLst>
+                  <a:ext uri="{FF2B5EF4-FFF2-40B4-BE49-F238E27FC236}">
+                    <a16:creationId xmlns:a16="http://schemas.microsoft.com/office/drawing/2014/main" id="{870A816B-4E36-531A-F979-059459D46589}"/>
+                  </a:ext>
+                </a:extLst>
+              </p:cNvPr>
+              <p:cNvSpPr/>
+              <p:nvPr/>
+            </p:nvSpPr>
+            <p:spPr>
+              <a:xfrm>
+                <a:off x="2812648" y="3240911"/>
+                <a:ext cx="844952" cy="844952"/>
+              </a:xfrm>
+              <a:prstGeom prst="rect">
+                <a:avLst/>
+              </a:prstGeom>
+              <a:ln/>
+            </p:spPr>
+            <p:style>
+              <a:lnRef idx="2">
+                <a:schemeClr val="dk1"/>
+              </a:lnRef>
+              <a:fillRef idx="1">
+                <a:schemeClr val="lt1"/>
+              </a:fillRef>
+              <a:effectRef idx="0">
+                <a:schemeClr val="dk1"/>
+              </a:effectRef>
+              <a:fontRef idx="minor">
+                <a:schemeClr val="dk1"/>
+              </a:fontRef>
+            </p:style>
+            <p:txBody>
+              <a:bodyPr rtlCol="0" anchor="ctr"/>
+              <a:lstStyle/>
+              <a:p>
+                <a:pPr algn="ctr"/>
+                <a:r>
+                  <a:rPr lang="en-US" altLang="zh-TW" sz="2400" dirty="0"/>
+                  <a:t>0.14</a:t>
+                </a:r>
+                <a:endParaRPr lang="zh-TW" altLang="en-US" sz="2400" dirty="0"/>
+              </a:p>
+            </p:txBody>
+          </p:sp>
+        </p:grpSp>
+        <p:grpSp>
+          <p:nvGrpSpPr>
+            <p:cNvPr id="6" name="群組 5">
+              <a:extLst>
+                <a:ext uri="{FF2B5EF4-FFF2-40B4-BE49-F238E27FC236}">
+                  <a16:creationId xmlns:a16="http://schemas.microsoft.com/office/drawing/2014/main" id="{04961B0A-912D-7450-C1F0-3DCF98CA988C}"/>
+                </a:ext>
+              </a:extLst>
+            </p:cNvPr>
+            <p:cNvGrpSpPr/>
+            <p:nvPr/>
+          </p:nvGrpSpPr>
+          <p:grpSpPr>
+            <a:xfrm>
+              <a:off x="4629874" y="3925746"/>
+              <a:ext cx="2534856" cy="844952"/>
+              <a:chOff x="1122744" y="3240911"/>
+              <a:chExt cx="2534856" cy="844952"/>
+            </a:xfrm>
+          </p:grpSpPr>
+          <p:sp>
+            <p:nvSpPr>
+              <p:cNvPr id="15" name="矩形 14">
+                <a:extLst>
+                  <a:ext uri="{FF2B5EF4-FFF2-40B4-BE49-F238E27FC236}">
+                    <a16:creationId xmlns:a16="http://schemas.microsoft.com/office/drawing/2014/main" id="{AA463EB3-07A6-E810-2CBD-AF42A5253BFD}"/>
+                  </a:ext>
+                </a:extLst>
+              </p:cNvPr>
+              <p:cNvSpPr/>
+              <p:nvPr/>
+            </p:nvSpPr>
+            <p:spPr>
+              <a:xfrm>
+                <a:off x="1122744" y="3240911"/>
+                <a:ext cx="844952" cy="844952"/>
+              </a:xfrm>
+              <a:prstGeom prst="rect">
+                <a:avLst/>
+              </a:prstGeom>
+              <a:ln/>
+            </p:spPr>
+            <p:style>
+              <a:lnRef idx="2">
+                <a:schemeClr val="dk1"/>
+              </a:lnRef>
+              <a:fillRef idx="1">
+                <a:schemeClr val="lt1"/>
+              </a:fillRef>
+              <a:effectRef idx="0">
+                <a:schemeClr val="dk1"/>
+              </a:effectRef>
+              <a:fontRef idx="minor">
+                <a:schemeClr val="dk1"/>
+              </a:fontRef>
+            </p:style>
+            <p:txBody>
+              <a:bodyPr rtlCol="0" anchor="ctr"/>
+              <a:lstStyle/>
+              <a:p>
+                <a:pPr algn="ctr"/>
+                <a:r>
+                  <a:rPr lang="en-US" altLang="zh-TW" sz="2400" dirty="0"/>
+                  <a:t>0.32</a:t>
+                </a:r>
+                <a:endParaRPr lang="zh-TW" altLang="en-US" sz="2400" dirty="0"/>
+              </a:p>
+            </p:txBody>
+          </p:sp>
+          <p:sp>
+            <p:nvSpPr>
+              <p:cNvPr id="16" name="矩形 15">
+                <a:extLst>
+                  <a:ext uri="{FF2B5EF4-FFF2-40B4-BE49-F238E27FC236}">
+                    <a16:creationId xmlns:a16="http://schemas.microsoft.com/office/drawing/2014/main" id="{A48B42CB-9A95-4DC7-4D57-C58547272A8B}"/>
+                  </a:ext>
+                </a:extLst>
+              </p:cNvPr>
+              <p:cNvSpPr/>
+              <p:nvPr/>
+            </p:nvSpPr>
+            <p:spPr>
+              <a:xfrm>
+                <a:off x="1967696" y="3240911"/>
+                <a:ext cx="844952" cy="844952"/>
+              </a:xfrm>
+              <a:prstGeom prst="rect">
+                <a:avLst/>
+              </a:prstGeom>
+              <a:ln/>
+            </p:spPr>
+            <p:style>
+              <a:lnRef idx="2">
+                <a:schemeClr val="dk1"/>
+              </a:lnRef>
+              <a:fillRef idx="1">
+                <a:schemeClr val="lt1"/>
+              </a:fillRef>
+              <a:effectRef idx="0">
+                <a:schemeClr val="dk1"/>
+              </a:effectRef>
+              <a:fontRef idx="minor">
+                <a:schemeClr val="dk1"/>
+              </a:fontRef>
+            </p:style>
+            <p:txBody>
+              <a:bodyPr rtlCol="0" anchor="ctr"/>
+              <a:lstStyle/>
+              <a:p>
+                <a:pPr algn="ctr"/>
+                <a:r>
+                  <a:rPr lang="en-US" altLang="zh-TW" sz="2400" dirty="0"/>
+                  <a:t>0.10</a:t>
+                </a:r>
+                <a:endParaRPr lang="zh-TW" altLang="en-US" sz="2400" dirty="0"/>
+              </a:p>
+            </p:txBody>
+          </p:sp>
+          <p:sp>
+            <p:nvSpPr>
+              <p:cNvPr id="17" name="矩形 16">
+                <a:extLst>
+                  <a:ext uri="{FF2B5EF4-FFF2-40B4-BE49-F238E27FC236}">
+                    <a16:creationId xmlns:a16="http://schemas.microsoft.com/office/drawing/2014/main" id="{3AB142E8-A4E9-40EF-63AD-6A7328D2CBD3}"/>
+                  </a:ext>
+                </a:extLst>
+              </p:cNvPr>
+              <p:cNvSpPr/>
+              <p:nvPr/>
+            </p:nvSpPr>
+            <p:spPr>
+              <a:xfrm>
+                <a:off x="2812648" y="3240911"/>
+                <a:ext cx="844952" cy="844952"/>
+              </a:xfrm>
+              <a:prstGeom prst="rect">
+                <a:avLst/>
+              </a:prstGeom>
+              <a:ln/>
+            </p:spPr>
+            <p:style>
+              <a:lnRef idx="2">
+                <a:schemeClr val="dk1"/>
+              </a:lnRef>
+              <a:fillRef idx="1">
+                <a:schemeClr val="lt1"/>
+              </a:fillRef>
+              <a:effectRef idx="0">
+                <a:schemeClr val="dk1"/>
+              </a:effectRef>
+              <a:fontRef idx="minor">
+                <a:schemeClr val="dk1"/>
+              </a:fontRef>
+            </p:style>
+            <p:txBody>
+              <a:bodyPr rtlCol="0" anchor="ctr"/>
+              <a:lstStyle/>
+              <a:p>
+                <a:pPr algn="ctr"/>
+                <a:r>
+                  <a:rPr lang="en-US" altLang="zh-TW" sz="2400" dirty="0"/>
+                  <a:t>0.02</a:t>
+                </a:r>
+                <a:endParaRPr lang="zh-TW" altLang="en-US" sz="2400" dirty="0"/>
+              </a:p>
+            </p:txBody>
+          </p:sp>
+        </p:grpSp>
+        <p:grpSp>
+          <p:nvGrpSpPr>
+            <p:cNvPr id="7" name="群組 6">
+              <a:extLst>
+                <a:ext uri="{FF2B5EF4-FFF2-40B4-BE49-F238E27FC236}">
+                  <a16:creationId xmlns:a16="http://schemas.microsoft.com/office/drawing/2014/main" id="{CDBCB324-244B-335E-225B-290887FE8A5E}"/>
+                </a:ext>
+              </a:extLst>
+            </p:cNvPr>
+            <p:cNvGrpSpPr/>
+            <p:nvPr/>
+          </p:nvGrpSpPr>
+          <p:grpSpPr>
+            <a:xfrm>
+              <a:off x="9699586" y="3925746"/>
+              <a:ext cx="2534856" cy="844952"/>
+              <a:chOff x="1122744" y="3240911"/>
+              <a:chExt cx="2534856" cy="844952"/>
+            </a:xfrm>
+          </p:grpSpPr>
+          <p:sp>
+            <p:nvSpPr>
+              <p:cNvPr id="12" name="矩形 11">
+                <a:extLst>
+                  <a:ext uri="{FF2B5EF4-FFF2-40B4-BE49-F238E27FC236}">
+                    <a16:creationId xmlns:a16="http://schemas.microsoft.com/office/drawing/2014/main" id="{5C4BC1F1-D47E-9FD9-8E7E-1F0265FE8B8B}"/>
+                  </a:ext>
+                </a:extLst>
+              </p:cNvPr>
+              <p:cNvSpPr/>
+              <p:nvPr/>
+            </p:nvSpPr>
+            <p:spPr>
+              <a:xfrm>
+                <a:off x="1122744" y="3240911"/>
+                <a:ext cx="844952" cy="844952"/>
+              </a:xfrm>
+              <a:prstGeom prst="rect">
+                <a:avLst/>
+              </a:prstGeom>
+              <a:ln/>
+            </p:spPr>
+            <p:style>
+              <a:lnRef idx="2">
+                <a:schemeClr val="dk1"/>
+              </a:lnRef>
+              <a:fillRef idx="1">
+                <a:schemeClr val="lt1"/>
+              </a:fillRef>
+              <a:effectRef idx="0">
+                <a:schemeClr val="dk1"/>
+              </a:effectRef>
+              <a:fontRef idx="minor">
+                <a:schemeClr val="dk1"/>
+              </a:fontRef>
+            </p:style>
+            <p:txBody>
+              <a:bodyPr rtlCol="0" anchor="ctr"/>
+              <a:lstStyle/>
+              <a:p>
+                <a:pPr algn="ctr"/>
+                <a:r>
+                  <a:rPr lang="en-US" altLang="zh-TW" sz="2400" dirty="0"/>
+                  <a:t>0.36</a:t>
+                </a:r>
+                <a:endParaRPr lang="zh-TW" altLang="en-US" sz="2400" dirty="0"/>
+              </a:p>
+            </p:txBody>
+          </p:sp>
+          <p:sp>
+            <p:nvSpPr>
+              <p:cNvPr id="13" name="矩形 12">
+                <a:extLst>
+                  <a:ext uri="{FF2B5EF4-FFF2-40B4-BE49-F238E27FC236}">
+                    <a16:creationId xmlns:a16="http://schemas.microsoft.com/office/drawing/2014/main" id="{1DC1B88C-5747-B0E3-F7FE-51627C19E32F}"/>
+                  </a:ext>
+                </a:extLst>
+              </p:cNvPr>
+              <p:cNvSpPr/>
+              <p:nvPr/>
+            </p:nvSpPr>
+            <p:spPr>
+              <a:xfrm>
+                <a:off x="1967696" y="3240911"/>
+                <a:ext cx="844952" cy="844952"/>
+              </a:xfrm>
+              <a:prstGeom prst="rect">
+                <a:avLst/>
+              </a:prstGeom>
+              <a:ln/>
+            </p:spPr>
+            <p:style>
+              <a:lnRef idx="2">
+                <a:schemeClr val="dk1"/>
+              </a:lnRef>
+              <a:fillRef idx="1">
+                <a:schemeClr val="lt1"/>
+              </a:fillRef>
+              <a:effectRef idx="0">
+                <a:schemeClr val="dk1"/>
+              </a:effectRef>
+              <a:fontRef idx="minor">
+                <a:schemeClr val="dk1"/>
+              </a:fontRef>
+            </p:style>
+            <p:txBody>
+              <a:bodyPr rtlCol="0" anchor="ctr"/>
+              <a:lstStyle/>
+              <a:p>
+                <a:pPr algn="ctr"/>
+                <a:r>
+                  <a:rPr lang="en-US" altLang="zh-TW" sz="2400" dirty="0"/>
+                  <a:t>0.01</a:t>
+                </a:r>
+                <a:endParaRPr lang="zh-TW" altLang="en-US" sz="2400" dirty="0"/>
+              </a:p>
+            </p:txBody>
+          </p:sp>
+          <p:sp>
+            <p:nvSpPr>
+              <p:cNvPr id="14" name="矩形 13">
+                <a:extLst>
+                  <a:ext uri="{FF2B5EF4-FFF2-40B4-BE49-F238E27FC236}">
+                    <a16:creationId xmlns:a16="http://schemas.microsoft.com/office/drawing/2014/main" id="{127E039D-09D4-C212-E0B5-BE1D1CE769E0}"/>
+                  </a:ext>
+                </a:extLst>
+              </p:cNvPr>
+              <p:cNvSpPr/>
+              <p:nvPr/>
+            </p:nvSpPr>
+            <p:spPr>
+              <a:xfrm>
+                <a:off x="2812648" y="3240911"/>
+                <a:ext cx="844952" cy="844952"/>
+              </a:xfrm>
+              <a:prstGeom prst="rect">
+                <a:avLst/>
+              </a:prstGeom>
+              <a:ln/>
+            </p:spPr>
+            <p:style>
+              <a:lnRef idx="2">
+                <a:schemeClr val="dk1"/>
+              </a:lnRef>
+              <a:fillRef idx="1">
+                <a:schemeClr val="lt1"/>
+              </a:fillRef>
+              <a:effectRef idx="0">
+                <a:schemeClr val="dk1"/>
+              </a:effectRef>
+              <a:fontRef idx="minor">
+                <a:schemeClr val="dk1"/>
+              </a:fontRef>
+            </p:style>
+            <p:txBody>
+              <a:bodyPr rtlCol="0" anchor="ctr"/>
+              <a:lstStyle/>
+              <a:p>
+                <a:pPr algn="ctr"/>
+                <a:r>
+                  <a:rPr lang="en-US" altLang="zh-TW" sz="2400" dirty="0"/>
+                  <a:t>0.04</a:t>
+                </a:r>
+                <a:endParaRPr lang="zh-TW" altLang="en-US" sz="2400" dirty="0"/>
+              </a:p>
+            </p:txBody>
+          </p:sp>
+        </p:grpSp>
+        <p:grpSp>
+          <p:nvGrpSpPr>
+            <p:cNvPr id="8" name="群組 7">
+              <a:extLst>
+                <a:ext uri="{FF2B5EF4-FFF2-40B4-BE49-F238E27FC236}">
+                  <a16:creationId xmlns:a16="http://schemas.microsoft.com/office/drawing/2014/main" id="{3C093EC3-1126-7572-F2AD-4163A7B9F9C1}"/>
+                </a:ext>
+              </a:extLst>
+            </p:cNvPr>
+            <p:cNvGrpSpPr/>
+            <p:nvPr/>
+          </p:nvGrpSpPr>
+          <p:grpSpPr>
+            <a:xfrm>
+              <a:off x="7164730" y="3925746"/>
+              <a:ext cx="2534856" cy="844952"/>
+              <a:chOff x="1122744" y="3240911"/>
+              <a:chExt cx="2534856" cy="844952"/>
+            </a:xfrm>
+          </p:grpSpPr>
+          <p:sp>
+            <p:nvSpPr>
+              <p:cNvPr id="9" name="矩形 8">
+                <a:extLst>
+                  <a:ext uri="{FF2B5EF4-FFF2-40B4-BE49-F238E27FC236}">
+                    <a16:creationId xmlns:a16="http://schemas.microsoft.com/office/drawing/2014/main" id="{BAC7CDBA-DB91-7F7D-D497-5EB20A58C6E0}"/>
+                  </a:ext>
+                </a:extLst>
+              </p:cNvPr>
+              <p:cNvSpPr/>
+              <p:nvPr/>
+            </p:nvSpPr>
+            <p:spPr>
+              <a:xfrm>
+                <a:off x="1122744" y="3240911"/>
+                <a:ext cx="844952" cy="844952"/>
+              </a:xfrm>
+              <a:prstGeom prst="rect">
+                <a:avLst/>
+              </a:prstGeom>
+              <a:ln/>
+            </p:spPr>
+            <p:style>
+              <a:lnRef idx="2">
+                <a:schemeClr val="dk1"/>
+              </a:lnRef>
+              <a:fillRef idx="1">
+                <a:schemeClr val="lt1"/>
+              </a:fillRef>
+              <a:effectRef idx="0">
+                <a:schemeClr val="dk1"/>
+              </a:effectRef>
+              <a:fontRef idx="minor">
+                <a:schemeClr val="dk1"/>
+              </a:fontRef>
+            </p:style>
+            <p:txBody>
+              <a:bodyPr rtlCol="0" anchor="ctr"/>
+              <a:lstStyle/>
+              <a:p>
+                <a:pPr algn="ctr"/>
+                <a:r>
+                  <a:rPr lang="en-US" altLang="zh-TW" sz="2400" dirty="0"/>
+                  <a:t>0.03</a:t>
+                </a:r>
+                <a:endParaRPr lang="zh-TW" altLang="en-US" sz="2400" dirty="0"/>
+              </a:p>
+            </p:txBody>
+          </p:sp>
+          <p:sp>
+            <p:nvSpPr>
+              <p:cNvPr id="10" name="矩形 9">
+                <a:extLst>
+                  <a:ext uri="{FF2B5EF4-FFF2-40B4-BE49-F238E27FC236}">
+                    <a16:creationId xmlns:a16="http://schemas.microsoft.com/office/drawing/2014/main" id="{EFB5A88A-D043-05FB-1F2F-3F20C5103263}"/>
+                  </a:ext>
+                </a:extLst>
+              </p:cNvPr>
+              <p:cNvSpPr/>
+              <p:nvPr/>
+            </p:nvSpPr>
+            <p:spPr>
+              <a:xfrm>
+                <a:off x="1967696" y="3240911"/>
+                <a:ext cx="844952" cy="844952"/>
+              </a:xfrm>
+              <a:prstGeom prst="rect">
+                <a:avLst/>
+              </a:prstGeom>
+              <a:ln/>
+            </p:spPr>
+            <p:style>
+              <a:lnRef idx="2">
+                <a:schemeClr val="dk1"/>
+              </a:lnRef>
+              <a:fillRef idx="1">
+                <a:schemeClr val="lt1"/>
+              </a:fillRef>
+              <a:effectRef idx="0">
+                <a:schemeClr val="dk1"/>
+              </a:effectRef>
+              <a:fontRef idx="minor">
+                <a:schemeClr val="dk1"/>
+              </a:fontRef>
+            </p:style>
+            <p:txBody>
+              <a:bodyPr rtlCol="0" anchor="ctr"/>
+              <a:lstStyle/>
+              <a:p>
+                <a:pPr algn="ctr"/>
+                <a:r>
+                  <a:rPr lang="en-US" altLang="zh-TW" sz="2400" dirty="0"/>
+                  <a:t>0.11</a:t>
+                </a:r>
+                <a:endParaRPr lang="zh-TW" altLang="en-US" sz="2400" dirty="0"/>
+              </a:p>
+            </p:txBody>
+          </p:sp>
+          <p:sp>
+            <p:nvSpPr>
+              <p:cNvPr id="11" name="矩形 10">
+                <a:extLst>
+                  <a:ext uri="{FF2B5EF4-FFF2-40B4-BE49-F238E27FC236}">
+                    <a16:creationId xmlns:a16="http://schemas.microsoft.com/office/drawing/2014/main" id="{40C2CE28-EAC3-3528-8149-2DAE1BA88DA2}"/>
+                  </a:ext>
+                </a:extLst>
+              </p:cNvPr>
+              <p:cNvSpPr/>
+              <p:nvPr/>
+            </p:nvSpPr>
+            <p:spPr>
+              <a:xfrm>
+                <a:off x="2812648" y="3240911"/>
+                <a:ext cx="844952" cy="844952"/>
+              </a:xfrm>
+              <a:prstGeom prst="rect">
+                <a:avLst/>
+              </a:prstGeom>
+              <a:ln/>
+            </p:spPr>
+            <p:style>
+              <a:lnRef idx="2">
+                <a:schemeClr val="dk1"/>
+              </a:lnRef>
+              <a:fillRef idx="1">
+                <a:schemeClr val="lt1"/>
+              </a:fillRef>
+              <a:effectRef idx="0">
+                <a:schemeClr val="dk1"/>
+              </a:effectRef>
+              <a:fontRef idx="minor">
+                <a:schemeClr val="dk1"/>
+              </a:fontRef>
+            </p:style>
+            <p:txBody>
+              <a:bodyPr rtlCol="0" anchor="ctr"/>
+              <a:lstStyle/>
+              <a:p>
+                <a:pPr algn="ctr"/>
+                <a:r>
+                  <a:rPr lang="en-US" altLang="zh-TW" sz="2400" dirty="0"/>
+                  <a:t>0.25</a:t>
+                </a:r>
+                <a:endParaRPr lang="zh-TW" altLang="en-US" sz="2400" dirty="0"/>
+              </a:p>
+            </p:txBody>
+          </p:sp>
+        </p:grpSp>
+      </p:grpSp>
+      <p:sp>
+        <p:nvSpPr>
+          <p:cNvPr id="21" name="右大括弧 20">
+            <a:extLst>
+              <a:ext uri="{FF2B5EF4-FFF2-40B4-BE49-F238E27FC236}">
+                <a16:creationId xmlns:a16="http://schemas.microsoft.com/office/drawing/2014/main" id="{B33F7471-613E-3EDF-BEC6-977E8A25805C}"/>
+              </a:ext>
+            </a:extLst>
+          </p:cNvPr>
+          <p:cNvSpPr/>
+          <p:nvPr/>
+        </p:nvSpPr>
+        <p:spPr>
+          <a:xfrm rot="5400000">
+            <a:off x="4260449" y="3693257"/>
+            <a:ext cx="738851" cy="5069712"/>
+          </a:xfrm>
+          <a:prstGeom prst="rightBrace">
+            <a:avLst/>
+          </a:prstGeom>
+        </p:spPr>
+        <p:style>
+          <a:lnRef idx="3">
+            <a:schemeClr val="accent1"/>
+          </a:lnRef>
+          <a:fillRef idx="0">
+            <a:schemeClr val="accent1"/>
+          </a:fillRef>
+          <a:effectRef idx="2">
+            <a:schemeClr val="accent1"/>
+          </a:effectRef>
+          <a:fontRef idx="minor">
+            <a:schemeClr val="tx1"/>
+          </a:fontRef>
+        </p:style>
+        <p:txBody>
+          <a:bodyPr rtlCol="0" anchor="ctr"/>
+          <a:lstStyle/>
+          <a:p>
+            <a:pPr algn="ctr"/>
+            <a:endParaRPr lang="zh-TW" altLang="en-US"/>
+          </a:p>
+        </p:txBody>
+      </p:sp>
+      <p:sp>
+        <p:nvSpPr>
+          <p:cNvPr id="22" name="右大括弧 21">
+            <a:extLst>
+              <a:ext uri="{FF2B5EF4-FFF2-40B4-BE49-F238E27FC236}">
+                <a16:creationId xmlns:a16="http://schemas.microsoft.com/office/drawing/2014/main" id="{455F3BBD-A2F8-C270-9DB2-FCE7D8872016}"/>
+              </a:ext>
+            </a:extLst>
+          </p:cNvPr>
+          <p:cNvSpPr/>
+          <p:nvPr/>
+        </p:nvSpPr>
+        <p:spPr>
+          <a:xfrm rot="5400000">
+            <a:off x="9278075" y="3745345"/>
+            <a:ext cx="738851" cy="4965538"/>
+          </a:xfrm>
+          <a:prstGeom prst="rightBrace">
+            <a:avLst>
+              <a:gd name="adj1" fmla="val 8333"/>
+              <a:gd name="adj2" fmla="val 50031"/>
+            </a:avLst>
+          </a:prstGeom>
+        </p:spPr>
+        <p:style>
+          <a:lnRef idx="3">
+            <a:schemeClr val="accent2"/>
+          </a:lnRef>
+          <a:fillRef idx="0">
+            <a:schemeClr val="accent2"/>
+          </a:fillRef>
+          <a:effectRef idx="2">
+            <a:schemeClr val="accent2"/>
+          </a:effectRef>
+          <a:fontRef idx="minor">
+            <a:schemeClr val="tx1"/>
+          </a:fontRef>
+        </p:style>
+        <p:txBody>
+          <a:bodyPr rtlCol="0" anchor="ctr"/>
+          <a:lstStyle/>
+          <a:p>
+            <a:pPr algn="ctr"/>
+            <a:endParaRPr lang="zh-TW" altLang="en-US"/>
+          </a:p>
+        </p:txBody>
+      </p:sp>
+      <p:sp>
+        <p:nvSpPr>
+          <p:cNvPr id="23" name="文字方塊 22">
+            <a:extLst>
+              <a:ext uri="{FF2B5EF4-FFF2-40B4-BE49-F238E27FC236}">
+                <a16:creationId xmlns:a16="http://schemas.microsoft.com/office/drawing/2014/main" id="{CEC2D25B-093C-53B2-2995-819DB13490AF}"/>
+              </a:ext>
+            </a:extLst>
+          </p:cNvPr>
+          <p:cNvSpPr txBox="1"/>
+          <p:nvPr/>
+        </p:nvSpPr>
+        <p:spPr>
+          <a:xfrm>
+            <a:off x="2353154" y="6715247"/>
+            <a:ext cx="5155324" cy="461665"/>
+          </a:xfrm>
+          <a:prstGeom prst="rect">
+            <a:avLst/>
+          </a:prstGeom>
+          <a:noFill/>
+        </p:spPr>
+        <p:txBody>
+          <a:bodyPr wrap="square" rtlCol="0">
+            <a:spAutoFit/>
+          </a:bodyPr>
+          <a:lstStyle/>
+          <a:p>
+            <a:r>
+              <a:rPr lang="en-US" altLang="zh-TW" sz="2400" dirty="0"/>
+              <a:t>Embedding of the product name</a:t>
+            </a:r>
+          </a:p>
+        </p:txBody>
+      </p:sp>
+      <p:sp>
+        <p:nvSpPr>
+          <p:cNvPr id="24" name="文字方塊 23">
+            <a:extLst>
+              <a:ext uri="{FF2B5EF4-FFF2-40B4-BE49-F238E27FC236}">
+                <a16:creationId xmlns:a16="http://schemas.microsoft.com/office/drawing/2014/main" id="{9B914D0D-E31B-F9E2-534E-A5C19446F89C}"/>
+              </a:ext>
+            </a:extLst>
+          </p:cNvPr>
+          <p:cNvSpPr txBox="1"/>
+          <p:nvPr/>
+        </p:nvSpPr>
+        <p:spPr>
+          <a:xfrm>
+            <a:off x="7415881" y="6715247"/>
+            <a:ext cx="5069712" cy="461665"/>
+          </a:xfrm>
+          <a:prstGeom prst="rect">
+            <a:avLst/>
+          </a:prstGeom>
+          <a:noFill/>
+        </p:spPr>
+        <p:txBody>
+          <a:bodyPr wrap="square" rtlCol="0">
+            <a:spAutoFit/>
+          </a:bodyPr>
+          <a:lstStyle/>
+          <a:p>
+            <a:r>
+              <a:rPr lang="en-US" altLang="zh-TW" sz="2400" dirty="0"/>
+              <a:t>Embedding of the product description</a:t>
+            </a:r>
+          </a:p>
+        </p:txBody>
+      </p:sp>
+      <p:grpSp>
+        <p:nvGrpSpPr>
+          <p:cNvPr id="42" name="群組 41">
+            <a:extLst>
+              <a:ext uri="{FF2B5EF4-FFF2-40B4-BE49-F238E27FC236}">
+                <a16:creationId xmlns:a16="http://schemas.microsoft.com/office/drawing/2014/main" id="{D83AC747-985E-4E82-1A83-80774227848E}"/>
+              </a:ext>
+            </a:extLst>
+          </p:cNvPr>
+          <p:cNvGrpSpPr/>
+          <p:nvPr/>
+        </p:nvGrpSpPr>
+        <p:grpSpPr>
+          <a:xfrm>
+            <a:off x="2095020" y="3294244"/>
+            <a:ext cx="10139424" cy="844952"/>
+            <a:chOff x="2095018" y="3925746"/>
+            <a:chExt cx="10139424" cy="844952"/>
+          </a:xfrm>
+        </p:grpSpPr>
+        <p:grpSp>
+          <p:nvGrpSpPr>
+            <p:cNvPr id="43" name="群組 42">
+              <a:extLst>
+                <a:ext uri="{FF2B5EF4-FFF2-40B4-BE49-F238E27FC236}">
+                  <a16:creationId xmlns:a16="http://schemas.microsoft.com/office/drawing/2014/main" id="{CF731E32-4A1C-ECB3-2A91-917D2149F2D5}"/>
+                </a:ext>
+              </a:extLst>
+            </p:cNvPr>
+            <p:cNvGrpSpPr/>
+            <p:nvPr/>
+          </p:nvGrpSpPr>
+          <p:grpSpPr>
+            <a:xfrm>
+              <a:off x="2095018" y="3925746"/>
+              <a:ext cx="2534856" cy="844952"/>
+              <a:chOff x="1122744" y="3240911"/>
+              <a:chExt cx="2534856" cy="844952"/>
+            </a:xfrm>
+          </p:grpSpPr>
+          <p:sp>
+            <p:nvSpPr>
+              <p:cNvPr id="56" name="矩形 55">
+                <a:extLst>
+                  <a:ext uri="{FF2B5EF4-FFF2-40B4-BE49-F238E27FC236}">
+                    <a16:creationId xmlns:a16="http://schemas.microsoft.com/office/drawing/2014/main" id="{112783DF-39D1-AB55-3980-BD0698F71746}"/>
+                  </a:ext>
+                </a:extLst>
+              </p:cNvPr>
+              <p:cNvSpPr/>
+              <p:nvPr/>
+            </p:nvSpPr>
+            <p:spPr>
+              <a:xfrm>
+                <a:off x="1122744" y="3240911"/>
+                <a:ext cx="844952" cy="844952"/>
+              </a:xfrm>
+              <a:prstGeom prst="rect">
+                <a:avLst/>
+              </a:prstGeom>
+              <a:ln/>
+            </p:spPr>
+            <p:style>
+              <a:lnRef idx="2">
+                <a:schemeClr val="dk1"/>
+              </a:lnRef>
+              <a:fillRef idx="1">
+                <a:schemeClr val="lt1"/>
+              </a:fillRef>
+              <a:effectRef idx="0">
+                <a:schemeClr val="dk1"/>
+              </a:effectRef>
+              <a:fontRef idx="minor">
+                <a:schemeClr val="dk1"/>
+              </a:fontRef>
+            </p:style>
+            <p:txBody>
+              <a:bodyPr rtlCol="0" anchor="ctr"/>
+              <a:lstStyle/>
+              <a:p>
+                <a:pPr algn="ctr"/>
+                <a:r>
+                  <a:rPr lang="en-US" altLang="zh-TW" sz="2400" dirty="0"/>
+                  <a:t>0</a:t>
+                </a:r>
+                <a:endParaRPr lang="zh-TW" altLang="en-US" sz="2400" dirty="0"/>
+              </a:p>
+            </p:txBody>
+          </p:sp>
+          <p:sp>
+            <p:nvSpPr>
+              <p:cNvPr id="57" name="矩形 56">
+                <a:extLst>
+                  <a:ext uri="{FF2B5EF4-FFF2-40B4-BE49-F238E27FC236}">
+                    <a16:creationId xmlns:a16="http://schemas.microsoft.com/office/drawing/2014/main" id="{05887060-B56B-F075-DC7B-569CBD22A077}"/>
+                  </a:ext>
+                </a:extLst>
+              </p:cNvPr>
+              <p:cNvSpPr/>
+              <p:nvPr/>
+            </p:nvSpPr>
+            <p:spPr>
+              <a:xfrm>
+                <a:off x="1967696" y="3240911"/>
+                <a:ext cx="844952" cy="844952"/>
+              </a:xfrm>
+              <a:prstGeom prst="rect">
+                <a:avLst/>
+              </a:prstGeom>
+              <a:ln/>
+            </p:spPr>
+            <p:style>
+              <a:lnRef idx="2">
+                <a:schemeClr val="dk1"/>
+              </a:lnRef>
+              <a:fillRef idx="1">
+                <a:schemeClr val="lt1"/>
+              </a:fillRef>
+              <a:effectRef idx="0">
+                <a:schemeClr val="dk1"/>
+              </a:effectRef>
+              <a:fontRef idx="minor">
+                <a:schemeClr val="dk1"/>
+              </a:fontRef>
+            </p:style>
+            <p:txBody>
+              <a:bodyPr rtlCol="0" anchor="ctr"/>
+              <a:lstStyle/>
+              <a:p>
+                <a:pPr algn="ctr"/>
+                <a:r>
+                  <a:rPr lang="en-US" altLang="zh-TW" sz="2400" dirty="0"/>
+                  <a:t>1</a:t>
+                </a:r>
+                <a:endParaRPr lang="zh-TW" altLang="en-US" sz="2400" dirty="0"/>
+              </a:p>
+            </p:txBody>
+          </p:sp>
+          <p:sp>
+            <p:nvSpPr>
+              <p:cNvPr id="58" name="矩形 57">
+                <a:extLst>
+                  <a:ext uri="{FF2B5EF4-FFF2-40B4-BE49-F238E27FC236}">
+                    <a16:creationId xmlns:a16="http://schemas.microsoft.com/office/drawing/2014/main" id="{14743E43-838C-B02C-F0D9-40067BB1E10C}"/>
+                  </a:ext>
+                </a:extLst>
+              </p:cNvPr>
+              <p:cNvSpPr/>
+              <p:nvPr/>
+            </p:nvSpPr>
+            <p:spPr>
+              <a:xfrm>
+                <a:off x="2812648" y="3240911"/>
+                <a:ext cx="844952" cy="844952"/>
+              </a:xfrm>
+              <a:prstGeom prst="rect">
+                <a:avLst/>
+              </a:prstGeom>
+              <a:ln/>
+            </p:spPr>
+            <p:style>
+              <a:lnRef idx="2">
+                <a:schemeClr val="dk1"/>
+              </a:lnRef>
+              <a:fillRef idx="1">
+                <a:schemeClr val="lt1"/>
+              </a:fillRef>
+              <a:effectRef idx="0">
+                <a:schemeClr val="dk1"/>
+              </a:effectRef>
+              <a:fontRef idx="minor">
+                <a:schemeClr val="dk1"/>
+              </a:fontRef>
+            </p:style>
+            <p:txBody>
+              <a:bodyPr rtlCol="0" anchor="ctr"/>
+              <a:lstStyle/>
+              <a:p>
+                <a:pPr algn="ctr"/>
+                <a:r>
+                  <a:rPr lang="en-US" altLang="zh-TW" sz="2400" dirty="0"/>
+                  <a:t>0</a:t>
+                </a:r>
+                <a:endParaRPr lang="zh-TW" altLang="en-US" sz="2400" dirty="0"/>
+              </a:p>
+            </p:txBody>
+          </p:sp>
+        </p:grpSp>
+        <p:grpSp>
+          <p:nvGrpSpPr>
+            <p:cNvPr id="44" name="群組 43">
+              <a:extLst>
+                <a:ext uri="{FF2B5EF4-FFF2-40B4-BE49-F238E27FC236}">
+                  <a16:creationId xmlns:a16="http://schemas.microsoft.com/office/drawing/2014/main" id="{87F9DF53-B2C8-6522-C624-76A9AD76D73F}"/>
+                </a:ext>
+              </a:extLst>
+            </p:cNvPr>
+            <p:cNvGrpSpPr/>
+            <p:nvPr/>
+          </p:nvGrpSpPr>
+          <p:grpSpPr>
+            <a:xfrm>
+              <a:off x="4629874" y="3925746"/>
+              <a:ext cx="2534856" cy="844952"/>
+              <a:chOff x="1122744" y="3240911"/>
+              <a:chExt cx="2534856" cy="844952"/>
+            </a:xfrm>
+          </p:grpSpPr>
+          <p:sp>
+            <p:nvSpPr>
+              <p:cNvPr id="53" name="矩形 52">
+                <a:extLst>
+                  <a:ext uri="{FF2B5EF4-FFF2-40B4-BE49-F238E27FC236}">
+                    <a16:creationId xmlns:a16="http://schemas.microsoft.com/office/drawing/2014/main" id="{72F7588F-411D-D116-9C2D-273CC8027AF8}"/>
+                  </a:ext>
+                </a:extLst>
+              </p:cNvPr>
+              <p:cNvSpPr/>
+              <p:nvPr/>
+            </p:nvSpPr>
+            <p:spPr>
+              <a:xfrm>
+                <a:off x="1122744" y="3240911"/>
+                <a:ext cx="844952" cy="844952"/>
+              </a:xfrm>
+              <a:prstGeom prst="rect">
+                <a:avLst/>
+              </a:prstGeom>
+              <a:ln/>
+            </p:spPr>
+            <p:style>
+              <a:lnRef idx="2">
+                <a:schemeClr val="dk1"/>
+              </a:lnRef>
+              <a:fillRef idx="1">
+                <a:schemeClr val="lt1"/>
+              </a:fillRef>
+              <a:effectRef idx="0">
+                <a:schemeClr val="dk1"/>
+              </a:effectRef>
+              <a:fontRef idx="minor">
+                <a:schemeClr val="dk1"/>
+              </a:fontRef>
+            </p:style>
+            <p:txBody>
+              <a:bodyPr rtlCol="0" anchor="ctr"/>
+              <a:lstStyle/>
+              <a:p>
+                <a:pPr algn="ctr"/>
+                <a:r>
+                  <a:rPr lang="en-US" altLang="zh-TW" sz="2400" dirty="0"/>
+                  <a:t>1</a:t>
+                </a:r>
+                <a:endParaRPr lang="zh-TW" altLang="en-US" sz="2400" dirty="0"/>
+              </a:p>
+            </p:txBody>
+          </p:sp>
+          <p:sp>
+            <p:nvSpPr>
+              <p:cNvPr id="54" name="矩形 53">
+                <a:extLst>
+                  <a:ext uri="{FF2B5EF4-FFF2-40B4-BE49-F238E27FC236}">
+                    <a16:creationId xmlns:a16="http://schemas.microsoft.com/office/drawing/2014/main" id="{9BA84D5F-2C8C-D784-745B-0D1CA0EF92C6}"/>
+                  </a:ext>
+                </a:extLst>
+              </p:cNvPr>
+              <p:cNvSpPr/>
+              <p:nvPr/>
+            </p:nvSpPr>
+            <p:spPr>
+              <a:xfrm>
+                <a:off x="1967696" y="3240911"/>
+                <a:ext cx="844952" cy="844952"/>
+              </a:xfrm>
+              <a:prstGeom prst="rect">
+                <a:avLst/>
+              </a:prstGeom>
+              <a:ln/>
+            </p:spPr>
+            <p:style>
+              <a:lnRef idx="2">
+                <a:schemeClr val="dk1"/>
+              </a:lnRef>
+              <a:fillRef idx="1">
+                <a:schemeClr val="lt1"/>
+              </a:fillRef>
+              <a:effectRef idx="0">
+                <a:schemeClr val="dk1"/>
+              </a:effectRef>
+              <a:fontRef idx="minor">
+                <a:schemeClr val="dk1"/>
+              </a:fontRef>
+            </p:style>
+            <p:txBody>
+              <a:bodyPr rtlCol="0" anchor="ctr"/>
+              <a:lstStyle/>
+              <a:p>
+                <a:pPr algn="ctr"/>
+                <a:r>
+                  <a:rPr lang="en-US" altLang="zh-TW" sz="2400" dirty="0"/>
+                  <a:t>0</a:t>
+                </a:r>
+                <a:endParaRPr lang="zh-TW" altLang="en-US" sz="2400" dirty="0"/>
+              </a:p>
+            </p:txBody>
+          </p:sp>
+          <p:sp>
+            <p:nvSpPr>
+              <p:cNvPr id="55" name="矩形 54">
+                <a:extLst>
+                  <a:ext uri="{FF2B5EF4-FFF2-40B4-BE49-F238E27FC236}">
+                    <a16:creationId xmlns:a16="http://schemas.microsoft.com/office/drawing/2014/main" id="{3167F274-6FED-6ED6-8A86-31739227EB30}"/>
+                  </a:ext>
+                </a:extLst>
+              </p:cNvPr>
+              <p:cNvSpPr/>
+              <p:nvPr/>
+            </p:nvSpPr>
+            <p:spPr>
+              <a:xfrm>
+                <a:off x="2812648" y="3240911"/>
+                <a:ext cx="844952" cy="844952"/>
+              </a:xfrm>
+              <a:prstGeom prst="rect">
+                <a:avLst/>
+              </a:prstGeom>
+              <a:ln/>
+            </p:spPr>
+            <p:style>
+              <a:lnRef idx="2">
+                <a:schemeClr val="dk1"/>
+              </a:lnRef>
+              <a:fillRef idx="1">
+                <a:schemeClr val="lt1"/>
+              </a:fillRef>
+              <a:effectRef idx="0">
+                <a:schemeClr val="dk1"/>
+              </a:effectRef>
+              <a:fontRef idx="minor">
+                <a:schemeClr val="dk1"/>
+              </a:fontRef>
+            </p:style>
+            <p:txBody>
+              <a:bodyPr rtlCol="0" anchor="ctr"/>
+              <a:lstStyle/>
+              <a:p>
+                <a:pPr algn="ctr"/>
+                <a:r>
+                  <a:rPr lang="en-US" altLang="zh-TW" sz="2400" dirty="0"/>
+                  <a:t>0.02</a:t>
+                </a:r>
+                <a:endParaRPr lang="zh-TW" altLang="en-US" sz="2400" dirty="0"/>
+              </a:p>
+            </p:txBody>
+          </p:sp>
+        </p:grpSp>
+        <p:grpSp>
+          <p:nvGrpSpPr>
+            <p:cNvPr id="45" name="群組 44">
+              <a:extLst>
+                <a:ext uri="{FF2B5EF4-FFF2-40B4-BE49-F238E27FC236}">
+                  <a16:creationId xmlns:a16="http://schemas.microsoft.com/office/drawing/2014/main" id="{FAE0855F-E082-34E0-B126-F2CAE6DC5146}"/>
+                </a:ext>
+              </a:extLst>
+            </p:cNvPr>
+            <p:cNvGrpSpPr/>
+            <p:nvPr/>
+          </p:nvGrpSpPr>
+          <p:grpSpPr>
+            <a:xfrm>
+              <a:off x="9699586" y="3925746"/>
+              <a:ext cx="2534856" cy="844952"/>
+              <a:chOff x="1122744" y="3240911"/>
+              <a:chExt cx="2534856" cy="844952"/>
+            </a:xfrm>
+          </p:grpSpPr>
+          <p:sp>
+            <p:nvSpPr>
+              <p:cNvPr id="50" name="矩形 49">
+                <a:extLst>
+                  <a:ext uri="{FF2B5EF4-FFF2-40B4-BE49-F238E27FC236}">
+                    <a16:creationId xmlns:a16="http://schemas.microsoft.com/office/drawing/2014/main" id="{2E9107F4-488A-025A-716B-DB9940A9D685}"/>
+                  </a:ext>
+                </a:extLst>
+              </p:cNvPr>
+              <p:cNvSpPr/>
+              <p:nvPr/>
+            </p:nvSpPr>
+            <p:spPr>
+              <a:xfrm>
+                <a:off x="1122744" y="3240911"/>
+                <a:ext cx="844952" cy="844952"/>
+              </a:xfrm>
+              <a:prstGeom prst="rect">
+                <a:avLst/>
+              </a:prstGeom>
+              <a:ln/>
+            </p:spPr>
+            <p:style>
+              <a:lnRef idx="2">
+                <a:schemeClr val="dk1"/>
+              </a:lnRef>
+              <a:fillRef idx="1">
+                <a:schemeClr val="lt1"/>
+              </a:fillRef>
+              <a:effectRef idx="0">
+                <a:schemeClr val="dk1"/>
+              </a:effectRef>
+              <a:fontRef idx="minor">
+                <a:schemeClr val="dk1"/>
+              </a:fontRef>
+            </p:style>
+            <p:txBody>
+              <a:bodyPr rtlCol="0" anchor="ctr"/>
+              <a:lstStyle/>
+              <a:p>
+                <a:pPr algn="ctr"/>
+                <a:r>
+                  <a:rPr lang="en-US" altLang="zh-TW" sz="2400" dirty="0"/>
+                  <a:t>0.36</a:t>
+                </a:r>
+                <a:endParaRPr lang="zh-TW" altLang="en-US" sz="2400" dirty="0"/>
+              </a:p>
+            </p:txBody>
+          </p:sp>
+          <p:sp>
+            <p:nvSpPr>
+              <p:cNvPr id="51" name="矩形 50">
+                <a:extLst>
+                  <a:ext uri="{FF2B5EF4-FFF2-40B4-BE49-F238E27FC236}">
+                    <a16:creationId xmlns:a16="http://schemas.microsoft.com/office/drawing/2014/main" id="{6AF87CE4-A481-D041-EF0D-A6690DFE9619}"/>
+                  </a:ext>
+                </a:extLst>
+              </p:cNvPr>
+              <p:cNvSpPr/>
+              <p:nvPr/>
+            </p:nvSpPr>
+            <p:spPr>
+              <a:xfrm>
+                <a:off x="1967696" y="3240911"/>
+                <a:ext cx="844952" cy="844952"/>
+              </a:xfrm>
+              <a:prstGeom prst="rect">
+                <a:avLst/>
+              </a:prstGeom>
+              <a:ln/>
+            </p:spPr>
+            <p:style>
+              <a:lnRef idx="2">
+                <a:schemeClr val="dk1"/>
+              </a:lnRef>
+              <a:fillRef idx="1">
+                <a:schemeClr val="lt1"/>
+              </a:fillRef>
+              <a:effectRef idx="0">
+                <a:schemeClr val="dk1"/>
+              </a:effectRef>
+              <a:fontRef idx="minor">
+                <a:schemeClr val="dk1"/>
+              </a:fontRef>
+            </p:style>
+            <p:txBody>
+              <a:bodyPr rtlCol="0" anchor="ctr"/>
+              <a:lstStyle/>
+              <a:p>
+                <a:pPr algn="ctr"/>
+                <a:r>
+                  <a:rPr lang="en-US" altLang="zh-TW" sz="2400" dirty="0"/>
+                  <a:t>0.01</a:t>
+                </a:r>
+                <a:endParaRPr lang="zh-TW" altLang="en-US" sz="2400" dirty="0"/>
+              </a:p>
+            </p:txBody>
+          </p:sp>
+          <p:sp>
+            <p:nvSpPr>
+              <p:cNvPr id="52" name="矩形 51">
+                <a:extLst>
+                  <a:ext uri="{FF2B5EF4-FFF2-40B4-BE49-F238E27FC236}">
+                    <a16:creationId xmlns:a16="http://schemas.microsoft.com/office/drawing/2014/main" id="{3EDC9209-DA6E-91CB-D65D-0DB010FFA4AE}"/>
+                  </a:ext>
+                </a:extLst>
+              </p:cNvPr>
+              <p:cNvSpPr/>
+              <p:nvPr/>
+            </p:nvSpPr>
+            <p:spPr>
+              <a:xfrm>
+                <a:off x="2812648" y="3240911"/>
+                <a:ext cx="844952" cy="844952"/>
+              </a:xfrm>
+              <a:prstGeom prst="rect">
+                <a:avLst/>
+              </a:prstGeom>
+              <a:ln/>
+            </p:spPr>
+            <p:style>
+              <a:lnRef idx="2">
+                <a:schemeClr val="dk1"/>
+              </a:lnRef>
+              <a:fillRef idx="1">
+                <a:schemeClr val="lt1"/>
+              </a:fillRef>
+              <a:effectRef idx="0">
+                <a:schemeClr val="dk1"/>
+              </a:effectRef>
+              <a:fontRef idx="minor">
+                <a:schemeClr val="dk1"/>
+              </a:fontRef>
+            </p:style>
+            <p:txBody>
+              <a:bodyPr rtlCol="0" anchor="ctr"/>
+              <a:lstStyle/>
+              <a:p>
+                <a:pPr algn="ctr"/>
+                <a:r>
+                  <a:rPr lang="en-US" altLang="zh-TW" sz="2400" dirty="0"/>
+                  <a:t>0.04</a:t>
+                </a:r>
+                <a:endParaRPr lang="zh-TW" altLang="en-US" sz="2400" dirty="0"/>
+              </a:p>
+            </p:txBody>
+          </p:sp>
+        </p:grpSp>
+        <p:grpSp>
+          <p:nvGrpSpPr>
+            <p:cNvPr id="46" name="群組 45">
+              <a:extLst>
+                <a:ext uri="{FF2B5EF4-FFF2-40B4-BE49-F238E27FC236}">
+                  <a16:creationId xmlns:a16="http://schemas.microsoft.com/office/drawing/2014/main" id="{1AAF189C-3452-5823-8BF1-773BBEFD5B00}"/>
+                </a:ext>
+              </a:extLst>
+            </p:cNvPr>
+            <p:cNvGrpSpPr/>
+            <p:nvPr/>
+          </p:nvGrpSpPr>
+          <p:grpSpPr>
+            <a:xfrm>
+              <a:off x="7164730" y="3925746"/>
+              <a:ext cx="2534856" cy="844952"/>
+              <a:chOff x="1122744" y="3240911"/>
+              <a:chExt cx="2534856" cy="844952"/>
+            </a:xfrm>
+          </p:grpSpPr>
+          <p:sp>
+            <p:nvSpPr>
+              <p:cNvPr id="47" name="矩形 46">
+                <a:extLst>
+                  <a:ext uri="{FF2B5EF4-FFF2-40B4-BE49-F238E27FC236}">
+                    <a16:creationId xmlns:a16="http://schemas.microsoft.com/office/drawing/2014/main" id="{0FB85334-5A28-7EA6-777D-9BC76D476D22}"/>
+                  </a:ext>
+                </a:extLst>
+              </p:cNvPr>
+              <p:cNvSpPr/>
+              <p:nvPr/>
+            </p:nvSpPr>
+            <p:spPr>
+              <a:xfrm>
+                <a:off x="1122744" y="3240911"/>
+                <a:ext cx="844952" cy="844952"/>
+              </a:xfrm>
+              <a:prstGeom prst="rect">
+                <a:avLst/>
+              </a:prstGeom>
+              <a:ln/>
+            </p:spPr>
+            <p:style>
+              <a:lnRef idx="2">
+                <a:schemeClr val="dk1"/>
+              </a:lnRef>
+              <a:fillRef idx="1">
+                <a:schemeClr val="lt1"/>
+              </a:fillRef>
+              <a:effectRef idx="0">
+                <a:schemeClr val="dk1"/>
+              </a:effectRef>
+              <a:fontRef idx="minor">
+                <a:schemeClr val="dk1"/>
+              </a:fontRef>
+            </p:style>
+            <p:txBody>
+              <a:bodyPr rtlCol="0" anchor="ctr"/>
+              <a:lstStyle/>
+              <a:p>
+                <a:pPr algn="ctr"/>
+                <a:r>
+                  <a:rPr lang="en-US" altLang="zh-TW" sz="2400" dirty="0"/>
+                  <a:t>0.03</a:t>
+                </a:r>
+                <a:endParaRPr lang="zh-TW" altLang="en-US" sz="2400" dirty="0"/>
+              </a:p>
+            </p:txBody>
+          </p:sp>
+          <p:sp>
+            <p:nvSpPr>
+              <p:cNvPr id="48" name="矩形 47">
+                <a:extLst>
+                  <a:ext uri="{FF2B5EF4-FFF2-40B4-BE49-F238E27FC236}">
+                    <a16:creationId xmlns:a16="http://schemas.microsoft.com/office/drawing/2014/main" id="{4D703A71-0A4D-A424-D92F-9511D0582F6D}"/>
+                  </a:ext>
+                </a:extLst>
+              </p:cNvPr>
+              <p:cNvSpPr/>
+              <p:nvPr/>
+            </p:nvSpPr>
+            <p:spPr>
+              <a:xfrm>
+                <a:off x="1967696" y="3240911"/>
+                <a:ext cx="844952" cy="844952"/>
+              </a:xfrm>
+              <a:prstGeom prst="rect">
+                <a:avLst/>
+              </a:prstGeom>
+              <a:ln/>
+            </p:spPr>
+            <p:style>
+              <a:lnRef idx="2">
+                <a:schemeClr val="dk1"/>
+              </a:lnRef>
+              <a:fillRef idx="1">
+                <a:schemeClr val="lt1"/>
+              </a:fillRef>
+              <a:effectRef idx="0">
+                <a:schemeClr val="dk1"/>
+              </a:effectRef>
+              <a:fontRef idx="minor">
+                <a:schemeClr val="dk1"/>
+              </a:fontRef>
+            </p:style>
+            <p:txBody>
+              <a:bodyPr rtlCol="0" anchor="ctr"/>
+              <a:lstStyle/>
+              <a:p>
+                <a:pPr algn="ctr"/>
+                <a:r>
+                  <a:rPr lang="en-US" altLang="zh-TW" sz="2400" dirty="0"/>
+                  <a:t>0.11</a:t>
+                </a:r>
+                <a:endParaRPr lang="zh-TW" altLang="en-US" sz="2400" dirty="0"/>
+              </a:p>
+            </p:txBody>
+          </p:sp>
+          <p:sp>
+            <p:nvSpPr>
+              <p:cNvPr id="49" name="矩形 48">
+                <a:extLst>
+                  <a:ext uri="{FF2B5EF4-FFF2-40B4-BE49-F238E27FC236}">
+                    <a16:creationId xmlns:a16="http://schemas.microsoft.com/office/drawing/2014/main" id="{95B9E314-9B3F-DDC7-3681-9199637CCD2C}"/>
+                  </a:ext>
+                </a:extLst>
+              </p:cNvPr>
+              <p:cNvSpPr/>
+              <p:nvPr/>
+            </p:nvSpPr>
+            <p:spPr>
+              <a:xfrm>
+                <a:off x="2812648" y="3240911"/>
+                <a:ext cx="844952" cy="844952"/>
+              </a:xfrm>
+              <a:prstGeom prst="rect">
+                <a:avLst/>
+              </a:prstGeom>
+              <a:ln/>
+            </p:spPr>
+            <p:style>
+              <a:lnRef idx="2">
+                <a:schemeClr val="dk1"/>
+              </a:lnRef>
+              <a:fillRef idx="1">
+                <a:schemeClr val="lt1"/>
+              </a:fillRef>
+              <a:effectRef idx="0">
+                <a:schemeClr val="dk1"/>
+              </a:effectRef>
+              <a:fontRef idx="minor">
+                <a:schemeClr val="dk1"/>
+              </a:fontRef>
+            </p:style>
+            <p:txBody>
+              <a:bodyPr rtlCol="0" anchor="ctr"/>
+              <a:lstStyle/>
+              <a:p>
+                <a:pPr algn="ctr"/>
+                <a:r>
+                  <a:rPr lang="en-US" altLang="zh-TW" sz="2400" dirty="0"/>
+                  <a:t>0.25</a:t>
+                </a:r>
+                <a:endParaRPr lang="zh-TW" altLang="en-US" sz="2400" dirty="0"/>
+              </a:p>
+            </p:txBody>
+          </p:sp>
+        </p:grpSp>
+      </p:grpSp>
+      <p:sp>
+        <p:nvSpPr>
+          <p:cNvPr id="59" name="右大括弧 58">
+            <a:extLst>
+              <a:ext uri="{FF2B5EF4-FFF2-40B4-BE49-F238E27FC236}">
+                <a16:creationId xmlns:a16="http://schemas.microsoft.com/office/drawing/2014/main" id="{1774D197-F933-F8A3-06B8-186ECBFB60DB}"/>
+              </a:ext>
+            </a:extLst>
+          </p:cNvPr>
+          <p:cNvSpPr/>
+          <p:nvPr/>
+        </p:nvSpPr>
+        <p:spPr>
+          <a:xfrm rot="16200000">
+            <a:off x="4260449" y="389962"/>
+            <a:ext cx="738851" cy="5069712"/>
+          </a:xfrm>
+          <a:prstGeom prst="rightBrace">
+            <a:avLst>
+              <a:gd name="adj1" fmla="val 8333"/>
+              <a:gd name="adj2" fmla="val 48402"/>
+            </a:avLst>
+          </a:prstGeom>
+        </p:spPr>
+        <p:style>
+          <a:lnRef idx="3">
+            <a:schemeClr val="accent1"/>
+          </a:lnRef>
+          <a:fillRef idx="0">
+            <a:schemeClr val="accent1"/>
+          </a:fillRef>
+          <a:effectRef idx="2">
+            <a:schemeClr val="accent1"/>
+          </a:effectRef>
+          <a:fontRef idx="minor">
+            <a:schemeClr val="tx1"/>
+          </a:fontRef>
+        </p:style>
+        <p:txBody>
+          <a:bodyPr rtlCol="0" anchor="ctr"/>
+          <a:lstStyle/>
+          <a:p>
+            <a:pPr algn="ctr"/>
+            <a:endParaRPr lang="zh-TW" altLang="en-US"/>
+          </a:p>
+        </p:txBody>
+      </p:sp>
+      <p:sp>
+        <p:nvSpPr>
+          <p:cNvPr id="61" name="右大括弧 60">
+            <a:extLst>
+              <a:ext uri="{FF2B5EF4-FFF2-40B4-BE49-F238E27FC236}">
+                <a16:creationId xmlns:a16="http://schemas.microsoft.com/office/drawing/2014/main" id="{9B3A3D5D-94AE-F4AF-5F19-6B557856DBCF}"/>
+              </a:ext>
+            </a:extLst>
+          </p:cNvPr>
+          <p:cNvSpPr/>
+          <p:nvPr/>
+        </p:nvSpPr>
+        <p:spPr>
+          <a:xfrm rot="16200000">
+            <a:off x="9330163" y="389962"/>
+            <a:ext cx="738851" cy="5069712"/>
+          </a:xfrm>
+          <a:prstGeom prst="rightBrace">
+            <a:avLst>
+              <a:gd name="adj1" fmla="val 8333"/>
+              <a:gd name="adj2" fmla="val 48402"/>
+            </a:avLst>
+          </a:prstGeom>
+        </p:spPr>
+        <p:style>
+          <a:lnRef idx="3">
+            <a:schemeClr val="accent1"/>
+          </a:lnRef>
+          <a:fillRef idx="0">
+            <a:schemeClr val="accent1"/>
+          </a:fillRef>
+          <a:effectRef idx="2">
+            <a:schemeClr val="accent1"/>
+          </a:effectRef>
+          <a:fontRef idx="minor">
+            <a:schemeClr val="tx1"/>
+          </a:fontRef>
+        </p:style>
+        <p:txBody>
+          <a:bodyPr rtlCol="0" anchor="ctr"/>
+          <a:lstStyle/>
+          <a:p>
+            <a:pPr algn="ctr"/>
+            <a:endParaRPr lang="zh-TW" altLang="en-US"/>
+          </a:p>
+        </p:txBody>
+      </p:sp>
+      <p:sp>
+        <p:nvSpPr>
+          <p:cNvPr id="62" name="文字方塊 61">
+            <a:extLst>
+              <a:ext uri="{FF2B5EF4-FFF2-40B4-BE49-F238E27FC236}">
+                <a16:creationId xmlns:a16="http://schemas.microsoft.com/office/drawing/2014/main" id="{67A18D9B-E854-971B-A495-00C53AF528C2}"/>
+              </a:ext>
+            </a:extLst>
+          </p:cNvPr>
+          <p:cNvSpPr txBox="1"/>
+          <p:nvPr/>
+        </p:nvSpPr>
+        <p:spPr>
+          <a:xfrm>
+            <a:off x="2674587" y="1976019"/>
+            <a:ext cx="5155324" cy="461665"/>
+          </a:xfrm>
+          <a:prstGeom prst="rect">
+            <a:avLst/>
+          </a:prstGeom>
+          <a:noFill/>
+        </p:spPr>
+        <p:txBody>
+          <a:bodyPr wrap="square" rtlCol="0">
+            <a:spAutoFit/>
+          </a:bodyPr>
+          <a:lstStyle/>
+          <a:p>
+            <a:r>
+              <a:rPr lang="en-US" altLang="zh-TW" sz="2400" dirty="0"/>
+              <a:t>Embedding of the keywords</a:t>
+            </a:r>
+          </a:p>
+        </p:txBody>
+      </p:sp>
+      <p:sp>
+        <p:nvSpPr>
+          <p:cNvPr id="63" name="文字方塊 62">
+            <a:extLst>
+              <a:ext uri="{FF2B5EF4-FFF2-40B4-BE49-F238E27FC236}">
+                <a16:creationId xmlns:a16="http://schemas.microsoft.com/office/drawing/2014/main" id="{5EB7DB8A-E4C5-6ECB-F809-AB6876F67D2A}"/>
+              </a:ext>
+            </a:extLst>
+          </p:cNvPr>
+          <p:cNvSpPr txBox="1"/>
+          <p:nvPr/>
+        </p:nvSpPr>
+        <p:spPr>
+          <a:xfrm>
+            <a:off x="7772035" y="1997874"/>
+            <a:ext cx="5155324" cy="461665"/>
+          </a:xfrm>
+          <a:prstGeom prst="rect">
+            <a:avLst/>
+          </a:prstGeom>
+          <a:noFill/>
+        </p:spPr>
+        <p:txBody>
+          <a:bodyPr wrap="square" rtlCol="0">
+            <a:spAutoFit/>
+          </a:bodyPr>
+          <a:lstStyle/>
+          <a:p>
+            <a:r>
+              <a:rPr lang="en-US" altLang="zh-TW" sz="2400" dirty="0"/>
+              <a:t>Embedding of the keywords</a:t>
+            </a:r>
+          </a:p>
+        </p:txBody>
+      </p:sp>
+      <p:sp>
+        <p:nvSpPr>
+          <p:cNvPr id="64" name="標題 1">
+            <a:extLst>
+              <a:ext uri="{FF2B5EF4-FFF2-40B4-BE49-F238E27FC236}">
+                <a16:creationId xmlns:a16="http://schemas.microsoft.com/office/drawing/2014/main" id="{E04F921A-3DD7-4A53-0BBB-0771F539E7F0}"/>
+              </a:ext>
+            </a:extLst>
+          </p:cNvPr>
+          <p:cNvSpPr>
+            <a:spLocks noGrp="1"/>
+          </p:cNvSpPr>
+          <p:nvPr>
+            <p:ph type="title"/>
+          </p:nvPr>
+        </p:nvSpPr>
+        <p:spPr>
+          <a:xfrm>
+            <a:off x="1006475" y="438150"/>
+            <a:ext cx="12617450" cy="1590675"/>
+          </a:xfrm>
+        </p:spPr>
+        <p:txBody>
+          <a:bodyPr/>
+          <a:lstStyle/>
+          <a:p>
+            <a:r>
+              <a:rPr lang="en-US" altLang="zh-TW" sz="5400" dirty="0"/>
+              <a:t>Similarity Score: Keywords and Product </a:t>
+            </a:r>
+            <a:endParaRPr lang="zh-TW" altLang="en-US" dirty="0"/>
+          </a:p>
+        </p:txBody>
+      </p:sp>
+      <p:cxnSp>
+        <p:nvCxnSpPr>
+          <p:cNvPr id="67" name="直線單箭頭接點 66">
+            <a:extLst>
+              <a:ext uri="{FF2B5EF4-FFF2-40B4-BE49-F238E27FC236}">
+                <a16:creationId xmlns:a16="http://schemas.microsoft.com/office/drawing/2014/main" id="{7DB77607-07DB-D667-D6E9-D3ECCE2BDBD0}"/>
+              </a:ext>
+            </a:extLst>
+          </p:cNvPr>
+          <p:cNvCxnSpPr/>
+          <p:nvPr/>
+        </p:nvCxnSpPr>
+        <p:spPr>
+          <a:xfrm>
+            <a:off x="7164731" y="4139196"/>
+            <a:ext cx="1" cy="874538"/>
+          </a:xfrm>
+          <a:prstGeom prst="straightConnector1">
+            <a:avLst/>
+          </a:prstGeom>
+          <a:ln w="38100">
+            <a:headEnd type="triangle"/>
+            <a:tailEnd type="triangle"/>
+          </a:ln>
+        </p:spPr>
+        <p:style>
+          <a:lnRef idx="1">
+            <a:schemeClr val="dk1"/>
+          </a:lnRef>
+          <a:fillRef idx="0">
+            <a:schemeClr val="dk1"/>
+          </a:fillRef>
+          <a:effectRef idx="0">
+            <a:schemeClr val="dk1"/>
+          </a:effectRef>
+          <a:fontRef idx="minor">
+            <a:schemeClr val="tx1"/>
+          </a:fontRef>
+        </p:style>
+      </p:cxnSp>
+      <p:sp>
+        <p:nvSpPr>
+          <p:cNvPr id="68" name="文字方塊 67">
+            <a:extLst>
+              <a:ext uri="{FF2B5EF4-FFF2-40B4-BE49-F238E27FC236}">
+                <a16:creationId xmlns:a16="http://schemas.microsoft.com/office/drawing/2014/main" id="{F87D89AB-29A3-5BE9-53C3-6696C0BD46C7}"/>
+              </a:ext>
+            </a:extLst>
+          </p:cNvPr>
+          <p:cNvSpPr txBox="1"/>
+          <p:nvPr/>
+        </p:nvSpPr>
+        <p:spPr>
+          <a:xfrm>
+            <a:off x="7544402" y="4334705"/>
+            <a:ext cx="5155324" cy="461665"/>
+          </a:xfrm>
+          <a:prstGeom prst="rect">
+            <a:avLst/>
+          </a:prstGeom>
+          <a:noFill/>
+        </p:spPr>
+        <p:txBody>
+          <a:bodyPr wrap="square" rtlCol="0">
+            <a:spAutoFit/>
+          </a:bodyPr>
+          <a:lstStyle/>
+          <a:p>
+            <a:r>
+              <a:rPr lang="en-US" altLang="zh-TW" sz="2400" dirty="0"/>
+              <a:t>Inner Product</a:t>
+            </a:r>
+          </a:p>
+        </p:txBody>
+      </p:sp>
+    </p:spTree>
+    <p:extLst>
+      <p:ext uri="{BB962C8B-B14F-4D97-AF65-F5344CB8AC3E}">
+        <p14:creationId xmlns:p14="http://schemas.microsoft.com/office/powerpoint/2010/main" val="1086721389"/>
+      </p:ext>
+    </p:extLst>
   </p:cSld>
   <p:clrMapOvr>
     <a:masterClrMapping/>
@@ -9368,7 +11424,7 @@
         <a:sysClr val="windowText" lastClr="000000"/>
       </a:dk1>
       <a:lt1>
-        <a:sysClr val="window" lastClr="FFFFFF"/>
+        <a:sysClr val="window" lastClr="F5F5F5"/>
       </a:lt1>
       <a:dk2>
         <a:srgbClr val="44546A"/>
@@ -9569,7 +11625,7 @@
         <a:sysClr val="windowText" lastClr="000000"/>
       </a:dk1>
       <a:lt1>
-        <a:sysClr val="window" lastClr="FFFFFF"/>
+        <a:sysClr val="window" lastClr="F5F5F5"/>
       </a:lt1>
       <a:dk2>
         <a:srgbClr val="44546A"/>
